--- a/assets/Presentation1.pptx
+++ b/assets/Presentation1.pptx
@@ -2,18 +2,18 @@
 <file path=ppt/presentation.xml><?xml version="1.0" encoding="utf-8"?>
 <p:presentation xmlns:a="http://schemas.openxmlformats.org/drawingml/2006/main" xmlns:r="http://schemas.openxmlformats.org/officeDocument/2006/relationships" xmlns:p="http://schemas.openxmlformats.org/presentationml/2006/main" saveSubsetFonts="1" autoCompressPictures="0">
   <p:sldMasterIdLst>
-    <p:sldMasterId id="2147483648" r:id="rId1"/>
+    <p:sldMasterId id="2147483660" r:id="rId1"/>
   </p:sldMasterIdLst>
   <p:sldIdLst>
     <p:sldId id="256" r:id="rId2"/>
   </p:sldIdLst>
-  <p:sldSz cx="12192000" cy="6858000"/>
+  <p:sldSz cx="12192000" cy="10799763"/>
   <p:notesSz cx="6858000" cy="9144000"/>
   <p:defaultTextStyle>
     <a:defPPr>
       <a:defRPr lang="en-US"/>
     </a:defPPr>
-    <a:lvl1pPr marL="0" algn="l" defTabSz="914400" rtl="0" eaLnBrk="1" latinLnBrk="0" hangingPunct="1">
+    <a:lvl1pPr marL="0" algn="l" defTabSz="457200" rtl="0" eaLnBrk="1" latinLnBrk="0" hangingPunct="1">
       <a:defRPr sz="1800" kern="1200">
         <a:solidFill>
           <a:schemeClr val="tx1"/>
@@ -23,7 +23,7 @@
         <a:cs typeface="+mn-cs"/>
       </a:defRPr>
     </a:lvl1pPr>
-    <a:lvl2pPr marL="457200" algn="l" defTabSz="914400" rtl="0" eaLnBrk="1" latinLnBrk="0" hangingPunct="1">
+    <a:lvl2pPr marL="457200" algn="l" defTabSz="457200" rtl="0" eaLnBrk="1" latinLnBrk="0" hangingPunct="1">
       <a:defRPr sz="1800" kern="1200">
         <a:solidFill>
           <a:schemeClr val="tx1"/>
@@ -33,7 +33,7 @@
         <a:cs typeface="+mn-cs"/>
       </a:defRPr>
     </a:lvl2pPr>
-    <a:lvl3pPr marL="914400" algn="l" defTabSz="914400" rtl="0" eaLnBrk="1" latinLnBrk="0" hangingPunct="1">
+    <a:lvl3pPr marL="914400" algn="l" defTabSz="457200" rtl="0" eaLnBrk="1" latinLnBrk="0" hangingPunct="1">
       <a:defRPr sz="1800" kern="1200">
         <a:solidFill>
           <a:schemeClr val="tx1"/>
@@ -43,7 +43,7 @@
         <a:cs typeface="+mn-cs"/>
       </a:defRPr>
     </a:lvl3pPr>
-    <a:lvl4pPr marL="1371600" algn="l" defTabSz="914400" rtl="0" eaLnBrk="1" latinLnBrk="0" hangingPunct="1">
+    <a:lvl4pPr marL="1371600" algn="l" defTabSz="457200" rtl="0" eaLnBrk="1" latinLnBrk="0" hangingPunct="1">
       <a:defRPr sz="1800" kern="1200">
         <a:solidFill>
           <a:schemeClr val="tx1"/>
@@ -53,7 +53,7 @@
         <a:cs typeface="+mn-cs"/>
       </a:defRPr>
     </a:lvl4pPr>
-    <a:lvl5pPr marL="1828800" algn="l" defTabSz="914400" rtl="0" eaLnBrk="1" latinLnBrk="0" hangingPunct="1">
+    <a:lvl5pPr marL="1828800" algn="l" defTabSz="457200" rtl="0" eaLnBrk="1" latinLnBrk="0" hangingPunct="1">
       <a:defRPr sz="1800" kern="1200">
         <a:solidFill>
           <a:schemeClr val="tx1"/>
@@ -63,7 +63,7 @@
         <a:cs typeface="+mn-cs"/>
       </a:defRPr>
     </a:lvl5pPr>
-    <a:lvl6pPr marL="2286000" algn="l" defTabSz="914400" rtl="0" eaLnBrk="1" latinLnBrk="0" hangingPunct="1">
+    <a:lvl6pPr marL="2286000" algn="l" defTabSz="457200" rtl="0" eaLnBrk="1" latinLnBrk="0" hangingPunct="1">
       <a:defRPr sz="1800" kern="1200">
         <a:solidFill>
           <a:schemeClr val="tx1"/>
@@ -73,7 +73,7 @@
         <a:cs typeface="+mn-cs"/>
       </a:defRPr>
     </a:lvl6pPr>
-    <a:lvl7pPr marL="2743200" algn="l" defTabSz="914400" rtl="0" eaLnBrk="1" latinLnBrk="0" hangingPunct="1">
+    <a:lvl7pPr marL="2743200" algn="l" defTabSz="457200" rtl="0" eaLnBrk="1" latinLnBrk="0" hangingPunct="1">
       <a:defRPr sz="1800" kern="1200">
         <a:solidFill>
           <a:schemeClr val="tx1"/>
@@ -83,7 +83,7 @@
         <a:cs typeface="+mn-cs"/>
       </a:defRPr>
     </a:lvl7pPr>
-    <a:lvl8pPr marL="3200400" algn="l" defTabSz="914400" rtl="0" eaLnBrk="1" latinLnBrk="0" hangingPunct="1">
+    <a:lvl8pPr marL="3200400" algn="l" defTabSz="457200" rtl="0" eaLnBrk="1" latinLnBrk="0" hangingPunct="1">
       <a:defRPr sz="1800" kern="1200">
         <a:solidFill>
           <a:schemeClr val="tx1"/>
@@ -93,7 +93,7 @@
         <a:cs typeface="+mn-cs"/>
       </a:defRPr>
     </a:lvl8pPr>
-    <a:lvl9pPr marL="3657600" algn="l" defTabSz="914400" rtl="0" eaLnBrk="1" latinLnBrk="0" hangingPunct="1">
+    <a:lvl9pPr marL="3657600" algn="l" defTabSz="457200" rtl="0" eaLnBrk="1" latinLnBrk="0" hangingPunct="1">
       <a:defRPr sz="1800" kern="1200">
         <a:solidFill>
           <a:schemeClr val="tx1"/>
@@ -126,13 +126,7 @@
       </p:grpSpPr>
       <p:sp>
         <p:nvSpPr>
-          <p:cNvPr id="2" name="Title 1">
-            <a:extLst>
-              <a:ext uri="{FF2B5EF4-FFF2-40B4-BE49-F238E27FC236}">
-                <a16:creationId xmlns:a16="http://schemas.microsoft.com/office/drawing/2014/main" id="{C4F637BC-4BC5-0214-8B98-B794AD950B0B}"/>
-              </a:ext>
-            </a:extLst>
-          </p:cNvPr>
+          <p:cNvPr id="2" name="Title 1"/>
           <p:cNvSpPr>
             <a:spLocks noGrp="1"/>
           </p:cNvSpPr>
@@ -142,15 +136,15 @@
         </p:nvSpPr>
         <p:spPr>
           <a:xfrm>
-            <a:off x="1524000" y="1122363"/>
-            <a:ext cx="9144000" cy="2387600"/>
+            <a:off x="914400" y="1767462"/>
+            <a:ext cx="10363200" cy="3759917"/>
           </a:xfrm>
         </p:spPr>
         <p:txBody>
           <a:bodyPr anchor="b"/>
           <a:lstStyle>
             <a:lvl1pPr algn="ctr">
-              <a:defRPr sz="6000"/>
+              <a:defRPr sz="8000"/>
             </a:lvl1pPr>
           </a:lstStyle>
           <a:p>
@@ -158,19 +152,13 @@
               <a:rPr lang="en-GB"/>
               <a:t>Click to edit Master title style</a:t>
             </a:r>
-            <a:endParaRPr lang="en-US"/>
-          </a:p>
-        </p:txBody>
-      </p:sp>
-      <p:sp>
-        <p:nvSpPr>
-          <p:cNvPr id="3" name="Subtitle 2">
-            <a:extLst>
-              <a:ext uri="{FF2B5EF4-FFF2-40B4-BE49-F238E27FC236}">
-                <a16:creationId xmlns:a16="http://schemas.microsoft.com/office/drawing/2014/main" id="{A8B774C9-0E1D-80B7-205B-F6014EE05AA0}"/>
-              </a:ext>
-            </a:extLst>
-          </p:cNvPr>
+            <a:endParaRPr lang="en-US" dirty="0"/>
+          </a:p>
+        </p:txBody>
+      </p:sp>
+      <p:sp>
+        <p:nvSpPr>
+          <p:cNvPr id="3" name="Subtitle 2"/>
           <p:cNvSpPr>
             <a:spLocks noGrp="1"/>
           </p:cNvSpPr>
@@ -180,8 +168,8 @@
         </p:nvSpPr>
         <p:spPr>
           <a:xfrm>
-            <a:off x="1524000" y="3602038"/>
-            <a:ext cx="9144000" cy="1655762"/>
+            <a:off x="1524000" y="5672376"/>
+            <a:ext cx="9144000" cy="2607442"/>
           </a:xfrm>
         </p:spPr>
         <p:txBody>
@@ -189,39 +177,39 @@
           <a:lstStyle>
             <a:lvl1pPr marL="0" indent="0" algn="ctr">
               <a:buNone/>
+              <a:defRPr sz="3200"/>
+            </a:lvl1pPr>
+            <a:lvl2pPr marL="609585" indent="0" algn="ctr">
+              <a:buNone/>
+              <a:defRPr sz="2667"/>
+            </a:lvl2pPr>
+            <a:lvl3pPr marL="1219170" indent="0" algn="ctr">
+              <a:buNone/>
               <a:defRPr sz="2400"/>
-            </a:lvl1pPr>
-            <a:lvl2pPr marL="457200" indent="0" algn="ctr">
-              <a:buNone/>
-              <a:defRPr sz="2000"/>
-            </a:lvl2pPr>
-            <a:lvl3pPr marL="914400" indent="0" algn="ctr">
-              <a:buNone/>
-              <a:defRPr sz="1800"/>
             </a:lvl3pPr>
-            <a:lvl4pPr marL="1371600" indent="0" algn="ctr">
-              <a:buNone/>
-              <a:defRPr sz="1600"/>
+            <a:lvl4pPr marL="1828754" indent="0" algn="ctr">
+              <a:buNone/>
+              <a:defRPr sz="2133"/>
             </a:lvl4pPr>
-            <a:lvl5pPr marL="1828800" indent="0" algn="ctr">
-              <a:buNone/>
-              <a:defRPr sz="1600"/>
+            <a:lvl5pPr marL="2438339" indent="0" algn="ctr">
+              <a:buNone/>
+              <a:defRPr sz="2133"/>
             </a:lvl5pPr>
-            <a:lvl6pPr marL="2286000" indent="0" algn="ctr">
-              <a:buNone/>
-              <a:defRPr sz="1600"/>
+            <a:lvl6pPr marL="3047924" indent="0" algn="ctr">
+              <a:buNone/>
+              <a:defRPr sz="2133"/>
             </a:lvl6pPr>
-            <a:lvl7pPr marL="2743200" indent="0" algn="ctr">
-              <a:buNone/>
-              <a:defRPr sz="1600"/>
+            <a:lvl7pPr marL="3657509" indent="0" algn="ctr">
+              <a:buNone/>
+              <a:defRPr sz="2133"/>
             </a:lvl7pPr>
-            <a:lvl8pPr marL="3200400" indent="0" algn="ctr">
-              <a:buNone/>
-              <a:defRPr sz="1600"/>
+            <a:lvl8pPr marL="4267093" indent="0" algn="ctr">
+              <a:buNone/>
+              <a:defRPr sz="2133"/>
             </a:lvl8pPr>
-            <a:lvl9pPr marL="3657600" indent="0" algn="ctr">
-              <a:buNone/>
-              <a:defRPr sz="1600"/>
+            <a:lvl9pPr marL="4876678" indent="0" algn="ctr">
+              <a:buNone/>
+              <a:defRPr sz="2133"/>
             </a:lvl9pPr>
           </a:lstStyle>
           <a:p>
@@ -229,19 +217,13 @@
               <a:rPr lang="en-GB"/>
               <a:t>Click to edit Master subtitle style</a:t>
             </a:r>
-            <a:endParaRPr lang="en-US"/>
-          </a:p>
-        </p:txBody>
-      </p:sp>
-      <p:sp>
-        <p:nvSpPr>
-          <p:cNvPr id="4" name="Date Placeholder 3">
-            <a:extLst>
-              <a:ext uri="{FF2B5EF4-FFF2-40B4-BE49-F238E27FC236}">
-                <a16:creationId xmlns:a16="http://schemas.microsoft.com/office/drawing/2014/main" id="{6C69699D-F6C1-B38D-4776-F5666BF6B836}"/>
-              </a:ext>
-            </a:extLst>
-          </p:cNvPr>
+            <a:endParaRPr lang="en-US" dirty="0"/>
+          </a:p>
+        </p:txBody>
+      </p:sp>
+      <p:sp>
+        <p:nvSpPr>
+          <p:cNvPr id="4" name="Date Placeholder 3"/>
           <p:cNvSpPr>
             <a:spLocks noGrp="1"/>
           </p:cNvSpPr>
@@ -264,13 +246,7 @@
       </p:sp>
       <p:sp>
         <p:nvSpPr>
-          <p:cNvPr id="5" name="Footer Placeholder 4">
-            <a:extLst>
-              <a:ext uri="{FF2B5EF4-FFF2-40B4-BE49-F238E27FC236}">
-                <a16:creationId xmlns:a16="http://schemas.microsoft.com/office/drawing/2014/main" id="{944ADB34-5A69-A82A-4DB9-1C63643D027D}"/>
-              </a:ext>
-            </a:extLst>
-          </p:cNvPr>
+          <p:cNvPr id="5" name="Footer Placeholder 4"/>
           <p:cNvSpPr>
             <a:spLocks noGrp="1"/>
           </p:cNvSpPr>
@@ -289,13 +265,7 @@
       </p:sp>
       <p:sp>
         <p:nvSpPr>
-          <p:cNvPr id="6" name="Slide Number Placeholder 5">
-            <a:extLst>
-              <a:ext uri="{FF2B5EF4-FFF2-40B4-BE49-F238E27FC236}">
-                <a16:creationId xmlns:a16="http://schemas.microsoft.com/office/drawing/2014/main" id="{5D04F89F-465A-392B-41D0-9B1F5564319F}"/>
-              </a:ext>
-            </a:extLst>
-          </p:cNvPr>
+          <p:cNvPr id="6" name="Slide Number Placeholder 5"/>
           <p:cNvSpPr>
             <a:spLocks noGrp="1"/>
           </p:cNvSpPr>
@@ -319,7 +289,7 @@
     </p:spTree>
     <p:extLst>
       <p:ext uri="{BB962C8B-B14F-4D97-AF65-F5344CB8AC3E}">
-        <p14:creationId xmlns:p14="http://schemas.microsoft.com/office/powerpoint/2010/main" val="3268732016"/>
+        <p14:creationId xmlns:p14="http://schemas.microsoft.com/office/powerpoint/2010/main" val="2099510741"/>
       </p:ext>
     </p:extLst>
   </p:cSld>
@@ -348,13 +318,7 @@
       </p:grpSpPr>
       <p:sp>
         <p:nvSpPr>
-          <p:cNvPr id="2" name="Title 1">
-            <a:extLst>
-              <a:ext uri="{FF2B5EF4-FFF2-40B4-BE49-F238E27FC236}">
-                <a16:creationId xmlns:a16="http://schemas.microsoft.com/office/drawing/2014/main" id="{97D8D952-B652-306D-5314-A8E9F2E42951}"/>
-              </a:ext>
-            </a:extLst>
-          </p:cNvPr>
+          <p:cNvPr id="2" name="Title 1"/>
           <p:cNvSpPr>
             <a:spLocks noGrp="1"/>
           </p:cNvSpPr>
@@ -371,19 +335,13 @@
               <a:rPr lang="en-GB"/>
               <a:t>Click to edit Master title style</a:t>
             </a:r>
-            <a:endParaRPr lang="en-US"/>
-          </a:p>
-        </p:txBody>
-      </p:sp>
-      <p:sp>
-        <p:nvSpPr>
-          <p:cNvPr id="3" name="Vertical Text Placeholder 2">
-            <a:extLst>
-              <a:ext uri="{FF2B5EF4-FFF2-40B4-BE49-F238E27FC236}">
-                <a16:creationId xmlns:a16="http://schemas.microsoft.com/office/drawing/2014/main" id="{18EF457A-E77A-228E-4011-03FA74AD9604}"/>
-              </a:ext>
-            </a:extLst>
-          </p:cNvPr>
+            <a:endParaRPr lang="en-US" dirty="0"/>
+          </a:p>
+        </p:txBody>
+      </p:sp>
+      <p:sp>
+        <p:nvSpPr>
+          <p:cNvPr id="3" name="Vertical Text Placeholder 2"/>
           <p:cNvSpPr>
             <a:spLocks noGrp="1"/>
           </p:cNvSpPr>
@@ -429,19 +387,13 @@
               <a:rPr lang="en-GB"/>
               <a:t>Fifth level</a:t>
             </a:r>
-            <a:endParaRPr lang="en-US"/>
-          </a:p>
-        </p:txBody>
-      </p:sp>
-      <p:sp>
-        <p:nvSpPr>
-          <p:cNvPr id="4" name="Date Placeholder 3">
-            <a:extLst>
-              <a:ext uri="{FF2B5EF4-FFF2-40B4-BE49-F238E27FC236}">
-                <a16:creationId xmlns:a16="http://schemas.microsoft.com/office/drawing/2014/main" id="{D9F9B6B7-3543-A440-B83B-6E87E01FE0ED}"/>
-              </a:ext>
-            </a:extLst>
-          </p:cNvPr>
+            <a:endParaRPr lang="en-US" dirty="0"/>
+          </a:p>
+        </p:txBody>
+      </p:sp>
+      <p:sp>
+        <p:nvSpPr>
+          <p:cNvPr id="4" name="Date Placeholder 3"/>
           <p:cNvSpPr>
             <a:spLocks noGrp="1"/>
           </p:cNvSpPr>
@@ -464,13 +416,7 @@
       </p:sp>
       <p:sp>
         <p:nvSpPr>
-          <p:cNvPr id="5" name="Footer Placeholder 4">
-            <a:extLst>
-              <a:ext uri="{FF2B5EF4-FFF2-40B4-BE49-F238E27FC236}">
-                <a16:creationId xmlns:a16="http://schemas.microsoft.com/office/drawing/2014/main" id="{8EAAEDEA-391C-10BF-A3BE-B2D9231DB603}"/>
-              </a:ext>
-            </a:extLst>
-          </p:cNvPr>
+          <p:cNvPr id="5" name="Footer Placeholder 4"/>
           <p:cNvSpPr>
             <a:spLocks noGrp="1"/>
           </p:cNvSpPr>
@@ -489,13 +435,7 @@
       </p:sp>
       <p:sp>
         <p:nvSpPr>
-          <p:cNvPr id="6" name="Slide Number Placeholder 5">
-            <a:extLst>
-              <a:ext uri="{FF2B5EF4-FFF2-40B4-BE49-F238E27FC236}">
-                <a16:creationId xmlns:a16="http://schemas.microsoft.com/office/drawing/2014/main" id="{8FCEDB52-BBF2-9FA8-02A2-E22C900204A4}"/>
-              </a:ext>
-            </a:extLst>
-          </p:cNvPr>
+          <p:cNvPr id="6" name="Slide Number Placeholder 5"/>
           <p:cNvSpPr>
             <a:spLocks noGrp="1"/>
           </p:cNvSpPr>
@@ -519,7 +459,7 @@
     </p:spTree>
     <p:extLst>
       <p:ext uri="{BB962C8B-B14F-4D97-AF65-F5344CB8AC3E}">
-        <p14:creationId xmlns:p14="http://schemas.microsoft.com/office/powerpoint/2010/main" val="1671277643"/>
+        <p14:creationId xmlns:p14="http://schemas.microsoft.com/office/powerpoint/2010/main" val="563116206"/>
       </p:ext>
     </p:extLst>
   </p:cSld>
@@ -548,13 +488,7 @@
       </p:grpSpPr>
       <p:sp>
         <p:nvSpPr>
-          <p:cNvPr id="2" name="Vertical Title 1">
-            <a:extLst>
-              <a:ext uri="{FF2B5EF4-FFF2-40B4-BE49-F238E27FC236}">
-                <a16:creationId xmlns:a16="http://schemas.microsoft.com/office/drawing/2014/main" id="{7A0CBD60-843A-234E-12AB-7408021B7070}"/>
-              </a:ext>
-            </a:extLst>
-          </p:cNvPr>
+          <p:cNvPr id="2" name="Vertical Title 1"/>
           <p:cNvSpPr>
             <a:spLocks noGrp="1"/>
           </p:cNvSpPr>
@@ -564,8 +498,8 @@
         </p:nvSpPr>
         <p:spPr>
           <a:xfrm>
-            <a:off x="8724900" y="365125"/>
-            <a:ext cx="2628900" cy="5811838"/>
+            <a:off x="8724901" y="574987"/>
+            <a:ext cx="2628900" cy="9152300"/>
           </a:xfrm>
         </p:spPr>
         <p:txBody>
@@ -576,19 +510,13 @@
               <a:rPr lang="en-GB"/>
               <a:t>Click to edit Master title style</a:t>
             </a:r>
-            <a:endParaRPr lang="en-US"/>
-          </a:p>
-        </p:txBody>
-      </p:sp>
-      <p:sp>
-        <p:nvSpPr>
-          <p:cNvPr id="3" name="Vertical Text Placeholder 2">
-            <a:extLst>
-              <a:ext uri="{FF2B5EF4-FFF2-40B4-BE49-F238E27FC236}">
-                <a16:creationId xmlns:a16="http://schemas.microsoft.com/office/drawing/2014/main" id="{9074F66A-E1AB-478B-404B-E78DA0DA0592}"/>
-              </a:ext>
-            </a:extLst>
-          </p:cNvPr>
+            <a:endParaRPr lang="en-US" dirty="0"/>
+          </a:p>
+        </p:txBody>
+      </p:sp>
+      <p:sp>
+        <p:nvSpPr>
+          <p:cNvPr id="3" name="Vertical Text Placeholder 2"/>
           <p:cNvSpPr>
             <a:spLocks noGrp="1"/>
           </p:cNvSpPr>
@@ -598,8 +526,8 @@
         </p:nvSpPr>
         <p:spPr>
           <a:xfrm>
-            <a:off x="838200" y="365125"/>
-            <a:ext cx="7734300" cy="5811838"/>
+            <a:off x="838201" y="574987"/>
+            <a:ext cx="7734300" cy="9152300"/>
           </a:xfrm>
         </p:spPr>
         <p:txBody>
@@ -639,19 +567,13 @@
               <a:rPr lang="en-GB"/>
               <a:t>Fifth level</a:t>
             </a:r>
-            <a:endParaRPr lang="en-US"/>
-          </a:p>
-        </p:txBody>
-      </p:sp>
-      <p:sp>
-        <p:nvSpPr>
-          <p:cNvPr id="4" name="Date Placeholder 3">
-            <a:extLst>
-              <a:ext uri="{FF2B5EF4-FFF2-40B4-BE49-F238E27FC236}">
-                <a16:creationId xmlns:a16="http://schemas.microsoft.com/office/drawing/2014/main" id="{038BDFBA-06AE-519C-838C-B1768BDE1731}"/>
-              </a:ext>
-            </a:extLst>
-          </p:cNvPr>
+            <a:endParaRPr lang="en-US" dirty="0"/>
+          </a:p>
+        </p:txBody>
+      </p:sp>
+      <p:sp>
+        <p:nvSpPr>
+          <p:cNvPr id="4" name="Date Placeholder 3"/>
           <p:cNvSpPr>
             <a:spLocks noGrp="1"/>
           </p:cNvSpPr>
@@ -674,13 +596,7 @@
       </p:sp>
       <p:sp>
         <p:nvSpPr>
-          <p:cNvPr id="5" name="Footer Placeholder 4">
-            <a:extLst>
-              <a:ext uri="{FF2B5EF4-FFF2-40B4-BE49-F238E27FC236}">
-                <a16:creationId xmlns:a16="http://schemas.microsoft.com/office/drawing/2014/main" id="{E27D4253-FDF8-FEC8-86EB-AC460568EEED}"/>
-              </a:ext>
-            </a:extLst>
-          </p:cNvPr>
+          <p:cNvPr id="5" name="Footer Placeholder 4"/>
           <p:cNvSpPr>
             <a:spLocks noGrp="1"/>
           </p:cNvSpPr>
@@ -699,13 +615,7 @@
       </p:sp>
       <p:sp>
         <p:nvSpPr>
-          <p:cNvPr id="6" name="Slide Number Placeholder 5">
-            <a:extLst>
-              <a:ext uri="{FF2B5EF4-FFF2-40B4-BE49-F238E27FC236}">
-                <a16:creationId xmlns:a16="http://schemas.microsoft.com/office/drawing/2014/main" id="{F25CCB07-2B85-5811-8297-37AF328B75D1}"/>
-              </a:ext>
-            </a:extLst>
-          </p:cNvPr>
+          <p:cNvPr id="6" name="Slide Number Placeholder 5"/>
           <p:cNvSpPr>
             <a:spLocks noGrp="1"/>
           </p:cNvSpPr>
@@ -729,7 +639,7 @@
     </p:spTree>
     <p:extLst>
       <p:ext uri="{BB962C8B-B14F-4D97-AF65-F5344CB8AC3E}">
-        <p14:creationId xmlns:p14="http://schemas.microsoft.com/office/powerpoint/2010/main" val="2573703831"/>
+        <p14:creationId xmlns:p14="http://schemas.microsoft.com/office/powerpoint/2010/main" val="406553753"/>
       </p:ext>
     </p:extLst>
   </p:cSld>
@@ -758,13 +668,7 @@
       </p:grpSpPr>
       <p:sp>
         <p:nvSpPr>
-          <p:cNvPr id="2" name="Title 1">
-            <a:extLst>
-              <a:ext uri="{FF2B5EF4-FFF2-40B4-BE49-F238E27FC236}">
-                <a16:creationId xmlns:a16="http://schemas.microsoft.com/office/drawing/2014/main" id="{89D261B0-E37D-3429-8164-C22A8313599E}"/>
-              </a:ext>
-            </a:extLst>
-          </p:cNvPr>
+          <p:cNvPr id="2" name="Title 1"/>
           <p:cNvSpPr>
             <a:spLocks noGrp="1"/>
           </p:cNvSpPr>
@@ -781,19 +685,13 @@
               <a:rPr lang="en-GB"/>
               <a:t>Click to edit Master title style</a:t>
             </a:r>
-            <a:endParaRPr lang="en-US"/>
-          </a:p>
-        </p:txBody>
-      </p:sp>
-      <p:sp>
-        <p:nvSpPr>
-          <p:cNvPr id="3" name="Content Placeholder 2">
-            <a:extLst>
-              <a:ext uri="{FF2B5EF4-FFF2-40B4-BE49-F238E27FC236}">
-                <a16:creationId xmlns:a16="http://schemas.microsoft.com/office/drawing/2014/main" id="{FCF5BA31-7CB3-A659-5A3B-A49FBA3FA8EB}"/>
-              </a:ext>
-            </a:extLst>
-          </p:cNvPr>
+            <a:endParaRPr lang="en-US" dirty="0"/>
+          </a:p>
+        </p:txBody>
+      </p:sp>
+      <p:sp>
+        <p:nvSpPr>
+          <p:cNvPr id="3" name="Content Placeholder 2"/>
           <p:cNvSpPr>
             <a:spLocks noGrp="1"/>
           </p:cNvSpPr>
@@ -839,19 +737,13 @@
               <a:rPr lang="en-GB"/>
               <a:t>Fifth level</a:t>
             </a:r>
-            <a:endParaRPr lang="en-US"/>
-          </a:p>
-        </p:txBody>
-      </p:sp>
-      <p:sp>
-        <p:nvSpPr>
-          <p:cNvPr id="4" name="Date Placeholder 3">
-            <a:extLst>
-              <a:ext uri="{FF2B5EF4-FFF2-40B4-BE49-F238E27FC236}">
-                <a16:creationId xmlns:a16="http://schemas.microsoft.com/office/drawing/2014/main" id="{FBA30140-1D75-47DD-FFE8-571B2A203D0C}"/>
-              </a:ext>
-            </a:extLst>
-          </p:cNvPr>
+            <a:endParaRPr lang="en-US" dirty="0"/>
+          </a:p>
+        </p:txBody>
+      </p:sp>
+      <p:sp>
+        <p:nvSpPr>
+          <p:cNvPr id="4" name="Date Placeholder 3"/>
           <p:cNvSpPr>
             <a:spLocks noGrp="1"/>
           </p:cNvSpPr>
@@ -874,13 +766,7 @@
       </p:sp>
       <p:sp>
         <p:nvSpPr>
-          <p:cNvPr id="5" name="Footer Placeholder 4">
-            <a:extLst>
-              <a:ext uri="{FF2B5EF4-FFF2-40B4-BE49-F238E27FC236}">
-                <a16:creationId xmlns:a16="http://schemas.microsoft.com/office/drawing/2014/main" id="{B2F96D34-8C12-6FED-62E6-D01C39EB19BD}"/>
-              </a:ext>
-            </a:extLst>
-          </p:cNvPr>
+          <p:cNvPr id="5" name="Footer Placeholder 4"/>
           <p:cNvSpPr>
             <a:spLocks noGrp="1"/>
           </p:cNvSpPr>
@@ -899,13 +785,7 @@
       </p:sp>
       <p:sp>
         <p:nvSpPr>
-          <p:cNvPr id="6" name="Slide Number Placeholder 5">
-            <a:extLst>
-              <a:ext uri="{FF2B5EF4-FFF2-40B4-BE49-F238E27FC236}">
-                <a16:creationId xmlns:a16="http://schemas.microsoft.com/office/drawing/2014/main" id="{40F3DE41-9359-6A8D-2C86-1B5BF8F82D8D}"/>
-              </a:ext>
-            </a:extLst>
-          </p:cNvPr>
+          <p:cNvPr id="6" name="Slide Number Placeholder 5"/>
           <p:cNvSpPr>
             <a:spLocks noGrp="1"/>
           </p:cNvSpPr>
@@ -929,7 +809,7 @@
     </p:spTree>
     <p:extLst>
       <p:ext uri="{BB962C8B-B14F-4D97-AF65-F5344CB8AC3E}">
-        <p14:creationId xmlns:p14="http://schemas.microsoft.com/office/powerpoint/2010/main" val="2882792853"/>
+        <p14:creationId xmlns:p14="http://schemas.microsoft.com/office/powerpoint/2010/main" val="3159666890"/>
       </p:ext>
     </p:extLst>
   </p:cSld>
@@ -958,13 +838,7 @@
       </p:grpSpPr>
       <p:sp>
         <p:nvSpPr>
-          <p:cNvPr id="2" name="Title 1">
-            <a:extLst>
-              <a:ext uri="{FF2B5EF4-FFF2-40B4-BE49-F238E27FC236}">
-                <a16:creationId xmlns:a16="http://schemas.microsoft.com/office/drawing/2014/main" id="{3B87A388-170A-ABC3-16A8-909C68A12E21}"/>
-              </a:ext>
-            </a:extLst>
-          </p:cNvPr>
+          <p:cNvPr id="2" name="Title 1"/>
           <p:cNvSpPr>
             <a:spLocks noGrp="1"/>
           </p:cNvSpPr>
@@ -974,15 +848,15 @@
         </p:nvSpPr>
         <p:spPr>
           <a:xfrm>
-            <a:off x="831850" y="1709738"/>
-            <a:ext cx="10515600" cy="2852737"/>
+            <a:off x="831851" y="2692444"/>
+            <a:ext cx="10515600" cy="4492401"/>
           </a:xfrm>
         </p:spPr>
         <p:txBody>
           <a:bodyPr anchor="b"/>
           <a:lstStyle>
             <a:lvl1pPr>
-              <a:defRPr sz="6000"/>
+              <a:defRPr sz="8000"/>
             </a:lvl1pPr>
           </a:lstStyle>
           <a:p>
@@ -990,19 +864,13 @@
               <a:rPr lang="en-GB"/>
               <a:t>Click to edit Master title style</a:t>
             </a:r>
-            <a:endParaRPr lang="en-US"/>
-          </a:p>
-        </p:txBody>
-      </p:sp>
-      <p:sp>
-        <p:nvSpPr>
-          <p:cNvPr id="3" name="Text Placeholder 2">
-            <a:extLst>
-              <a:ext uri="{FF2B5EF4-FFF2-40B4-BE49-F238E27FC236}">
-                <a16:creationId xmlns:a16="http://schemas.microsoft.com/office/drawing/2014/main" id="{0E2511FE-6D91-09BD-5928-62473B8EC015}"/>
-              </a:ext>
-            </a:extLst>
-          </p:cNvPr>
+            <a:endParaRPr lang="en-US" dirty="0"/>
+          </a:p>
+        </p:txBody>
+      </p:sp>
+      <p:sp>
+        <p:nvSpPr>
+          <p:cNvPr id="3" name="Text Placeholder 2"/>
           <p:cNvSpPr>
             <a:spLocks noGrp="1"/>
           </p:cNvSpPr>
@@ -1012,14 +880,32 @@
         </p:nvSpPr>
         <p:spPr>
           <a:xfrm>
-            <a:off x="831850" y="4589463"/>
-            <a:ext cx="10515600" cy="1500187"/>
+            <a:off x="831851" y="7227345"/>
+            <a:ext cx="10515600" cy="2362447"/>
           </a:xfrm>
         </p:spPr>
         <p:txBody>
           <a:bodyPr/>
           <a:lstStyle>
             <a:lvl1pPr marL="0" indent="0">
+              <a:buNone/>
+              <a:defRPr sz="3200">
+                <a:solidFill>
+                  <a:schemeClr val="tx1"/>
+                </a:solidFill>
+              </a:defRPr>
+            </a:lvl1pPr>
+            <a:lvl2pPr marL="609585" indent="0">
+              <a:buNone/>
+              <a:defRPr sz="2667">
+                <a:solidFill>
+                  <a:schemeClr val="tx1">
+                    <a:tint val="75000"/>
+                  </a:schemeClr>
+                </a:solidFill>
+              </a:defRPr>
+            </a:lvl2pPr>
+            <a:lvl3pPr marL="1219170" indent="0">
               <a:buNone/>
               <a:defRPr sz="2400">
                 <a:solidFill>
@@ -1028,30 +914,10 @@
                   </a:schemeClr>
                 </a:solidFill>
               </a:defRPr>
-            </a:lvl1pPr>
-            <a:lvl2pPr marL="457200" indent="0">
-              <a:buNone/>
-              <a:defRPr sz="2000">
-                <a:solidFill>
-                  <a:schemeClr val="tx1">
-                    <a:tint val="75000"/>
-                  </a:schemeClr>
-                </a:solidFill>
-              </a:defRPr>
-            </a:lvl2pPr>
-            <a:lvl3pPr marL="914400" indent="0">
-              <a:buNone/>
-              <a:defRPr sz="1800">
-                <a:solidFill>
-                  <a:schemeClr val="tx1">
-                    <a:tint val="75000"/>
-                  </a:schemeClr>
-                </a:solidFill>
-              </a:defRPr>
             </a:lvl3pPr>
-            <a:lvl4pPr marL="1371600" indent="0">
-              <a:buNone/>
-              <a:defRPr sz="1600">
+            <a:lvl4pPr marL="1828754" indent="0">
+              <a:buNone/>
+              <a:defRPr sz="2133">
                 <a:solidFill>
                   <a:schemeClr val="tx1">
                     <a:tint val="75000"/>
@@ -1059,9 +925,9 @@
                 </a:solidFill>
               </a:defRPr>
             </a:lvl4pPr>
-            <a:lvl5pPr marL="1828800" indent="0">
-              <a:buNone/>
-              <a:defRPr sz="1600">
+            <a:lvl5pPr marL="2438339" indent="0">
+              <a:buNone/>
+              <a:defRPr sz="2133">
                 <a:solidFill>
                   <a:schemeClr val="tx1">
                     <a:tint val="75000"/>
@@ -1069,9 +935,9 @@
                 </a:solidFill>
               </a:defRPr>
             </a:lvl5pPr>
-            <a:lvl6pPr marL="2286000" indent="0">
-              <a:buNone/>
-              <a:defRPr sz="1600">
+            <a:lvl6pPr marL="3047924" indent="0">
+              <a:buNone/>
+              <a:defRPr sz="2133">
                 <a:solidFill>
                   <a:schemeClr val="tx1">
                     <a:tint val="75000"/>
@@ -1079,9 +945,9 @@
                 </a:solidFill>
               </a:defRPr>
             </a:lvl6pPr>
-            <a:lvl7pPr marL="2743200" indent="0">
-              <a:buNone/>
-              <a:defRPr sz="1600">
+            <a:lvl7pPr marL="3657509" indent="0">
+              <a:buNone/>
+              <a:defRPr sz="2133">
                 <a:solidFill>
                   <a:schemeClr val="tx1">
                     <a:tint val="75000"/>
@@ -1089,9 +955,9 @@
                 </a:solidFill>
               </a:defRPr>
             </a:lvl7pPr>
-            <a:lvl8pPr marL="3200400" indent="0">
-              <a:buNone/>
-              <a:defRPr sz="1600">
+            <a:lvl8pPr marL="4267093" indent="0">
+              <a:buNone/>
+              <a:defRPr sz="2133">
                 <a:solidFill>
                   <a:schemeClr val="tx1">
                     <a:tint val="75000"/>
@@ -1099,9 +965,9 @@
                 </a:solidFill>
               </a:defRPr>
             </a:lvl8pPr>
-            <a:lvl9pPr marL="3657600" indent="0">
-              <a:buNone/>
-              <a:defRPr sz="1600">
+            <a:lvl9pPr marL="4876678" indent="0">
+              <a:buNone/>
+              <a:defRPr sz="2133">
                 <a:solidFill>
                   <a:schemeClr val="tx1">
                     <a:tint val="75000"/>
@@ -1121,13 +987,7 @@
       </p:sp>
       <p:sp>
         <p:nvSpPr>
-          <p:cNvPr id="4" name="Date Placeholder 3">
-            <a:extLst>
-              <a:ext uri="{FF2B5EF4-FFF2-40B4-BE49-F238E27FC236}">
-                <a16:creationId xmlns:a16="http://schemas.microsoft.com/office/drawing/2014/main" id="{2DEEB7D1-709F-486D-B665-25843C99173A}"/>
-              </a:ext>
-            </a:extLst>
-          </p:cNvPr>
+          <p:cNvPr id="4" name="Date Placeholder 3"/>
           <p:cNvSpPr>
             <a:spLocks noGrp="1"/>
           </p:cNvSpPr>
@@ -1150,13 +1010,7 @@
       </p:sp>
       <p:sp>
         <p:nvSpPr>
-          <p:cNvPr id="5" name="Footer Placeholder 4">
-            <a:extLst>
-              <a:ext uri="{FF2B5EF4-FFF2-40B4-BE49-F238E27FC236}">
-                <a16:creationId xmlns:a16="http://schemas.microsoft.com/office/drawing/2014/main" id="{2F660D6A-30CE-90F0-C96A-BD644EA2415B}"/>
-              </a:ext>
-            </a:extLst>
-          </p:cNvPr>
+          <p:cNvPr id="5" name="Footer Placeholder 4"/>
           <p:cNvSpPr>
             <a:spLocks noGrp="1"/>
           </p:cNvSpPr>
@@ -1175,13 +1029,7 @@
       </p:sp>
       <p:sp>
         <p:nvSpPr>
-          <p:cNvPr id="6" name="Slide Number Placeholder 5">
-            <a:extLst>
-              <a:ext uri="{FF2B5EF4-FFF2-40B4-BE49-F238E27FC236}">
-                <a16:creationId xmlns:a16="http://schemas.microsoft.com/office/drawing/2014/main" id="{2E343E37-60E0-D625-0970-6EF27550ABC9}"/>
-              </a:ext>
-            </a:extLst>
-          </p:cNvPr>
+          <p:cNvPr id="6" name="Slide Number Placeholder 5"/>
           <p:cNvSpPr>
             <a:spLocks noGrp="1"/>
           </p:cNvSpPr>
@@ -1205,7 +1053,7 @@
     </p:spTree>
     <p:extLst>
       <p:ext uri="{BB962C8B-B14F-4D97-AF65-F5344CB8AC3E}">
-        <p14:creationId xmlns:p14="http://schemas.microsoft.com/office/powerpoint/2010/main" val="1578016037"/>
+        <p14:creationId xmlns:p14="http://schemas.microsoft.com/office/powerpoint/2010/main" val="4158091968"/>
       </p:ext>
     </p:extLst>
   </p:cSld>
@@ -1234,13 +1082,7 @@
       </p:grpSpPr>
       <p:sp>
         <p:nvSpPr>
-          <p:cNvPr id="2" name="Title 1">
-            <a:extLst>
-              <a:ext uri="{FF2B5EF4-FFF2-40B4-BE49-F238E27FC236}">
-                <a16:creationId xmlns:a16="http://schemas.microsoft.com/office/drawing/2014/main" id="{F90B9191-588E-26C4-D61C-87E3E5AAE015}"/>
-              </a:ext>
-            </a:extLst>
-          </p:cNvPr>
+          <p:cNvPr id="2" name="Title 1"/>
           <p:cNvSpPr>
             <a:spLocks noGrp="1"/>
           </p:cNvSpPr>
@@ -1257,19 +1099,13 @@
               <a:rPr lang="en-GB"/>
               <a:t>Click to edit Master title style</a:t>
             </a:r>
-            <a:endParaRPr lang="en-US"/>
-          </a:p>
-        </p:txBody>
-      </p:sp>
-      <p:sp>
-        <p:nvSpPr>
-          <p:cNvPr id="3" name="Content Placeholder 2">
-            <a:extLst>
-              <a:ext uri="{FF2B5EF4-FFF2-40B4-BE49-F238E27FC236}">
-                <a16:creationId xmlns:a16="http://schemas.microsoft.com/office/drawing/2014/main" id="{493A8536-8C18-1199-9B27-F95A24D324EF}"/>
-              </a:ext>
-            </a:extLst>
-          </p:cNvPr>
+            <a:endParaRPr lang="en-US" dirty="0"/>
+          </a:p>
+        </p:txBody>
+      </p:sp>
+      <p:sp>
+        <p:nvSpPr>
+          <p:cNvPr id="3" name="Content Placeholder 2"/>
           <p:cNvSpPr>
             <a:spLocks noGrp="1"/>
           </p:cNvSpPr>
@@ -1279,8 +1115,8 @@
         </p:nvSpPr>
         <p:spPr>
           <a:xfrm>
-            <a:off x="838200" y="1825625"/>
-            <a:ext cx="5181600" cy="4351338"/>
+            <a:off x="838200" y="2874937"/>
+            <a:ext cx="5181600" cy="6852350"/>
           </a:xfrm>
         </p:spPr>
         <p:txBody>
@@ -1320,19 +1156,13 @@
               <a:rPr lang="en-GB"/>
               <a:t>Fifth level</a:t>
             </a:r>
-            <a:endParaRPr lang="en-US"/>
-          </a:p>
-        </p:txBody>
-      </p:sp>
-      <p:sp>
-        <p:nvSpPr>
-          <p:cNvPr id="4" name="Content Placeholder 3">
-            <a:extLst>
-              <a:ext uri="{FF2B5EF4-FFF2-40B4-BE49-F238E27FC236}">
-                <a16:creationId xmlns:a16="http://schemas.microsoft.com/office/drawing/2014/main" id="{08BAF3BE-FDA8-0ACE-5E58-41DDB9C99F8F}"/>
-              </a:ext>
-            </a:extLst>
-          </p:cNvPr>
+            <a:endParaRPr lang="en-US" dirty="0"/>
+          </a:p>
+        </p:txBody>
+      </p:sp>
+      <p:sp>
+        <p:nvSpPr>
+          <p:cNvPr id="4" name="Content Placeholder 3"/>
           <p:cNvSpPr>
             <a:spLocks noGrp="1"/>
           </p:cNvSpPr>
@@ -1342,8 +1172,8 @@
         </p:nvSpPr>
         <p:spPr>
           <a:xfrm>
-            <a:off x="6172200" y="1825625"/>
-            <a:ext cx="5181600" cy="4351338"/>
+            <a:off x="6172200" y="2874937"/>
+            <a:ext cx="5181600" cy="6852350"/>
           </a:xfrm>
         </p:spPr>
         <p:txBody>
@@ -1383,19 +1213,13 @@
               <a:rPr lang="en-GB"/>
               <a:t>Fifth level</a:t>
             </a:r>
-            <a:endParaRPr lang="en-US"/>
-          </a:p>
-        </p:txBody>
-      </p:sp>
-      <p:sp>
-        <p:nvSpPr>
-          <p:cNvPr id="5" name="Date Placeholder 4">
-            <a:extLst>
-              <a:ext uri="{FF2B5EF4-FFF2-40B4-BE49-F238E27FC236}">
-                <a16:creationId xmlns:a16="http://schemas.microsoft.com/office/drawing/2014/main" id="{A70F914D-9AF5-312A-CB29-581508B4380C}"/>
-              </a:ext>
-            </a:extLst>
-          </p:cNvPr>
+            <a:endParaRPr lang="en-US" dirty="0"/>
+          </a:p>
+        </p:txBody>
+      </p:sp>
+      <p:sp>
+        <p:nvSpPr>
+          <p:cNvPr id="5" name="Date Placeholder 4"/>
           <p:cNvSpPr>
             <a:spLocks noGrp="1"/>
           </p:cNvSpPr>
@@ -1418,13 +1242,7 @@
       </p:sp>
       <p:sp>
         <p:nvSpPr>
-          <p:cNvPr id="6" name="Footer Placeholder 5">
-            <a:extLst>
-              <a:ext uri="{FF2B5EF4-FFF2-40B4-BE49-F238E27FC236}">
-                <a16:creationId xmlns:a16="http://schemas.microsoft.com/office/drawing/2014/main" id="{94658596-0E13-4D28-C193-241539820729}"/>
-              </a:ext>
-            </a:extLst>
-          </p:cNvPr>
+          <p:cNvPr id="6" name="Footer Placeholder 5"/>
           <p:cNvSpPr>
             <a:spLocks noGrp="1"/>
           </p:cNvSpPr>
@@ -1443,13 +1261,7 @@
       </p:sp>
       <p:sp>
         <p:nvSpPr>
-          <p:cNvPr id="7" name="Slide Number Placeholder 6">
-            <a:extLst>
-              <a:ext uri="{FF2B5EF4-FFF2-40B4-BE49-F238E27FC236}">
-                <a16:creationId xmlns:a16="http://schemas.microsoft.com/office/drawing/2014/main" id="{57E45FF2-9BE2-9EFC-0E66-3A3DDED8B32E}"/>
-              </a:ext>
-            </a:extLst>
-          </p:cNvPr>
+          <p:cNvPr id="7" name="Slide Number Placeholder 6"/>
           <p:cNvSpPr>
             <a:spLocks noGrp="1"/>
           </p:cNvSpPr>
@@ -1473,7 +1285,7 @@
     </p:spTree>
     <p:extLst>
       <p:ext uri="{BB962C8B-B14F-4D97-AF65-F5344CB8AC3E}">
-        <p14:creationId xmlns:p14="http://schemas.microsoft.com/office/powerpoint/2010/main" val="1456509430"/>
+        <p14:creationId xmlns:p14="http://schemas.microsoft.com/office/powerpoint/2010/main" val="4115074794"/>
       </p:ext>
     </p:extLst>
   </p:cSld>
@@ -1502,13 +1314,7 @@
       </p:grpSpPr>
       <p:sp>
         <p:nvSpPr>
-          <p:cNvPr id="2" name="Title 1">
-            <a:extLst>
-              <a:ext uri="{FF2B5EF4-FFF2-40B4-BE49-F238E27FC236}">
-                <a16:creationId xmlns:a16="http://schemas.microsoft.com/office/drawing/2014/main" id="{33E05CD3-D0AA-217F-EB72-ECB5A30276B9}"/>
-              </a:ext>
-            </a:extLst>
-          </p:cNvPr>
+          <p:cNvPr id="2" name="Title 1"/>
           <p:cNvSpPr>
             <a:spLocks noGrp="1"/>
           </p:cNvSpPr>
@@ -1518,8 +1324,8 @@
         </p:nvSpPr>
         <p:spPr>
           <a:xfrm>
-            <a:off x="839788" y="365125"/>
-            <a:ext cx="10515600" cy="1325563"/>
+            <a:off x="839788" y="574990"/>
+            <a:ext cx="10515600" cy="2087455"/>
           </a:xfrm>
         </p:spPr>
         <p:txBody>
@@ -1530,19 +1336,13 @@
               <a:rPr lang="en-GB"/>
               <a:t>Click to edit Master title style</a:t>
             </a:r>
-            <a:endParaRPr lang="en-US"/>
-          </a:p>
-        </p:txBody>
-      </p:sp>
-      <p:sp>
-        <p:nvSpPr>
-          <p:cNvPr id="3" name="Text Placeholder 2">
-            <a:extLst>
-              <a:ext uri="{FF2B5EF4-FFF2-40B4-BE49-F238E27FC236}">
-                <a16:creationId xmlns:a16="http://schemas.microsoft.com/office/drawing/2014/main" id="{D4C8E90C-F01E-289B-C799-7F19CA2D44A4}"/>
-              </a:ext>
-            </a:extLst>
-          </p:cNvPr>
+            <a:endParaRPr lang="en-US" dirty="0"/>
+          </a:p>
+        </p:txBody>
+      </p:sp>
+      <p:sp>
+        <p:nvSpPr>
+          <p:cNvPr id="3" name="Text Placeholder 2"/>
           <p:cNvSpPr>
             <a:spLocks noGrp="1"/>
           </p:cNvSpPr>
@@ -1552,8 +1352,8 @@
         </p:nvSpPr>
         <p:spPr>
           <a:xfrm>
-            <a:off x="839788" y="1681163"/>
-            <a:ext cx="5157787" cy="823912"/>
+            <a:off x="839789" y="2647443"/>
+            <a:ext cx="5157787" cy="1297471"/>
           </a:xfrm>
         </p:spPr>
         <p:txBody>
@@ -1561,39 +1361,39 @@
           <a:lstStyle>
             <a:lvl1pPr marL="0" indent="0">
               <a:buNone/>
+              <a:defRPr sz="3200" b="1"/>
+            </a:lvl1pPr>
+            <a:lvl2pPr marL="609585" indent="0">
+              <a:buNone/>
+              <a:defRPr sz="2667" b="1"/>
+            </a:lvl2pPr>
+            <a:lvl3pPr marL="1219170" indent="0">
+              <a:buNone/>
               <a:defRPr sz="2400" b="1"/>
-            </a:lvl1pPr>
-            <a:lvl2pPr marL="457200" indent="0">
-              <a:buNone/>
-              <a:defRPr sz="2000" b="1"/>
-            </a:lvl2pPr>
-            <a:lvl3pPr marL="914400" indent="0">
-              <a:buNone/>
-              <a:defRPr sz="1800" b="1"/>
             </a:lvl3pPr>
-            <a:lvl4pPr marL="1371600" indent="0">
-              <a:buNone/>
-              <a:defRPr sz="1600" b="1"/>
+            <a:lvl4pPr marL="1828754" indent="0">
+              <a:buNone/>
+              <a:defRPr sz="2133" b="1"/>
             </a:lvl4pPr>
-            <a:lvl5pPr marL="1828800" indent="0">
-              <a:buNone/>
-              <a:defRPr sz="1600" b="1"/>
+            <a:lvl5pPr marL="2438339" indent="0">
+              <a:buNone/>
+              <a:defRPr sz="2133" b="1"/>
             </a:lvl5pPr>
-            <a:lvl6pPr marL="2286000" indent="0">
-              <a:buNone/>
-              <a:defRPr sz="1600" b="1"/>
+            <a:lvl6pPr marL="3047924" indent="0">
+              <a:buNone/>
+              <a:defRPr sz="2133" b="1"/>
             </a:lvl6pPr>
-            <a:lvl7pPr marL="2743200" indent="0">
-              <a:buNone/>
-              <a:defRPr sz="1600" b="1"/>
+            <a:lvl7pPr marL="3657509" indent="0">
+              <a:buNone/>
+              <a:defRPr sz="2133" b="1"/>
             </a:lvl7pPr>
-            <a:lvl8pPr marL="3200400" indent="0">
-              <a:buNone/>
-              <a:defRPr sz="1600" b="1"/>
+            <a:lvl8pPr marL="4267093" indent="0">
+              <a:buNone/>
+              <a:defRPr sz="2133" b="1"/>
             </a:lvl8pPr>
-            <a:lvl9pPr marL="3657600" indent="0">
-              <a:buNone/>
-              <a:defRPr sz="1600" b="1"/>
+            <a:lvl9pPr marL="4876678" indent="0">
+              <a:buNone/>
+              <a:defRPr sz="2133" b="1"/>
             </a:lvl9pPr>
           </a:lstStyle>
           <a:p>
@@ -1607,13 +1407,7 @@
       </p:sp>
       <p:sp>
         <p:nvSpPr>
-          <p:cNvPr id="4" name="Content Placeholder 3">
-            <a:extLst>
-              <a:ext uri="{FF2B5EF4-FFF2-40B4-BE49-F238E27FC236}">
-                <a16:creationId xmlns:a16="http://schemas.microsoft.com/office/drawing/2014/main" id="{90F1493F-170E-719C-B9C9-020902EB79FF}"/>
-              </a:ext>
-            </a:extLst>
-          </p:cNvPr>
+          <p:cNvPr id="4" name="Content Placeholder 3"/>
           <p:cNvSpPr>
             <a:spLocks noGrp="1"/>
           </p:cNvSpPr>
@@ -1623,8 +1417,8 @@
         </p:nvSpPr>
         <p:spPr>
           <a:xfrm>
-            <a:off x="839788" y="2505075"/>
-            <a:ext cx="5157787" cy="3684588"/>
+            <a:off x="839789" y="3944914"/>
+            <a:ext cx="5157787" cy="5802373"/>
           </a:xfrm>
         </p:spPr>
         <p:txBody>
@@ -1664,19 +1458,13 @@
               <a:rPr lang="en-GB"/>
               <a:t>Fifth level</a:t>
             </a:r>
-            <a:endParaRPr lang="en-US"/>
-          </a:p>
-        </p:txBody>
-      </p:sp>
-      <p:sp>
-        <p:nvSpPr>
-          <p:cNvPr id="5" name="Text Placeholder 4">
-            <a:extLst>
-              <a:ext uri="{FF2B5EF4-FFF2-40B4-BE49-F238E27FC236}">
-                <a16:creationId xmlns:a16="http://schemas.microsoft.com/office/drawing/2014/main" id="{ED41C9A8-5562-9686-8F89-1F6382AC646D}"/>
-              </a:ext>
-            </a:extLst>
-          </p:cNvPr>
+            <a:endParaRPr lang="en-US" dirty="0"/>
+          </a:p>
+        </p:txBody>
+      </p:sp>
+      <p:sp>
+        <p:nvSpPr>
+          <p:cNvPr id="5" name="Text Placeholder 4"/>
           <p:cNvSpPr>
             <a:spLocks noGrp="1"/>
           </p:cNvSpPr>
@@ -1686,8 +1474,8 @@
         </p:nvSpPr>
         <p:spPr>
           <a:xfrm>
-            <a:off x="6172200" y="1681163"/>
-            <a:ext cx="5183188" cy="823912"/>
+            <a:off x="6172201" y="2647443"/>
+            <a:ext cx="5183188" cy="1297471"/>
           </a:xfrm>
         </p:spPr>
         <p:txBody>
@@ -1695,39 +1483,39 @@
           <a:lstStyle>
             <a:lvl1pPr marL="0" indent="0">
               <a:buNone/>
+              <a:defRPr sz="3200" b="1"/>
+            </a:lvl1pPr>
+            <a:lvl2pPr marL="609585" indent="0">
+              <a:buNone/>
+              <a:defRPr sz="2667" b="1"/>
+            </a:lvl2pPr>
+            <a:lvl3pPr marL="1219170" indent="0">
+              <a:buNone/>
               <a:defRPr sz="2400" b="1"/>
-            </a:lvl1pPr>
-            <a:lvl2pPr marL="457200" indent="0">
-              <a:buNone/>
-              <a:defRPr sz="2000" b="1"/>
-            </a:lvl2pPr>
-            <a:lvl3pPr marL="914400" indent="0">
-              <a:buNone/>
-              <a:defRPr sz="1800" b="1"/>
             </a:lvl3pPr>
-            <a:lvl4pPr marL="1371600" indent="0">
-              <a:buNone/>
-              <a:defRPr sz="1600" b="1"/>
+            <a:lvl4pPr marL="1828754" indent="0">
+              <a:buNone/>
+              <a:defRPr sz="2133" b="1"/>
             </a:lvl4pPr>
-            <a:lvl5pPr marL="1828800" indent="0">
-              <a:buNone/>
-              <a:defRPr sz="1600" b="1"/>
+            <a:lvl5pPr marL="2438339" indent="0">
+              <a:buNone/>
+              <a:defRPr sz="2133" b="1"/>
             </a:lvl5pPr>
-            <a:lvl6pPr marL="2286000" indent="0">
-              <a:buNone/>
-              <a:defRPr sz="1600" b="1"/>
+            <a:lvl6pPr marL="3047924" indent="0">
+              <a:buNone/>
+              <a:defRPr sz="2133" b="1"/>
             </a:lvl6pPr>
-            <a:lvl7pPr marL="2743200" indent="0">
-              <a:buNone/>
-              <a:defRPr sz="1600" b="1"/>
+            <a:lvl7pPr marL="3657509" indent="0">
+              <a:buNone/>
+              <a:defRPr sz="2133" b="1"/>
             </a:lvl7pPr>
-            <a:lvl8pPr marL="3200400" indent="0">
-              <a:buNone/>
-              <a:defRPr sz="1600" b="1"/>
+            <a:lvl8pPr marL="4267093" indent="0">
+              <a:buNone/>
+              <a:defRPr sz="2133" b="1"/>
             </a:lvl8pPr>
-            <a:lvl9pPr marL="3657600" indent="0">
-              <a:buNone/>
-              <a:defRPr sz="1600" b="1"/>
+            <a:lvl9pPr marL="4876678" indent="0">
+              <a:buNone/>
+              <a:defRPr sz="2133" b="1"/>
             </a:lvl9pPr>
           </a:lstStyle>
           <a:p>
@@ -1741,13 +1529,7 @@
       </p:sp>
       <p:sp>
         <p:nvSpPr>
-          <p:cNvPr id="6" name="Content Placeholder 5">
-            <a:extLst>
-              <a:ext uri="{FF2B5EF4-FFF2-40B4-BE49-F238E27FC236}">
-                <a16:creationId xmlns:a16="http://schemas.microsoft.com/office/drawing/2014/main" id="{D0557A73-385D-9F75-EF62-727FA4043115}"/>
-              </a:ext>
-            </a:extLst>
-          </p:cNvPr>
+          <p:cNvPr id="6" name="Content Placeholder 5"/>
           <p:cNvSpPr>
             <a:spLocks noGrp="1"/>
           </p:cNvSpPr>
@@ -1757,8 +1539,8 @@
         </p:nvSpPr>
         <p:spPr>
           <a:xfrm>
-            <a:off x="6172200" y="2505075"/>
-            <a:ext cx="5183188" cy="3684588"/>
+            <a:off x="6172201" y="3944914"/>
+            <a:ext cx="5183188" cy="5802373"/>
           </a:xfrm>
         </p:spPr>
         <p:txBody>
@@ -1798,19 +1580,13 @@
               <a:rPr lang="en-GB"/>
               <a:t>Fifth level</a:t>
             </a:r>
-            <a:endParaRPr lang="en-US"/>
-          </a:p>
-        </p:txBody>
-      </p:sp>
-      <p:sp>
-        <p:nvSpPr>
-          <p:cNvPr id="7" name="Date Placeholder 6">
-            <a:extLst>
-              <a:ext uri="{FF2B5EF4-FFF2-40B4-BE49-F238E27FC236}">
-                <a16:creationId xmlns:a16="http://schemas.microsoft.com/office/drawing/2014/main" id="{66E38537-8D22-2911-2E39-7A363C166706}"/>
-              </a:ext>
-            </a:extLst>
-          </p:cNvPr>
+            <a:endParaRPr lang="en-US" dirty="0"/>
+          </a:p>
+        </p:txBody>
+      </p:sp>
+      <p:sp>
+        <p:nvSpPr>
+          <p:cNvPr id="7" name="Date Placeholder 6"/>
           <p:cNvSpPr>
             <a:spLocks noGrp="1"/>
           </p:cNvSpPr>
@@ -1833,13 +1609,7 @@
       </p:sp>
       <p:sp>
         <p:nvSpPr>
-          <p:cNvPr id="8" name="Footer Placeholder 7">
-            <a:extLst>
-              <a:ext uri="{FF2B5EF4-FFF2-40B4-BE49-F238E27FC236}">
-                <a16:creationId xmlns:a16="http://schemas.microsoft.com/office/drawing/2014/main" id="{D0697C24-BF67-4452-69FE-BFFA10A7483C}"/>
-              </a:ext>
-            </a:extLst>
-          </p:cNvPr>
+          <p:cNvPr id="8" name="Footer Placeholder 7"/>
           <p:cNvSpPr>
             <a:spLocks noGrp="1"/>
           </p:cNvSpPr>
@@ -1858,13 +1628,7 @@
       </p:sp>
       <p:sp>
         <p:nvSpPr>
-          <p:cNvPr id="9" name="Slide Number Placeholder 8">
-            <a:extLst>
-              <a:ext uri="{FF2B5EF4-FFF2-40B4-BE49-F238E27FC236}">
-                <a16:creationId xmlns:a16="http://schemas.microsoft.com/office/drawing/2014/main" id="{5DE3593C-F7FE-F762-3F23-16841DF94D50}"/>
-              </a:ext>
-            </a:extLst>
-          </p:cNvPr>
+          <p:cNvPr id="9" name="Slide Number Placeholder 8"/>
           <p:cNvSpPr>
             <a:spLocks noGrp="1"/>
           </p:cNvSpPr>
@@ -1888,7 +1652,7 @@
     </p:spTree>
     <p:extLst>
       <p:ext uri="{BB962C8B-B14F-4D97-AF65-F5344CB8AC3E}">
-        <p14:creationId xmlns:p14="http://schemas.microsoft.com/office/powerpoint/2010/main" val="4082609587"/>
+        <p14:creationId xmlns:p14="http://schemas.microsoft.com/office/powerpoint/2010/main" val="1914109272"/>
       </p:ext>
     </p:extLst>
   </p:cSld>
@@ -1917,13 +1681,7 @@
       </p:grpSpPr>
       <p:sp>
         <p:nvSpPr>
-          <p:cNvPr id="2" name="Title 1">
-            <a:extLst>
-              <a:ext uri="{FF2B5EF4-FFF2-40B4-BE49-F238E27FC236}">
-                <a16:creationId xmlns:a16="http://schemas.microsoft.com/office/drawing/2014/main" id="{3F999339-ECD7-5865-BA70-CC28120CD5CA}"/>
-              </a:ext>
-            </a:extLst>
-          </p:cNvPr>
+          <p:cNvPr id="2" name="Title 1"/>
           <p:cNvSpPr>
             <a:spLocks noGrp="1"/>
           </p:cNvSpPr>
@@ -1940,19 +1698,13 @@
               <a:rPr lang="en-GB"/>
               <a:t>Click to edit Master title style</a:t>
             </a:r>
-            <a:endParaRPr lang="en-US"/>
-          </a:p>
-        </p:txBody>
-      </p:sp>
-      <p:sp>
-        <p:nvSpPr>
-          <p:cNvPr id="3" name="Date Placeholder 2">
-            <a:extLst>
-              <a:ext uri="{FF2B5EF4-FFF2-40B4-BE49-F238E27FC236}">
-                <a16:creationId xmlns:a16="http://schemas.microsoft.com/office/drawing/2014/main" id="{04DB2744-700B-1645-5BF6-B413B20960F7}"/>
-              </a:ext>
-            </a:extLst>
-          </p:cNvPr>
+            <a:endParaRPr lang="en-US" dirty="0"/>
+          </a:p>
+        </p:txBody>
+      </p:sp>
+      <p:sp>
+        <p:nvSpPr>
+          <p:cNvPr id="3" name="Date Placeholder 2"/>
           <p:cNvSpPr>
             <a:spLocks noGrp="1"/>
           </p:cNvSpPr>
@@ -1975,13 +1727,7 @@
       </p:sp>
       <p:sp>
         <p:nvSpPr>
-          <p:cNvPr id="4" name="Footer Placeholder 3">
-            <a:extLst>
-              <a:ext uri="{FF2B5EF4-FFF2-40B4-BE49-F238E27FC236}">
-                <a16:creationId xmlns:a16="http://schemas.microsoft.com/office/drawing/2014/main" id="{69526263-CAF6-9AC8-908E-8C332F069A80}"/>
-              </a:ext>
-            </a:extLst>
-          </p:cNvPr>
+          <p:cNvPr id="4" name="Footer Placeholder 3"/>
           <p:cNvSpPr>
             <a:spLocks noGrp="1"/>
           </p:cNvSpPr>
@@ -2000,13 +1746,7 @@
       </p:sp>
       <p:sp>
         <p:nvSpPr>
-          <p:cNvPr id="5" name="Slide Number Placeholder 4">
-            <a:extLst>
-              <a:ext uri="{FF2B5EF4-FFF2-40B4-BE49-F238E27FC236}">
-                <a16:creationId xmlns:a16="http://schemas.microsoft.com/office/drawing/2014/main" id="{27478BDB-AEF0-F367-3F6D-56B1BA074A7D}"/>
-              </a:ext>
-            </a:extLst>
-          </p:cNvPr>
+          <p:cNvPr id="5" name="Slide Number Placeholder 4"/>
           <p:cNvSpPr>
             <a:spLocks noGrp="1"/>
           </p:cNvSpPr>
@@ -2030,7 +1770,7 @@
     </p:spTree>
     <p:extLst>
       <p:ext uri="{BB962C8B-B14F-4D97-AF65-F5344CB8AC3E}">
-        <p14:creationId xmlns:p14="http://schemas.microsoft.com/office/powerpoint/2010/main" val="3225325586"/>
+        <p14:creationId xmlns:p14="http://schemas.microsoft.com/office/powerpoint/2010/main" val="2434334883"/>
       </p:ext>
     </p:extLst>
   </p:cSld>
@@ -2059,13 +1799,7 @@
       </p:grpSpPr>
       <p:sp>
         <p:nvSpPr>
-          <p:cNvPr id="2" name="Date Placeholder 1">
-            <a:extLst>
-              <a:ext uri="{FF2B5EF4-FFF2-40B4-BE49-F238E27FC236}">
-                <a16:creationId xmlns:a16="http://schemas.microsoft.com/office/drawing/2014/main" id="{62B87DCA-1B24-3F49-9DAB-80404399368C}"/>
-              </a:ext>
-            </a:extLst>
-          </p:cNvPr>
+          <p:cNvPr id="2" name="Date Placeholder 1"/>
           <p:cNvSpPr>
             <a:spLocks noGrp="1"/>
           </p:cNvSpPr>
@@ -2088,13 +1822,7 @@
       </p:sp>
       <p:sp>
         <p:nvSpPr>
-          <p:cNvPr id="3" name="Footer Placeholder 2">
-            <a:extLst>
-              <a:ext uri="{FF2B5EF4-FFF2-40B4-BE49-F238E27FC236}">
-                <a16:creationId xmlns:a16="http://schemas.microsoft.com/office/drawing/2014/main" id="{B951030B-A173-997D-B594-867DA88A5496}"/>
-              </a:ext>
-            </a:extLst>
-          </p:cNvPr>
+          <p:cNvPr id="3" name="Footer Placeholder 2"/>
           <p:cNvSpPr>
             <a:spLocks noGrp="1"/>
           </p:cNvSpPr>
@@ -2113,13 +1841,7 @@
       </p:sp>
       <p:sp>
         <p:nvSpPr>
-          <p:cNvPr id="4" name="Slide Number Placeholder 3">
-            <a:extLst>
-              <a:ext uri="{FF2B5EF4-FFF2-40B4-BE49-F238E27FC236}">
-                <a16:creationId xmlns:a16="http://schemas.microsoft.com/office/drawing/2014/main" id="{53A00BDC-0132-7702-A08F-74FB4780183B}"/>
-              </a:ext>
-            </a:extLst>
-          </p:cNvPr>
+          <p:cNvPr id="4" name="Slide Number Placeholder 3"/>
           <p:cNvSpPr>
             <a:spLocks noGrp="1"/>
           </p:cNvSpPr>
@@ -2143,7 +1865,7 @@
     </p:spTree>
     <p:extLst>
       <p:ext uri="{BB962C8B-B14F-4D97-AF65-F5344CB8AC3E}">
-        <p14:creationId xmlns:p14="http://schemas.microsoft.com/office/powerpoint/2010/main" val="3563718813"/>
+        <p14:creationId xmlns:p14="http://schemas.microsoft.com/office/powerpoint/2010/main" val="3904127073"/>
       </p:ext>
     </p:extLst>
   </p:cSld>
@@ -2172,13 +1894,7 @@
       </p:grpSpPr>
       <p:sp>
         <p:nvSpPr>
-          <p:cNvPr id="2" name="Title 1">
-            <a:extLst>
-              <a:ext uri="{FF2B5EF4-FFF2-40B4-BE49-F238E27FC236}">
-                <a16:creationId xmlns:a16="http://schemas.microsoft.com/office/drawing/2014/main" id="{2D838E06-CCF4-A972-4BBB-DFD83FAA93B8}"/>
-              </a:ext>
-            </a:extLst>
-          </p:cNvPr>
+          <p:cNvPr id="2" name="Title 1"/>
           <p:cNvSpPr>
             <a:spLocks noGrp="1"/>
           </p:cNvSpPr>
@@ -2188,15 +1904,15 @@
         </p:nvSpPr>
         <p:spPr>
           <a:xfrm>
-            <a:off x="839788" y="457200"/>
-            <a:ext cx="3932237" cy="1600200"/>
+            <a:off x="839788" y="719984"/>
+            <a:ext cx="3932237" cy="2519945"/>
           </a:xfrm>
         </p:spPr>
         <p:txBody>
           <a:bodyPr anchor="b"/>
           <a:lstStyle>
             <a:lvl1pPr>
-              <a:defRPr sz="3200"/>
+              <a:defRPr sz="4267"/>
             </a:lvl1pPr>
           </a:lstStyle>
           <a:p>
@@ -2204,19 +1920,13 @@
               <a:rPr lang="en-GB"/>
               <a:t>Click to edit Master title style</a:t>
             </a:r>
-            <a:endParaRPr lang="en-US"/>
-          </a:p>
-        </p:txBody>
-      </p:sp>
-      <p:sp>
-        <p:nvSpPr>
-          <p:cNvPr id="3" name="Content Placeholder 2">
-            <a:extLst>
-              <a:ext uri="{FF2B5EF4-FFF2-40B4-BE49-F238E27FC236}">
-                <a16:creationId xmlns:a16="http://schemas.microsoft.com/office/drawing/2014/main" id="{7C062361-1BC1-2600-B78E-89936836F4CA}"/>
-              </a:ext>
-            </a:extLst>
-          </p:cNvPr>
+            <a:endParaRPr lang="en-US" dirty="0"/>
+          </a:p>
+        </p:txBody>
+      </p:sp>
+      <p:sp>
+        <p:nvSpPr>
+          <p:cNvPr id="3" name="Content Placeholder 2"/>
           <p:cNvSpPr>
             <a:spLocks noGrp="1"/>
           </p:cNvSpPr>
@@ -2226,39 +1936,39 @@
         </p:nvSpPr>
         <p:spPr>
           <a:xfrm>
-            <a:off x="5183188" y="987425"/>
-            <a:ext cx="6172200" cy="4873625"/>
+            <a:off x="5183188" y="1554968"/>
+            <a:ext cx="6172200" cy="7674832"/>
           </a:xfrm>
         </p:spPr>
         <p:txBody>
           <a:bodyPr/>
           <a:lstStyle>
             <a:lvl1pPr>
-              <a:defRPr sz="3200"/>
+              <a:defRPr sz="4267"/>
             </a:lvl1pPr>
             <a:lvl2pPr>
-              <a:defRPr sz="2800"/>
+              <a:defRPr sz="3733"/>
             </a:lvl2pPr>
             <a:lvl3pPr>
-              <a:defRPr sz="2400"/>
+              <a:defRPr sz="3200"/>
             </a:lvl3pPr>
             <a:lvl4pPr>
-              <a:defRPr sz="2000"/>
+              <a:defRPr sz="2667"/>
             </a:lvl4pPr>
             <a:lvl5pPr>
-              <a:defRPr sz="2000"/>
+              <a:defRPr sz="2667"/>
             </a:lvl5pPr>
             <a:lvl6pPr>
-              <a:defRPr sz="2000"/>
+              <a:defRPr sz="2667"/>
             </a:lvl6pPr>
             <a:lvl7pPr>
-              <a:defRPr sz="2000"/>
+              <a:defRPr sz="2667"/>
             </a:lvl7pPr>
             <a:lvl8pPr>
-              <a:defRPr sz="2000"/>
+              <a:defRPr sz="2667"/>
             </a:lvl8pPr>
             <a:lvl9pPr>
-              <a:defRPr sz="2000"/>
+              <a:defRPr sz="2667"/>
             </a:lvl9pPr>
           </a:lstStyle>
           <a:p>
@@ -2295,19 +2005,13 @@
               <a:rPr lang="en-GB"/>
               <a:t>Fifth level</a:t>
             </a:r>
-            <a:endParaRPr lang="en-US"/>
-          </a:p>
-        </p:txBody>
-      </p:sp>
-      <p:sp>
-        <p:nvSpPr>
-          <p:cNvPr id="4" name="Text Placeholder 3">
-            <a:extLst>
-              <a:ext uri="{FF2B5EF4-FFF2-40B4-BE49-F238E27FC236}">
-                <a16:creationId xmlns:a16="http://schemas.microsoft.com/office/drawing/2014/main" id="{4A5D3852-2280-2B16-389F-37D68CAC3D64}"/>
-              </a:ext>
-            </a:extLst>
-          </p:cNvPr>
+            <a:endParaRPr lang="en-US" dirty="0"/>
+          </a:p>
+        </p:txBody>
+      </p:sp>
+      <p:sp>
+        <p:nvSpPr>
+          <p:cNvPr id="4" name="Text Placeholder 3"/>
           <p:cNvSpPr>
             <a:spLocks noGrp="1"/>
           </p:cNvSpPr>
@@ -2317,8 +2021,8 @@
         </p:nvSpPr>
         <p:spPr>
           <a:xfrm>
-            <a:off x="839788" y="2057400"/>
-            <a:ext cx="3932237" cy="3811588"/>
+            <a:off x="839788" y="3239929"/>
+            <a:ext cx="3932237" cy="6002369"/>
           </a:xfrm>
         </p:spPr>
         <p:txBody>
@@ -2326,39 +2030,39 @@
           <a:lstStyle>
             <a:lvl1pPr marL="0" indent="0">
               <a:buNone/>
+              <a:defRPr sz="2133"/>
+            </a:lvl1pPr>
+            <a:lvl2pPr marL="609585" indent="0">
+              <a:buNone/>
+              <a:defRPr sz="1867"/>
+            </a:lvl2pPr>
+            <a:lvl3pPr marL="1219170" indent="0">
+              <a:buNone/>
               <a:defRPr sz="1600"/>
-            </a:lvl1pPr>
-            <a:lvl2pPr marL="457200" indent="0">
-              <a:buNone/>
-              <a:defRPr sz="1400"/>
-            </a:lvl2pPr>
-            <a:lvl3pPr marL="914400" indent="0">
-              <a:buNone/>
-              <a:defRPr sz="1200"/>
             </a:lvl3pPr>
-            <a:lvl4pPr marL="1371600" indent="0">
-              <a:buNone/>
-              <a:defRPr sz="1000"/>
+            <a:lvl4pPr marL="1828754" indent="0">
+              <a:buNone/>
+              <a:defRPr sz="1333"/>
             </a:lvl4pPr>
-            <a:lvl5pPr marL="1828800" indent="0">
-              <a:buNone/>
-              <a:defRPr sz="1000"/>
+            <a:lvl5pPr marL="2438339" indent="0">
+              <a:buNone/>
+              <a:defRPr sz="1333"/>
             </a:lvl5pPr>
-            <a:lvl6pPr marL="2286000" indent="0">
-              <a:buNone/>
-              <a:defRPr sz="1000"/>
+            <a:lvl6pPr marL="3047924" indent="0">
+              <a:buNone/>
+              <a:defRPr sz="1333"/>
             </a:lvl6pPr>
-            <a:lvl7pPr marL="2743200" indent="0">
-              <a:buNone/>
-              <a:defRPr sz="1000"/>
+            <a:lvl7pPr marL="3657509" indent="0">
+              <a:buNone/>
+              <a:defRPr sz="1333"/>
             </a:lvl7pPr>
-            <a:lvl8pPr marL="3200400" indent="0">
-              <a:buNone/>
-              <a:defRPr sz="1000"/>
+            <a:lvl8pPr marL="4267093" indent="0">
+              <a:buNone/>
+              <a:defRPr sz="1333"/>
             </a:lvl8pPr>
-            <a:lvl9pPr marL="3657600" indent="0">
-              <a:buNone/>
-              <a:defRPr sz="1000"/>
+            <a:lvl9pPr marL="4876678" indent="0">
+              <a:buNone/>
+              <a:defRPr sz="1333"/>
             </a:lvl9pPr>
           </a:lstStyle>
           <a:p>
@@ -2372,13 +2076,7 @@
       </p:sp>
       <p:sp>
         <p:nvSpPr>
-          <p:cNvPr id="5" name="Date Placeholder 4">
-            <a:extLst>
-              <a:ext uri="{FF2B5EF4-FFF2-40B4-BE49-F238E27FC236}">
-                <a16:creationId xmlns:a16="http://schemas.microsoft.com/office/drawing/2014/main" id="{29B10A6D-A180-B3FE-B1C9-866A60397085}"/>
-              </a:ext>
-            </a:extLst>
-          </p:cNvPr>
+          <p:cNvPr id="5" name="Date Placeholder 4"/>
           <p:cNvSpPr>
             <a:spLocks noGrp="1"/>
           </p:cNvSpPr>
@@ -2401,13 +2099,7 @@
       </p:sp>
       <p:sp>
         <p:nvSpPr>
-          <p:cNvPr id="6" name="Footer Placeholder 5">
-            <a:extLst>
-              <a:ext uri="{FF2B5EF4-FFF2-40B4-BE49-F238E27FC236}">
-                <a16:creationId xmlns:a16="http://schemas.microsoft.com/office/drawing/2014/main" id="{6E3A6447-FC84-4E84-FD5F-59C6B9D53783}"/>
-              </a:ext>
-            </a:extLst>
-          </p:cNvPr>
+          <p:cNvPr id="6" name="Footer Placeholder 5"/>
           <p:cNvSpPr>
             <a:spLocks noGrp="1"/>
           </p:cNvSpPr>
@@ -2426,13 +2118,7 @@
       </p:sp>
       <p:sp>
         <p:nvSpPr>
-          <p:cNvPr id="7" name="Slide Number Placeholder 6">
-            <a:extLst>
-              <a:ext uri="{FF2B5EF4-FFF2-40B4-BE49-F238E27FC236}">
-                <a16:creationId xmlns:a16="http://schemas.microsoft.com/office/drawing/2014/main" id="{541B7632-4B6C-E6DF-69E4-962FF289BE5F}"/>
-              </a:ext>
-            </a:extLst>
-          </p:cNvPr>
+          <p:cNvPr id="7" name="Slide Number Placeholder 6"/>
           <p:cNvSpPr>
             <a:spLocks noGrp="1"/>
           </p:cNvSpPr>
@@ -2456,7 +2142,7 @@
     </p:spTree>
     <p:extLst>
       <p:ext uri="{BB962C8B-B14F-4D97-AF65-F5344CB8AC3E}">
-        <p14:creationId xmlns:p14="http://schemas.microsoft.com/office/powerpoint/2010/main" val="1220477838"/>
+        <p14:creationId xmlns:p14="http://schemas.microsoft.com/office/powerpoint/2010/main" val="1081785516"/>
       </p:ext>
     </p:extLst>
   </p:cSld>
@@ -2485,13 +2171,7 @@
       </p:grpSpPr>
       <p:sp>
         <p:nvSpPr>
-          <p:cNvPr id="2" name="Title 1">
-            <a:extLst>
-              <a:ext uri="{FF2B5EF4-FFF2-40B4-BE49-F238E27FC236}">
-                <a16:creationId xmlns:a16="http://schemas.microsoft.com/office/drawing/2014/main" id="{C8E5DCB5-F67F-65E6-488E-DD031ADD4693}"/>
-              </a:ext>
-            </a:extLst>
-          </p:cNvPr>
+          <p:cNvPr id="2" name="Title 1"/>
           <p:cNvSpPr>
             <a:spLocks noGrp="1"/>
           </p:cNvSpPr>
@@ -2501,15 +2181,15 @@
         </p:nvSpPr>
         <p:spPr>
           <a:xfrm>
-            <a:off x="839788" y="457200"/>
-            <a:ext cx="3932237" cy="1600200"/>
+            <a:off x="839788" y="719984"/>
+            <a:ext cx="3932237" cy="2519945"/>
           </a:xfrm>
         </p:spPr>
         <p:txBody>
           <a:bodyPr anchor="b"/>
           <a:lstStyle>
             <a:lvl1pPr>
-              <a:defRPr sz="3200"/>
+              <a:defRPr sz="4267"/>
             </a:lvl1pPr>
           </a:lstStyle>
           <a:p>
@@ -2517,21 +2197,15 @@
               <a:rPr lang="en-GB"/>
               <a:t>Click to edit Master title style</a:t>
             </a:r>
-            <a:endParaRPr lang="en-US"/>
-          </a:p>
-        </p:txBody>
-      </p:sp>
-      <p:sp>
-        <p:nvSpPr>
-          <p:cNvPr id="3" name="Picture Placeholder 2">
-            <a:extLst>
-              <a:ext uri="{FF2B5EF4-FFF2-40B4-BE49-F238E27FC236}">
-                <a16:creationId xmlns:a16="http://schemas.microsoft.com/office/drawing/2014/main" id="{29C35ECB-9FD2-93BC-6C25-2C7273380D9E}"/>
-              </a:ext>
-            </a:extLst>
-          </p:cNvPr>
-          <p:cNvSpPr>
-            <a:spLocks noGrp="1"/>
+            <a:endParaRPr lang="en-US" dirty="0"/>
+          </a:p>
+        </p:txBody>
+      </p:sp>
+      <p:sp>
+        <p:nvSpPr>
+          <p:cNvPr id="3" name="Picture Placeholder 2"/>
+          <p:cNvSpPr>
+            <a:spLocks noGrp="1" noChangeAspect="1"/>
           </p:cNvSpPr>
           <p:nvPr>
             <p:ph type="pic" idx="1"/>
@@ -2539,8 +2213,73 @@
         </p:nvSpPr>
         <p:spPr>
           <a:xfrm>
-            <a:off x="5183188" y="987425"/>
-            <a:ext cx="6172200" cy="4873625"/>
+            <a:off x="5183188" y="1554968"/>
+            <a:ext cx="6172200" cy="7674832"/>
+          </a:xfrm>
+        </p:spPr>
+        <p:txBody>
+          <a:bodyPr anchor="t"/>
+          <a:lstStyle>
+            <a:lvl1pPr marL="0" indent="0">
+              <a:buNone/>
+              <a:defRPr sz="4267"/>
+            </a:lvl1pPr>
+            <a:lvl2pPr marL="609585" indent="0">
+              <a:buNone/>
+              <a:defRPr sz="3733"/>
+            </a:lvl2pPr>
+            <a:lvl3pPr marL="1219170" indent="0">
+              <a:buNone/>
+              <a:defRPr sz="3200"/>
+            </a:lvl3pPr>
+            <a:lvl4pPr marL="1828754" indent="0">
+              <a:buNone/>
+              <a:defRPr sz="2667"/>
+            </a:lvl4pPr>
+            <a:lvl5pPr marL="2438339" indent="0">
+              <a:buNone/>
+              <a:defRPr sz="2667"/>
+            </a:lvl5pPr>
+            <a:lvl6pPr marL="3047924" indent="0">
+              <a:buNone/>
+              <a:defRPr sz="2667"/>
+            </a:lvl6pPr>
+            <a:lvl7pPr marL="3657509" indent="0">
+              <a:buNone/>
+              <a:defRPr sz="2667"/>
+            </a:lvl7pPr>
+            <a:lvl8pPr marL="4267093" indent="0">
+              <a:buNone/>
+              <a:defRPr sz="2667"/>
+            </a:lvl8pPr>
+            <a:lvl9pPr marL="4876678" indent="0">
+              <a:buNone/>
+              <a:defRPr sz="2667"/>
+            </a:lvl9pPr>
+          </a:lstStyle>
+          <a:p>
+            <a:r>
+              <a:rPr lang="en-GB"/>
+              <a:t>Click icon to add picture</a:t>
+            </a:r>
+            <a:endParaRPr lang="en-US" dirty="0"/>
+          </a:p>
+        </p:txBody>
+      </p:sp>
+      <p:sp>
+        <p:nvSpPr>
+          <p:cNvPr id="4" name="Text Placeholder 3"/>
+          <p:cNvSpPr>
+            <a:spLocks noGrp="1"/>
+          </p:cNvSpPr>
+          <p:nvPr>
+            <p:ph type="body" sz="half" idx="2"/>
+          </p:nvPr>
+        </p:nvSpPr>
+        <p:spPr>
+          <a:xfrm>
+            <a:off x="839788" y="3239929"/>
+            <a:ext cx="3932237" cy="6002369"/>
           </a:xfrm>
         </p:spPr>
         <p:txBody>
@@ -2548,109 +2287,42 @@
           <a:lstStyle>
             <a:lvl1pPr marL="0" indent="0">
               <a:buNone/>
-              <a:defRPr sz="3200"/>
+              <a:defRPr sz="2133"/>
             </a:lvl1pPr>
-            <a:lvl2pPr marL="457200" indent="0">
-              <a:buNone/>
-              <a:defRPr sz="2800"/>
+            <a:lvl2pPr marL="609585" indent="0">
+              <a:buNone/>
+              <a:defRPr sz="1867"/>
             </a:lvl2pPr>
-            <a:lvl3pPr marL="914400" indent="0">
-              <a:buNone/>
-              <a:defRPr sz="2400"/>
+            <a:lvl3pPr marL="1219170" indent="0">
+              <a:buNone/>
+              <a:defRPr sz="1600"/>
             </a:lvl3pPr>
-            <a:lvl4pPr marL="1371600" indent="0">
-              <a:buNone/>
-              <a:defRPr sz="2000"/>
+            <a:lvl4pPr marL="1828754" indent="0">
+              <a:buNone/>
+              <a:defRPr sz="1333"/>
             </a:lvl4pPr>
-            <a:lvl5pPr marL="1828800" indent="0">
-              <a:buNone/>
-              <a:defRPr sz="2000"/>
+            <a:lvl5pPr marL="2438339" indent="0">
+              <a:buNone/>
+              <a:defRPr sz="1333"/>
             </a:lvl5pPr>
-            <a:lvl6pPr marL="2286000" indent="0">
-              <a:buNone/>
-              <a:defRPr sz="2000"/>
+            <a:lvl6pPr marL="3047924" indent="0">
+              <a:buNone/>
+              <a:defRPr sz="1333"/>
             </a:lvl6pPr>
-            <a:lvl7pPr marL="2743200" indent="0">
-              <a:buNone/>
-              <a:defRPr sz="2000"/>
+            <a:lvl7pPr marL="3657509" indent="0">
+              <a:buNone/>
+              <a:defRPr sz="1333"/>
             </a:lvl7pPr>
-            <a:lvl8pPr marL="3200400" indent="0">
-              <a:buNone/>
-              <a:defRPr sz="2000"/>
+            <a:lvl8pPr marL="4267093" indent="0">
+              <a:buNone/>
+              <a:defRPr sz="1333"/>
             </a:lvl8pPr>
-            <a:lvl9pPr marL="3657600" indent="0">
-              <a:buNone/>
-              <a:defRPr sz="2000"/>
+            <a:lvl9pPr marL="4876678" indent="0">
+              <a:buNone/>
+              <a:defRPr sz="1333"/>
             </a:lvl9pPr>
           </a:lstStyle>
           <a:p>
-            <a:endParaRPr lang="en-US"/>
-          </a:p>
-        </p:txBody>
-      </p:sp>
-      <p:sp>
-        <p:nvSpPr>
-          <p:cNvPr id="4" name="Text Placeholder 3">
-            <a:extLst>
-              <a:ext uri="{FF2B5EF4-FFF2-40B4-BE49-F238E27FC236}">
-                <a16:creationId xmlns:a16="http://schemas.microsoft.com/office/drawing/2014/main" id="{794235A9-AE0E-BD2B-BE34-926CB467A173}"/>
-              </a:ext>
-            </a:extLst>
-          </p:cNvPr>
-          <p:cNvSpPr>
-            <a:spLocks noGrp="1"/>
-          </p:cNvSpPr>
-          <p:nvPr>
-            <p:ph type="body" sz="half" idx="2"/>
-          </p:nvPr>
-        </p:nvSpPr>
-        <p:spPr>
-          <a:xfrm>
-            <a:off x="839788" y="2057400"/>
-            <a:ext cx="3932237" cy="3811588"/>
-          </a:xfrm>
-        </p:spPr>
-        <p:txBody>
-          <a:bodyPr/>
-          <a:lstStyle>
-            <a:lvl1pPr marL="0" indent="0">
-              <a:buNone/>
-              <a:defRPr sz="1600"/>
-            </a:lvl1pPr>
-            <a:lvl2pPr marL="457200" indent="0">
-              <a:buNone/>
-              <a:defRPr sz="1400"/>
-            </a:lvl2pPr>
-            <a:lvl3pPr marL="914400" indent="0">
-              <a:buNone/>
-              <a:defRPr sz="1200"/>
-            </a:lvl3pPr>
-            <a:lvl4pPr marL="1371600" indent="0">
-              <a:buNone/>
-              <a:defRPr sz="1000"/>
-            </a:lvl4pPr>
-            <a:lvl5pPr marL="1828800" indent="0">
-              <a:buNone/>
-              <a:defRPr sz="1000"/>
-            </a:lvl5pPr>
-            <a:lvl6pPr marL="2286000" indent="0">
-              <a:buNone/>
-              <a:defRPr sz="1000"/>
-            </a:lvl6pPr>
-            <a:lvl7pPr marL="2743200" indent="0">
-              <a:buNone/>
-              <a:defRPr sz="1000"/>
-            </a:lvl7pPr>
-            <a:lvl8pPr marL="3200400" indent="0">
-              <a:buNone/>
-              <a:defRPr sz="1000"/>
-            </a:lvl8pPr>
-            <a:lvl9pPr marL="3657600" indent="0">
-              <a:buNone/>
-              <a:defRPr sz="1000"/>
-            </a:lvl9pPr>
-          </a:lstStyle>
-          <a:p>
             <a:pPr lvl="0"/>
             <a:r>
               <a:rPr lang="en-GB"/>
@@ -2661,13 +2333,7 @@
       </p:sp>
       <p:sp>
         <p:nvSpPr>
-          <p:cNvPr id="5" name="Date Placeholder 4">
-            <a:extLst>
-              <a:ext uri="{FF2B5EF4-FFF2-40B4-BE49-F238E27FC236}">
-                <a16:creationId xmlns:a16="http://schemas.microsoft.com/office/drawing/2014/main" id="{38E86976-A189-B9B9-1FC3-AE4ADAEB1499}"/>
-              </a:ext>
-            </a:extLst>
-          </p:cNvPr>
+          <p:cNvPr id="5" name="Date Placeholder 4"/>
           <p:cNvSpPr>
             <a:spLocks noGrp="1"/>
           </p:cNvSpPr>
@@ -2690,13 +2356,7 @@
       </p:sp>
       <p:sp>
         <p:nvSpPr>
-          <p:cNvPr id="6" name="Footer Placeholder 5">
-            <a:extLst>
-              <a:ext uri="{FF2B5EF4-FFF2-40B4-BE49-F238E27FC236}">
-                <a16:creationId xmlns:a16="http://schemas.microsoft.com/office/drawing/2014/main" id="{98C3C395-D21C-223D-EAC0-26C982EAC40E}"/>
-              </a:ext>
-            </a:extLst>
-          </p:cNvPr>
+          <p:cNvPr id="6" name="Footer Placeholder 5"/>
           <p:cNvSpPr>
             <a:spLocks noGrp="1"/>
           </p:cNvSpPr>
@@ -2715,13 +2375,7 @@
       </p:sp>
       <p:sp>
         <p:nvSpPr>
-          <p:cNvPr id="7" name="Slide Number Placeholder 6">
-            <a:extLst>
-              <a:ext uri="{FF2B5EF4-FFF2-40B4-BE49-F238E27FC236}">
-                <a16:creationId xmlns:a16="http://schemas.microsoft.com/office/drawing/2014/main" id="{215D818F-0EAA-38F6-10BD-83532134930D}"/>
-              </a:ext>
-            </a:extLst>
-          </p:cNvPr>
+          <p:cNvPr id="7" name="Slide Number Placeholder 6"/>
           <p:cNvSpPr>
             <a:spLocks noGrp="1"/>
           </p:cNvSpPr>
@@ -2745,7 +2399,7 @@
     </p:spTree>
     <p:extLst>
       <p:ext uri="{BB962C8B-B14F-4D97-AF65-F5344CB8AC3E}">
-        <p14:creationId xmlns:p14="http://schemas.microsoft.com/office/powerpoint/2010/main" val="113824166"/>
+        <p14:creationId xmlns:p14="http://schemas.microsoft.com/office/powerpoint/2010/main" val="1631936196"/>
       </p:ext>
     </p:extLst>
   </p:cSld>
@@ -2779,13 +2433,7 @@
       </p:grpSpPr>
       <p:sp>
         <p:nvSpPr>
-          <p:cNvPr id="2" name="Title Placeholder 1">
-            <a:extLst>
-              <a:ext uri="{FF2B5EF4-FFF2-40B4-BE49-F238E27FC236}">
-                <a16:creationId xmlns:a16="http://schemas.microsoft.com/office/drawing/2014/main" id="{5D3F3780-58CB-0AC2-7392-59355A62327F}"/>
-              </a:ext>
-            </a:extLst>
-          </p:cNvPr>
+          <p:cNvPr id="2" name="Title Placeholder 1"/>
           <p:cNvSpPr>
             <a:spLocks noGrp="1"/>
           </p:cNvSpPr>
@@ -2795,8 +2443,8 @@
         </p:nvSpPr>
         <p:spPr>
           <a:xfrm>
-            <a:off x="838200" y="365125"/>
-            <a:ext cx="10515600" cy="1325563"/>
+            <a:off x="838200" y="574990"/>
+            <a:ext cx="10515600" cy="2087455"/>
           </a:xfrm>
           <a:prstGeom prst="rect">
             <a:avLst/>
@@ -2812,19 +2460,13 @@
               <a:rPr lang="en-GB"/>
               <a:t>Click to edit Master title style</a:t>
             </a:r>
-            <a:endParaRPr lang="en-US"/>
-          </a:p>
-        </p:txBody>
-      </p:sp>
-      <p:sp>
-        <p:nvSpPr>
-          <p:cNvPr id="3" name="Text Placeholder 2">
-            <a:extLst>
-              <a:ext uri="{FF2B5EF4-FFF2-40B4-BE49-F238E27FC236}">
-                <a16:creationId xmlns:a16="http://schemas.microsoft.com/office/drawing/2014/main" id="{8BC7D736-B0E3-4CFF-84CE-8DDB84C99AC3}"/>
-              </a:ext>
-            </a:extLst>
-          </p:cNvPr>
+            <a:endParaRPr lang="en-US" dirty="0"/>
+          </a:p>
+        </p:txBody>
+      </p:sp>
+      <p:sp>
+        <p:nvSpPr>
+          <p:cNvPr id="3" name="Text Placeholder 2"/>
           <p:cNvSpPr>
             <a:spLocks noGrp="1"/>
           </p:cNvSpPr>
@@ -2834,8 +2476,8 @@
         </p:nvSpPr>
         <p:spPr>
           <a:xfrm>
-            <a:off x="838200" y="1825625"/>
-            <a:ext cx="10515600" cy="4351338"/>
+            <a:off x="838200" y="2874937"/>
+            <a:ext cx="10515600" cy="6852350"/>
           </a:xfrm>
           <a:prstGeom prst="rect">
             <a:avLst/>
@@ -2880,19 +2522,13 @@
               <a:rPr lang="en-GB"/>
               <a:t>Fifth level</a:t>
             </a:r>
-            <a:endParaRPr lang="en-US"/>
-          </a:p>
-        </p:txBody>
-      </p:sp>
-      <p:sp>
-        <p:nvSpPr>
-          <p:cNvPr id="4" name="Date Placeholder 3">
-            <a:extLst>
-              <a:ext uri="{FF2B5EF4-FFF2-40B4-BE49-F238E27FC236}">
-                <a16:creationId xmlns:a16="http://schemas.microsoft.com/office/drawing/2014/main" id="{01884B98-6DEE-8328-085B-A363114B2525}"/>
-              </a:ext>
-            </a:extLst>
-          </p:cNvPr>
+            <a:endParaRPr lang="en-US" dirty="0"/>
+          </a:p>
+        </p:txBody>
+      </p:sp>
+      <p:sp>
+        <p:nvSpPr>
+          <p:cNvPr id="4" name="Date Placeholder 3"/>
           <p:cNvSpPr>
             <a:spLocks noGrp="1"/>
           </p:cNvSpPr>
@@ -2902,8 +2538,8 @@
         </p:nvSpPr>
         <p:spPr>
           <a:xfrm>
-            <a:off x="838200" y="6356350"/>
-            <a:ext cx="2743200" cy="365125"/>
+            <a:off x="838200" y="10009783"/>
+            <a:ext cx="2743200" cy="574987"/>
           </a:xfrm>
           <a:prstGeom prst="rect">
             <a:avLst/>
@@ -2913,7 +2549,7 @@
           <a:bodyPr vert="horz" lIns="91440" tIns="45720" rIns="91440" bIns="45720" rtlCol="0" anchor="ctr"/>
           <a:lstStyle>
             <a:lvl1pPr algn="l">
-              <a:defRPr sz="1200">
+              <a:defRPr sz="1600">
                 <a:solidFill>
                   <a:schemeClr val="tx1">
                     <a:tint val="75000"/>
@@ -2933,13 +2569,7 @@
       </p:sp>
       <p:sp>
         <p:nvSpPr>
-          <p:cNvPr id="5" name="Footer Placeholder 4">
-            <a:extLst>
-              <a:ext uri="{FF2B5EF4-FFF2-40B4-BE49-F238E27FC236}">
-                <a16:creationId xmlns:a16="http://schemas.microsoft.com/office/drawing/2014/main" id="{39ACCC92-4019-E669-2EB5-94B0C3E3748B}"/>
-              </a:ext>
-            </a:extLst>
-          </p:cNvPr>
+          <p:cNvPr id="5" name="Footer Placeholder 4"/>
           <p:cNvSpPr>
             <a:spLocks noGrp="1"/>
           </p:cNvSpPr>
@@ -2949,8 +2579,8 @@
         </p:nvSpPr>
         <p:spPr>
           <a:xfrm>
-            <a:off x="4038600" y="6356350"/>
-            <a:ext cx="4114800" cy="365125"/>
+            <a:off x="4038600" y="10009783"/>
+            <a:ext cx="4114800" cy="574987"/>
           </a:xfrm>
           <a:prstGeom prst="rect">
             <a:avLst/>
@@ -2960,7 +2590,7 @@
           <a:bodyPr vert="horz" lIns="91440" tIns="45720" rIns="91440" bIns="45720" rtlCol="0" anchor="ctr"/>
           <a:lstStyle>
             <a:lvl1pPr algn="ctr">
-              <a:defRPr sz="1200">
+              <a:defRPr sz="1600">
                 <a:solidFill>
                   <a:schemeClr val="tx1">
                     <a:tint val="75000"/>
@@ -2976,13 +2606,7 @@
       </p:sp>
       <p:sp>
         <p:nvSpPr>
-          <p:cNvPr id="6" name="Slide Number Placeholder 5">
-            <a:extLst>
-              <a:ext uri="{FF2B5EF4-FFF2-40B4-BE49-F238E27FC236}">
-                <a16:creationId xmlns:a16="http://schemas.microsoft.com/office/drawing/2014/main" id="{AB406B59-913E-75C6-BF96-59118FFA03CE}"/>
-              </a:ext>
-            </a:extLst>
-          </p:cNvPr>
+          <p:cNvPr id="6" name="Slide Number Placeholder 5"/>
           <p:cNvSpPr>
             <a:spLocks noGrp="1"/>
           </p:cNvSpPr>
@@ -2992,8 +2616,8 @@
         </p:nvSpPr>
         <p:spPr>
           <a:xfrm>
-            <a:off x="8610600" y="6356350"/>
-            <a:ext cx="2743200" cy="365125"/>
+            <a:off x="8610600" y="10009783"/>
+            <a:ext cx="2743200" cy="574987"/>
           </a:xfrm>
           <a:prstGeom prst="rect">
             <a:avLst/>
@@ -3003,7 +2627,7 @@
           <a:bodyPr vert="horz" lIns="91440" tIns="45720" rIns="91440" bIns="45720" rtlCol="0" anchor="ctr"/>
           <a:lstStyle>
             <a:lvl1pPr algn="r">
-              <a:defRPr sz="1200">
+              <a:defRPr sz="1600">
                 <a:solidFill>
                   <a:schemeClr val="tx1">
                     <a:tint val="75000"/>
@@ -3024,27 +2648,27 @@
     </p:spTree>
     <p:extLst>
       <p:ext uri="{BB962C8B-B14F-4D97-AF65-F5344CB8AC3E}">
-        <p14:creationId xmlns:p14="http://schemas.microsoft.com/office/powerpoint/2010/main" val="106605702"/>
+        <p14:creationId xmlns:p14="http://schemas.microsoft.com/office/powerpoint/2010/main" val="887359190"/>
       </p:ext>
     </p:extLst>
   </p:cSld>
   <p:clrMap bg1="lt1" tx1="dk1" bg2="lt2" tx2="dk2" accent1="accent1" accent2="accent2" accent3="accent3" accent4="accent4" accent5="accent5" accent6="accent6" hlink="hlink" folHlink="folHlink"/>
   <p:sldLayoutIdLst>
-    <p:sldLayoutId id="2147483649" r:id="rId1"/>
-    <p:sldLayoutId id="2147483650" r:id="rId2"/>
-    <p:sldLayoutId id="2147483651" r:id="rId3"/>
-    <p:sldLayoutId id="2147483652" r:id="rId4"/>
-    <p:sldLayoutId id="2147483653" r:id="rId5"/>
-    <p:sldLayoutId id="2147483654" r:id="rId6"/>
-    <p:sldLayoutId id="2147483655" r:id="rId7"/>
-    <p:sldLayoutId id="2147483656" r:id="rId8"/>
-    <p:sldLayoutId id="2147483657" r:id="rId9"/>
-    <p:sldLayoutId id="2147483658" r:id="rId10"/>
-    <p:sldLayoutId id="2147483659" r:id="rId11"/>
+    <p:sldLayoutId id="2147483661" r:id="rId1"/>
+    <p:sldLayoutId id="2147483662" r:id="rId2"/>
+    <p:sldLayoutId id="2147483663" r:id="rId3"/>
+    <p:sldLayoutId id="2147483664" r:id="rId4"/>
+    <p:sldLayoutId id="2147483665" r:id="rId5"/>
+    <p:sldLayoutId id="2147483666" r:id="rId6"/>
+    <p:sldLayoutId id="2147483667" r:id="rId7"/>
+    <p:sldLayoutId id="2147483668" r:id="rId8"/>
+    <p:sldLayoutId id="2147483669" r:id="rId9"/>
+    <p:sldLayoutId id="2147483670" r:id="rId10"/>
+    <p:sldLayoutId id="2147483671" r:id="rId11"/>
   </p:sldLayoutIdLst>
   <p:txStyles>
     <p:titleStyle>
-      <a:lvl1pPr algn="l" defTabSz="914400" rtl="0" eaLnBrk="1" latinLnBrk="0" hangingPunct="1">
+      <a:lvl1pPr algn="l" defTabSz="1219170" rtl="0" eaLnBrk="1" latinLnBrk="0" hangingPunct="1">
         <a:lnSpc>
           <a:spcPct val="90000"/>
         </a:lnSpc>
@@ -3052,7 +2676,7 @@
           <a:spcPct val="0"/>
         </a:spcBef>
         <a:buNone/>
-        <a:defRPr sz="4400" kern="1200">
+        <a:defRPr sz="5867" kern="1200">
           <a:solidFill>
             <a:schemeClr val="tx1"/>
           </a:solidFill>
@@ -3063,16 +2687,16 @@
       </a:lvl1pPr>
     </p:titleStyle>
     <p:bodyStyle>
-      <a:lvl1pPr marL="228600" indent="-228600" algn="l" defTabSz="914400" rtl="0" eaLnBrk="1" latinLnBrk="0" hangingPunct="1">
+      <a:lvl1pPr marL="304792" indent="-304792" algn="l" defTabSz="1219170" rtl="0" eaLnBrk="1" latinLnBrk="0" hangingPunct="1">
         <a:lnSpc>
           <a:spcPct val="90000"/>
         </a:lnSpc>
         <a:spcBef>
-          <a:spcPts val="1000"/>
+          <a:spcPts val="1333"/>
         </a:spcBef>
         <a:buFont typeface="Arial" panose="020B0604020202020204" pitchFamily="34" charset="0"/>
         <a:buChar char="•"/>
-        <a:defRPr sz="2800" kern="1200">
+        <a:defRPr sz="3733" kern="1200">
           <a:solidFill>
             <a:schemeClr val="tx1"/>
           </a:solidFill>
@@ -3081,12 +2705,48 @@
           <a:cs typeface="+mn-cs"/>
         </a:defRPr>
       </a:lvl1pPr>
-      <a:lvl2pPr marL="685800" indent="-228600" algn="l" defTabSz="914400" rtl="0" eaLnBrk="1" latinLnBrk="0" hangingPunct="1">
+      <a:lvl2pPr marL="914377" indent="-304792" algn="l" defTabSz="1219170" rtl="0" eaLnBrk="1" latinLnBrk="0" hangingPunct="1">
         <a:lnSpc>
           <a:spcPct val="90000"/>
         </a:lnSpc>
         <a:spcBef>
-          <a:spcPts val="500"/>
+          <a:spcPts val="667"/>
+        </a:spcBef>
+        <a:buFont typeface="Arial" panose="020B0604020202020204" pitchFamily="34" charset="0"/>
+        <a:buChar char="•"/>
+        <a:defRPr sz="3200" kern="1200">
+          <a:solidFill>
+            <a:schemeClr val="tx1"/>
+          </a:solidFill>
+          <a:latin typeface="+mn-lt"/>
+          <a:ea typeface="+mn-ea"/>
+          <a:cs typeface="+mn-cs"/>
+        </a:defRPr>
+      </a:lvl2pPr>
+      <a:lvl3pPr marL="1523962" indent="-304792" algn="l" defTabSz="1219170" rtl="0" eaLnBrk="1" latinLnBrk="0" hangingPunct="1">
+        <a:lnSpc>
+          <a:spcPct val="90000"/>
+        </a:lnSpc>
+        <a:spcBef>
+          <a:spcPts val="667"/>
+        </a:spcBef>
+        <a:buFont typeface="Arial" panose="020B0604020202020204" pitchFamily="34" charset="0"/>
+        <a:buChar char="•"/>
+        <a:defRPr sz="2667" kern="1200">
+          <a:solidFill>
+            <a:schemeClr val="tx1"/>
+          </a:solidFill>
+          <a:latin typeface="+mn-lt"/>
+          <a:ea typeface="+mn-ea"/>
+          <a:cs typeface="+mn-cs"/>
+        </a:defRPr>
+      </a:lvl3pPr>
+      <a:lvl4pPr marL="2133547" indent="-304792" algn="l" defTabSz="1219170" rtl="0" eaLnBrk="1" latinLnBrk="0" hangingPunct="1">
+        <a:lnSpc>
+          <a:spcPct val="90000"/>
+        </a:lnSpc>
+        <a:spcBef>
+          <a:spcPts val="667"/>
         </a:spcBef>
         <a:buFont typeface="Arial" panose="020B0604020202020204" pitchFamily="34" charset="0"/>
         <a:buChar char="•"/>
@@ -3098,53 +2758,17 @@
           <a:ea typeface="+mn-ea"/>
           <a:cs typeface="+mn-cs"/>
         </a:defRPr>
-      </a:lvl2pPr>
-      <a:lvl3pPr marL="1143000" indent="-228600" algn="l" defTabSz="914400" rtl="0" eaLnBrk="1" latinLnBrk="0" hangingPunct="1">
+      </a:lvl4pPr>
+      <a:lvl5pPr marL="2743131" indent="-304792" algn="l" defTabSz="1219170" rtl="0" eaLnBrk="1" latinLnBrk="0" hangingPunct="1">
         <a:lnSpc>
           <a:spcPct val="90000"/>
         </a:lnSpc>
         <a:spcBef>
-          <a:spcPts val="500"/>
+          <a:spcPts val="667"/>
         </a:spcBef>
         <a:buFont typeface="Arial" panose="020B0604020202020204" pitchFamily="34" charset="0"/>
         <a:buChar char="•"/>
-        <a:defRPr sz="2000" kern="1200">
-          <a:solidFill>
-            <a:schemeClr val="tx1"/>
-          </a:solidFill>
-          <a:latin typeface="+mn-lt"/>
-          <a:ea typeface="+mn-ea"/>
-          <a:cs typeface="+mn-cs"/>
-        </a:defRPr>
-      </a:lvl3pPr>
-      <a:lvl4pPr marL="1600200" indent="-228600" algn="l" defTabSz="914400" rtl="0" eaLnBrk="1" latinLnBrk="0" hangingPunct="1">
-        <a:lnSpc>
-          <a:spcPct val="90000"/>
-        </a:lnSpc>
-        <a:spcBef>
-          <a:spcPts val="500"/>
-        </a:spcBef>
-        <a:buFont typeface="Arial" panose="020B0604020202020204" pitchFamily="34" charset="0"/>
-        <a:buChar char="•"/>
-        <a:defRPr sz="1800" kern="1200">
-          <a:solidFill>
-            <a:schemeClr val="tx1"/>
-          </a:solidFill>
-          <a:latin typeface="+mn-lt"/>
-          <a:ea typeface="+mn-ea"/>
-          <a:cs typeface="+mn-cs"/>
-        </a:defRPr>
-      </a:lvl4pPr>
-      <a:lvl5pPr marL="2057400" indent="-228600" algn="l" defTabSz="914400" rtl="0" eaLnBrk="1" latinLnBrk="0" hangingPunct="1">
-        <a:lnSpc>
-          <a:spcPct val="90000"/>
-        </a:lnSpc>
-        <a:spcBef>
-          <a:spcPts val="500"/>
-        </a:spcBef>
-        <a:buFont typeface="Arial" panose="020B0604020202020204" pitchFamily="34" charset="0"/>
-        <a:buChar char="•"/>
-        <a:defRPr sz="1800" kern="1200">
+        <a:defRPr sz="2400" kern="1200">
           <a:solidFill>
             <a:schemeClr val="tx1"/>
           </a:solidFill>
@@ -3153,16 +2777,16 @@
           <a:cs typeface="+mn-cs"/>
         </a:defRPr>
       </a:lvl5pPr>
-      <a:lvl6pPr marL="2514600" indent="-228600" algn="l" defTabSz="914400" rtl="0" eaLnBrk="1" latinLnBrk="0" hangingPunct="1">
+      <a:lvl6pPr marL="3352716" indent="-304792" algn="l" defTabSz="1219170" rtl="0" eaLnBrk="1" latinLnBrk="0" hangingPunct="1">
         <a:lnSpc>
           <a:spcPct val="90000"/>
         </a:lnSpc>
         <a:spcBef>
-          <a:spcPts val="500"/>
+          <a:spcPts val="667"/>
         </a:spcBef>
         <a:buFont typeface="Arial" panose="020B0604020202020204" pitchFamily="34" charset="0"/>
         <a:buChar char="•"/>
-        <a:defRPr sz="1800" kern="1200">
+        <a:defRPr sz="2400" kern="1200">
           <a:solidFill>
             <a:schemeClr val="tx1"/>
           </a:solidFill>
@@ -3171,16 +2795,16 @@
           <a:cs typeface="+mn-cs"/>
         </a:defRPr>
       </a:lvl6pPr>
-      <a:lvl7pPr marL="2971800" indent="-228600" algn="l" defTabSz="914400" rtl="0" eaLnBrk="1" latinLnBrk="0" hangingPunct="1">
+      <a:lvl7pPr marL="3962301" indent="-304792" algn="l" defTabSz="1219170" rtl="0" eaLnBrk="1" latinLnBrk="0" hangingPunct="1">
         <a:lnSpc>
           <a:spcPct val="90000"/>
         </a:lnSpc>
         <a:spcBef>
-          <a:spcPts val="500"/>
+          <a:spcPts val="667"/>
         </a:spcBef>
         <a:buFont typeface="Arial" panose="020B0604020202020204" pitchFamily="34" charset="0"/>
         <a:buChar char="•"/>
-        <a:defRPr sz="1800" kern="1200">
+        <a:defRPr sz="2400" kern="1200">
           <a:solidFill>
             <a:schemeClr val="tx1"/>
           </a:solidFill>
@@ -3189,16 +2813,16 @@
           <a:cs typeface="+mn-cs"/>
         </a:defRPr>
       </a:lvl7pPr>
-      <a:lvl8pPr marL="3429000" indent="-228600" algn="l" defTabSz="914400" rtl="0" eaLnBrk="1" latinLnBrk="0" hangingPunct="1">
+      <a:lvl8pPr marL="4571886" indent="-304792" algn="l" defTabSz="1219170" rtl="0" eaLnBrk="1" latinLnBrk="0" hangingPunct="1">
         <a:lnSpc>
           <a:spcPct val="90000"/>
         </a:lnSpc>
         <a:spcBef>
-          <a:spcPts val="500"/>
+          <a:spcPts val="667"/>
         </a:spcBef>
         <a:buFont typeface="Arial" panose="020B0604020202020204" pitchFamily="34" charset="0"/>
         <a:buChar char="•"/>
-        <a:defRPr sz="1800" kern="1200">
+        <a:defRPr sz="2400" kern="1200">
           <a:solidFill>
             <a:schemeClr val="tx1"/>
           </a:solidFill>
@@ -3207,16 +2831,16 @@
           <a:cs typeface="+mn-cs"/>
         </a:defRPr>
       </a:lvl8pPr>
-      <a:lvl9pPr marL="3886200" indent="-228600" algn="l" defTabSz="914400" rtl="0" eaLnBrk="1" latinLnBrk="0" hangingPunct="1">
+      <a:lvl9pPr marL="5181470" indent="-304792" algn="l" defTabSz="1219170" rtl="0" eaLnBrk="1" latinLnBrk="0" hangingPunct="1">
         <a:lnSpc>
           <a:spcPct val="90000"/>
         </a:lnSpc>
         <a:spcBef>
-          <a:spcPts val="500"/>
+          <a:spcPts val="667"/>
         </a:spcBef>
         <a:buFont typeface="Arial" panose="020B0604020202020204" pitchFamily="34" charset="0"/>
         <a:buChar char="•"/>
-        <a:defRPr sz="1800" kern="1200">
+        <a:defRPr sz="2400" kern="1200">
           <a:solidFill>
             <a:schemeClr val="tx1"/>
           </a:solidFill>
@@ -3230,8 +2854,8 @@
       <a:defPPr>
         <a:defRPr lang="en-US"/>
       </a:defPPr>
-      <a:lvl1pPr marL="0" algn="l" defTabSz="914400" rtl="0" eaLnBrk="1" latinLnBrk="0" hangingPunct="1">
-        <a:defRPr sz="1800" kern="1200">
+      <a:lvl1pPr marL="0" algn="l" defTabSz="1219170" rtl="0" eaLnBrk="1" latinLnBrk="0" hangingPunct="1">
+        <a:defRPr sz="2400" kern="1200">
           <a:solidFill>
             <a:schemeClr val="tx1"/>
           </a:solidFill>
@@ -3240,8 +2864,8 @@
           <a:cs typeface="+mn-cs"/>
         </a:defRPr>
       </a:lvl1pPr>
-      <a:lvl2pPr marL="457200" algn="l" defTabSz="914400" rtl="0" eaLnBrk="1" latinLnBrk="0" hangingPunct="1">
-        <a:defRPr sz="1800" kern="1200">
+      <a:lvl2pPr marL="609585" algn="l" defTabSz="1219170" rtl="0" eaLnBrk="1" latinLnBrk="0" hangingPunct="1">
+        <a:defRPr sz="2400" kern="1200">
           <a:solidFill>
             <a:schemeClr val="tx1"/>
           </a:solidFill>
@@ -3250,8 +2874,8 @@
           <a:cs typeface="+mn-cs"/>
         </a:defRPr>
       </a:lvl2pPr>
-      <a:lvl3pPr marL="914400" algn="l" defTabSz="914400" rtl="0" eaLnBrk="1" latinLnBrk="0" hangingPunct="1">
-        <a:defRPr sz="1800" kern="1200">
+      <a:lvl3pPr marL="1219170" algn="l" defTabSz="1219170" rtl="0" eaLnBrk="1" latinLnBrk="0" hangingPunct="1">
+        <a:defRPr sz="2400" kern="1200">
           <a:solidFill>
             <a:schemeClr val="tx1"/>
           </a:solidFill>
@@ -3260,8 +2884,8 @@
           <a:cs typeface="+mn-cs"/>
         </a:defRPr>
       </a:lvl3pPr>
-      <a:lvl4pPr marL="1371600" algn="l" defTabSz="914400" rtl="0" eaLnBrk="1" latinLnBrk="0" hangingPunct="1">
-        <a:defRPr sz="1800" kern="1200">
+      <a:lvl4pPr marL="1828754" algn="l" defTabSz="1219170" rtl="0" eaLnBrk="1" latinLnBrk="0" hangingPunct="1">
+        <a:defRPr sz="2400" kern="1200">
           <a:solidFill>
             <a:schemeClr val="tx1"/>
           </a:solidFill>
@@ -3270,8 +2894,8 @@
           <a:cs typeface="+mn-cs"/>
         </a:defRPr>
       </a:lvl4pPr>
-      <a:lvl5pPr marL="1828800" algn="l" defTabSz="914400" rtl="0" eaLnBrk="1" latinLnBrk="0" hangingPunct="1">
-        <a:defRPr sz="1800" kern="1200">
+      <a:lvl5pPr marL="2438339" algn="l" defTabSz="1219170" rtl="0" eaLnBrk="1" latinLnBrk="0" hangingPunct="1">
+        <a:defRPr sz="2400" kern="1200">
           <a:solidFill>
             <a:schemeClr val="tx1"/>
           </a:solidFill>
@@ -3280,8 +2904,8 @@
           <a:cs typeface="+mn-cs"/>
         </a:defRPr>
       </a:lvl5pPr>
-      <a:lvl6pPr marL="2286000" algn="l" defTabSz="914400" rtl="0" eaLnBrk="1" latinLnBrk="0" hangingPunct="1">
-        <a:defRPr sz="1800" kern="1200">
+      <a:lvl6pPr marL="3047924" algn="l" defTabSz="1219170" rtl="0" eaLnBrk="1" latinLnBrk="0" hangingPunct="1">
+        <a:defRPr sz="2400" kern="1200">
           <a:solidFill>
             <a:schemeClr val="tx1"/>
           </a:solidFill>
@@ -3290,8 +2914,8 @@
           <a:cs typeface="+mn-cs"/>
         </a:defRPr>
       </a:lvl6pPr>
-      <a:lvl7pPr marL="2743200" algn="l" defTabSz="914400" rtl="0" eaLnBrk="1" latinLnBrk="0" hangingPunct="1">
-        <a:defRPr sz="1800" kern="1200">
+      <a:lvl7pPr marL="3657509" algn="l" defTabSz="1219170" rtl="0" eaLnBrk="1" latinLnBrk="0" hangingPunct="1">
+        <a:defRPr sz="2400" kern="1200">
           <a:solidFill>
             <a:schemeClr val="tx1"/>
           </a:solidFill>
@@ -3300,8 +2924,8 @@
           <a:cs typeface="+mn-cs"/>
         </a:defRPr>
       </a:lvl7pPr>
-      <a:lvl8pPr marL="3200400" algn="l" defTabSz="914400" rtl="0" eaLnBrk="1" latinLnBrk="0" hangingPunct="1">
-        <a:defRPr sz="1800" kern="1200">
+      <a:lvl8pPr marL="4267093" algn="l" defTabSz="1219170" rtl="0" eaLnBrk="1" latinLnBrk="0" hangingPunct="1">
+        <a:defRPr sz="2400" kern="1200">
           <a:solidFill>
             <a:schemeClr val="tx1"/>
           </a:solidFill>
@@ -3310,8 +2934,8 @@
           <a:cs typeface="+mn-cs"/>
         </a:defRPr>
       </a:lvl8pPr>
-      <a:lvl9pPr marL="3657600" algn="l" defTabSz="914400" rtl="0" eaLnBrk="1" latinLnBrk="0" hangingPunct="1">
-        <a:defRPr sz="1800" kern="1200">
+      <a:lvl9pPr marL="4876678" algn="l" defTabSz="1219170" rtl="0" eaLnBrk="1" latinLnBrk="0" hangingPunct="1">
+        <a:defRPr sz="2400" kern="1200">
           <a:solidFill>
             <a:schemeClr val="tx1"/>
           </a:solidFill>
@@ -3344,10 +2968,10 @@
       </p:grpSpPr>
       <p:sp>
         <p:nvSpPr>
-          <p:cNvPr id="4" name="Rectangle 3">
+          <p:cNvPr id="52" name="Rectangle 51">
             <a:extLst>
               <a:ext uri="{FF2B5EF4-FFF2-40B4-BE49-F238E27FC236}">
-                <a16:creationId xmlns:a16="http://schemas.microsoft.com/office/drawing/2014/main" id="{C6D62EFE-7F00-B029-FE7C-0608363D8C79}"/>
+                <a16:creationId xmlns:a16="http://schemas.microsoft.com/office/drawing/2014/main" id="{EEE6DEF0-BA76-96E1-762F-24C793E69447}"/>
               </a:ext>
             </a:extLst>
           </p:cNvPr>
@@ -3356,788 +2980,16 @@
         </p:nvSpPr>
         <p:spPr>
           <a:xfrm>
-            <a:off x="1817649" y="602166"/>
-            <a:ext cx="1360449" cy="520197"/>
+            <a:off x="1237957" y="1674055"/>
+            <a:ext cx="8482818" cy="7399607"/>
           </a:xfrm>
           <a:prstGeom prst="rect">
             <a:avLst/>
           </a:prstGeom>
           <a:solidFill>
-            <a:schemeClr val="accent3">
-              <a:lumMod val="20000"/>
-              <a:lumOff val="80000"/>
-            </a:schemeClr>
+            <a:schemeClr val="bg1"/>
           </a:solidFill>
-          <a:ln w="28575">
-            <a:solidFill>
-              <a:schemeClr val="tx1"/>
-            </a:solidFill>
-          </a:ln>
-        </p:spPr>
-        <p:style>
-          <a:lnRef idx="2">
-            <a:schemeClr val="accent1">
-              <a:shade val="50000"/>
-            </a:schemeClr>
-          </a:lnRef>
-          <a:fillRef idx="1">
-            <a:schemeClr val="accent1"/>
-          </a:fillRef>
-          <a:effectRef idx="0">
-            <a:schemeClr val="accent1"/>
-          </a:effectRef>
-          <a:fontRef idx="minor">
-            <a:schemeClr val="lt1"/>
-          </a:fontRef>
-        </p:style>
-        <p:txBody>
-          <a:bodyPr rtlCol="0" anchor="ctr"/>
-          <a:lstStyle/>
-          <a:p>
-            <a:pPr algn="ctr"/>
-            <a:r>
-              <a:rPr lang="en-US" dirty="0">
-                <a:solidFill>
-                  <a:schemeClr val="tx1"/>
-                </a:solidFill>
-              </a:rPr>
-              <a:t>bar</a:t>
-            </a:r>
-          </a:p>
-        </p:txBody>
-      </p:sp>
-      <p:sp>
-        <p:nvSpPr>
-          <p:cNvPr id="5" name="Rectangle 4">
-            <a:extLst>
-              <a:ext uri="{FF2B5EF4-FFF2-40B4-BE49-F238E27FC236}">
-                <a16:creationId xmlns:a16="http://schemas.microsoft.com/office/drawing/2014/main" id="{8A162A21-40EF-0A44-6C8A-D15BC945E362}"/>
-              </a:ext>
-            </a:extLst>
-          </p:cNvPr>
-          <p:cNvSpPr/>
-          <p:nvPr/>
-        </p:nvSpPr>
-        <p:spPr>
-          <a:xfrm>
-            <a:off x="3471747" y="602166"/>
-            <a:ext cx="1360449" cy="520197"/>
-          </a:xfrm>
-          <a:prstGeom prst="rect">
-            <a:avLst/>
-          </a:prstGeom>
-          <a:solidFill>
-            <a:schemeClr val="accent3">
-              <a:lumMod val="20000"/>
-              <a:lumOff val="80000"/>
-            </a:schemeClr>
-          </a:solidFill>
-          <a:ln w="28575">
-            <a:solidFill>
-              <a:schemeClr val="tx1"/>
-            </a:solidFill>
-          </a:ln>
-        </p:spPr>
-        <p:style>
-          <a:lnRef idx="2">
-            <a:schemeClr val="accent1">
-              <a:shade val="50000"/>
-            </a:schemeClr>
-          </a:lnRef>
-          <a:fillRef idx="1">
-            <a:schemeClr val="accent1"/>
-          </a:fillRef>
-          <a:effectRef idx="0">
-            <a:schemeClr val="accent1"/>
-          </a:effectRef>
-          <a:fontRef idx="minor">
-            <a:schemeClr val="lt1"/>
-          </a:fontRef>
-        </p:style>
-        <p:txBody>
-          <a:bodyPr rtlCol="0" anchor="ctr"/>
-          <a:lstStyle/>
-          <a:p>
-            <a:pPr algn="ctr"/>
-            <a:r>
-              <a:rPr lang="en-US" dirty="0" err="1">
-                <a:solidFill>
-                  <a:schemeClr val="tx1"/>
-                </a:solidFill>
-              </a:rPr>
-              <a:t>start_pos</a:t>
-            </a:r>
-            <a:endParaRPr lang="en-US" dirty="0">
-              <a:solidFill>
-                <a:schemeClr val="tx1"/>
-              </a:solidFill>
-            </a:endParaRPr>
-          </a:p>
-        </p:txBody>
-      </p:sp>
-      <p:sp>
-        <p:nvSpPr>
-          <p:cNvPr id="6" name="Rectangle 5">
-            <a:extLst>
-              <a:ext uri="{FF2B5EF4-FFF2-40B4-BE49-F238E27FC236}">
-                <a16:creationId xmlns:a16="http://schemas.microsoft.com/office/drawing/2014/main" id="{886F0DD5-932F-70B4-213B-65FC911313CD}"/>
-              </a:ext>
-            </a:extLst>
-          </p:cNvPr>
-          <p:cNvSpPr/>
-          <p:nvPr/>
-        </p:nvSpPr>
-        <p:spPr>
-          <a:xfrm>
-            <a:off x="5125845" y="602166"/>
-            <a:ext cx="1360449" cy="520197"/>
-          </a:xfrm>
-          <a:prstGeom prst="rect">
-            <a:avLst/>
-          </a:prstGeom>
-          <a:solidFill>
-            <a:schemeClr val="accent3">
-              <a:lumMod val="20000"/>
-              <a:lumOff val="80000"/>
-            </a:schemeClr>
-          </a:solidFill>
-          <a:ln w="28575">
-            <a:solidFill>
-              <a:schemeClr val="tx1"/>
-            </a:solidFill>
-          </a:ln>
-        </p:spPr>
-        <p:style>
-          <a:lnRef idx="2">
-            <a:schemeClr val="accent1">
-              <a:shade val="50000"/>
-            </a:schemeClr>
-          </a:lnRef>
-          <a:fillRef idx="1">
-            <a:schemeClr val="accent1"/>
-          </a:fillRef>
-          <a:effectRef idx="0">
-            <a:schemeClr val="accent1"/>
-          </a:effectRef>
-          <a:fontRef idx="minor">
-            <a:schemeClr val="lt1"/>
-          </a:fontRef>
-        </p:style>
-        <p:txBody>
-          <a:bodyPr rtlCol="0" anchor="ctr"/>
-          <a:lstStyle/>
-          <a:p>
-            <a:pPr algn="ctr"/>
-            <a:r>
-              <a:rPr lang="en-US" dirty="0" err="1">
-                <a:solidFill>
-                  <a:schemeClr val="tx1"/>
-                </a:solidFill>
-              </a:rPr>
-              <a:t>note_dur</a:t>
-            </a:r>
-            <a:endParaRPr lang="en-US" dirty="0">
-              <a:solidFill>
-                <a:schemeClr val="tx1"/>
-              </a:solidFill>
-            </a:endParaRPr>
-          </a:p>
-        </p:txBody>
-      </p:sp>
-      <p:sp>
-        <p:nvSpPr>
-          <p:cNvPr id="7" name="Rectangle 6">
-            <a:extLst>
-              <a:ext uri="{FF2B5EF4-FFF2-40B4-BE49-F238E27FC236}">
-                <a16:creationId xmlns:a16="http://schemas.microsoft.com/office/drawing/2014/main" id="{12C45EB4-0704-B17B-8D68-848154B5FE5A}"/>
-              </a:ext>
-            </a:extLst>
-          </p:cNvPr>
-          <p:cNvSpPr/>
-          <p:nvPr/>
-        </p:nvSpPr>
-        <p:spPr>
-          <a:xfrm>
-            <a:off x="6779943" y="602165"/>
-            <a:ext cx="1360449" cy="520197"/>
-          </a:xfrm>
-          <a:prstGeom prst="rect">
-            <a:avLst/>
-          </a:prstGeom>
-          <a:solidFill>
-            <a:schemeClr val="accent3">
-              <a:lumMod val="20000"/>
-              <a:lumOff val="80000"/>
-            </a:schemeClr>
-          </a:solidFill>
-          <a:ln w="28575">
-            <a:solidFill>
-              <a:schemeClr val="tx1"/>
-            </a:solidFill>
-          </a:ln>
-        </p:spPr>
-        <p:style>
-          <a:lnRef idx="2">
-            <a:schemeClr val="accent1">
-              <a:shade val="50000"/>
-            </a:schemeClr>
-          </a:lnRef>
-          <a:fillRef idx="1">
-            <a:schemeClr val="accent1"/>
-          </a:fillRef>
-          <a:effectRef idx="0">
-            <a:schemeClr val="accent1"/>
-          </a:effectRef>
-          <a:fontRef idx="minor">
-            <a:schemeClr val="lt1"/>
-          </a:fontRef>
-        </p:style>
-        <p:txBody>
-          <a:bodyPr rtlCol="0" anchor="ctr"/>
-          <a:lstStyle/>
-          <a:p>
-            <a:pPr algn="ctr"/>
-            <a:r>
-              <a:rPr lang="en-US" dirty="0" err="1">
-                <a:solidFill>
-                  <a:schemeClr val="tx1"/>
-                </a:solidFill>
-              </a:rPr>
-              <a:t>pitch_ins</a:t>
-            </a:r>
-            <a:endParaRPr lang="en-US" dirty="0">
-              <a:solidFill>
-                <a:schemeClr val="tx1"/>
-              </a:solidFill>
-            </a:endParaRPr>
-          </a:p>
-        </p:txBody>
-      </p:sp>
-      <p:sp>
-        <p:nvSpPr>
-          <p:cNvPr id="8" name="TextBox 7">
-            <a:extLst>
-              <a:ext uri="{FF2B5EF4-FFF2-40B4-BE49-F238E27FC236}">
-                <a16:creationId xmlns:a16="http://schemas.microsoft.com/office/drawing/2014/main" id="{55A83818-3854-6560-C776-AFD6CA323356}"/>
-              </a:ext>
-            </a:extLst>
-          </p:cNvPr>
-          <p:cNvSpPr txBox="1"/>
-          <p:nvPr/>
-        </p:nvSpPr>
-        <p:spPr>
-          <a:xfrm>
-            <a:off x="8285355" y="680222"/>
-            <a:ext cx="1702422" cy="369332"/>
-          </a:xfrm>
-          <a:prstGeom prst="rect">
-            <a:avLst/>
-          </a:prstGeom>
-          <a:noFill/>
-        </p:spPr>
-        <p:txBody>
-          <a:bodyPr wrap="square" rtlCol="0">
-            <a:spAutoFit/>
-          </a:bodyPr>
-          <a:lstStyle/>
-          <a:p>
-            <a:r>
-              <a:rPr lang="en-US" i="1" dirty="0"/>
-              <a:t>Embeddings</a:t>
-            </a:r>
-          </a:p>
-        </p:txBody>
-      </p:sp>
-      <p:cxnSp>
-        <p:nvCxnSpPr>
-          <p:cNvPr id="10" name="Straight Connector 9">
-            <a:extLst>
-              <a:ext uri="{FF2B5EF4-FFF2-40B4-BE49-F238E27FC236}">
-                <a16:creationId xmlns:a16="http://schemas.microsoft.com/office/drawing/2014/main" id="{D87A23DF-CD52-04D5-1189-37158CC0A63D}"/>
-              </a:ext>
-            </a:extLst>
-          </p:cNvPr>
-          <p:cNvCxnSpPr>
-            <a:stCxn id="4" idx="2"/>
-          </p:cNvCxnSpPr>
-          <p:nvPr/>
-        </p:nvCxnSpPr>
-        <p:spPr>
-          <a:xfrm flipH="1">
-            <a:off x="2497873" y="1122363"/>
-            <a:ext cx="1" cy="338447"/>
-          </a:xfrm>
-          <a:prstGeom prst="line">
-            <a:avLst/>
-          </a:prstGeom>
-          <a:ln w="28575">
-            <a:solidFill>
-              <a:schemeClr val="tx1"/>
-            </a:solidFill>
-          </a:ln>
-        </p:spPr>
-        <p:style>
-          <a:lnRef idx="1">
-            <a:schemeClr val="accent1"/>
-          </a:lnRef>
-          <a:fillRef idx="0">
-            <a:schemeClr val="accent1"/>
-          </a:fillRef>
-          <a:effectRef idx="0">
-            <a:schemeClr val="accent1"/>
-          </a:effectRef>
-          <a:fontRef idx="minor">
-            <a:schemeClr val="tx1"/>
-          </a:fontRef>
-        </p:style>
-      </p:cxnSp>
-      <p:cxnSp>
-        <p:nvCxnSpPr>
-          <p:cNvPr id="11" name="Straight Connector 10">
-            <a:extLst>
-              <a:ext uri="{FF2B5EF4-FFF2-40B4-BE49-F238E27FC236}">
-                <a16:creationId xmlns:a16="http://schemas.microsoft.com/office/drawing/2014/main" id="{BF95A763-E4F1-7CCE-00B3-22BBA91198C0}"/>
-              </a:ext>
-            </a:extLst>
-          </p:cNvPr>
-          <p:cNvCxnSpPr/>
-          <p:nvPr/>
-        </p:nvCxnSpPr>
-        <p:spPr>
-          <a:xfrm flipH="1">
-            <a:off x="4151970" y="1111211"/>
-            <a:ext cx="1" cy="338447"/>
-          </a:xfrm>
-          <a:prstGeom prst="line">
-            <a:avLst/>
-          </a:prstGeom>
-          <a:ln w="28575">
-            <a:solidFill>
-              <a:schemeClr val="tx1"/>
-            </a:solidFill>
-          </a:ln>
-        </p:spPr>
-        <p:style>
-          <a:lnRef idx="1">
-            <a:schemeClr val="accent1"/>
-          </a:lnRef>
-          <a:fillRef idx="0">
-            <a:schemeClr val="accent1"/>
-          </a:fillRef>
-          <a:effectRef idx="0">
-            <a:schemeClr val="accent1"/>
-          </a:effectRef>
-          <a:fontRef idx="minor">
-            <a:schemeClr val="tx1"/>
-          </a:fontRef>
-        </p:style>
-      </p:cxnSp>
-      <p:cxnSp>
-        <p:nvCxnSpPr>
-          <p:cNvPr id="12" name="Straight Connector 11">
-            <a:extLst>
-              <a:ext uri="{FF2B5EF4-FFF2-40B4-BE49-F238E27FC236}">
-                <a16:creationId xmlns:a16="http://schemas.microsoft.com/office/drawing/2014/main" id="{3CAB0394-5EEE-8720-9A98-43F70BE4C93A}"/>
-              </a:ext>
-            </a:extLst>
-          </p:cNvPr>
-          <p:cNvCxnSpPr/>
-          <p:nvPr/>
-        </p:nvCxnSpPr>
-        <p:spPr>
-          <a:xfrm flipH="1">
-            <a:off x="5806067" y="1133514"/>
-            <a:ext cx="1" cy="338447"/>
-          </a:xfrm>
-          <a:prstGeom prst="line">
-            <a:avLst/>
-          </a:prstGeom>
-          <a:ln w="28575">
-            <a:solidFill>
-              <a:schemeClr val="tx1"/>
-            </a:solidFill>
-          </a:ln>
-        </p:spPr>
-        <p:style>
-          <a:lnRef idx="1">
-            <a:schemeClr val="accent1"/>
-          </a:lnRef>
-          <a:fillRef idx="0">
-            <a:schemeClr val="accent1"/>
-          </a:fillRef>
-          <a:effectRef idx="0">
-            <a:schemeClr val="accent1"/>
-          </a:effectRef>
-          <a:fontRef idx="minor">
-            <a:schemeClr val="tx1"/>
-          </a:fontRef>
-        </p:style>
-      </p:cxnSp>
-      <p:cxnSp>
-        <p:nvCxnSpPr>
-          <p:cNvPr id="13" name="Straight Connector 12">
-            <a:extLst>
-              <a:ext uri="{FF2B5EF4-FFF2-40B4-BE49-F238E27FC236}">
-                <a16:creationId xmlns:a16="http://schemas.microsoft.com/office/drawing/2014/main" id="{5E58AC89-D51E-AE74-BEBD-86502C82A1A2}"/>
-              </a:ext>
-            </a:extLst>
-          </p:cNvPr>
-          <p:cNvCxnSpPr/>
-          <p:nvPr/>
-        </p:nvCxnSpPr>
-        <p:spPr>
-          <a:xfrm flipH="1">
-            <a:off x="7460164" y="1122362"/>
-            <a:ext cx="1" cy="338447"/>
-          </a:xfrm>
-          <a:prstGeom prst="line">
-            <a:avLst/>
-          </a:prstGeom>
-          <a:ln w="28575">
-            <a:solidFill>
-              <a:schemeClr val="tx1"/>
-            </a:solidFill>
-          </a:ln>
-        </p:spPr>
-        <p:style>
-          <a:lnRef idx="1">
-            <a:schemeClr val="accent1"/>
-          </a:lnRef>
-          <a:fillRef idx="0">
-            <a:schemeClr val="accent1"/>
-          </a:fillRef>
-          <a:effectRef idx="0">
-            <a:schemeClr val="accent1"/>
-          </a:effectRef>
-          <a:fontRef idx="minor">
-            <a:schemeClr val="tx1"/>
-          </a:fontRef>
-        </p:style>
-      </p:cxnSp>
-      <p:sp>
-        <p:nvSpPr>
-          <p:cNvPr id="14" name="Rectangle 13">
-            <a:extLst>
-              <a:ext uri="{FF2B5EF4-FFF2-40B4-BE49-F238E27FC236}">
-                <a16:creationId xmlns:a16="http://schemas.microsoft.com/office/drawing/2014/main" id="{A8A94ADC-BBA4-F4F4-13BA-FDF4BF022169}"/>
-              </a:ext>
-            </a:extLst>
-          </p:cNvPr>
-          <p:cNvSpPr/>
-          <p:nvPr/>
-        </p:nvSpPr>
-        <p:spPr>
-          <a:xfrm>
-            <a:off x="1817649" y="1460810"/>
-            <a:ext cx="6322733" cy="520197"/>
-          </a:xfrm>
-          <a:prstGeom prst="rect">
-            <a:avLst/>
-          </a:prstGeom>
-          <a:noFill/>
-          <a:ln w="28575">
-            <a:solidFill>
-              <a:schemeClr val="tx1"/>
-            </a:solidFill>
-          </a:ln>
-        </p:spPr>
-        <p:style>
-          <a:lnRef idx="2">
-            <a:schemeClr val="accent1">
-              <a:shade val="50000"/>
-            </a:schemeClr>
-          </a:lnRef>
-          <a:fillRef idx="1">
-            <a:schemeClr val="accent1"/>
-          </a:fillRef>
-          <a:effectRef idx="0">
-            <a:schemeClr val="accent1"/>
-          </a:effectRef>
-          <a:fontRef idx="minor">
-            <a:schemeClr val="lt1"/>
-          </a:fontRef>
-        </p:style>
-        <p:txBody>
-          <a:bodyPr rtlCol="0" anchor="ctr"/>
-          <a:lstStyle/>
-          <a:p>
-            <a:pPr algn="ctr"/>
-            <a:r>
-              <a:rPr lang="en-US" dirty="0">
-                <a:solidFill>
-                  <a:schemeClr val="tx1"/>
-                </a:solidFill>
-              </a:rPr>
-              <a:t>concatenate</a:t>
-            </a:r>
-          </a:p>
-        </p:txBody>
-      </p:sp>
-      <p:sp>
-        <p:nvSpPr>
-          <p:cNvPr id="15" name="Rectangle 14">
-            <a:extLst>
-              <a:ext uri="{FF2B5EF4-FFF2-40B4-BE49-F238E27FC236}">
-                <a16:creationId xmlns:a16="http://schemas.microsoft.com/office/drawing/2014/main" id="{01B68088-E329-ED65-62C1-8BA76BE29F7D}"/>
-              </a:ext>
-            </a:extLst>
-          </p:cNvPr>
-          <p:cNvSpPr/>
-          <p:nvPr/>
-        </p:nvSpPr>
-        <p:spPr>
-          <a:xfrm>
-            <a:off x="4298789" y="2307172"/>
-            <a:ext cx="1360449" cy="520197"/>
-          </a:xfrm>
-          <a:prstGeom prst="rect">
-            <a:avLst/>
-          </a:prstGeom>
-          <a:noFill/>
-          <a:ln w="28575">
-            <a:solidFill>
-              <a:schemeClr val="tx1"/>
-            </a:solidFill>
-          </a:ln>
-        </p:spPr>
-        <p:style>
-          <a:lnRef idx="2">
-            <a:schemeClr val="accent1">
-              <a:shade val="50000"/>
-            </a:schemeClr>
-          </a:lnRef>
-          <a:fillRef idx="1">
-            <a:schemeClr val="accent1"/>
-          </a:fillRef>
-          <a:effectRef idx="0">
-            <a:schemeClr val="accent1"/>
-          </a:effectRef>
-          <a:fontRef idx="minor">
-            <a:schemeClr val="lt1"/>
-          </a:fontRef>
-        </p:style>
-        <p:txBody>
-          <a:bodyPr rtlCol="0" anchor="ctr"/>
-          <a:lstStyle/>
-          <a:p>
-            <a:pPr algn="ctr"/>
-            <a:r>
-              <a:rPr lang="en-US" dirty="0">
-                <a:solidFill>
-                  <a:schemeClr val="tx1"/>
-                </a:solidFill>
-              </a:rPr>
-              <a:t>linear</a:t>
-            </a:r>
-          </a:p>
-        </p:txBody>
-      </p:sp>
-      <p:cxnSp>
-        <p:nvCxnSpPr>
-          <p:cNvPr id="16" name="Straight Connector 15">
-            <a:extLst>
-              <a:ext uri="{FF2B5EF4-FFF2-40B4-BE49-F238E27FC236}">
-                <a16:creationId xmlns:a16="http://schemas.microsoft.com/office/drawing/2014/main" id="{BA244FE0-1A56-9AB8-9E90-6C9656D722BE}"/>
-              </a:ext>
-            </a:extLst>
-          </p:cNvPr>
-          <p:cNvCxnSpPr/>
-          <p:nvPr/>
-        </p:nvCxnSpPr>
-        <p:spPr>
-          <a:xfrm flipH="1">
-            <a:off x="4979014" y="1968725"/>
-            <a:ext cx="1" cy="338447"/>
-          </a:xfrm>
-          <a:prstGeom prst="line">
-            <a:avLst/>
-          </a:prstGeom>
-          <a:ln w="28575">
-            <a:solidFill>
-              <a:schemeClr val="tx1"/>
-            </a:solidFill>
-          </a:ln>
-        </p:spPr>
-        <p:style>
-          <a:lnRef idx="1">
-            <a:schemeClr val="accent1"/>
-          </a:lnRef>
-          <a:fillRef idx="0">
-            <a:schemeClr val="accent1"/>
-          </a:fillRef>
-          <a:effectRef idx="0">
-            <a:schemeClr val="accent1"/>
-          </a:effectRef>
-          <a:fontRef idx="minor">
-            <a:schemeClr val="tx1"/>
-          </a:fontRef>
-        </p:style>
-      </p:cxnSp>
-      <p:cxnSp>
-        <p:nvCxnSpPr>
-          <p:cNvPr id="17" name="Straight Connector 16">
-            <a:extLst>
-              <a:ext uri="{FF2B5EF4-FFF2-40B4-BE49-F238E27FC236}">
-                <a16:creationId xmlns:a16="http://schemas.microsoft.com/office/drawing/2014/main" id="{21BFF77E-C6C0-C92A-BF91-8657853039D9}"/>
-              </a:ext>
-            </a:extLst>
-          </p:cNvPr>
-          <p:cNvCxnSpPr/>
-          <p:nvPr/>
-        </p:nvCxnSpPr>
-        <p:spPr>
-          <a:xfrm flipH="1">
-            <a:off x="4979013" y="2827369"/>
-            <a:ext cx="1" cy="338447"/>
-          </a:xfrm>
-          <a:prstGeom prst="line">
-            <a:avLst/>
-          </a:prstGeom>
-          <a:ln w="28575">
-            <a:solidFill>
-              <a:schemeClr val="tx1"/>
-            </a:solidFill>
-          </a:ln>
-        </p:spPr>
-        <p:style>
-          <a:lnRef idx="1">
-            <a:schemeClr val="accent1"/>
-          </a:lnRef>
-          <a:fillRef idx="0">
-            <a:schemeClr val="accent1"/>
-          </a:fillRef>
-          <a:effectRef idx="0">
-            <a:schemeClr val="accent1"/>
-          </a:effectRef>
-          <a:fontRef idx="minor">
-            <a:schemeClr val="tx1"/>
-          </a:fontRef>
-        </p:style>
-      </p:cxnSp>
-      <p:sp>
-        <p:nvSpPr>
-          <p:cNvPr id="18" name="Rectangle 17">
-            <a:extLst>
-              <a:ext uri="{FF2B5EF4-FFF2-40B4-BE49-F238E27FC236}">
-                <a16:creationId xmlns:a16="http://schemas.microsoft.com/office/drawing/2014/main" id="{5DC8118F-7C57-009E-695B-A6AB0E2D42AC}"/>
-              </a:ext>
-            </a:extLst>
-          </p:cNvPr>
-          <p:cNvSpPr/>
-          <p:nvPr/>
-        </p:nvSpPr>
-        <p:spPr>
-          <a:xfrm>
-            <a:off x="1934824" y="3069595"/>
-            <a:ext cx="2217148" cy="520197"/>
-          </a:xfrm>
-          <a:prstGeom prst="rect">
-            <a:avLst/>
-          </a:prstGeom>
-          <a:noFill/>
-          <a:ln w="28575">
-            <a:solidFill>
-              <a:schemeClr val="tx1"/>
-            </a:solidFill>
-          </a:ln>
-        </p:spPr>
-        <p:style>
-          <a:lnRef idx="2">
-            <a:schemeClr val="accent1">
-              <a:shade val="50000"/>
-            </a:schemeClr>
-          </a:lnRef>
-          <a:fillRef idx="1">
-            <a:schemeClr val="accent1"/>
-          </a:fillRef>
-          <a:effectRef idx="0">
-            <a:schemeClr val="accent1"/>
-          </a:effectRef>
-          <a:fontRef idx="minor">
-            <a:schemeClr val="lt1"/>
-          </a:fontRef>
-        </p:style>
-        <p:txBody>
-          <a:bodyPr rtlCol="0" anchor="ctr"/>
-          <a:lstStyle/>
-          <a:p>
-            <a:pPr algn="ctr"/>
-            <a:r>
-              <a:rPr lang="en-US" dirty="0">
-                <a:solidFill>
-                  <a:schemeClr val="tx1"/>
-                </a:solidFill>
-              </a:rPr>
-              <a:t>Positional encoding</a:t>
-            </a:r>
-          </a:p>
-        </p:txBody>
-      </p:sp>
-      <p:cxnSp>
-        <p:nvCxnSpPr>
-          <p:cNvPr id="19" name="Straight Connector 18">
-            <a:extLst>
-              <a:ext uri="{FF2B5EF4-FFF2-40B4-BE49-F238E27FC236}">
-                <a16:creationId xmlns:a16="http://schemas.microsoft.com/office/drawing/2014/main" id="{9D3681F8-A9C8-35D4-C81B-A9A54D1D9196}"/>
-              </a:ext>
-            </a:extLst>
-          </p:cNvPr>
-          <p:cNvCxnSpPr>
-            <a:cxnSpLocks/>
-          </p:cNvCxnSpPr>
-          <p:nvPr/>
-        </p:nvCxnSpPr>
-        <p:spPr>
-          <a:xfrm flipH="1">
-            <a:off x="4149224" y="3336236"/>
-            <a:ext cx="682972" cy="1"/>
-          </a:xfrm>
-          <a:prstGeom prst="line">
-            <a:avLst/>
-          </a:prstGeom>
-          <a:ln w="28575">
-            <a:solidFill>
-              <a:schemeClr val="tx1"/>
-            </a:solidFill>
-          </a:ln>
-        </p:spPr>
-        <p:style>
-          <a:lnRef idx="1">
-            <a:schemeClr val="accent1"/>
-          </a:lnRef>
-          <a:fillRef idx="0">
-            <a:schemeClr val="accent1"/>
-          </a:fillRef>
-          <a:effectRef idx="0">
-            <a:schemeClr val="accent1"/>
-          </a:effectRef>
-          <a:fontRef idx="minor">
-            <a:schemeClr val="tx1"/>
-          </a:fontRef>
-        </p:style>
-      </p:cxnSp>
-      <p:sp>
-        <p:nvSpPr>
-          <p:cNvPr id="20" name="Rectangle 19">
-            <a:extLst>
-              <a:ext uri="{FF2B5EF4-FFF2-40B4-BE49-F238E27FC236}">
-                <a16:creationId xmlns:a16="http://schemas.microsoft.com/office/drawing/2014/main" id="{778439C4-8F6A-EA3B-5370-7035CF519BFB}"/>
-              </a:ext>
-            </a:extLst>
-          </p:cNvPr>
-          <p:cNvSpPr/>
-          <p:nvPr/>
-        </p:nvSpPr>
-        <p:spPr>
-          <a:xfrm>
-            <a:off x="4298788" y="3059224"/>
-            <a:ext cx="1360449" cy="520197"/>
-          </a:xfrm>
-          <a:prstGeom prst="rect">
-            <a:avLst/>
-          </a:prstGeom>
-          <a:noFill/>
-          <a:ln w="28575">
+          <a:ln>
             <a:noFill/>
           </a:ln>
         </p:spPr>
@@ -4162,115 +3014,2109 @@
           <a:lstStyle/>
           <a:p>
             <a:pPr algn="ctr"/>
-            <a:r>
-              <a:rPr lang="en-US" sz="3200" dirty="0">
+            <a:endParaRPr lang="en-US"/>
+          </a:p>
+        </p:txBody>
+      </p:sp>
+      <p:grpSp>
+        <p:nvGrpSpPr>
+          <p:cNvPr id="51" name="Group 50">
+            <a:extLst>
+              <a:ext uri="{FF2B5EF4-FFF2-40B4-BE49-F238E27FC236}">
+                <a16:creationId xmlns:a16="http://schemas.microsoft.com/office/drawing/2014/main" id="{0CBA487E-511A-2D3A-17AA-BCE41A23A700}"/>
+              </a:ext>
+            </a:extLst>
+          </p:cNvPr>
+          <p:cNvGrpSpPr/>
+          <p:nvPr/>
+        </p:nvGrpSpPr>
+        <p:grpSpPr>
+          <a:xfrm>
+            <a:off x="1764640" y="2058140"/>
+            <a:ext cx="8170128" cy="6691228"/>
+            <a:chOff x="1817649" y="350374"/>
+            <a:chExt cx="8170128" cy="6691228"/>
+          </a:xfrm>
+        </p:grpSpPr>
+        <p:grpSp>
+          <p:nvGrpSpPr>
+            <p:cNvPr id="47" name="Group 46">
+              <a:extLst>
+                <a:ext uri="{FF2B5EF4-FFF2-40B4-BE49-F238E27FC236}">
+                  <a16:creationId xmlns:a16="http://schemas.microsoft.com/office/drawing/2014/main" id="{836E7EF7-FDAA-069A-99F2-50362FAA288A}"/>
+                </a:ext>
+              </a:extLst>
+            </p:cNvPr>
+            <p:cNvGrpSpPr/>
+            <p:nvPr/>
+          </p:nvGrpSpPr>
+          <p:grpSpPr>
+            <a:xfrm>
+              <a:off x="1817649" y="350374"/>
+              <a:ext cx="8170128" cy="4629839"/>
+              <a:chOff x="1817649" y="602165"/>
+              <a:chExt cx="8170128" cy="4629839"/>
+            </a:xfrm>
+          </p:grpSpPr>
+          <p:sp>
+            <p:nvSpPr>
+              <p:cNvPr id="4" name="Rectangle 3">
+                <a:extLst>
+                  <a:ext uri="{FF2B5EF4-FFF2-40B4-BE49-F238E27FC236}">
+                    <a16:creationId xmlns:a16="http://schemas.microsoft.com/office/drawing/2014/main" id="{C6D62EFE-7F00-B029-FE7C-0608363D8C79}"/>
+                  </a:ext>
+                </a:extLst>
+              </p:cNvPr>
+              <p:cNvSpPr/>
+              <p:nvPr/>
+            </p:nvSpPr>
+            <p:spPr>
+              <a:xfrm>
+                <a:off x="1817649" y="602166"/>
+                <a:ext cx="1360449" cy="520197"/>
+              </a:xfrm>
+              <a:prstGeom prst="rect">
+                <a:avLst/>
+              </a:prstGeom>
+              <a:solidFill>
+                <a:schemeClr val="accent3">
+                  <a:lumMod val="20000"/>
+                  <a:lumOff val="80000"/>
+                </a:schemeClr>
+              </a:solidFill>
+              <a:ln w="28575">
                 <a:solidFill>
                   <a:schemeClr val="tx1"/>
                 </a:solidFill>
-              </a:rPr>
-              <a:t>⊕</a:t>
-            </a:r>
-          </a:p>
-        </p:txBody>
-      </p:sp>
-      <p:cxnSp>
-        <p:nvCxnSpPr>
-          <p:cNvPr id="22" name="Straight Connector 21">
-            <a:extLst>
-              <a:ext uri="{FF2B5EF4-FFF2-40B4-BE49-F238E27FC236}">
-                <a16:creationId xmlns:a16="http://schemas.microsoft.com/office/drawing/2014/main" id="{D835E41C-86B5-EC3F-D062-38A060CC5A74}"/>
-              </a:ext>
-            </a:extLst>
-          </p:cNvPr>
-          <p:cNvCxnSpPr/>
-          <p:nvPr/>
-        </p:nvCxnSpPr>
-        <p:spPr>
-          <a:xfrm flipH="1">
-            <a:off x="4976265" y="3487375"/>
-            <a:ext cx="1" cy="338447"/>
-          </a:xfrm>
-          <a:prstGeom prst="line">
-            <a:avLst/>
-          </a:prstGeom>
-          <a:ln w="28575">
-            <a:solidFill>
+              </a:ln>
+            </p:spPr>
+            <p:style>
+              <a:lnRef idx="2">
+                <a:schemeClr val="accent1">
+                  <a:shade val="50000"/>
+                </a:schemeClr>
+              </a:lnRef>
+              <a:fillRef idx="1">
+                <a:schemeClr val="accent1"/>
+              </a:fillRef>
+              <a:effectRef idx="0">
+                <a:schemeClr val="accent1"/>
+              </a:effectRef>
+              <a:fontRef idx="minor">
+                <a:schemeClr val="lt1"/>
+              </a:fontRef>
+            </p:style>
+            <p:txBody>
+              <a:bodyPr rtlCol="0" anchor="ctr"/>
+              <a:lstStyle/>
+              <a:p>
+                <a:pPr algn="ctr"/>
+                <a:r>
+                  <a:rPr lang="en-US" dirty="0">
+                    <a:solidFill>
+                      <a:schemeClr val="tx1"/>
+                    </a:solidFill>
+                  </a:rPr>
+                  <a:t>bar</a:t>
+                </a:r>
+              </a:p>
+            </p:txBody>
+          </p:sp>
+          <p:sp>
+            <p:nvSpPr>
+              <p:cNvPr id="5" name="Rectangle 4">
+                <a:extLst>
+                  <a:ext uri="{FF2B5EF4-FFF2-40B4-BE49-F238E27FC236}">
+                    <a16:creationId xmlns:a16="http://schemas.microsoft.com/office/drawing/2014/main" id="{8A162A21-40EF-0A44-6C8A-D15BC945E362}"/>
+                  </a:ext>
+                </a:extLst>
+              </p:cNvPr>
+              <p:cNvSpPr/>
+              <p:nvPr/>
+            </p:nvSpPr>
+            <p:spPr>
+              <a:xfrm>
+                <a:off x="3471747" y="602166"/>
+                <a:ext cx="1360449" cy="520197"/>
+              </a:xfrm>
+              <a:prstGeom prst="rect">
+                <a:avLst/>
+              </a:prstGeom>
+              <a:solidFill>
+                <a:schemeClr val="accent3">
+                  <a:lumMod val="20000"/>
+                  <a:lumOff val="80000"/>
+                </a:schemeClr>
+              </a:solidFill>
+              <a:ln w="28575">
+                <a:solidFill>
+                  <a:schemeClr val="tx1"/>
+                </a:solidFill>
+              </a:ln>
+            </p:spPr>
+            <p:style>
+              <a:lnRef idx="2">
+                <a:schemeClr val="accent1">
+                  <a:shade val="50000"/>
+                </a:schemeClr>
+              </a:lnRef>
+              <a:fillRef idx="1">
+                <a:schemeClr val="accent1"/>
+              </a:fillRef>
+              <a:effectRef idx="0">
+                <a:schemeClr val="accent1"/>
+              </a:effectRef>
+              <a:fontRef idx="minor">
+                <a:schemeClr val="lt1"/>
+              </a:fontRef>
+            </p:style>
+            <p:txBody>
+              <a:bodyPr rtlCol="0" anchor="ctr"/>
+              <a:lstStyle/>
+              <a:p>
+                <a:pPr algn="ctr"/>
+                <a:r>
+                  <a:rPr lang="en-US" dirty="0" err="1">
+                    <a:solidFill>
+                      <a:schemeClr val="tx1"/>
+                    </a:solidFill>
+                  </a:rPr>
+                  <a:t>start_pos</a:t>
+                </a:r>
+                <a:endParaRPr lang="en-US" dirty="0">
+                  <a:solidFill>
+                    <a:schemeClr val="tx1"/>
+                  </a:solidFill>
+                </a:endParaRPr>
+              </a:p>
+            </p:txBody>
+          </p:sp>
+          <p:sp>
+            <p:nvSpPr>
+              <p:cNvPr id="6" name="Rectangle 5">
+                <a:extLst>
+                  <a:ext uri="{FF2B5EF4-FFF2-40B4-BE49-F238E27FC236}">
+                    <a16:creationId xmlns:a16="http://schemas.microsoft.com/office/drawing/2014/main" id="{886F0DD5-932F-70B4-213B-65FC911313CD}"/>
+                  </a:ext>
+                </a:extLst>
+              </p:cNvPr>
+              <p:cNvSpPr/>
+              <p:nvPr/>
+            </p:nvSpPr>
+            <p:spPr>
+              <a:xfrm>
+                <a:off x="5125845" y="602166"/>
+                <a:ext cx="1360449" cy="520197"/>
+              </a:xfrm>
+              <a:prstGeom prst="rect">
+                <a:avLst/>
+              </a:prstGeom>
+              <a:solidFill>
+                <a:schemeClr val="accent3">
+                  <a:lumMod val="20000"/>
+                  <a:lumOff val="80000"/>
+                </a:schemeClr>
+              </a:solidFill>
+              <a:ln w="28575">
+                <a:solidFill>
+                  <a:schemeClr val="tx1"/>
+                </a:solidFill>
+              </a:ln>
+            </p:spPr>
+            <p:style>
+              <a:lnRef idx="2">
+                <a:schemeClr val="accent1">
+                  <a:shade val="50000"/>
+                </a:schemeClr>
+              </a:lnRef>
+              <a:fillRef idx="1">
+                <a:schemeClr val="accent1"/>
+              </a:fillRef>
+              <a:effectRef idx="0">
+                <a:schemeClr val="accent1"/>
+              </a:effectRef>
+              <a:fontRef idx="minor">
+                <a:schemeClr val="lt1"/>
+              </a:fontRef>
+            </p:style>
+            <p:txBody>
+              <a:bodyPr rtlCol="0" anchor="ctr"/>
+              <a:lstStyle/>
+              <a:p>
+                <a:pPr algn="ctr"/>
+                <a:r>
+                  <a:rPr lang="en-US" dirty="0" err="1">
+                    <a:solidFill>
+                      <a:schemeClr val="tx1"/>
+                    </a:solidFill>
+                  </a:rPr>
+                  <a:t>note_dur</a:t>
+                </a:r>
+                <a:endParaRPr lang="en-US" dirty="0">
+                  <a:solidFill>
+                    <a:schemeClr val="tx1"/>
+                  </a:solidFill>
+                </a:endParaRPr>
+              </a:p>
+            </p:txBody>
+          </p:sp>
+          <p:sp>
+            <p:nvSpPr>
+              <p:cNvPr id="7" name="Rectangle 6">
+                <a:extLst>
+                  <a:ext uri="{FF2B5EF4-FFF2-40B4-BE49-F238E27FC236}">
+                    <a16:creationId xmlns:a16="http://schemas.microsoft.com/office/drawing/2014/main" id="{12C45EB4-0704-B17B-8D68-848154B5FE5A}"/>
+                  </a:ext>
+                </a:extLst>
+              </p:cNvPr>
+              <p:cNvSpPr/>
+              <p:nvPr/>
+            </p:nvSpPr>
+            <p:spPr>
+              <a:xfrm>
+                <a:off x="6779943" y="602165"/>
+                <a:ext cx="1360449" cy="520197"/>
+              </a:xfrm>
+              <a:prstGeom prst="rect">
+                <a:avLst/>
+              </a:prstGeom>
+              <a:solidFill>
+                <a:schemeClr val="accent3">
+                  <a:lumMod val="20000"/>
+                  <a:lumOff val="80000"/>
+                </a:schemeClr>
+              </a:solidFill>
+              <a:ln w="28575">
+                <a:solidFill>
+                  <a:schemeClr val="tx1"/>
+                </a:solidFill>
+              </a:ln>
+            </p:spPr>
+            <p:style>
+              <a:lnRef idx="2">
+                <a:schemeClr val="accent1">
+                  <a:shade val="50000"/>
+                </a:schemeClr>
+              </a:lnRef>
+              <a:fillRef idx="1">
+                <a:schemeClr val="accent1"/>
+              </a:fillRef>
+              <a:effectRef idx="0">
+                <a:schemeClr val="accent1"/>
+              </a:effectRef>
+              <a:fontRef idx="minor">
+                <a:schemeClr val="lt1"/>
+              </a:fontRef>
+            </p:style>
+            <p:txBody>
+              <a:bodyPr rtlCol="0" anchor="ctr"/>
+              <a:lstStyle/>
+              <a:p>
+                <a:pPr algn="ctr"/>
+                <a:r>
+                  <a:rPr lang="en-US" dirty="0" err="1">
+                    <a:solidFill>
+                      <a:schemeClr val="tx1"/>
+                    </a:solidFill>
+                  </a:rPr>
+                  <a:t>pitch_ins</a:t>
+                </a:r>
+                <a:endParaRPr lang="en-US" dirty="0">
+                  <a:solidFill>
+                    <a:schemeClr val="tx1"/>
+                  </a:solidFill>
+                </a:endParaRPr>
+              </a:p>
+            </p:txBody>
+          </p:sp>
+          <p:sp>
+            <p:nvSpPr>
+              <p:cNvPr id="8" name="TextBox 7">
+                <a:extLst>
+                  <a:ext uri="{FF2B5EF4-FFF2-40B4-BE49-F238E27FC236}">
+                    <a16:creationId xmlns:a16="http://schemas.microsoft.com/office/drawing/2014/main" id="{55A83818-3854-6560-C776-AFD6CA323356}"/>
+                  </a:ext>
+                </a:extLst>
+              </p:cNvPr>
+              <p:cNvSpPr txBox="1"/>
+              <p:nvPr/>
+            </p:nvSpPr>
+            <p:spPr>
+              <a:xfrm>
+                <a:off x="8285355" y="680222"/>
+                <a:ext cx="1702422" cy="369332"/>
+              </a:xfrm>
+              <a:prstGeom prst="rect">
+                <a:avLst/>
+              </a:prstGeom>
+              <a:noFill/>
+            </p:spPr>
+            <p:txBody>
+              <a:bodyPr wrap="square" rtlCol="0">
+                <a:spAutoFit/>
+              </a:bodyPr>
+              <a:lstStyle/>
+              <a:p>
+                <a:r>
+                  <a:rPr lang="en-US" i="1" dirty="0"/>
+                  <a:t>Embeddings</a:t>
+                </a:r>
+              </a:p>
+            </p:txBody>
+          </p:sp>
+          <p:cxnSp>
+            <p:nvCxnSpPr>
+              <p:cNvPr id="10" name="Straight Connector 9">
+                <a:extLst>
+                  <a:ext uri="{FF2B5EF4-FFF2-40B4-BE49-F238E27FC236}">
+                    <a16:creationId xmlns:a16="http://schemas.microsoft.com/office/drawing/2014/main" id="{D87A23DF-CD52-04D5-1189-37158CC0A63D}"/>
+                  </a:ext>
+                </a:extLst>
+              </p:cNvPr>
+              <p:cNvCxnSpPr>
+                <a:stCxn id="4" idx="2"/>
+              </p:cNvCxnSpPr>
+              <p:nvPr/>
+            </p:nvCxnSpPr>
+            <p:spPr>
+              <a:xfrm flipH="1">
+                <a:off x="2497873" y="1122363"/>
+                <a:ext cx="1" cy="338447"/>
+              </a:xfrm>
+              <a:prstGeom prst="line">
+                <a:avLst/>
+              </a:prstGeom>
+              <a:ln w="28575">
+                <a:solidFill>
+                  <a:schemeClr val="tx1"/>
+                </a:solidFill>
+              </a:ln>
+            </p:spPr>
+            <p:style>
+              <a:lnRef idx="1">
+                <a:schemeClr val="accent1"/>
+              </a:lnRef>
+              <a:fillRef idx="0">
+                <a:schemeClr val="accent1"/>
+              </a:fillRef>
+              <a:effectRef idx="0">
+                <a:schemeClr val="accent1"/>
+              </a:effectRef>
+              <a:fontRef idx="minor">
+                <a:schemeClr val="tx1"/>
+              </a:fontRef>
+            </p:style>
+          </p:cxnSp>
+          <p:cxnSp>
+            <p:nvCxnSpPr>
+              <p:cNvPr id="11" name="Straight Connector 10">
+                <a:extLst>
+                  <a:ext uri="{FF2B5EF4-FFF2-40B4-BE49-F238E27FC236}">
+                    <a16:creationId xmlns:a16="http://schemas.microsoft.com/office/drawing/2014/main" id="{BF95A763-E4F1-7CCE-00B3-22BBA91198C0}"/>
+                  </a:ext>
+                </a:extLst>
+              </p:cNvPr>
+              <p:cNvCxnSpPr/>
+              <p:nvPr/>
+            </p:nvCxnSpPr>
+            <p:spPr>
+              <a:xfrm flipH="1">
+                <a:off x="4151970" y="1111211"/>
+                <a:ext cx="1" cy="338447"/>
+              </a:xfrm>
+              <a:prstGeom prst="line">
+                <a:avLst/>
+              </a:prstGeom>
+              <a:ln w="28575">
+                <a:solidFill>
+                  <a:schemeClr val="tx1"/>
+                </a:solidFill>
+              </a:ln>
+            </p:spPr>
+            <p:style>
+              <a:lnRef idx="1">
+                <a:schemeClr val="accent1"/>
+              </a:lnRef>
+              <a:fillRef idx="0">
+                <a:schemeClr val="accent1"/>
+              </a:fillRef>
+              <a:effectRef idx="0">
+                <a:schemeClr val="accent1"/>
+              </a:effectRef>
+              <a:fontRef idx="minor">
+                <a:schemeClr val="tx1"/>
+              </a:fontRef>
+            </p:style>
+          </p:cxnSp>
+          <p:cxnSp>
+            <p:nvCxnSpPr>
+              <p:cNvPr id="12" name="Straight Connector 11">
+                <a:extLst>
+                  <a:ext uri="{FF2B5EF4-FFF2-40B4-BE49-F238E27FC236}">
+                    <a16:creationId xmlns:a16="http://schemas.microsoft.com/office/drawing/2014/main" id="{3CAB0394-5EEE-8720-9A98-43F70BE4C93A}"/>
+                  </a:ext>
+                </a:extLst>
+              </p:cNvPr>
+              <p:cNvCxnSpPr/>
+              <p:nvPr/>
+            </p:nvCxnSpPr>
+            <p:spPr>
+              <a:xfrm flipH="1">
+                <a:off x="5806067" y="1133514"/>
+                <a:ext cx="1" cy="338447"/>
+              </a:xfrm>
+              <a:prstGeom prst="line">
+                <a:avLst/>
+              </a:prstGeom>
+              <a:ln w="28575">
+                <a:solidFill>
+                  <a:schemeClr val="tx1"/>
+                </a:solidFill>
+              </a:ln>
+            </p:spPr>
+            <p:style>
+              <a:lnRef idx="1">
+                <a:schemeClr val="accent1"/>
+              </a:lnRef>
+              <a:fillRef idx="0">
+                <a:schemeClr val="accent1"/>
+              </a:fillRef>
+              <a:effectRef idx="0">
+                <a:schemeClr val="accent1"/>
+              </a:effectRef>
+              <a:fontRef idx="minor">
+                <a:schemeClr val="tx1"/>
+              </a:fontRef>
+            </p:style>
+          </p:cxnSp>
+          <p:cxnSp>
+            <p:nvCxnSpPr>
+              <p:cNvPr id="13" name="Straight Connector 12">
+                <a:extLst>
+                  <a:ext uri="{FF2B5EF4-FFF2-40B4-BE49-F238E27FC236}">
+                    <a16:creationId xmlns:a16="http://schemas.microsoft.com/office/drawing/2014/main" id="{5E58AC89-D51E-AE74-BEBD-86502C82A1A2}"/>
+                  </a:ext>
+                </a:extLst>
+              </p:cNvPr>
+              <p:cNvCxnSpPr/>
+              <p:nvPr/>
+            </p:nvCxnSpPr>
+            <p:spPr>
+              <a:xfrm flipH="1">
+                <a:off x="7460164" y="1122362"/>
+                <a:ext cx="1" cy="338447"/>
+              </a:xfrm>
+              <a:prstGeom prst="line">
+                <a:avLst/>
+              </a:prstGeom>
+              <a:ln w="28575">
+                <a:solidFill>
+                  <a:schemeClr val="tx1"/>
+                </a:solidFill>
+              </a:ln>
+            </p:spPr>
+            <p:style>
+              <a:lnRef idx="1">
+                <a:schemeClr val="accent1"/>
+              </a:lnRef>
+              <a:fillRef idx="0">
+                <a:schemeClr val="accent1"/>
+              </a:fillRef>
+              <a:effectRef idx="0">
+                <a:schemeClr val="accent1"/>
+              </a:effectRef>
+              <a:fontRef idx="minor">
+                <a:schemeClr val="tx1"/>
+              </a:fontRef>
+            </p:style>
+          </p:cxnSp>
+          <p:sp>
+            <p:nvSpPr>
+              <p:cNvPr id="14" name="Rectangle 13">
+                <a:extLst>
+                  <a:ext uri="{FF2B5EF4-FFF2-40B4-BE49-F238E27FC236}">
+                    <a16:creationId xmlns:a16="http://schemas.microsoft.com/office/drawing/2014/main" id="{A8A94ADC-BBA4-F4F4-13BA-FDF4BF022169}"/>
+                  </a:ext>
+                </a:extLst>
+              </p:cNvPr>
+              <p:cNvSpPr/>
+              <p:nvPr/>
+            </p:nvSpPr>
+            <p:spPr>
+              <a:xfrm>
+                <a:off x="1817649" y="1460810"/>
+                <a:ext cx="6322733" cy="520197"/>
+              </a:xfrm>
+              <a:prstGeom prst="rect">
+                <a:avLst/>
+              </a:prstGeom>
+              <a:noFill/>
+              <a:ln w="28575">
+                <a:solidFill>
+                  <a:schemeClr val="tx1"/>
+                </a:solidFill>
+              </a:ln>
+            </p:spPr>
+            <p:style>
+              <a:lnRef idx="2">
+                <a:schemeClr val="accent1">
+                  <a:shade val="50000"/>
+                </a:schemeClr>
+              </a:lnRef>
+              <a:fillRef idx="1">
+                <a:schemeClr val="accent1"/>
+              </a:fillRef>
+              <a:effectRef idx="0">
+                <a:schemeClr val="accent1"/>
+              </a:effectRef>
+              <a:fontRef idx="minor">
+                <a:schemeClr val="lt1"/>
+              </a:fontRef>
+            </p:style>
+            <p:txBody>
+              <a:bodyPr rtlCol="0" anchor="ctr"/>
+              <a:lstStyle/>
+              <a:p>
+                <a:pPr algn="ctr"/>
+                <a:r>
+                  <a:rPr lang="en-US" dirty="0">
+                    <a:solidFill>
+                      <a:schemeClr val="tx1"/>
+                    </a:solidFill>
+                  </a:rPr>
+                  <a:t>concatenate</a:t>
+                </a:r>
+              </a:p>
+            </p:txBody>
+          </p:sp>
+          <p:sp>
+            <p:nvSpPr>
+              <p:cNvPr id="15" name="Rectangle 14">
+                <a:extLst>
+                  <a:ext uri="{FF2B5EF4-FFF2-40B4-BE49-F238E27FC236}">
+                    <a16:creationId xmlns:a16="http://schemas.microsoft.com/office/drawing/2014/main" id="{01B68088-E329-ED65-62C1-8BA76BE29F7D}"/>
+                  </a:ext>
+                </a:extLst>
+              </p:cNvPr>
+              <p:cNvSpPr/>
+              <p:nvPr/>
+            </p:nvSpPr>
+            <p:spPr>
+              <a:xfrm>
+                <a:off x="4298789" y="2307172"/>
+                <a:ext cx="1360449" cy="520197"/>
+              </a:xfrm>
+              <a:prstGeom prst="rect">
+                <a:avLst/>
+              </a:prstGeom>
+              <a:solidFill>
+                <a:schemeClr val="accent2">
+                  <a:lumMod val="20000"/>
+                  <a:lumOff val="80000"/>
+                </a:schemeClr>
+              </a:solidFill>
+              <a:ln w="28575">
+                <a:solidFill>
+                  <a:schemeClr val="tx1"/>
+                </a:solidFill>
+              </a:ln>
+            </p:spPr>
+            <p:style>
+              <a:lnRef idx="2">
+                <a:schemeClr val="accent1">
+                  <a:shade val="50000"/>
+                </a:schemeClr>
+              </a:lnRef>
+              <a:fillRef idx="1">
+                <a:schemeClr val="accent1"/>
+              </a:fillRef>
+              <a:effectRef idx="0">
+                <a:schemeClr val="accent1"/>
+              </a:effectRef>
+              <a:fontRef idx="minor">
+                <a:schemeClr val="lt1"/>
+              </a:fontRef>
+            </p:style>
+            <p:txBody>
+              <a:bodyPr rtlCol="0" anchor="ctr"/>
+              <a:lstStyle/>
+              <a:p>
+                <a:pPr algn="ctr"/>
+                <a:r>
+                  <a:rPr lang="en-US" dirty="0">
+                    <a:solidFill>
+                      <a:schemeClr val="tx1"/>
+                    </a:solidFill>
+                  </a:rPr>
+                  <a:t>linear</a:t>
+                </a:r>
+              </a:p>
+            </p:txBody>
+          </p:sp>
+          <p:cxnSp>
+            <p:nvCxnSpPr>
+              <p:cNvPr id="16" name="Straight Connector 15">
+                <a:extLst>
+                  <a:ext uri="{FF2B5EF4-FFF2-40B4-BE49-F238E27FC236}">
+                    <a16:creationId xmlns:a16="http://schemas.microsoft.com/office/drawing/2014/main" id="{BA244FE0-1A56-9AB8-9E90-6C9656D722BE}"/>
+                  </a:ext>
+                </a:extLst>
+              </p:cNvPr>
+              <p:cNvCxnSpPr/>
+              <p:nvPr/>
+            </p:nvCxnSpPr>
+            <p:spPr>
+              <a:xfrm flipH="1">
+                <a:off x="4979014" y="1968725"/>
+                <a:ext cx="1" cy="338447"/>
+              </a:xfrm>
+              <a:prstGeom prst="line">
+                <a:avLst/>
+              </a:prstGeom>
+              <a:ln w="28575">
+                <a:solidFill>
+                  <a:schemeClr val="tx1"/>
+                </a:solidFill>
+              </a:ln>
+            </p:spPr>
+            <p:style>
+              <a:lnRef idx="1">
+                <a:schemeClr val="accent1"/>
+              </a:lnRef>
+              <a:fillRef idx="0">
+                <a:schemeClr val="accent1"/>
+              </a:fillRef>
+              <a:effectRef idx="0">
+                <a:schemeClr val="accent1"/>
+              </a:effectRef>
+              <a:fontRef idx="minor">
+                <a:schemeClr val="tx1"/>
+              </a:fontRef>
+            </p:style>
+          </p:cxnSp>
+          <p:cxnSp>
+            <p:nvCxnSpPr>
+              <p:cNvPr id="17" name="Straight Connector 16">
+                <a:extLst>
+                  <a:ext uri="{FF2B5EF4-FFF2-40B4-BE49-F238E27FC236}">
+                    <a16:creationId xmlns:a16="http://schemas.microsoft.com/office/drawing/2014/main" id="{21BFF77E-C6C0-C92A-BF91-8657853039D9}"/>
+                  </a:ext>
+                </a:extLst>
+              </p:cNvPr>
+              <p:cNvCxnSpPr/>
+              <p:nvPr/>
+            </p:nvCxnSpPr>
+            <p:spPr>
+              <a:xfrm flipH="1">
+                <a:off x="4979013" y="2827369"/>
+                <a:ext cx="1" cy="338447"/>
+              </a:xfrm>
+              <a:prstGeom prst="line">
+                <a:avLst/>
+              </a:prstGeom>
+              <a:ln w="28575">
+                <a:solidFill>
+                  <a:schemeClr val="tx1"/>
+                </a:solidFill>
+              </a:ln>
+            </p:spPr>
+            <p:style>
+              <a:lnRef idx="1">
+                <a:schemeClr val="accent1"/>
+              </a:lnRef>
+              <a:fillRef idx="0">
+                <a:schemeClr val="accent1"/>
+              </a:fillRef>
+              <a:effectRef idx="0">
+                <a:schemeClr val="accent1"/>
+              </a:effectRef>
+              <a:fontRef idx="minor">
+                <a:schemeClr val="tx1"/>
+              </a:fontRef>
+            </p:style>
+          </p:cxnSp>
+          <p:sp>
+            <p:nvSpPr>
+              <p:cNvPr id="18" name="Rectangle 17">
+                <a:extLst>
+                  <a:ext uri="{FF2B5EF4-FFF2-40B4-BE49-F238E27FC236}">
+                    <a16:creationId xmlns:a16="http://schemas.microsoft.com/office/drawing/2014/main" id="{5DC8118F-7C57-009E-695B-A6AB0E2D42AC}"/>
+                  </a:ext>
+                </a:extLst>
+              </p:cNvPr>
+              <p:cNvSpPr/>
+              <p:nvPr/>
+            </p:nvSpPr>
+            <p:spPr>
+              <a:xfrm>
+                <a:off x="1934824" y="3069595"/>
+                <a:ext cx="2217148" cy="520197"/>
+              </a:xfrm>
+              <a:prstGeom prst="rect">
+                <a:avLst/>
+              </a:prstGeom>
+              <a:noFill/>
+              <a:ln w="28575">
+                <a:solidFill>
+                  <a:schemeClr val="tx1"/>
+                </a:solidFill>
+              </a:ln>
+            </p:spPr>
+            <p:style>
+              <a:lnRef idx="2">
+                <a:schemeClr val="accent1">
+                  <a:shade val="50000"/>
+                </a:schemeClr>
+              </a:lnRef>
+              <a:fillRef idx="1">
+                <a:schemeClr val="accent1"/>
+              </a:fillRef>
+              <a:effectRef idx="0">
+                <a:schemeClr val="accent1"/>
+              </a:effectRef>
+              <a:fontRef idx="minor">
+                <a:schemeClr val="lt1"/>
+              </a:fontRef>
+            </p:style>
+            <p:txBody>
+              <a:bodyPr rtlCol="0" anchor="ctr"/>
+              <a:lstStyle/>
+              <a:p>
+                <a:pPr algn="ctr"/>
+                <a:r>
+                  <a:rPr lang="en-US" dirty="0">
+                    <a:solidFill>
+                      <a:schemeClr val="tx1"/>
+                    </a:solidFill>
+                  </a:rPr>
+                  <a:t>Positional encoding</a:t>
+                </a:r>
+              </a:p>
+            </p:txBody>
+          </p:sp>
+          <p:cxnSp>
+            <p:nvCxnSpPr>
+              <p:cNvPr id="19" name="Straight Connector 18">
+                <a:extLst>
+                  <a:ext uri="{FF2B5EF4-FFF2-40B4-BE49-F238E27FC236}">
+                    <a16:creationId xmlns:a16="http://schemas.microsoft.com/office/drawing/2014/main" id="{9D3681F8-A9C8-35D4-C81B-A9A54D1D9196}"/>
+                  </a:ext>
+                </a:extLst>
+              </p:cNvPr>
+              <p:cNvCxnSpPr>
+                <a:cxnSpLocks/>
+              </p:cNvCxnSpPr>
+              <p:nvPr/>
+            </p:nvCxnSpPr>
+            <p:spPr>
+              <a:xfrm flipH="1">
+                <a:off x="4149224" y="3336236"/>
+                <a:ext cx="682972" cy="1"/>
+              </a:xfrm>
+              <a:prstGeom prst="line">
+                <a:avLst/>
+              </a:prstGeom>
+              <a:ln w="28575">
+                <a:solidFill>
+                  <a:schemeClr val="tx1"/>
+                </a:solidFill>
+              </a:ln>
+            </p:spPr>
+            <p:style>
+              <a:lnRef idx="1">
+                <a:schemeClr val="accent1"/>
+              </a:lnRef>
+              <a:fillRef idx="0">
+                <a:schemeClr val="accent1"/>
+              </a:fillRef>
+              <a:effectRef idx="0">
+                <a:schemeClr val="accent1"/>
+              </a:effectRef>
+              <a:fontRef idx="minor">
+                <a:schemeClr val="tx1"/>
+              </a:fontRef>
+            </p:style>
+          </p:cxnSp>
+          <p:sp>
+            <p:nvSpPr>
+              <p:cNvPr id="20" name="Rectangle 19">
+                <a:extLst>
+                  <a:ext uri="{FF2B5EF4-FFF2-40B4-BE49-F238E27FC236}">
+                    <a16:creationId xmlns:a16="http://schemas.microsoft.com/office/drawing/2014/main" id="{778439C4-8F6A-EA3B-5370-7035CF519BFB}"/>
+                  </a:ext>
+                </a:extLst>
+              </p:cNvPr>
+              <p:cNvSpPr/>
+              <p:nvPr/>
+            </p:nvSpPr>
+            <p:spPr>
+              <a:xfrm>
+                <a:off x="4298788" y="3059224"/>
+                <a:ext cx="1360449" cy="520197"/>
+              </a:xfrm>
+              <a:prstGeom prst="rect">
+                <a:avLst/>
+              </a:prstGeom>
+              <a:noFill/>
+              <a:ln w="28575">
+                <a:noFill/>
+              </a:ln>
+            </p:spPr>
+            <p:style>
+              <a:lnRef idx="2">
+                <a:schemeClr val="accent1">
+                  <a:shade val="50000"/>
+                </a:schemeClr>
+              </a:lnRef>
+              <a:fillRef idx="1">
+                <a:schemeClr val="accent1"/>
+              </a:fillRef>
+              <a:effectRef idx="0">
+                <a:schemeClr val="accent1"/>
+              </a:effectRef>
+              <a:fontRef idx="minor">
+                <a:schemeClr val="lt1"/>
+              </a:fontRef>
+            </p:style>
+            <p:txBody>
+              <a:bodyPr rtlCol="0" anchor="ctr"/>
+              <a:lstStyle/>
+              <a:p>
+                <a:pPr algn="ctr"/>
+                <a:r>
+                  <a:rPr lang="en-US" sz="3200" dirty="0">
+                    <a:solidFill>
+                      <a:schemeClr val="tx1"/>
+                    </a:solidFill>
+                  </a:rPr>
+                  <a:t>⊕</a:t>
+                </a:r>
+              </a:p>
+            </p:txBody>
+          </p:sp>
+          <p:cxnSp>
+            <p:nvCxnSpPr>
+              <p:cNvPr id="22" name="Straight Connector 21">
+                <a:extLst>
+                  <a:ext uri="{FF2B5EF4-FFF2-40B4-BE49-F238E27FC236}">
+                    <a16:creationId xmlns:a16="http://schemas.microsoft.com/office/drawing/2014/main" id="{D835E41C-86B5-EC3F-D062-38A060CC5A74}"/>
+                  </a:ext>
+                </a:extLst>
+              </p:cNvPr>
+              <p:cNvCxnSpPr/>
+              <p:nvPr/>
+            </p:nvCxnSpPr>
+            <p:spPr>
+              <a:xfrm flipH="1">
+                <a:off x="4976265" y="3487375"/>
+                <a:ext cx="1" cy="338447"/>
+              </a:xfrm>
+              <a:prstGeom prst="line">
+                <a:avLst/>
+              </a:prstGeom>
+              <a:ln w="28575">
+                <a:solidFill>
+                  <a:schemeClr val="tx1"/>
+                </a:solidFill>
+              </a:ln>
+            </p:spPr>
+            <p:style>
+              <a:lnRef idx="1">
+                <a:schemeClr val="accent1"/>
+              </a:lnRef>
+              <a:fillRef idx="0">
+                <a:schemeClr val="accent1"/>
+              </a:fillRef>
+              <a:effectRef idx="0">
+                <a:schemeClr val="accent1"/>
+              </a:effectRef>
+              <a:fontRef idx="minor">
+                <a:schemeClr val="tx1"/>
+              </a:fontRef>
+            </p:style>
+          </p:cxnSp>
+          <p:sp>
+            <p:nvSpPr>
+              <p:cNvPr id="23" name="Rounded Rectangle 22">
+                <a:extLst>
+                  <a:ext uri="{FF2B5EF4-FFF2-40B4-BE49-F238E27FC236}">
+                    <a16:creationId xmlns:a16="http://schemas.microsoft.com/office/drawing/2014/main" id="{5E5A0987-1A25-4363-51D5-F344D33815C3}"/>
+                  </a:ext>
+                </a:extLst>
+              </p:cNvPr>
+              <p:cNvSpPr/>
+              <p:nvPr/>
+            </p:nvSpPr>
+            <p:spPr>
+              <a:xfrm>
+                <a:off x="3617842" y="3825822"/>
+                <a:ext cx="2729949" cy="522000"/>
+              </a:xfrm>
+              <a:prstGeom prst="roundRect">
+                <a:avLst>
+                  <a:gd name="adj" fmla="val 50000"/>
+                </a:avLst>
+              </a:prstGeom>
+              <a:solidFill>
+                <a:schemeClr val="accent1">
+                  <a:lumMod val="20000"/>
+                  <a:lumOff val="80000"/>
+                </a:schemeClr>
+              </a:solidFill>
+              <a:ln w="28575">
+                <a:solidFill>
+                  <a:schemeClr val="tx1"/>
+                </a:solidFill>
+              </a:ln>
+            </p:spPr>
+            <p:style>
+              <a:lnRef idx="2">
+                <a:schemeClr val="accent6"/>
+              </a:lnRef>
+              <a:fillRef idx="1">
+                <a:schemeClr val="lt1"/>
+              </a:fillRef>
+              <a:effectRef idx="0">
+                <a:schemeClr val="accent6"/>
+              </a:effectRef>
+              <a:fontRef idx="minor">
+                <a:schemeClr val="dk1"/>
+              </a:fontRef>
+            </p:style>
+            <p:txBody>
+              <a:bodyPr rtlCol="0" anchor="ctr"/>
+              <a:lstStyle/>
+              <a:p>
+                <a:pPr algn="ctr"/>
+                <a:r>
+                  <a:rPr lang="en-US" i="1" dirty="0"/>
+                  <a:t>N</a:t>
+                </a:r>
+                <a:r>
+                  <a:rPr lang="en-US" dirty="0"/>
+                  <a:t> x Transformer blocks</a:t>
+                </a:r>
+              </a:p>
+            </p:txBody>
+          </p:sp>
+          <p:sp>
+            <p:nvSpPr>
+              <p:cNvPr id="24" name="Rectangle 23">
+                <a:extLst>
+                  <a:ext uri="{FF2B5EF4-FFF2-40B4-BE49-F238E27FC236}">
+                    <a16:creationId xmlns:a16="http://schemas.microsoft.com/office/drawing/2014/main" id="{DEB111CA-6652-B505-EFCE-B880729302CD}"/>
+                  </a:ext>
+                </a:extLst>
+              </p:cNvPr>
+              <p:cNvSpPr/>
+              <p:nvPr/>
+            </p:nvSpPr>
+            <p:spPr>
+              <a:xfrm>
+                <a:off x="4518992" y="4711807"/>
+                <a:ext cx="912210" cy="520197"/>
+              </a:xfrm>
+              <a:prstGeom prst="rect">
+                <a:avLst/>
+              </a:prstGeom>
+              <a:noFill/>
+              <a:ln w="28575">
+                <a:solidFill>
+                  <a:schemeClr val="tx1"/>
+                </a:solidFill>
+              </a:ln>
+            </p:spPr>
+            <p:style>
+              <a:lnRef idx="2">
+                <a:schemeClr val="accent1">
+                  <a:shade val="50000"/>
+                </a:schemeClr>
+              </a:lnRef>
+              <a:fillRef idx="1">
+                <a:schemeClr val="accent1"/>
+              </a:fillRef>
+              <a:effectRef idx="0">
+                <a:schemeClr val="accent1"/>
+              </a:effectRef>
+              <a:fontRef idx="minor">
+                <a:schemeClr val="lt1"/>
+              </a:fontRef>
+            </p:style>
+            <p:txBody>
+              <a:bodyPr rtlCol="0" anchor="ctr"/>
+              <a:lstStyle/>
+              <a:p>
+                <a:pPr algn="ctr"/>
+                <a:r>
+                  <a:rPr lang="en-US" i="1" dirty="0">
+                    <a:solidFill>
+                      <a:schemeClr val="tx1"/>
+                    </a:solidFill>
+                  </a:rPr>
+                  <a:t>h</a:t>
+                </a:r>
+              </a:p>
+            </p:txBody>
+          </p:sp>
+          <p:cxnSp>
+            <p:nvCxnSpPr>
+              <p:cNvPr id="25" name="Straight Connector 24">
+                <a:extLst>
+                  <a:ext uri="{FF2B5EF4-FFF2-40B4-BE49-F238E27FC236}">
+                    <a16:creationId xmlns:a16="http://schemas.microsoft.com/office/drawing/2014/main" id="{BEA195A8-E859-CD7C-8821-A2D79577A425}"/>
+                  </a:ext>
+                </a:extLst>
+              </p:cNvPr>
+              <p:cNvCxnSpPr/>
+              <p:nvPr/>
+            </p:nvCxnSpPr>
+            <p:spPr>
+              <a:xfrm flipH="1">
+                <a:off x="4976264" y="4360591"/>
+                <a:ext cx="1" cy="338447"/>
+              </a:xfrm>
+              <a:prstGeom prst="line">
+                <a:avLst/>
+              </a:prstGeom>
+              <a:ln w="28575">
+                <a:solidFill>
+                  <a:schemeClr val="tx1"/>
+                </a:solidFill>
+              </a:ln>
+            </p:spPr>
+            <p:style>
+              <a:lnRef idx="1">
+                <a:schemeClr val="accent1"/>
+              </a:lnRef>
+              <a:fillRef idx="0">
+                <a:schemeClr val="accent1"/>
+              </a:fillRef>
+              <a:effectRef idx="0">
+                <a:schemeClr val="accent1"/>
+              </a:effectRef>
+              <a:fontRef idx="minor">
+                <a:schemeClr val="tx1"/>
+              </a:fontRef>
+            </p:style>
+          </p:cxnSp>
+        </p:grpSp>
+        <p:grpSp>
+          <p:nvGrpSpPr>
+            <p:cNvPr id="46" name="Group 45">
+              <a:extLst>
+                <a:ext uri="{FF2B5EF4-FFF2-40B4-BE49-F238E27FC236}">
+                  <a16:creationId xmlns:a16="http://schemas.microsoft.com/office/drawing/2014/main" id="{FA9FFCC8-D68D-9760-71CA-E53CB406AEB2}"/>
+                </a:ext>
+              </a:extLst>
+            </p:cNvPr>
+            <p:cNvGrpSpPr/>
+            <p:nvPr/>
+          </p:nvGrpSpPr>
+          <p:grpSpPr>
+            <a:xfrm>
+              <a:off x="1817649" y="5315336"/>
+              <a:ext cx="8158658" cy="1726266"/>
+              <a:chOff x="1828476" y="4698790"/>
+              <a:chExt cx="8158658" cy="1726266"/>
+            </a:xfrm>
+          </p:grpSpPr>
+          <p:sp>
+            <p:nvSpPr>
+              <p:cNvPr id="34" name="TextBox 33">
+                <a:extLst>
+                  <a:ext uri="{FF2B5EF4-FFF2-40B4-BE49-F238E27FC236}">
+                    <a16:creationId xmlns:a16="http://schemas.microsoft.com/office/drawing/2014/main" id="{F2151360-4750-6E2C-53A3-F0DFA94E1970}"/>
+                  </a:ext>
+                </a:extLst>
+              </p:cNvPr>
+              <p:cNvSpPr txBox="1"/>
+              <p:nvPr/>
+            </p:nvSpPr>
+            <p:spPr>
+              <a:xfrm>
+                <a:off x="8284712" y="5980290"/>
+                <a:ext cx="1702422" cy="369332"/>
+              </a:xfrm>
+              <a:prstGeom prst="rect">
+                <a:avLst/>
+              </a:prstGeom>
+              <a:noFill/>
+            </p:spPr>
+            <p:txBody>
+              <a:bodyPr wrap="square" rtlCol="0">
+                <a:spAutoFit/>
+              </a:bodyPr>
+              <a:lstStyle/>
+              <a:p>
+                <a:r>
+                  <a:rPr lang="en-US" i="1" dirty="0"/>
+                  <a:t>Logits</a:t>
+                </a:r>
+              </a:p>
+            </p:txBody>
+          </p:sp>
+          <p:grpSp>
+            <p:nvGrpSpPr>
+              <p:cNvPr id="45" name="Group 44">
+                <a:extLst>
+                  <a:ext uri="{FF2B5EF4-FFF2-40B4-BE49-F238E27FC236}">
+                    <a16:creationId xmlns:a16="http://schemas.microsoft.com/office/drawing/2014/main" id="{12721179-45B5-22AE-44C5-F2F6149D682B}"/>
+                  </a:ext>
+                </a:extLst>
+              </p:cNvPr>
+              <p:cNvGrpSpPr/>
+              <p:nvPr/>
+            </p:nvGrpSpPr>
+            <p:grpSpPr>
+              <a:xfrm>
+                <a:off x="1828476" y="4698790"/>
+                <a:ext cx="6322744" cy="1726266"/>
+                <a:chOff x="1828476" y="4698790"/>
+                <a:chExt cx="6322744" cy="1726266"/>
+              </a:xfrm>
+            </p:grpSpPr>
+            <p:cxnSp>
+              <p:nvCxnSpPr>
+                <p:cNvPr id="27" name="Straight Connector 26">
+                  <a:extLst>
+                    <a:ext uri="{FF2B5EF4-FFF2-40B4-BE49-F238E27FC236}">
+                      <a16:creationId xmlns:a16="http://schemas.microsoft.com/office/drawing/2014/main" id="{A8C45DE0-6B5D-70CD-DA4A-FB0FFA68B37C}"/>
+                    </a:ext>
+                  </a:extLst>
+                </p:cNvPr>
+                <p:cNvCxnSpPr/>
+                <p:nvPr/>
+              </p:nvCxnSpPr>
+              <p:spPr>
+                <a:xfrm flipH="1">
+                  <a:off x="4151970" y="5555261"/>
+                  <a:ext cx="1" cy="338447"/>
+                </a:xfrm>
+                <a:prstGeom prst="line">
+                  <a:avLst/>
+                </a:prstGeom>
+                <a:ln w="28575">
+                  <a:solidFill>
+                    <a:schemeClr val="tx1"/>
+                  </a:solidFill>
+                </a:ln>
+              </p:spPr>
+              <p:style>
+                <a:lnRef idx="1">
+                  <a:schemeClr val="accent1"/>
+                </a:lnRef>
+                <a:fillRef idx="0">
+                  <a:schemeClr val="accent1"/>
+                </a:fillRef>
+                <a:effectRef idx="0">
+                  <a:schemeClr val="accent1"/>
+                </a:effectRef>
+                <a:fontRef idx="minor">
+                  <a:schemeClr val="tx1"/>
+                </a:fontRef>
+              </p:style>
+            </p:cxnSp>
+            <p:cxnSp>
+              <p:nvCxnSpPr>
+                <p:cNvPr id="26" name="Straight Connector 25">
+                  <a:extLst>
+                    <a:ext uri="{FF2B5EF4-FFF2-40B4-BE49-F238E27FC236}">
+                      <a16:creationId xmlns:a16="http://schemas.microsoft.com/office/drawing/2014/main" id="{E34EA87E-7184-7A30-0C6B-6901DC5E6EE2}"/>
+                    </a:ext>
+                  </a:extLst>
+                </p:cNvPr>
+                <p:cNvCxnSpPr/>
+                <p:nvPr/>
+              </p:nvCxnSpPr>
+              <p:spPr>
+                <a:xfrm flipH="1">
+                  <a:off x="2497873" y="5566413"/>
+                  <a:ext cx="1" cy="338447"/>
+                </a:xfrm>
+                <a:prstGeom prst="line">
+                  <a:avLst/>
+                </a:prstGeom>
+                <a:ln w="28575">
+                  <a:solidFill>
+                    <a:schemeClr val="tx1"/>
+                  </a:solidFill>
+                </a:ln>
+              </p:spPr>
+              <p:style>
+                <a:lnRef idx="1">
+                  <a:schemeClr val="accent1"/>
+                </a:lnRef>
+                <a:fillRef idx="0">
+                  <a:schemeClr val="accent1"/>
+                </a:fillRef>
+                <a:effectRef idx="0">
+                  <a:schemeClr val="accent1"/>
+                </a:effectRef>
+                <a:fontRef idx="minor">
+                  <a:schemeClr val="tx1"/>
+                </a:fontRef>
+              </p:style>
+            </p:cxnSp>
+            <p:cxnSp>
+              <p:nvCxnSpPr>
+                <p:cNvPr id="28" name="Straight Connector 27">
+                  <a:extLst>
+                    <a:ext uri="{FF2B5EF4-FFF2-40B4-BE49-F238E27FC236}">
+                      <a16:creationId xmlns:a16="http://schemas.microsoft.com/office/drawing/2014/main" id="{8B403D45-52E6-37FB-75C7-EA9809F3FA5E}"/>
+                    </a:ext>
+                  </a:extLst>
+                </p:cNvPr>
+                <p:cNvCxnSpPr/>
+                <p:nvPr/>
+              </p:nvCxnSpPr>
+              <p:spPr>
+                <a:xfrm flipH="1">
+                  <a:off x="5806067" y="5577564"/>
+                  <a:ext cx="1" cy="338447"/>
+                </a:xfrm>
+                <a:prstGeom prst="line">
+                  <a:avLst/>
+                </a:prstGeom>
+                <a:ln w="28575">
+                  <a:solidFill>
+                    <a:schemeClr val="tx1"/>
+                  </a:solidFill>
+                </a:ln>
+              </p:spPr>
+              <p:style>
+                <a:lnRef idx="1">
+                  <a:schemeClr val="accent1"/>
+                </a:lnRef>
+                <a:fillRef idx="0">
+                  <a:schemeClr val="accent1"/>
+                </a:fillRef>
+                <a:effectRef idx="0">
+                  <a:schemeClr val="accent1"/>
+                </a:effectRef>
+                <a:fontRef idx="minor">
+                  <a:schemeClr val="tx1"/>
+                </a:fontRef>
+              </p:style>
+            </p:cxnSp>
+            <p:cxnSp>
+              <p:nvCxnSpPr>
+                <p:cNvPr id="29" name="Straight Connector 28">
+                  <a:extLst>
+                    <a:ext uri="{FF2B5EF4-FFF2-40B4-BE49-F238E27FC236}">
+                      <a16:creationId xmlns:a16="http://schemas.microsoft.com/office/drawing/2014/main" id="{539DF3BB-E2D5-9DDB-9226-72ED0A168770}"/>
+                    </a:ext>
+                  </a:extLst>
+                </p:cNvPr>
+                <p:cNvCxnSpPr/>
+                <p:nvPr/>
+              </p:nvCxnSpPr>
+              <p:spPr>
+                <a:xfrm flipH="1">
+                  <a:off x="7460164" y="5566412"/>
+                  <a:ext cx="1" cy="338447"/>
+                </a:xfrm>
+                <a:prstGeom prst="line">
+                  <a:avLst/>
+                </a:prstGeom>
+                <a:ln w="28575">
+                  <a:solidFill>
+                    <a:schemeClr val="tx1"/>
+                  </a:solidFill>
+                </a:ln>
+              </p:spPr>
+              <p:style>
+                <a:lnRef idx="1">
+                  <a:schemeClr val="accent1"/>
+                </a:lnRef>
+                <a:fillRef idx="0">
+                  <a:schemeClr val="accent1"/>
+                </a:fillRef>
+                <a:effectRef idx="0">
+                  <a:schemeClr val="accent1"/>
+                </a:effectRef>
+                <a:fontRef idx="minor">
+                  <a:schemeClr val="tx1"/>
+                </a:fontRef>
+              </p:style>
+            </p:cxnSp>
+            <p:sp>
+              <p:nvSpPr>
+                <p:cNvPr id="30" name="Rectangle 29">
+                  <a:extLst>
+                    <a:ext uri="{FF2B5EF4-FFF2-40B4-BE49-F238E27FC236}">
+                      <a16:creationId xmlns:a16="http://schemas.microsoft.com/office/drawing/2014/main" id="{324EC009-D32C-5C87-E81B-43CB61D93A15}"/>
+                    </a:ext>
+                  </a:extLst>
+                </p:cNvPr>
+                <p:cNvSpPr/>
+                <p:nvPr/>
+              </p:nvSpPr>
+              <p:spPr>
+                <a:xfrm>
+                  <a:off x="1828477" y="5904859"/>
+                  <a:ext cx="1360449" cy="520197"/>
+                </a:xfrm>
+                <a:prstGeom prst="rect">
+                  <a:avLst/>
+                </a:prstGeom>
+                <a:solidFill>
+                  <a:schemeClr val="accent3">
+                    <a:lumMod val="20000"/>
+                    <a:lumOff val="80000"/>
+                  </a:schemeClr>
+                </a:solidFill>
+                <a:ln w="28575">
+                  <a:solidFill>
+                    <a:schemeClr val="tx1"/>
+                  </a:solidFill>
+                </a:ln>
+              </p:spPr>
+              <p:style>
+                <a:lnRef idx="2">
+                  <a:schemeClr val="accent1">
+                    <a:shade val="50000"/>
+                  </a:schemeClr>
+                </a:lnRef>
+                <a:fillRef idx="1">
+                  <a:schemeClr val="accent1"/>
+                </a:fillRef>
+                <a:effectRef idx="0">
+                  <a:schemeClr val="accent1"/>
+                </a:effectRef>
+                <a:fontRef idx="minor">
+                  <a:schemeClr val="lt1"/>
+                </a:fontRef>
+              </p:style>
+              <p:txBody>
+                <a:bodyPr rtlCol="0" anchor="ctr"/>
+                <a:lstStyle/>
+                <a:p>
+                  <a:pPr algn="ctr"/>
+                  <a:r>
+                    <a:rPr lang="en-US" dirty="0">
+                      <a:solidFill>
+                        <a:schemeClr val="tx1"/>
+                      </a:solidFill>
+                    </a:rPr>
+                    <a:t>bar</a:t>
+                  </a:r>
+                </a:p>
+              </p:txBody>
+            </p:sp>
+            <p:sp>
+              <p:nvSpPr>
+                <p:cNvPr id="31" name="Rectangle 30">
+                  <a:extLst>
+                    <a:ext uri="{FF2B5EF4-FFF2-40B4-BE49-F238E27FC236}">
+                      <a16:creationId xmlns:a16="http://schemas.microsoft.com/office/drawing/2014/main" id="{E235BDD3-023A-04C3-4082-843B92DEFACC}"/>
+                    </a:ext>
+                  </a:extLst>
+                </p:cNvPr>
+                <p:cNvSpPr/>
+                <p:nvPr/>
+              </p:nvSpPr>
+              <p:spPr>
+                <a:xfrm>
+                  <a:off x="3482575" y="5904859"/>
+                  <a:ext cx="1360449" cy="520197"/>
+                </a:xfrm>
+                <a:prstGeom prst="rect">
+                  <a:avLst/>
+                </a:prstGeom>
+                <a:solidFill>
+                  <a:schemeClr val="accent3">
+                    <a:lumMod val="20000"/>
+                    <a:lumOff val="80000"/>
+                  </a:schemeClr>
+                </a:solidFill>
+                <a:ln w="28575">
+                  <a:solidFill>
+                    <a:schemeClr val="tx1"/>
+                  </a:solidFill>
+                </a:ln>
+              </p:spPr>
+              <p:style>
+                <a:lnRef idx="2">
+                  <a:schemeClr val="accent1">
+                    <a:shade val="50000"/>
+                  </a:schemeClr>
+                </a:lnRef>
+                <a:fillRef idx="1">
+                  <a:schemeClr val="accent1"/>
+                </a:fillRef>
+                <a:effectRef idx="0">
+                  <a:schemeClr val="accent1"/>
+                </a:effectRef>
+                <a:fontRef idx="minor">
+                  <a:schemeClr val="lt1"/>
+                </a:fontRef>
+              </p:style>
+              <p:txBody>
+                <a:bodyPr rtlCol="0" anchor="ctr"/>
+                <a:lstStyle/>
+                <a:p>
+                  <a:pPr algn="ctr"/>
+                  <a:r>
+                    <a:rPr lang="en-US" dirty="0" err="1">
+                      <a:solidFill>
+                        <a:schemeClr val="tx1"/>
+                      </a:solidFill>
+                    </a:rPr>
+                    <a:t>start_pos</a:t>
+                  </a:r>
+                  <a:endParaRPr lang="en-US" dirty="0">
+                    <a:solidFill>
+                      <a:schemeClr val="tx1"/>
+                    </a:solidFill>
+                  </a:endParaRPr>
+                </a:p>
+              </p:txBody>
+            </p:sp>
+            <p:sp>
+              <p:nvSpPr>
+                <p:cNvPr id="32" name="Rectangle 31">
+                  <a:extLst>
+                    <a:ext uri="{FF2B5EF4-FFF2-40B4-BE49-F238E27FC236}">
+                      <a16:creationId xmlns:a16="http://schemas.microsoft.com/office/drawing/2014/main" id="{99CF9AAA-26A8-025B-B40F-2F1041EAABB5}"/>
+                    </a:ext>
+                  </a:extLst>
+                </p:cNvPr>
+                <p:cNvSpPr/>
+                <p:nvPr/>
+              </p:nvSpPr>
+              <p:spPr>
+                <a:xfrm>
+                  <a:off x="5136673" y="5904859"/>
+                  <a:ext cx="1360449" cy="520197"/>
+                </a:xfrm>
+                <a:prstGeom prst="rect">
+                  <a:avLst/>
+                </a:prstGeom>
+                <a:solidFill>
+                  <a:schemeClr val="accent3">
+                    <a:lumMod val="20000"/>
+                    <a:lumOff val="80000"/>
+                  </a:schemeClr>
+                </a:solidFill>
+                <a:ln w="28575">
+                  <a:solidFill>
+                    <a:schemeClr val="tx1"/>
+                  </a:solidFill>
+                </a:ln>
+              </p:spPr>
+              <p:style>
+                <a:lnRef idx="2">
+                  <a:schemeClr val="accent1">
+                    <a:shade val="50000"/>
+                  </a:schemeClr>
+                </a:lnRef>
+                <a:fillRef idx="1">
+                  <a:schemeClr val="accent1"/>
+                </a:fillRef>
+                <a:effectRef idx="0">
+                  <a:schemeClr val="accent1"/>
+                </a:effectRef>
+                <a:fontRef idx="minor">
+                  <a:schemeClr val="lt1"/>
+                </a:fontRef>
+              </p:style>
+              <p:txBody>
+                <a:bodyPr rtlCol="0" anchor="ctr"/>
+                <a:lstStyle/>
+                <a:p>
+                  <a:pPr algn="ctr"/>
+                  <a:r>
+                    <a:rPr lang="en-US" dirty="0" err="1">
+                      <a:solidFill>
+                        <a:schemeClr val="tx1"/>
+                      </a:solidFill>
+                    </a:rPr>
+                    <a:t>note_dur</a:t>
+                  </a:r>
+                  <a:endParaRPr lang="en-US" dirty="0">
+                    <a:solidFill>
+                      <a:schemeClr val="tx1"/>
+                    </a:solidFill>
+                  </a:endParaRPr>
+                </a:p>
+              </p:txBody>
+            </p:sp>
+            <p:sp>
+              <p:nvSpPr>
+                <p:cNvPr id="33" name="Rectangle 32">
+                  <a:extLst>
+                    <a:ext uri="{FF2B5EF4-FFF2-40B4-BE49-F238E27FC236}">
+                      <a16:creationId xmlns:a16="http://schemas.microsoft.com/office/drawing/2014/main" id="{A10FFF06-731B-5B85-B9C1-7C4525D02595}"/>
+                    </a:ext>
+                  </a:extLst>
+                </p:cNvPr>
+                <p:cNvSpPr/>
+                <p:nvPr/>
+              </p:nvSpPr>
+              <p:spPr>
+                <a:xfrm>
+                  <a:off x="6790771" y="5904858"/>
+                  <a:ext cx="1360449" cy="520197"/>
+                </a:xfrm>
+                <a:prstGeom prst="rect">
+                  <a:avLst/>
+                </a:prstGeom>
+                <a:solidFill>
+                  <a:schemeClr val="accent3">
+                    <a:lumMod val="20000"/>
+                    <a:lumOff val="80000"/>
+                  </a:schemeClr>
+                </a:solidFill>
+                <a:ln w="28575">
+                  <a:solidFill>
+                    <a:schemeClr val="tx1"/>
+                  </a:solidFill>
+                </a:ln>
+              </p:spPr>
+              <p:style>
+                <a:lnRef idx="2">
+                  <a:schemeClr val="accent1">
+                    <a:shade val="50000"/>
+                  </a:schemeClr>
+                </a:lnRef>
+                <a:fillRef idx="1">
+                  <a:schemeClr val="accent1"/>
+                </a:fillRef>
+                <a:effectRef idx="0">
+                  <a:schemeClr val="accent1"/>
+                </a:effectRef>
+                <a:fontRef idx="minor">
+                  <a:schemeClr val="lt1"/>
+                </a:fontRef>
+              </p:style>
+              <p:txBody>
+                <a:bodyPr rtlCol="0" anchor="ctr"/>
+                <a:lstStyle/>
+                <a:p>
+                  <a:pPr algn="ctr"/>
+                  <a:r>
+                    <a:rPr lang="en-US" dirty="0" err="1">
+                      <a:solidFill>
+                        <a:schemeClr val="tx1"/>
+                      </a:solidFill>
+                    </a:rPr>
+                    <a:t>pitch_ins</a:t>
+                  </a:r>
+                  <a:endParaRPr lang="en-US" dirty="0">
+                    <a:solidFill>
+                      <a:schemeClr val="tx1"/>
+                    </a:solidFill>
+                  </a:endParaRPr>
+                </a:p>
+              </p:txBody>
+            </p:sp>
+            <p:sp>
+              <p:nvSpPr>
+                <p:cNvPr id="35" name="Rectangle 34">
+                  <a:extLst>
+                    <a:ext uri="{FF2B5EF4-FFF2-40B4-BE49-F238E27FC236}">
+                      <a16:creationId xmlns:a16="http://schemas.microsoft.com/office/drawing/2014/main" id="{D42C887E-EC76-F121-5777-A87A6843FFBD}"/>
+                    </a:ext>
+                  </a:extLst>
+                </p:cNvPr>
+                <p:cNvSpPr/>
+                <p:nvPr/>
+              </p:nvSpPr>
+              <p:spPr>
+                <a:xfrm>
+                  <a:off x="1828476" y="5046215"/>
+                  <a:ext cx="1360449" cy="520197"/>
+                </a:xfrm>
+                <a:prstGeom prst="rect">
+                  <a:avLst/>
+                </a:prstGeom>
+                <a:solidFill>
+                  <a:schemeClr val="accent2">
+                    <a:lumMod val="20000"/>
+                    <a:lumOff val="80000"/>
+                  </a:schemeClr>
+                </a:solidFill>
+                <a:ln w="28575">
+                  <a:solidFill>
+                    <a:schemeClr val="tx1"/>
+                  </a:solidFill>
+                </a:ln>
+              </p:spPr>
+              <p:style>
+                <a:lnRef idx="2">
+                  <a:schemeClr val="accent1">
+                    <a:shade val="50000"/>
+                  </a:schemeClr>
+                </a:lnRef>
+                <a:fillRef idx="1">
+                  <a:schemeClr val="accent1"/>
+                </a:fillRef>
+                <a:effectRef idx="0">
+                  <a:schemeClr val="accent1"/>
+                </a:effectRef>
+                <a:fontRef idx="minor">
+                  <a:schemeClr val="lt1"/>
+                </a:fontRef>
+              </p:style>
+              <p:txBody>
+                <a:bodyPr rtlCol="0" anchor="ctr"/>
+                <a:lstStyle/>
+                <a:p>
+                  <a:pPr algn="ctr"/>
+                  <a:r>
+                    <a:rPr lang="en-US" dirty="0">
+                      <a:solidFill>
+                        <a:schemeClr val="tx1"/>
+                      </a:solidFill>
+                    </a:rPr>
+                    <a:t>linear</a:t>
+                  </a:r>
+                </a:p>
+              </p:txBody>
+            </p:sp>
+            <p:sp>
+              <p:nvSpPr>
+                <p:cNvPr id="36" name="Rectangle 35">
+                  <a:extLst>
+                    <a:ext uri="{FF2B5EF4-FFF2-40B4-BE49-F238E27FC236}">
+                      <a16:creationId xmlns:a16="http://schemas.microsoft.com/office/drawing/2014/main" id="{854AD013-0217-702D-E4A6-17F27275EB90}"/>
+                    </a:ext>
+                  </a:extLst>
+                </p:cNvPr>
+                <p:cNvSpPr/>
+                <p:nvPr/>
+              </p:nvSpPr>
+              <p:spPr>
+                <a:xfrm>
+                  <a:off x="3482572" y="5057367"/>
+                  <a:ext cx="1360449" cy="520197"/>
+                </a:xfrm>
+                <a:prstGeom prst="rect">
+                  <a:avLst/>
+                </a:prstGeom>
+                <a:solidFill>
+                  <a:schemeClr val="accent2">
+                    <a:lumMod val="20000"/>
+                    <a:lumOff val="80000"/>
+                  </a:schemeClr>
+                </a:solidFill>
+                <a:ln w="28575">
+                  <a:solidFill>
+                    <a:schemeClr val="tx1"/>
+                  </a:solidFill>
+                </a:ln>
+              </p:spPr>
+              <p:style>
+                <a:lnRef idx="2">
+                  <a:schemeClr val="accent1">
+                    <a:shade val="50000"/>
+                  </a:schemeClr>
+                </a:lnRef>
+                <a:fillRef idx="1">
+                  <a:schemeClr val="accent1"/>
+                </a:fillRef>
+                <a:effectRef idx="0">
+                  <a:schemeClr val="accent1"/>
+                </a:effectRef>
+                <a:fontRef idx="minor">
+                  <a:schemeClr val="lt1"/>
+                </a:fontRef>
+              </p:style>
+              <p:txBody>
+                <a:bodyPr rtlCol="0" anchor="ctr"/>
+                <a:lstStyle/>
+                <a:p>
+                  <a:pPr algn="ctr"/>
+                  <a:r>
+                    <a:rPr lang="en-US" dirty="0">
+                      <a:solidFill>
+                        <a:schemeClr val="tx1"/>
+                      </a:solidFill>
+                    </a:rPr>
+                    <a:t>linear</a:t>
+                  </a:r>
+                </a:p>
+              </p:txBody>
+            </p:sp>
+            <p:sp>
+              <p:nvSpPr>
+                <p:cNvPr id="38" name="Rectangle 37">
+                  <a:extLst>
+                    <a:ext uri="{FF2B5EF4-FFF2-40B4-BE49-F238E27FC236}">
+                      <a16:creationId xmlns:a16="http://schemas.microsoft.com/office/drawing/2014/main" id="{26E8153D-807B-09EF-7FC3-F3254A541A55}"/>
+                    </a:ext>
+                  </a:extLst>
+                </p:cNvPr>
+                <p:cNvSpPr/>
+                <p:nvPr/>
+              </p:nvSpPr>
+              <p:spPr>
+                <a:xfrm>
+                  <a:off x="5136668" y="5050561"/>
+                  <a:ext cx="1360449" cy="520197"/>
+                </a:xfrm>
+                <a:prstGeom prst="rect">
+                  <a:avLst/>
+                </a:prstGeom>
+                <a:solidFill>
+                  <a:schemeClr val="accent2">
+                    <a:lumMod val="20000"/>
+                    <a:lumOff val="80000"/>
+                  </a:schemeClr>
+                </a:solidFill>
+                <a:ln w="28575">
+                  <a:solidFill>
+                    <a:schemeClr val="tx1"/>
+                  </a:solidFill>
+                </a:ln>
+              </p:spPr>
+              <p:style>
+                <a:lnRef idx="2">
+                  <a:schemeClr val="accent1">
+                    <a:shade val="50000"/>
+                  </a:schemeClr>
+                </a:lnRef>
+                <a:fillRef idx="1">
+                  <a:schemeClr val="accent1"/>
+                </a:fillRef>
+                <a:effectRef idx="0">
+                  <a:schemeClr val="accent1"/>
+                </a:effectRef>
+                <a:fontRef idx="minor">
+                  <a:schemeClr val="lt1"/>
+                </a:fontRef>
+              </p:style>
+              <p:txBody>
+                <a:bodyPr rtlCol="0" anchor="ctr"/>
+                <a:lstStyle/>
+                <a:p>
+                  <a:pPr algn="ctr"/>
+                  <a:r>
+                    <a:rPr lang="en-US" dirty="0">
+                      <a:solidFill>
+                        <a:schemeClr val="tx1"/>
+                      </a:solidFill>
+                    </a:rPr>
+                    <a:t>linear</a:t>
+                  </a:r>
+                </a:p>
+              </p:txBody>
+            </p:sp>
+            <p:sp>
+              <p:nvSpPr>
+                <p:cNvPr id="39" name="Rectangle 38">
+                  <a:extLst>
+                    <a:ext uri="{FF2B5EF4-FFF2-40B4-BE49-F238E27FC236}">
+                      <a16:creationId xmlns:a16="http://schemas.microsoft.com/office/drawing/2014/main" id="{FEF60AF5-F1DF-7CFD-2680-360709E7E979}"/>
+                    </a:ext>
+                  </a:extLst>
+                </p:cNvPr>
+                <p:cNvSpPr/>
+                <p:nvPr/>
+              </p:nvSpPr>
+              <p:spPr>
+                <a:xfrm>
+                  <a:off x="6790764" y="5061713"/>
+                  <a:ext cx="1360449" cy="520197"/>
+                </a:xfrm>
+                <a:prstGeom prst="rect">
+                  <a:avLst/>
+                </a:prstGeom>
+                <a:solidFill>
+                  <a:schemeClr val="accent2">
+                    <a:lumMod val="20000"/>
+                    <a:lumOff val="80000"/>
+                  </a:schemeClr>
+                </a:solidFill>
+                <a:ln w="28575">
+                  <a:solidFill>
+                    <a:schemeClr val="tx1"/>
+                  </a:solidFill>
+                </a:ln>
+              </p:spPr>
+              <p:style>
+                <a:lnRef idx="2">
+                  <a:schemeClr val="accent1">
+                    <a:shade val="50000"/>
+                  </a:schemeClr>
+                </a:lnRef>
+                <a:fillRef idx="1">
+                  <a:schemeClr val="accent1"/>
+                </a:fillRef>
+                <a:effectRef idx="0">
+                  <a:schemeClr val="accent1"/>
+                </a:effectRef>
+                <a:fontRef idx="minor">
+                  <a:schemeClr val="lt1"/>
+                </a:fontRef>
+              </p:style>
+              <p:txBody>
+                <a:bodyPr rtlCol="0" anchor="ctr"/>
+                <a:lstStyle/>
+                <a:p>
+                  <a:pPr algn="ctr"/>
+                  <a:r>
+                    <a:rPr lang="en-US" dirty="0">
+                      <a:solidFill>
+                        <a:schemeClr val="tx1"/>
+                      </a:solidFill>
+                    </a:rPr>
+                    <a:t>linear</a:t>
+                  </a:r>
+                </a:p>
+              </p:txBody>
+            </p:sp>
+            <p:cxnSp>
+              <p:nvCxnSpPr>
+                <p:cNvPr id="40" name="Straight Connector 39">
+                  <a:extLst>
+                    <a:ext uri="{FF2B5EF4-FFF2-40B4-BE49-F238E27FC236}">
+                      <a16:creationId xmlns:a16="http://schemas.microsoft.com/office/drawing/2014/main" id="{BAD7DBF3-7089-EA46-8B2A-B041D026C0FA}"/>
+                    </a:ext>
+                  </a:extLst>
+                </p:cNvPr>
+                <p:cNvCxnSpPr/>
+                <p:nvPr/>
+              </p:nvCxnSpPr>
+              <p:spPr>
+                <a:xfrm flipH="1">
+                  <a:off x="2497873" y="4698790"/>
+                  <a:ext cx="1" cy="338447"/>
+                </a:xfrm>
+                <a:prstGeom prst="line">
+                  <a:avLst/>
+                </a:prstGeom>
+                <a:ln w="28575">
+                  <a:solidFill>
+                    <a:schemeClr val="tx1"/>
+                  </a:solidFill>
+                </a:ln>
+              </p:spPr>
+              <p:style>
+                <a:lnRef idx="1">
+                  <a:schemeClr val="accent1"/>
+                </a:lnRef>
+                <a:fillRef idx="0">
+                  <a:schemeClr val="accent1"/>
+                </a:fillRef>
+                <a:effectRef idx="0">
+                  <a:schemeClr val="accent1"/>
+                </a:effectRef>
+                <a:fontRef idx="minor">
+                  <a:schemeClr val="tx1"/>
+                </a:fontRef>
+              </p:style>
+            </p:cxnSp>
+            <p:cxnSp>
+              <p:nvCxnSpPr>
+                <p:cNvPr id="41" name="Straight Connector 40">
+                  <a:extLst>
+                    <a:ext uri="{FF2B5EF4-FFF2-40B4-BE49-F238E27FC236}">
+                      <a16:creationId xmlns:a16="http://schemas.microsoft.com/office/drawing/2014/main" id="{D963D467-2FB6-BD99-DE46-06E3CD764DB8}"/>
+                    </a:ext>
+                  </a:extLst>
+                </p:cNvPr>
+                <p:cNvCxnSpPr/>
+                <p:nvPr/>
+              </p:nvCxnSpPr>
+              <p:spPr>
+                <a:xfrm flipH="1">
+                  <a:off x="4151970" y="4714142"/>
+                  <a:ext cx="1" cy="338447"/>
+                </a:xfrm>
+                <a:prstGeom prst="line">
+                  <a:avLst/>
+                </a:prstGeom>
+                <a:ln w="28575">
+                  <a:solidFill>
+                    <a:schemeClr val="tx1"/>
+                  </a:solidFill>
+                </a:ln>
+              </p:spPr>
+              <p:style>
+                <a:lnRef idx="1">
+                  <a:schemeClr val="accent1"/>
+                </a:lnRef>
+                <a:fillRef idx="0">
+                  <a:schemeClr val="accent1"/>
+                </a:fillRef>
+                <a:effectRef idx="0">
+                  <a:schemeClr val="accent1"/>
+                </a:effectRef>
+                <a:fontRef idx="minor">
+                  <a:schemeClr val="tx1"/>
+                </a:fontRef>
+              </p:style>
+            </p:cxnSp>
+            <p:cxnSp>
+              <p:nvCxnSpPr>
+                <p:cNvPr id="42" name="Straight Connector 41">
+                  <a:extLst>
+                    <a:ext uri="{FF2B5EF4-FFF2-40B4-BE49-F238E27FC236}">
+                      <a16:creationId xmlns:a16="http://schemas.microsoft.com/office/drawing/2014/main" id="{E175FDA9-BC2E-0E6F-EBB8-AB8CC4F747E1}"/>
+                    </a:ext>
+                  </a:extLst>
+                </p:cNvPr>
+                <p:cNvCxnSpPr/>
+                <p:nvPr/>
+              </p:nvCxnSpPr>
+              <p:spPr>
+                <a:xfrm flipH="1">
+                  <a:off x="5806067" y="4709941"/>
+                  <a:ext cx="1" cy="338447"/>
+                </a:xfrm>
+                <a:prstGeom prst="line">
+                  <a:avLst/>
+                </a:prstGeom>
+                <a:ln w="28575">
+                  <a:solidFill>
+                    <a:schemeClr val="tx1"/>
+                  </a:solidFill>
+                </a:ln>
+              </p:spPr>
+              <p:style>
+                <a:lnRef idx="1">
+                  <a:schemeClr val="accent1"/>
+                </a:lnRef>
+                <a:fillRef idx="0">
+                  <a:schemeClr val="accent1"/>
+                </a:fillRef>
+                <a:effectRef idx="0">
+                  <a:schemeClr val="accent1"/>
+                </a:effectRef>
+                <a:fontRef idx="minor">
+                  <a:schemeClr val="tx1"/>
+                </a:fontRef>
+              </p:style>
+            </p:cxnSp>
+            <p:cxnSp>
+              <p:nvCxnSpPr>
+                <p:cNvPr id="43" name="Straight Connector 42">
+                  <a:extLst>
+                    <a:ext uri="{FF2B5EF4-FFF2-40B4-BE49-F238E27FC236}">
+                      <a16:creationId xmlns:a16="http://schemas.microsoft.com/office/drawing/2014/main" id="{EE257390-DF71-E6D3-C021-1FAC34F882F8}"/>
+                    </a:ext>
+                  </a:extLst>
+                </p:cNvPr>
+                <p:cNvCxnSpPr/>
+                <p:nvPr/>
+              </p:nvCxnSpPr>
+              <p:spPr>
+                <a:xfrm flipH="1">
+                  <a:off x="7460164" y="4712041"/>
+                  <a:ext cx="1" cy="338447"/>
+                </a:xfrm>
+                <a:prstGeom prst="line">
+                  <a:avLst/>
+                </a:prstGeom>
+                <a:ln w="28575">
+                  <a:solidFill>
+                    <a:schemeClr val="tx1"/>
+                  </a:solidFill>
+                </a:ln>
+              </p:spPr>
+              <p:style>
+                <a:lnRef idx="1">
+                  <a:schemeClr val="accent1"/>
+                </a:lnRef>
+                <a:fillRef idx="0">
+                  <a:schemeClr val="accent1"/>
+                </a:fillRef>
+                <a:effectRef idx="0">
+                  <a:schemeClr val="accent1"/>
+                </a:effectRef>
+                <a:fontRef idx="minor">
+                  <a:schemeClr val="tx1"/>
+                </a:fontRef>
+              </p:style>
+            </p:cxnSp>
+          </p:grpSp>
+        </p:grpSp>
+        <p:cxnSp>
+          <p:nvCxnSpPr>
+            <p:cNvPr id="48" name="Straight Connector 47">
+              <a:extLst>
+                <a:ext uri="{FF2B5EF4-FFF2-40B4-BE49-F238E27FC236}">
+                  <a16:creationId xmlns:a16="http://schemas.microsoft.com/office/drawing/2014/main" id="{293681BD-F995-CD29-A170-B05002F2EE96}"/>
+                </a:ext>
+              </a:extLst>
+            </p:cNvPr>
+            <p:cNvCxnSpPr/>
+            <p:nvPr/>
+          </p:nvCxnSpPr>
+          <p:spPr>
+            <a:xfrm flipH="1">
+              <a:off x="4982816" y="4980213"/>
+              <a:ext cx="1" cy="338447"/>
+            </a:xfrm>
+            <a:prstGeom prst="line">
+              <a:avLst/>
+            </a:prstGeom>
+            <a:ln w="28575">
+              <a:solidFill>
+                <a:schemeClr val="tx1"/>
+              </a:solidFill>
+            </a:ln>
+          </p:spPr>
+          <p:style>
+            <a:lnRef idx="1">
+              <a:schemeClr val="accent1"/>
+            </a:lnRef>
+            <a:fillRef idx="0">
+              <a:schemeClr val="accent1"/>
+            </a:fillRef>
+            <a:effectRef idx="0">
+              <a:schemeClr val="accent1"/>
+            </a:effectRef>
+            <a:fontRef idx="minor">
               <a:schemeClr val="tx1"/>
-            </a:solidFill>
-          </a:ln>
-        </p:spPr>
-        <p:style>
-          <a:lnRef idx="1">
-            <a:schemeClr val="accent1"/>
-          </a:lnRef>
-          <a:fillRef idx="0">
-            <a:schemeClr val="accent1"/>
-          </a:fillRef>
-          <a:effectRef idx="0">
-            <a:schemeClr val="accent1"/>
-          </a:effectRef>
-          <a:fontRef idx="minor">
-            <a:schemeClr val="tx1"/>
-          </a:fontRef>
-        </p:style>
-      </p:cxnSp>
-      <p:sp>
-        <p:nvSpPr>
-          <p:cNvPr id="23" name="Rounded Rectangle 22">
-            <a:extLst>
-              <a:ext uri="{FF2B5EF4-FFF2-40B4-BE49-F238E27FC236}">
-                <a16:creationId xmlns:a16="http://schemas.microsoft.com/office/drawing/2014/main" id="{5E5A0987-1A25-4363-51D5-F344D33815C3}"/>
-              </a:ext>
-            </a:extLst>
-          </p:cNvPr>
-          <p:cNvSpPr/>
-          <p:nvPr/>
-        </p:nvSpPr>
-        <p:spPr>
-          <a:xfrm>
-            <a:off x="3916091" y="3825822"/>
-            <a:ext cx="2120348" cy="522000"/>
-          </a:xfrm>
-          <a:prstGeom prst="roundRect">
-            <a:avLst>
-              <a:gd name="adj" fmla="val 50000"/>
-            </a:avLst>
-          </a:prstGeom>
-          <a:solidFill>
-            <a:schemeClr val="accent1">
-              <a:lumMod val="20000"/>
-              <a:lumOff val="80000"/>
-            </a:schemeClr>
-          </a:solidFill>
-          <a:ln w="28575">
-            <a:solidFill>
+            </a:fontRef>
+          </p:style>
+        </p:cxnSp>
+        <p:cxnSp>
+          <p:nvCxnSpPr>
+            <p:cNvPr id="49" name="Straight Connector 48">
+              <a:extLst>
+                <a:ext uri="{FF2B5EF4-FFF2-40B4-BE49-F238E27FC236}">
+                  <a16:creationId xmlns:a16="http://schemas.microsoft.com/office/drawing/2014/main" id="{A216BF17-171D-250F-9B03-042F0F426996}"/>
+                </a:ext>
+              </a:extLst>
+            </p:cNvPr>
+            <p:cNvCxnSpPr>
+              <a:cxnSpLocks/>
+            </p:cNvCxnSpPr>
+            <p:nvPr/>
+          </p:nvCxnSpPr>
+          <p:spPr>
+            <a:xfrm flipH="1">
+              <a:off x="2487046" y="5315336"/>
+              <a:ext cx="4975543" cy="0"/>
+            </a:xfrm>
+            <a:prstGeom prst="line">
+              <a:avLst/>
+            </a:prstGeom>
+            <a:ln w="28575">
+              <a:solidFill>
+                <a:schemeClr val="tx1"/>
+              </a:solidFill>
+            </a:ln>
+          </p:spPr>
+          <p:style>
+            <a:lnRef idx="1">
+              <a:schemeClr val="accent1"/>
+            </a:lnRef>
+            <a:fillRef idx="0">
+              <a:schemeClr val="accent1"/>
+            </a:fillRef>
+            <a:effectRef idx="0">
+              <a:schemeClr val="accent1"/>
+            </a:effectRef>
+            <a:fontRef idx="minor">
               <a:schemeClr val="tx1"/>
-            </a:solidFill>
-          </a:ln>
-        </p:spPr>
-        <p:style>
-          <a:lnRef idx="2">
-            <a:schemeClr val="accent6"/>
-          </a:lnRef>
-          <a:fillRef idx="1">
-            <a:schemeClr val="lt1"/>
-          </a:fillRef>
-          <a:effectRef idx="0">
-            <a:schemeClr val="accent6"/>
-          </a:effectRef>
-          <a:fontRef idx="minor">
-            <a:schemeClr val="dk1"/>
-          </a:fontRef>
-        </p:style>
-        <p:txBody>
-          <a:bodyPr rtlCol="0" anchor="ctr"/>
-          <a:lstStyle/>
-          <a:p>
-            <a:pPr algn="ctr"/>
-            <a:endParaRPr lang="en-US"/>
-          </a:p>
-        </p:txBody>
-      </p:sp>
+            </a:fontRef>
+          </p:style>
+        </p:cxnSp>
+      </p:grpSp>
     </p:spTree>
     <p:extLst>
       <p:ext uri="{BB962C8B-B14F-4D97-AF65-F5344CB8AC3E}">
@@ -4287,7 +5133,7 @@
 <file path=ppt/theme/theme1.xml><?xml version="1.0" encoding="utf-8"?>
 <a:theme xmlns:a="http://schemas.openxmlformats.org/drawingml/2006/main" name="Office Theme">
   <a:themeElements>
-    <a:clrScheme name="Office">
+    <a:clrScheme name="Office Theme">
       <a:dk1>
         <a:sysClr val="windowText" lastClr="000000"/>
       </a:dk1>
@@ -4325,7 +5171,7 @@
         <a:srgbClr val="954F72"/>
       </a:folHlink>
     </a:clrScheme>
-    <a:fontScheme name="Office">
+    <a:fontScheme name="Office Theme">
       <a:majorFont>
         <a:latin typeface="Calibri Light" panose="020F0302020204030204"/>
         <a:ea typeface=""/>
@@ -4360,23 +5206,6 @@
         <a:font script="Viet" typeface="Times New Roman"/>
         <a:font script="Uigh" typeface="Microsoft Uighur"/>
         <a:font script="Geor" typeface="Sylfaen"/>
-        <a:font script="Armn" typeface="Arial"/>
-        <a:font script="Bugi" typeface="Leelawadee UI"/>
-        <a:font script="Bopo" typeface="Microsoft JhengHei"/>
-        <a:font script="Java" typeface="Javanese Text"/>
-        <a:font script="Lisu" typeface="Segoe UI"/>
-        <a:font script="Mymr" typeface="Myanmar Text"/>
-        <a:font script="Nkoo" typeface="Ebrima"/>
-        <a:font script="Olck" typeface="Nirmala UI"/>
-        <a:font script="Osma" typeface="Ebrima"/>
-        <a:font script="Phag" typeface="Phagspa"/>
-        <a:font script="Syrn" typeface="Estrangelo Edessa"/>
-        <a:font script="Syrj" typeface="Estrangelo Edessa"/>
-        <a:font script="Syre" typeface="Estrangelo Edessa"/>
-        <a:font script="Sora" typeface="Nirmala UI"/>
-        <a:font script="Tale" typeface="Microsoft Tai Le"/>
-        <a:font script="Talu" typeface="Microsoft New Tai Lue"/>
-        <a:font script="Tfng" typeface="Ebrima"/>
       </a:majorFont>
       <a:minorFont>
         <a:latin typeface="Calibri" panose="020F0502020204030204"/>
@@ -4412,26 +5241,9 @@
         <a:font script="Viet" typeface="Arial"/>
         <a:font script="Uigh" typeface="Microsoft Uighur"/>
         <a:font script="Geor" typeface="Sylfaen"/>
-        <a:font script="Armn" typeface="Arial"/>
-        <a:font script="Bugi" typeface="Leelawadee UI"/>
-        <a:font script="Bopo" typeface="Microsoft JhengHei"/>
-        <a:font script="Java" typeface="Javanese Text"/>
-        <a:font script="Lisu" typeface="Segoe UI"/>
-        <a:font script="Mymr" typeface="Myanmar Text"/>
-        <a:font script="Nkoo" typeface="Ebrima"/>
-        <a:font script="Olck" typeface="Nirmala UI"/>
-        <a:font script="Osma" typeface="Ebrima"/>
-        <a:font script="Phag" typeface="Phagspa"/>
-        <a:font script="Syrn" typeface="Estrangelo Edessa"/>
-        <a:font script="Syrj" typeface="Estrangelo Edessa"/>
-        <a:font script="Syre" typeface="Estrangelo Edessa"/>
-        <a:font script="Sora" typeface="Nirmala UI"/>
-        <a:font script="Tale" typeface="Microsoft Tai Le"/>
-        <a:font script="Talu" typeface="Microsoft New Tai Lue"/>
-        <a:font script="Tfng" typeface="Ebrima"/>
       </a:minorFont>
     </a:fontScheme>
-    <a:fmtScheme name="Office">
+    <a:fmtScheme name="Office Theme">
       <a:fillStyleLst>
         <a:solidFill>
           <a:schemeClr val="phClr"/>
@@ -4573,7 +5385,7 @@
   <a:extraClrSchemeLst/>
   <a:extLst>
     <a:ext uri="{05A4C25C-085E-4340-85A3-A5531E510DB2}">
-      <thm15:themeFamily xmlns:thm15="http://schemas.microsoft.com/office/thememl/2012/main" name="Office Theme" id="{62F939B6-93AF-4DB8-9C6B-D6C7DFDC589F}" vid="{4A3C46E8-61CC-4603-A589-7422A47A8E4A}"/>
+      <thm15:themeFamily xmlns:thm15="http://schemas.microsoft.com/office/thememl/2012/main" name="Office Theme 2013 - 2022" id="{62F939B6-93AF-4DB8-9C6B-D6C7DFDC589F}" vid="{4A3C46E8-61CC-4603-A589-7422A47A8E4A}"/>
     </a:ext>
   </a:extLst>
 </a:theme>

--- a/assets/Presentation1.pptx
+++ b/assets/Presentation1.pptx
@@ -2,12 +2,12 @@
 <file path=ppt/presentation.xml><?xml version="1.0" encoding="utf-8"?>
 <p:presentation xmlns:a="http://schemas.openxmlformats.org/drawingml/2006/main" xmlns:r="http://schemas.openxmlformats.org/officeDocument/2006/relationships" xmlns:p="http://schemas.openxmlformats.org/presentationml/2006/main" saveSubsetFonts="1" autoCompressPictures="0">
   <p:sldMasterIdLst>
-    <p:sldMasterId id="2147483660" r:id="rId1"/>
+    <p:sldMasterId id="2147483672" r:id="rId1"/>
   </p:sldMasterIdLst>
   <p:sldIdLst>
     <p:sldId id="256" r:id="rId2"/>
   </p:sldIdLst>
-  <p:sldSz cx="12192000" cy="10799763"/>
+  <p:sldSz cx="21599525" cy="10799763"/>
   <p:notesSz cx="6858000" cy="9144000"/>
   <p:defaultTextStyle>
     <a:defPPr>
@@ -104,6 +104,11 @@
       </a:defRPr>
     </a:lvl9pPr>
   </p:defaultTextStyle>
+  <p:extLst>
+    <p:ext uri="{EFAFB233-063F-42B5-8137-9DF3F51BA10A}">
+      <p15:sldGuideLst xmlns:p15="http://schemas.microsoft.com/office/powerpoint/2012/main"/>
+    </p:ext>
+  </p:extLst>
 </p:presentation>
 </file>
 
@@ -136,15 +141,15 @@
         </p:nvSpPr>
         <p:spPr>
           <a:xfrm>
-            <a:off x="914400" y="1767462"/>
-            <a:ext cx="10363200" cy="3759917"/>
+            <a:off x="2699941" y="1767462"/>
+            <a:ext cx="16199644" cy="3759917"/>
           </a:xfrm>
         </p:spPr>
         <p:txBody>
           <a:bodyPr anchor="b"/>
           <a:lstStyle>
             <a:lvl1pPr algn="ctr">
-              <a:defRPr sz="8000"/>
+              <a:defRPr sz="9449"/>
             </a:lvl1pPr>
           </a:lstStyle>
           <a:p>
@@ -168,8 +173,8 @@
         </p:nvSpPr>
         <p:spPr>
           <a:xfrm>
-            <a:off x="1524000" y="5672376"/>
-            <a:ext cx="9144000" cy="2607442"/>
+            <a:off x="2699941" y="5672376"/>
+            <a:ext cx="16199644" cy="2607442"/>
           </a:xfrm>
         </p:spPr>
         <p:txBody>
@@ -177,39 +182,39 @@
           <a:lstStyle>
             <a:lvl1pPr marL="0" indent="0" algn="ctr">
               <a:buNone/>
-              <a:defRPr sz="3200"/>
+              <a:defRPr sz="3780"/>
             </a:lvl1pPr>
-            <a:lvl2pPr marL="609585" indent="0" algn="ctr">
+            <a:lvl2pPr marL="719999" indent="0" algn="ctr">
               <a:buNone/>
-              <a:defRPr sz="2667"/>
+              <a:defRPr sz="3150"/>
             </a:lvl2pPr>
-            <a:lvl3pPr marL="1219170" indent="0" algn="ctr">
+            <a:lvl3pPr marL="1439997" indent="0" algn="ctr">
               <a:buNone/>
-              <a:defRPr sz="2400"/>
+              <a:defRPr sz="2835"/>
             </a:lvl3pPr>
-            <a:lvl4pPr marL="1828754" indent="0" algn="ctr">
+            <a:lvl4pPr marL="2159996" indent="0" algn="ctr">
               <a:buNone/>
-              <a:defRPr sz="2133"/>
+              <a:defRPr sz="2520"/>
             </a:lvl4pPr>
-            <a:lvl5pPr marL="2438339" indent="0" algn="ctr">
+            <a:lvl5pPr marL="2879994" indent="0" algn="ctr">
               <a:buNone/>
-              <a:defRPr sz="2133"/>
+              <a:defRPr sz="2520"/>
             </a:lvl5pPr>
-            <a:lvl6pPr marL="3047924" indent="0" algn="ctr">
+            <a:lvl6pPr marL="3599993" indent="0" algn="ctr">
               <a:buNone/>
-              <a:defRPr sz="2133"/>
+              <a:defRPr sz="2520"/>
             </a:lvl6pPr>
-            <a:lvl7pPr marL="3657509" indent="0" algn="ctr">
+            <a:lvl7pPr marL="4319991" indent="0" algn="ctr">
               <a:buNone/>
-              <a:defRPr sz="2133"/>
+              <a:defRPr sz="2520"/>
             </a:lvl7pPr>
-            <a:lvl8pPr marL="4267093" indent="0" algn="ctr">
+            <a:lvl8pPr marL="5039990" indent="0" algn="ctr">
               <a:buNone/>
-              <a:defRPr sz="2133"/>
+              <a:defRPr sz="2520"/>
             </a:lvl8pPr>
-            <a:lvl9pPr marL="4876678" indent="0" algn="ctr">
+            <a:lvl9pPr marL="5759988" indent="0" algn="ctr">
               <a:buNone/>
-              <a:defRPr sz="2133"/>
+              <a:defRPr sz="2520"/>
             </a:lvl9pPr>
           </a:lstStyle>
           <a:p>
@@ -238,7 +243,7 @@
           <a:p>
             <a:fld id="{A0DF73BA-35C7-C143-BB83-1EDA157096F5}" type="datetimeFigureOut">
               <a:rPr lang="en-US" smtClean="0"/>
-              <a:t>8/7/23</a:t>
+              <a:t>8/14/23</a:t>
             </a:fld>
             <a:endParaRPr lang="en-US"/>
           </a:p>
@@ -289,7 +294,7 @@
     </p:spTree>
     <p:extLst>
       <p:ext uri="{BB962C8B-B14F-4D97-AF65-F5344CB8AC3E}">
-        <p14:creationId xmlns:p14="http://schemas.microsoft.com/office/powerpoint/2010/main" val="2099510741"/>
+        <p14:creationId xmlns:p14="http://schemas.microsoft.com/office/powerpoint/2010/main" val="4111718326"/>
       </p:ext>
     </p:extLst>
   </p:cSld>
@@ -408,7 +413,7 @@
           <a:p>
             <a:fld id="{A0DF73BA-35C7-C143-BB83-1EDA157096F5}" type="datetimeFigureOut">
               <a:rPr lang="en-US" smtClean="0"/>
-              <a:t>8/7/23</a:t>
+              <a:t>8/14/23</a:t>
             </a:fld>
             <a:endParaRPr lang="en-US"/>
           </a:p>
@@ -459,7 +464,7 @@
     </p:spTree>
     <p:extLst>
       <p:ext uri="{BB962C8B-B14F-4D97-AF65-F5344CB8AC3E}">
-        <p14:creationId xmlns:p14="http://schemas.microsoft.com/office/powerpoint/2010/main" val="563116206"/>
+        <p14:creationId xmlns:p14="http://schemas.microsoft.com/office/powerpoint/2010/main" val="107958676"/>
       </p:ext>
     </p:extLst>
   </p:cSld>
@@ -498,8 +503,8 @@
         </p:nvSpPr>
         <p:spPr>
           <a:xfrm>
-            <a:off x="8724901" y="574987"/>
-            <a:ext cx="2628900" cy="9152300"/>
+            <a:off x="15457160" y="574987"/>
+            <a:ext cx="4657398" cy="9152300"/>
           </a:xfrm>
         </p:spPr>
         <p:txBody>
@@ -526,8 +531,8 @@
         </p:nvSpPr>
         <p:spPr>
           <a:xfrm>
-            <a:off x="838201" y="574987"/>
-            <a:ext cx="7734300" cy="9152300"/>
+            <a:off x="1484967" y="574987"/>
+            <a:ext cx="13702199" cy="9152300"/>
           </a:xfrm>
         </p:spPr>
         <p:txBody>
@@ -588,7 +593,7 @@
           <a:p>
             <a:fld id="{A0DF73BA-35C7-C143-BB83-1EDA157096F5}" type="datetimeFigureOut">
               <a:rPr lang="en-US" smtClean="0"/>
-              <a:t>8/7/23</a:t>
+              <a:t>8/14/23</a:t>
             </a:fld>
             <a:endParaRPr lang="en-US"/>
           </a:p>
@@ -639,7 +644,7 @@
     </p:spTree>
     <p:extLst>
       <p:ext uri="{BB962C8B-B14F-4D97-AF65-F5344CB8AC3E}">
-        <p14:creationId xmlns:p14="http://schemas.microsoft.com/office/powerpoint/2010/main" val="406553753"/>
+        <p14:creationId xmlns:p14="http://schemas.microsoft.com/office/powerpoint/2010/main" val="309617600"/>
       </p:ext>
     </p:extLst>
   </p:cSld>
@@ -758,7 +763,7 @@
           <a:p>
             <a:fld id="{A0DF73BA-35C7-C143-BB83-1EDA157096F5}" type="datetimeFigureOut">
               <a:rPr lang="en-US" smtClean="0"/>
-              <a:t>8/7/23</a:t>
+              <a:t>8/14/23</a:t>
             </a:fld>
             <a:endParaRPr lang="en-US"/>
           </a:p>
@@ -809,7 +814,7 @@
     </p:spTree>
     <p:extLst>
       <p:ext uri="{BB962C8B-B14F-4D97-AF65-F5344CB8AC3E}">
-        <p14:creationId xmlns:p14="http://schemas.microsoft.com/office/powerpoint/2010/main" val="3159666890"/>
+        <p14:creationId xmlns:p14="http://schemas.microsoft.com/office/powerpoint/2010/main" val="59296531"/>
       </p:ext>
     </p:extLst>
   </p:cSld>
@@ -848,15 +853,15 @@
         </p:nvSpPr>
         <p:spPr>
           <a:xfrm>
-            <a:off x="831851" y="2692444"/>
-            <a:ext cx="10515600" cy="4492401"/>
+            <a:off x="1473718" y="2692442"/>
+            <a:ext cx="18629590" cy="4492401"/>
           </a:xfrm>
         </p:spPr>
         <p:txBody>
           <a:bodyPr anchor="b"/>
           <a:lstStyle>
             <a:lvl1pPr>
-              <a:defRPr sz="8000"/>
+              <a:defRPr sz="9449"/>
             </a:lvl1pPr>
           </a:lstStyle>
           <a:p>
@@ -880,8 +885,8 @@
         </p:nvSpPr>
         <p:spPr>
           <a:xfrm>
-            <a:off x="831851" y="7227345"/>
-            <a:ext cx="10515600" cy="2362447"/>
+            <a:off x="1473718" y="7227343"/>
+            <a:ext cx="18629590" cy="2362447"/>
           </a:xfrm>
         </p:spPr>
         <p:txBody>
@@ -889,15 +894,17 @@
           <a:lstStyle>
             <a:lvl1pPr marL="0" indent="0">
               <a:buNone/>
-              <a:defRPr sz="3200">
+              <a:defRPr sz="3780">
                 <a:solidFill>
-                  <a:schemeClr val="tx1"/>
+                  <a:schemeClr val="tx1">
+                    <a:tint val="75000"/>
+                  </a:schemeClr>
                 </a:solidFill>
               </a:defRPr>
             </a:lvl1pPr>
-            <a:lvl2pPr marL="609585" indent="0">
+            <a:lvl2pPr marL="719999" indent="0">
               <a:buNone/>
-              <a:defRPr sz="2667">
+              <a:defRPr sz="3150">
                 <a:solidFill>
                   <a:schemeClr val="tx1">
                     <a:tint val="75000"/>
@@ -905,9 +912,9 @@
                 </a:solidFill>
               </a:defRPr>
             </a:lvl2pPr>
-            <a:lvl3pPr marL="1219170" indent="0">
+            <a:lvl3pPr marL="1439997" indent="0">
               <a:buNone/>
-              <a:defRPr sz="2400">
+              <a:defRPr sz="2835">
                 <a:solidFill>
                   <a:schemeClr val="tx1">
                     <a:tint val="75000"/>
@@ -915,9 +922,9 @@
                 </a:solidFill>
               </a:defRPr>
             </a:lvl3pPr>
-            <a:lvl4pPr marL="1828754" indent="0">
+            <a:lvl4pPr marL="2159996" indent="0">
               <a:buNone/>
-              <a:defRPr sz="2133">
+              <a:defRPr sz="2520">
                 <a:solidFill>
                   <a:schemeClr val="tx1">
                     <a:tint val="75000"/>
@@ -925,9 +932,9 @@
                 </a:solidFill>
               </a:defRPr>
             </a:lvl4pPr>
-            <a:lvl5pPr marL="2438339" indent="0">
+            <a:lvl5pPr marL="2879994" indent="0">
               <a:buNone/>
-              <a:defRPr sz="2133">
+              <a:defRPr sz="2520">
                 <a:solidFill>
                   <a:schemeClr val="tx1">
                     <a:tint val="75000"/>
@@ -935,9 +942,9 @@
                 </a:solidFill>
               </a:defRPr>
             </a:lvl5pPr>
-            <a:lvl6pPr marL="3047924" indent="0">
+            <a:lvl6pPr marL="3599993" indent="0">
               <a:buNone/>
-              <a:defRPr sz="2133">
+              <a:defRPr sz="2520">
                 <a:solidFill>
                   <a:schemeClr val="tx1">
                     <a:tint val="75000"/>
@@ -945,9 +952,9 @@
                 </a:solidFill>
               </a:defRPr>
             </a:lvl6pPr>
-            <a:lvl7pPr marL="3657509" indent="0">
+            <a:lvl7pPr marL="4319991" indent="0">
               <a:buNone/>
-              <a:defRPr sz="2133">
+              <a:defRPr sz="2520">
                 <a:solidFill>
                   <a:schemeClr val="tx1">
                     <a:tint val="75000"/>
@@ -955,9 +962,9 @@
                 </a:solidFill>
               </a:defRPr>
             </a:lvl7pPr>
-            <a:lvl8pPr marL="4267093" indent="0">
+            <a:lvl8pPr marL="5039990" indent="0">
               <a:buNone/>
-              <a:defRPr sz="2133">
+              <a:defRPr sz="2520">
                 <a:solidFill>
                   <a:schemeClr val="tx1">
                     <a:tint val="75000"/>
@@ -965,9 +972,9 @@
                 </a:solidFill>
               </a:defRPr>
             </a:lvl8pPr>
-            <a:lvl9pPr marL="4876678" indent="0">
+            <a:lvl9pPr marL="5759988" indent="0">
               <a:buNone/>
-              <a:defRPr sz="2133">
+              <a:defRPr sz="2520">
                 <a:solidFill>
                   <a:schemeClr val="tx1">
                     <a:tint val="75000"/>
@@ -1002,7 +1009,7 @@
           <a:p>
             <a:fld id="{A0DF73BA-35C7-C143-BB83-1EDA157096F5}" type="datetimeFigureOut">
               <a:rPr lang="en-US" smtClean="0"/>
-              <a:t>8/7/23</a:t>
+              <a:t>8/14/23</a:t>
             </a:fld>
             <a:endParaRPr lang="en-US"/>
           </a:p>
@@ -1053,7 +1060,7 @@
     </p:spTree>
     <p:extLst>
       <p:ext uri="{BB962C8B-B14F-4D97-AF65-F5344CB8AC3E}">
-        <p14:creationId xmlns:p14="http://schemas.microsoft.com/office/powerpoint/2010/main" val="4158091968"/>
+        <p14:creationId xmlns:p14="http://schemas.microsoft.com/office/powerpoint/2010/main" val="2488973970"/>
       </p:ext>
     </p:extLst>
   </p:cSld>
@@ -1115,8 +1122,8 @@
         </p:nvSpPr>
         <p:spPr>
           <a:xfrm>
-            <a:off x="838200" y="2874937"/>
-            <a:ext cx="5181600" cy="6852350"/>
+            <a:off x="1484967" y="2874937"/>
+            <a:ext cx="9179798" cy="6852350"/>
           </a:xfrm>
         </p:spPr>
         <p:txBody>
@@ -1172,8 +1179,8 @@
         </p:nvSpPr>
         <p:spPr>
           <a:xfrm>
-            <a:off x="6172200" y="2874937"/>
-            <a:ext cx="5181600" cy="6852350"/>
+            <a:off x="10934760" y="2874937"/>
+            <a:ext cx="9179798" cy="6852350"/>
           </a:xfrm>
         </p:spPr>
         <p:txBody>
@@ -1234,7 +1241,7 @@
           <a:p>
             <a:fld id="{A0DF73BA-35C7-C143-BB83-1EDA157096F5}" type="datetimeFigureOut">
               <a:rPr lang="en-US" smtClean="0"/>
-              <a:t>8/7/23</a:t>
+              <a:t>8/14/23</a:t>
             </a:fld>
             <a:endParaRPr lang="en-US"/>
           </a:p>
@@ -1285,7 +1292,7 @@
     </p:spTree>
     <p:extLst>
       <p:ext uri="{BB962C8B-B14F-4D97-AF65-F5344CB8AC3E}">
-        <p14:creationId xmlns:p14="http://schemas.microsoft.com/office/powerpoint/2010/main" val="4115074794"/>
+        <p14:creationId xmlns:p14="http://schemas.microsoft.com/office/powerpoint/2010/main" val="86568642"/>
       </p:ext>
     </p:extLst>
   </p:cSld>
@@ -1324,8 +1331,8 @@
         </p:nvSpPr>
         <p:spPr>
           <a:xfrm>
-            <a:off x="839788" y="574990"/>
-            <a:ext cx="10515600" cy="2087455"/>
+            <a:off x="1487781" y="574988"/>
+            <a:ext cx="18629590" cy="2087455"/>
           </a:xfrm>
         </p:spPr>
         <p:txBody>
@@ -1352,8 +1359,8 @@
         </p:nvSpPr>
         <p:spPr>
           <a:xfrm>
-            <a:off x="839789" y="2647443"/>
-            <a:ext cx="5157787" cy="1297471"/>
+            <a:off x="1487781" y="2647443"/>
+            <a:ext cx="9137611" cy="1297471"/>
           </a:xfrm>
         </p:spPr>
         <p:txBody>
@@ -1361,39 +1368,39 @@
           <a:lstStyle>
             <a:lvl1pPr marL="0" indent="0">
               <a:buNone/>
-              <a:defRPr sz="3200" b="1"/>
+              <a:defRPr sz="3780" b="1"/>
             </a:lvl1pPr>
-            <a:lvl2pPr marL="609585" indent="0">
+            <a:lvl2pPr marL="719999" indent="0">
               <a:buNone/>
-              <a:defRPr sz="2667" b="1"/>
+              <a:defRPr sz="3150" b="1"/>
             </a:lvl2pPr>
-            <a:lvl3pPr marL="1219170" indent="0">
+            <a:lvl3pPr marL="1439997" indent="0">
               <a:buNone/>
-              <a:defRPr sz="2400" b="1"/>
+              <a:defRPr sz="2835" b="1"/>
             </a:lvl3pPr>
-            <a:lvl4pPr marL="1828754" indent="0">
+            <a:lvl4pPr marL="2159996" indent="0">
               <a:buNone/>
-              <a:defRPr sz="2133" b="1"/>
+              <a:defRPr sz="2520" b="1"/>
             </a:lvl4pPr>
-            <a:lvl5pPr marL="2438339" indent="0">
+            <a:lvl5pPr marL="2879994" indent="0">
               <a:buNone/>
-              <a:defRPr sz="2133" b="1"/>
+              <a:defRPr sz="2520" b="1"/>
             </a:lvl5pPr>
-            <a:lvl6pPr marL="3047924" indent="0">
+            <a:lvl6pPr marL="3599993" indent="0">
               <a:buNone/>
-              <a:defRPr sz="2133" b="1"/>
+              <a:defRPr sz="2520" b="1"/>
             </a:lvl6pPr>
-            <a:lvl7pPr marL="3657509" indent="0">
+            <a:lvl7pPr marL="4319991" indent="0">
               <a:buNone/>
-              <a:defRPr sz="2133" b="1"/>
+              <a:defRPr sz="2520" b="1"/>
             </a:lvl7pPr>
-            <a:lvl8pPr marL="4267093" indent="0">
+            <a:lvl8pPr marL="5039990" indent="0">
               <a:buNone/>
-              <a:defRPr sz="2133" b="1"/>
+              <a:defRPr sz="2520" b="1"/>
             </a:lvl8pPr>
-            <a:lvl9pPr marL="4876678" indent="0">
+            <a:lvl9pPr marL="5759988" indent="0">
               <a:buNone/>
-              <a:defRPr sz="2133" b="1"/>
+              <a:defRPr sz="2520" b="1"/>
             </a:lvl9pPr>
           </a:lstStyle>
           <a:p>
@@ -1417,8 +1424,8 @@
         </p:nvSpPr>
         <p:spPr>
           <a:xfrm>
-            <a:off x="839789" y="3944914"/>
-            <a:ext cx="5157787" cy="5802373"/>
+            <a:off x="1487781" y="3944914"/>
+            <a:ext cx="9137611" cy="5802373"/>
           </a:xfrm>
         </p:spPr>
         <p:txBody>
@@ -1474,8 +1481,8 @@
         </p:nvSpPr>
         <p:spPr>
           <a:xfrm>
-            <a:off x="6172201" y="2647443"/>
-            <a:ext cx="5183188" cy="1297471"/>
+            <a:off x="10934760" y="2647443"/>
+            <a:ext cx="9182611" cy="1297471"/>
           </a:xfrm>
         </p:spPr>
         <p:txBody>
@@ -1483,39 +1490,39 @@
           <a:lstStyle>
             <a:lvl1pPr marL="0" indent="0">
               <a:buNone/>
-              <a:defRPr sz="3200" b="1"/>
+              <a:defRPr sz="3780" b="1"/>
             </a:lvl1pPr>
-            <a:lvl2pPr marL="609585" indent="0">
+            <a:lvl2pPr marL="719999" indent="0">
               <a:buNone/>
-              <a:defRPr sz="2667" b="1"/>
+              <a:defRPr sz="3150" b="1"/>
             </a:lvl2pPr>
-            <a:lvl3pPr marL="1219170" indent="0">
+            <a:lvl3pPr marL="1439997" indent="0">
               <a:buNone/>
-              <a:defRPr sz="2400" b="1"/>
+              <a:defRPr sz="2835" b="1"/>
             </a:lvl3pPr>
-            <a:lvl4pPr marL="1828754" indent="0">
+            <a:lvl4pPr marL="2159996" indent="0">
               <a:buNone/>
-              <a:defRPr sz="2133" b="1"/>
+              <a:defRPr sz="2520" b="1"/>
             </a:lvl4pPr>
-            <a:lvl5pPr marL="2438339" indent="0">
+            <a:lvl5pPr marL="2879994" indent="0">
               <a:buNone/>
-              <a:defRPr sz="2133" b="1"/>
+              <a:defRPr sz="2520" b="1"/>
             </a:lvl5pPr>
-            <a:lvl6pPr marL="3047924" indent="0">
+            <a:lvl6pPr marL="3599993" indent="0">
               <a:buNone/>
-              <a:defRPr sz="2133" b="1"/>
+              <a:defRPr sz="2520" b="1"/>
             </a:lvl6pPr>
-            <a:lvl7pPr marL="3657509" indent="0">
+            <a:lvl7pPr marL="4319991" indent="0">
               <a:buNone/>
-              <a:defRPr sz="2133" b="1"/>
+              <a:defRPr sz="2520" b="1"/>
             </a:lvl7pPr>
-            <a:lvl8pPr marL="4267093" indent="0">
+            <a:lvl8pPr marL="5039990" indent="0">
               <a:buNone/>
-              <a:defRPr sz="2133" b="1"/>
+              <a:defRPr sz="2520" b="1"/>
             </a:lvl8pPr>
-            <a:lvl9pPr marL="4876678" indent="0">
+            <a:lvl9pPr marL="5759988" indent="0">
               <a:buNone/>
-              <a:defRPr sz="2133" b="1"/>
+              <a:defRPr sz="2520" b="1"/>
             </a:lvl9pPr>
           </a:lstStyle>
           <a:p>
@@ -1539,8 +1546,8 @@
         </p:nvSpPr>
         <p:spPr>
           <a:xfrm>
-            <a:off x="6172201" y="3944914"/>
-            <a:ext cx="5183188" cy="5802373"/>
+            <a:off x="10934760" y="3944914"/>
+            <a:ext cx="9182611" cy="5802373"/>
           </a:xfrm>
         </p:spPr>
         <p:txBody>
@@ -1601,7 +1608,7 @@
           <a:p>
             <a:fld id="{A0DF73BA-35C7-C143-BB83-1EDA157096F5}" type="datetimeFigureOut">
               <a:rPr lang="en-US" smtClean="0"/>
-              <a:t>8/7/23</a:t>
+              <a:t>8/14/23</a:t>
             </a:fld>
             <a:endParaRPr lang="en-US"/>
           </a:p>
@@ -1652,7 +1659,7 @@
     </p:spTree>
     <p:extLst>
       <p:ext uri="{BB962C8B-B14F-4D97-AF65-F5344CB8AC3E}">
-        <p14:creationId xmlns:p14="http://schemas.microsoft.com/office/powerpoint/2010/main" val="1914109272"/>
+        <p14:creationId xmlns:p14="http://schemas.microsoft.com/office/powerpoint/2010/main" val="1588678174"/>
       </p:ext>
     </p:extLst>
   </p:cSld>
@@ -1719,7 +1726,7 @@
           <a:p>
             <a:fld id="{A0DF73BA-35C7-C143-BB83-1EDA157096F5}" type="datetimeFigureOut">
               <a:rPr lang="en-US" smtClean="0"/>
-              <a:t>8/7/23</a:t>
+              <a:t>8/14/23</a:t>
             </a:fld>
             <a:endParaRPr lang="en-US"/>
           </a:p>
@@ -1770,7 +1777,7 @@
     </p:spTree>
     <p:extLst>
       <p:ext uri="{BB962C8B-B14F-4D97-AF65-F5344CB8AC3E}">
-        <p14:creationId xmlns:p14="http://schemas.microsoft.com/office/powerpoint/2010/main" val="2434334883"/>
+        <p14:creationId xmlns:p14="http://schemas.microsoft.com/office/powerpoint/2010/main" val="3835593817"/>
       </p:ext>
     </p:extLst>
   </p:cSld>
@@ -1814,7 +1821,7 @@
           <a:p>
             <a:fld id="{A0DF73BA-35C7-C143-BB83-1EDA157096F5}" type="datetimeFigureOut">
               <a:rPr lang="en-US" smtClean="0"/>
-              <a:t>8/7/23</a:t>
+              <a:t>8/14/23</a:t>
             </a:fld>
             <a:endParaRPr lang="en-US"/>
           </a:p>
@@ -1865,7 +1872,7 @@
     </p:spTree>
     <p:extLst>
       <p:ext uri="{BB962C8B-B14F-4D97-AF65-F5344CB8AC3E}">
-        <p14:creationId xmlns:p14="http://schemas.microsoft.com/office/powerpoint/2010/main" val="3904127073"/>
+        <p14:creationId xmlns:p14="http://schemas.microsoft.com/office/powerpoint/2010/main" val="177775714"/>
       </p:ext>
     </p:extLst>
   </p:cSld>
@@ -1904,15 +1911,15 @@
         </p:nvSpPr>
         <p:spPr>
           <a:xfrm>
-            <a:off x="839788" y="719984"/>
-            <a:ext cx="3932237" cy="2519945"/>
+            <a:off x="1487782" y="719984"/>
+            <a:ext cx="6966408" cy="2519945"/>
           </a:xfrm>
         </p:spPr>
         <p:txBody>
           <a:bodyPr anchor="b"/>
           <a:lstStyle>
             <a:lvl1pPr>
-              <a:defRPr sz="4267"/>
+              <a:defRPr sz="5039"/>
             </a:lvl1pPr>
           </a:lstStyle>
           <a:p>
@@ -1936,39 +1943,39 @@
         </p:nvSpPr>
         <p:spPr>
           <a:xfrm>
-            <a:off x="5183188" y="1554968"/>
-            <a:ext cx="6172200" cy="7674832"/>
+            <a:off x="9182611" y="1554966"/>
+            <a:ext cx="10934760" cy="7674832"/>
           </a:xfrm>
         </p:spPr>
         <p:txBody>
           <a:bodyPr/>
           <a:lstStyle>
             <a:lvl1pPr>
-              <a:defRPr sz="4267"/>
+              <a:defRPr sz="5039"/>
             </a:lvl1pPr>
             <a:lvl2pPr>
-              <a:defRPr sz="3733"/>
+              <a:defRPr sz="4409"/>
             </a:lvl2pPr>
             <a:lvl3pPr>
-              <a:defRPr sz="3200"/>
+              <a:defRPr sz="3780"/>
             </a:lvl3pPr>
             <a:lvl4pPr>
-              <a:defRPr sz="2667"/>
+              <a:defRPr sz="3150"/>
             </a:lvl4pPr>
             <a:lvl5pPr>
-              <a:defRPr sz="2667"/>
+              <a:defRPr sz="3150"/>
             </a:lvl5pPr>
             <a:lvl6pPr>
-              <a:defRPr sz="2667"/>
+              <a:defRPr sz="3150"/>
             </a:lvl6pPr>
             <a:lvl7pPr>
-              <a:defRPr sz="2667"/>
+              <a:defRPr sz="3150"/>
             </a:lvl7pPr>
             <a:lvl8pPr>
-              <a:defRPr sz="2667"/>
+              <a:defRPr sz="3150"/>
             </a:lvl8pPr>
             <a:lvl9pPr>
-              <a:defRPr sz="2667"/>
+              <a:defRPr sz="3150"/>
             </a:lvl9pPr>
           </a:lstStyle>
           <a:p>
@@ -2021,8 +2028,8 @@
         </p:nvSpPr>
         <p:spPr>
           <a:xfrm>
-            <a:off x="839788" y="3239929"/>
-            <a:ext cx="3932237" cy="6002369"/>
+            <a:off x="1487782" y="3239929"/>
+            <a:ext cx="6966408" cy="6002369"/>
           </a:xfrm>
         </p:spPr>
         <p:txBody>
@@ -2030,39 +2037,39 @@
           <a:lstStyle>
             <a:lvl1pPr marL="0" indent="0">
               <a:buNone/>
-              <a:defRPr sz="2133"/>
+              <a:defRPr sz="2520"/>
             </a:lvl1pPr>
-            <a:lvl2pPr marL="609585" indent="0">
+            <a:lvl2pPr marL="719999" indent="0">
               <a:buNone/>
-              <a:defRPr sz="1867"/>
+              <a:defRPr sz="2205"/>
             </a:lvl2pPr>
-            <a:lvl3pPr marL="1219170" indent="0">
+            <a:lvl3pPr marL="1439997" indent="0">
               <a:buNone/>
-              <a:defRPr sz="1600"/>
+              <a:defRPr sz="1890"/>
             </a:lvl3pPr>
-            <a:lvl4pPr marL="1828754" indent="0">
+            <a:lvl4pPr marL="2159996" indent="0">
               <a:buNone/>
-              <a:defRPr sz="1333"/>
+              <a:defRPr sz="1575"/>
             </a:lvl4pPr>
-            <a:lvl5pPr marL="2438339" indent="0">
+            <a:lvl5pPr marL="2879994" indent="0">
               <a:buNone/>
-              <a:defRPr sz="1333"/>
+              <a:defRPr sz="1575"/>
             </a:lvl5pPr>
-            <a:lvl6pPr marL="3047924" indent="0">
+            <a:lvl6pPr marL="3599993" indent="0">
               <a:buNone/>
-              <a:defRPr sz="1333"/>
+              <a:defRPr sz="1575"/>
             </a:lvl6pPr>
-            <a:lvl7pPr marL="3657509" indent="0">
+            <a:lvl7pPr marL="4319991" indent="0">
               <a:buNone/>
-              <a:defRPr sz="1333"/>
+              <a:defRPr sz="1575"/>
             </a:lvl7pPr>
-            <a:lvl8pPr marL="4267093" indent="0">
+            <a:lvl8pPr marL="5039990" indent="0">
               <a:buNone/>
-              <a:defRPr sz="1333"/>
+              <a:defRPr sz="1575"/>
             </a:lvl8pPr>
-            <a:lvl9pPr marL="4876678" indent="0">
+            <a:lvl9pPr marL="5759988" indent="0">
               <a:buNone/>
-              <a:defRPr sz="1333"/>
+              <a:defRPr sz="1575"/>
             </a:lvl9pPr>
           </a:lstStyle>
           <a:p>
@@ -2091,7 +2098,7 @@
           <a:p>
             <a:fld id="{A0DF73BA-35C7-C143-BB83-1EDA157096F5}" type="datetimeFigureOut">
               <a:rPr lang="en-US" smtClean="0"/>
-              <a:t>8/7/23</a:t>
+              <a:t>8/14/23</a:t>
             </a:fld>
             <a:endParaRPr lang="en-US"/>
           </a:p>
@@ -2142,7 +2149,7 @@
     </p:spTree>
     <p:extLst>
       <p:ext uri="{BB962C8B-B14F-4D97-AF65-F5344CB8AC3E}">
-        <p14:creationId xmlns:p14="http://schemas.microsoft.com/office/powerpoint/2010/main" val="1081785516"/>
+        <p14:creationId xmlns:p14="http://schemas.microsoft.com/office/powerpoint/2010/main" val="2380048874"/>
       </p:ext>
     </p:extLst>
   </p:cSld>
@@ -2181,15 +2188,15 @@
         </p:nvSpPr>
         <p:spPr>
           <a:xfrm>
-            <a:off x="839788" y="719984"/>
-            <a:ext cx="3932237" cy="2519945"/>
+            <a:off x="1487782" y="719984"/>
+            <a:ext cx="6966408" cy="2519945"/>
           </a:xfrm>
         </p:spPr>
         <p:txBody>
           <a:bodyPr anchor="b"/>
           <a:lstStyle>
             <a:lvl1pPr>
-              <a:defRPr sz="4267"/>
+              <a:defRPr sz="5039"/>
             </a:lvl1pPr>
           </a:lstStyle>
           <a:p>
@@ -2213,8 +2220,8 @@
         </p:nvSpPr>
         <p:spPr>
           <a:xfrm>
-            <a:off x="5183188" y="1554968"/>
-            <a:ext cx="6172200" cy="7674832"/>
+            <a:off x="9182611" y="1554966"/>
+            <a:ext cx="10934760" cy="7674832"/>
           </a:xfrm>
         </p:spPr>
         <p:txBody>
@@ -2222,39 +2229,39 @@
           <a:lstStyle>
             <a:lvl1pPr marL="0" indent="0">
               <a:buNone/>
-              <a:defRPr sz="4267"/>
+              <a:defRPr sz="5039"/>
             </a:lvl1pPr>
-            <a:lvl2pPr marL="609585" indent="0">
+            <a:lvl2pPr marL="719999" indent="0">
               <a:buNone/>
-              <a:defRPr sz="3733"/>
+              <a:defRPr sz="4409"/>
             </a:lvl2pPr>
-            <a:lvl3pPr marL="1219170" indent="0">
+            <a:lvl3pPr marL="1439997" indent="0">
               <a:buNone/>
-              <a:defRPr sz="3200"/>
+              <a:defRPr sz="3780"/>
             </a:lvl3pPr>
-            <a:lvl4pPr marL="1828754" indent="0">
+            <a:lvl4pPr marL="2159996" indent="0">
               <a:buNone/>
-              <a:defRPr sz="2667"/>
+              <a:defRPr sz="3150"/>
             </a:lvl4pPr>
-            <a:lvl5pPr marL="2438339" indent="0">
+            <a:lvl5pPr marL="2879994" indent="0">
               <a:buNone/>
-              <a:defRPr sz="2667"/>
+              <a:defRPr sz="3150"/>
             </a:lvl5pPr>
-            <a:lvl6pPr marL="3047924" indent="0">
+            <a:lvl6pPr marL="3599993" indent="0">
               <a:buNone/>
-              <a:defRPr sz="2667"/>
+              <a:defRPr sz="3150"/>
             </a:lvl6pPr>
-            <a:lvl7pPr marL="3657509" indent="0">
+            <a:lvl7pPr marL="4319991" indent="0">
               <a:buNone/>
-              <a:defRPr sz="2667"/>
+              <a:defRPr sz="3150"/>
             </a:lvl7pPr>
-            <a:lvl8pPr marL="4267093" indent="0">
+            <a:lvl8pPr marL="5039990" indent="0">
               <a:buNone/>
-              <a:defRPr sz="2667"/>
+              <a:defRPr sz="3150"/>
             </a:lvl8pPr>
-            <a:lvl9pPr marL="4876678" indent="0">
+            <a:lvl9pPr marL="5759988" indent="0">
               <a:buNone/>
-              <a:defRPr sz="2667"/>
+              <a:defRPr sz="3150"/>
             </a:lvl9pPr>
           </a:lstStyle>
           <a:p>
@@ -2278,8 +2285,8 @@
         </p:nvSpPr>
         <p:spPr>
           <a:xfrm>
-            <a:off x="839788" y="3239929"/>
-            <a:ext cx="3932237" cy="6002369"/>
+            <a:off x="1487782" y="3239929"/>
+            <a:ext cx="6966408" cy="6002369"/>
           </a:xfrm>
         </p:spPr>
         <p:txBody>
@@ -2287,39 +2294,39 @@
           <a:lstStyle>
             <a:lvl1pPr marL="0" indent="0">
               <a:buNone/>
-              <a:defRPr sz="2133"/>
+              <a:defRPr sz="2520"/>
             </a:lvl1pPr>
-            <a:lvl2pPr marL="609585" indent="0">
+            <a:lvl2pPr marL="719999" indent="0">
               <a:buNone/>
-              <a:defRPr sz="1867"/>
+              <a:defRPr sz="2205"/>
             </a:lvl2pPr>
-            <a:lvl3pPr marL="1219170" indent="0">
+            <a:lvl3pPr marL="1439997" indent="0">
               <a:buNone/>
-              <a:defRPr sz="1600"/>
+              <a:defRPr sz="1890"/>
             </a:lvl3pPr>
-            <a:lvl4pPr marL="1828754" indent="0">
+            <a:lvl4pPr marL="2159996" indent="0">
               <a:buNone/>
-              <a:defRPr sz="1333"/>
+              <a:defRPr sz="1575"/>
             </a:lvl4pPr>
-            <a:lvl5pPr marL="2438339" indent="0">
+            <a:lvl5pPr marL="2879994" indent="0">
               <a:buNone/>
-              <a:defRPr sz="1333"/>
+              <a:defRPr sz="1575"/>
             </a:lvl5pPr>
-            <a:lvl6pPr marL="3047924" indent="0">
+            <a:lvl6pPr marL="3599993" indent="0">
               <a:buNone/>
-              <a:defRPr sz="1333"/>
+              <a:defRPr sz="1575"/>
             </a:lvl6pPr>
-            <a:lvl7pPr marL="3657509" indent="0">
+            <a:lvl7pPr marL="4319991" indent="0">
               <a:buNone/>
-              <a:defRPr sz="1333"/>
+              <a:defRPr sz="1575"/>
             </a:lvl7pPr>
-            <a:lvl8pPr marL="4267093" indent="0">
+            <a:lvl8pPr marL="5039990" indent="0">
               <a:buNone/>
-              <a:defRPr sz="1333"/>
+              <a:defRPr sz="1575"/>
             </a:lvl8pPr>
-            <a:lvl9pPr marL="4876678" indent="0">
+            <a:lvl9pPr marL="5759988" indent="0">
               <a:buNone/>
-              <a:defRPr sz="1333"/>
+              <a:defRPr sz="1575"/>
             </a:lvl9pPr>
           </a:lstStyle>
           <a:p>
@@ -2348,7 +2355,7 @@
           <a:p>
             <a:fld id="{A0DF73BA-35C7-C143-BB83-1EDA157096F5}" type="datetimeFigureOut">
               <a:rPr lang="en-US" smtClean="0"/>
-              <a:t>8/7/23</a:t>
+              <a:t>8/14/23</a:t>
             </a:fld>
             <a:endParaRPr lang="en-US"/>
           </a:p>
@@ -2399,7 +2406,7 @@
     </p:spTree>
     <p:extLst>
       <p:ext uri="{BB962C8B-B14F-4D97-AF65-F5344CB8AC3E}">
-        <p14:creationId xmlns:p14="http://schemas.microsoft.com/office/powerpoint/2010/main" val="1631936196"/>
+        <p14:creationId xmlns:p14="http://schemas.microsoft.com/office/powerpoint/2010/main" val="1959475519"/>
       </p:ext>
     </p:extLst>
   </p:cSld>
@@ -2443,8 +2450,8 @@
         </p:nvSpPr>
         <p:spPr>
           <a:xfrm>
-            <a:off x="838200" y="574990"/>
-            <a:ext cx="10515600" cy="2087455"/>
+            <a:off x="1484968" y="574988"/>
+            <a:ext cx="18629590" cy="2087455"/>
           </a:xfrm>
           <a:prstGeom prst="rect">
             <a:avLst/>
@@ -2476,8 +2483,8 @@
         </p:nvSpPr>
         <p:spPr>
           <a:xfrm>
-            <a:off x="838200" y="2874937"/>
-            <a:ext cx="10515600" cy="6852350"/>
+            <a:off x="1484968" y="2874937"/>
+            <a:ext cx="18629590" cy="6852350"/>
           </a:xfrm>
           <a:prstGeom prst="rect">
             <a:avLst/>
@@ -2538,8 +2545,8 @@
         </p:nvSpPr>
         <p:spPr>
           <a:xfrm>
-            <a:off x="838200" y="10009783"/>
-            <a:ext cx="2743200" cy="574987"/>
+            <a:off x="1484967" y="10009781"/>
+            <a:ext cx="4859893" cy="574987"/>
           </a:xfrm>
           <a:prstGeom prst="rect">
             <a:avLst/>
@@ -2549,7 +2556,7 @@
           <a:bodyPr vert="horz" lIns="91440" tIns="45720" rIns="91440" bIns="45720" rtlCol="0" anchor="ctr"/>
           <a:lstStyle>
             <a:lvl1pPr algn="l">
-              <a:defRPr sz="1600">
+              <a:defRPr sz="1890">
                 <a:solidFill>
                   <a:schemeClr val="tx1">
                     <a:tint val="75000"/>
@@ -2561,7 +2568,7 @@
           <a:p>
             <a:fld id="{A0DF73BA-35C7-C143-BB83-1EDA157096F5}" type="datetimeFigureOut">
               <a:rPr lang="en-US" smtClean="0"/>
-              <a:t>8/7/23</a:t>
+              <a:t>8/14/23</a:t>
             </a:fld>
             <a:endParaRPr lang="en-US"/>
           </a:p>
@@ -2579,8 +2586,8 @@
         </p:nvSpPr>
         <p:spPr>
           <a:xfrm>
-            <a:off x="4038600" y="10009783"/>
-            <a:ext cx="4114800" cy="574987"/>
+            <a:off x="7154843" y="10009781"/>
+            <a:ext cx="7289840" cy="574987"/>
           </a:xfrm>
           <a:prstGeom prst="rect">
             <a:avLst/>
@@ -2590,7 +2597,7 @@
           <a:bodyPr vert="horz" lIns="91440" tIns="45720" rIns="91440" bIns="45720" rtlCol="0" anchor="ctr"/>
           <a:lstStyle>
             <a:lvl1pPr algn="ctr">
-              <a:defRPr sz="1600">
+              <a:defRPr sz="1890">
                 <a:solidFill>
                   <a:schemeClr val="tx1">
                     <a:tint val="75000"/>
@@ -2616,8 +2623,8 @@
         </p:nvSpPr>
         <p:spPr>
           <a:xfrm>
-            <a:off x="8610600" y="10009783"/>
-            <a:ext cx="2743200" cy="574987"/>
+            <a:off x="15254665" y="10009781"/>
+            <a:ext cx="4859893" cy="574987"/>
           </a:xfrm>
           <a:prstGeom prst="rect">
             <a:avLst/>
@@ -2627,7 +2634,7 @@
           <a:bodyPr vert="horz" lIns="91440" tIns="45720" rIns="91440" bIns="45720" rtlCol="0" anchor="ctr"/>
           <a:lstStyle>
             <a:lvl1pPr algn="r">
-              <a:defRPr sz="1600">
+              <a:defRPr sz="1890">
                 <a:solidFill>
                   <a:schemeClr val="tx1">
                     <a:tint val="75000"/>
@@ -2648,27 +2655,27 @@
     </p:spTree>
     <p:extLst>
       <p:ext uri="{BB962C8B-B14F-4D97-AF65-F5344CB8AC3E}">
-        <p14:creationId xmlns:p14="http://schemas.microsoft.com/office/powerpoint/2010/main" val="887359190"/>
+        <p14:creationId xmlns:p14="http://schemas.microsoft.com/office/powerpoint/2010/main" val="2573110513"/>
       </p:ext>
     </p:extLst>
   </p:cSld>
   <p:clrMap bg1="lt1" tx1="dk1" bg2="lt2" tx2="dk2" accent1="accent1" accent2="accent2" accent3="accent3" accent4="accent4" accent5="accent5" accent6="accent6" hlink="hlink" folHlink="folHlink"/>
   <p:sldLayoutIdLst>
-    <p:sldLayoutId id="2147483661" r:id="rId1"/>
-    <p:sldLayoutId id="2147483662" r:id="rId2"/>
-    <p:sldLayoutId id="2147483663" r:id="rId3"/>
-    <p:sldLayoutId id="2147483664" r:id="rId4"/>
-    <p:sldLayoutId id="2147483665" r:id="rId5"/>
-    <p:sldLayoutId id="2147483666" r:id="rId6"/>
-    <p:sldLayoutId id="2147483667" r:id="rId7"/>
-    <p:sldLayoutId id="2147483668" r:id="rId8"/>
-    <p:sldLayoutId id="2147483669" r:id="rId9"/>
-    <p:sldLayoutId id="2147483670" r:id="rId10"/>
-    <p:sldLayoutId id="2147483671" r:id="rId11"/>
+    <p:sldLayoutId id="2147483673" r:id="rId1"/>
+    <p:sldLayoutId id="2147483674" r:id="rId2"/>
+    <p:sldLayoutId id="2147483675" r:id="rId3"/>
+    <p:sldLayoutId id="2147483676" r:id="rId4"/>
+    <p:sldLayoutId id="2147483677" r:id="rId5"/>
+    <p:sldLayoutId id="2147483678" r:id="rId6"/>
+    <p:sldLayoutId id="2147483679" r:id="rId7"/>
+    <p:sldLayoutId id="2147483680" r:id="rId8"/>
+    <p:sldLayoutId id="2147483681" r:id="rId9"/>
+    <p:sldLayoutId id="2147483682" r:id="rId10"/>
+    <p:sldLayoutId id="2147483683" r:id="rId11"/>
   </p:sldLayoutIdLst>
   <p:txStyles>
     <p:titleStyle>
-      <a:lvl1pPr algn="l" defTabSz="1219170" rtl="0" eaLnBrk="1" latinLnBrk="0" hangingPunct="1">
+      <a:lvl1pPr algn="l" defTabSz="1439997" rtl="0" eaLnBrk="1" latinLnBrk="0" hangingPunct="1">
         <a:lnSpc>
           <a:spcPct val="90000"/>
         </a:lnSpc>
@@ -2676,7 +2683,7 @@
           <a:spcPct val="0"/>
         </a:spcBef>
         <a:buNone/>
-        <a:defRPr sz="5867" kern="1200">
+        <a:defRPr sz="6929" kern="1200">
           <a:solidFill>
             <a:schemeClr val="tx1"/>
           </a:solidFill>
@@ -2687,16 +2694,16 @@
       </a:lvl1pPr>
     </p:titleStyle>
     <p:bodyStyle>
-      <a:lvl1pPr marL="304792" indent="-304792" algn="l" defTabSz="1219170" rtl="0" eaLnBrk="1" latinLnBrk="0" hangingPunct="1">
+      <a:lvl1pPr marL="359999" indent="-359999" algn="l" defTabSz="1439997" rtl="0" eaLnBrk="1" latinLnBrk="0" hangingPunct="1">
         <a:lnSpc>
           <a:spcPct val="90000"/>
         </a:lnSpc>
         <a:spcBef>
-          <a:spcPts val="1333"/>
+          <a:spcPts val="1575"/>
         </a:spcBef>
         <a:buFont typeface="Arial" panose="020B0604020202020204" pitchFamily="34" charset="0"/>
         <a:buChar char="•"/>
-        <a:defRPr sz="3733" kern="1200">
+        <a:defRPr sz="4409" kern="1200">
           <a:solidFill>
             <a:schemeClr val="tx1"/>
           </a:solidFill>
@@ -2705,16 +2712,16 @@
           <a:cs typeface="+mn-cs"/>
         </a:defRPr>
       </a:lvl1pPr>
-      <a:lvl2pPr marL="914377" indent="-304792" algn="l" defTabSz="1219170" rtl="0" eaLnBrk="1" latinLnBrk="0" hangingPunct="1">
+      <a:lvl2pPr marL="1079998" indent="-359999" algn="l" defTabSz="1439997" rtl="0" eaLnBrk="1" latinLnBrk="0" hangingPunct="1">
         <a:lnSpc>
           <a:spcPct val="90000"/>
         </a:lnSpc>
         <a:spcBef>
-          <a:spcPts val="667"/>
+          <a:spcPts val="787"/>
         </a:spcBef>
         <a:buFont typeface="Arial" panose="020B0604020202020204" pitchFamily="34" charset="0"/>
         <a:buChar char="•"/>
-        <a:defRPr sz="3200" kern="1200">
+        <a:defRPr sz="3780" kern="1200">
           <a:solidFill>
             <a:schemeClr val="tx1"/>
           </a:solidFill>
@@ -2723,16 +2730,16 @@
           <a:cs typeface="+mn-cs"/>
         </a:defRPr>
       </a:lvl2pPr>
-      <a:lvl3pPr marL="1523962" indent="-304792" algn="l" defTabSz="1219170" rtl="0" eaLnBrk="1" latinLnBrk="0" hangingPunct="1">
+      <a:lvl3pPr marL="1799996" indent="-359999" algn="l" defTabSz="1439997" rtl="0" eaLnBrk="1" latinLnBrk="0" hangingPunct="1">
         <a:lnSpc>
           <a:spcPct val="90000"/>
         </a:lnSpc>
         <a:spcBef>
-          <a:spcPts val="667"/>
+          <a:spcPts val="787"/>
         </a:spcBef>
         <a:buFont typeface="Arial" panose="020B0604020202020204" pitchFamily="34" charset="0"/>
         <a:buChar char="•"/>
-        <a:defRPr sz="2667" kern="1200">
+        <a:defRPr sz="3150" kern="1200">
           <a:solidFill>
             <a:schemeClr val="tx1"/>
           </a:solidFill>
@@ -2741,16 +2748,16 @@
           <a:cs typeface="+mn-cs"/>
         </a:defRPr>
       </a:lvl3pPr>
-      <a:lvl4pPr marL="2133547" indent="-304792" algn="l" defTabSz="1219170" rtl="0" eaLnBrk="1" latinLnBrk="0" hangingPunct="1">
+      <a:lvl4pPr marL="2519995" indent="-359999" algn="l" defTabSz="1439997" rtl="0" eaLnBrk="1" latinLnBrk="0" hangingPunct="1">
         <a:lnSpc>
           <a:spcPct val="90000"/>
         </a:lnSpc>
         <a:spcBef>
-          <a:spcPts val="667"/>
+          <a:spcPts val="787"/>
         </a:spcBef>
         <a:buFont typeface="Arial" panose="020B0604020202020204" pitchFamily="34" charset="0"/>
         <a:buChar char="•"/>
-        <a:defRPr sz="2400" kern="1200">
+        <a:defRPr sz="2835" kern="1200">
           <a:solidFill>
             <a:schemeClr val="tx1"/>
           </a:solidFill>
@@ -2759,16 +2766,16 @@
           <a:cs typeface="+mn-cs"/>
         </a:defRPr>
       </a:lvl4pPr>
-      <a:lvl5pPr marL="2743131" indent="-304792" algn="l" defTabSz="1219170" rtl="0" eaLnBrk="1" latinLnBrk="0" hangingPunct="1">
+      <a:lvl5pPr marL="3239994" indent="-359999" algn="l" defTabSz="1439997" rtl="0" eaLnBrk="1" latinLnBrk="0" hangingPunct="1">
         <a:lnSpc>
           <a:spcPct val="90000"/>
         </a:lnSpc>
         <a:spcBef>
-          <a:spcPts val="667"/>
+          <a:spcPts val="787"/>
         </a:spcBef>
         <a:buFont typeface="Arial" panose="020B0604020202020204" pitchFamily="34" charset="0"/>
         <a:buChar char="•"/>
-        <a:defRPr sz="2400" kern="1200">
+        <a:defRPr sz="2835" kern="1200">
           <a:solidFill>
             <a:schemeClr val="tx1"/>
           </a:solidFill>
@@ -2777,16 +2784,16 @@
           <a:cs typeface="+mn-cs"/>
         </a:defRPr>
       </a:lvl5pPr>
-      <a:lvl6pPr marL="3352716" indent="-304792" algn="l" defTabSz="1219170" rtl="0" eaLnBrk="1" latinLnBrk="0" hangingPunct="1">
+      <a:lvl6pPr marL="3959992" indent="-359999" algn="l" defTabSz="1439997" rtl="0" eaLnBrk="1" latinLnBrk="0" hangingPunct="1">
         <a:lnSpc>
           <a:spcPct val="90000"/>
         </a:lnSpc>
         <a:spcBef>
-          <a:spcPts val="667"/>
+          <a:spcPts val="787"/>
         </a:spcBef>
         <a:buFont typeface="Arial" panose="020B0604020202020204" pitchFamily="34" charset="0"/>
         <a:buChar char="•"/>
-        <a:defRPr sz="2400" kern="1200">
+        <a:defRPr sz="2835" kern="1200">
           <a:solidFill>
             <a:schemeClr val="tx1"/>
           </a:solidFill>
@@ -2795,16 +2802,16 @@
           <a:cs typeface="+mn-cs"/>
         </a:defRPr>
       </a:lvl6pPr>
-      <a:lvl7pPr marL="3962301" indent="-304792" algn="l" defTabSz="1219170" rtl="0" eaLnBrk="1" latinLnBrk="0" hangingPunct="1">
+      <a:lvl7pPr marL="4679991" indent="-359999" algn="l" defTabSz="1439997" rtl="0" eaLnBrk="1" latinLnBrk="0" hangingPunct="1">
         <a:lnSpc>
           <a:spcPct val="90000"/>
         </a:lnSpc>
         <a:spcBef>
-          <a:spcPts val="667"/>
+          <a:spcPts val="787"/>
         </a:spcBef>
         <a:buFont typeface="Arial" panose="020B0604020202020204" pitchFamily="34" charset="0"/>
         <a:buChar char="•"/>
-        <a:defRPr sz="2400" kern="1200">
+        <a:defRPr sz="2835" kern="1200">
           <a:solidFill>
             <a:schemeClr val="tx1"/>
           </a:solidFill>
@@ -2813,16 +2820,16 @@
           <a:cs typeface="+mn-cs"/>
         </a:defRPr>
       </a:lvl7pPr>
-      <a:lvl8pPr marL="4571886" indent="-304792" algn="l" defTabSz="1219170" rtl="0" eaLnBrk="1" latinLnBrk="0" hangingPunct="1">
+      <a:lvl8pPr marL="5399989" indent="-359999" algn="l" defTabSz="1439997" rtl="0" eaLnBrk="1" latinLnBrk="0" hangingPunct="1">
         <a:lnSpc>
           <a:spcPct val="90000"/>
         </a:lnSpc>
         <a:spcBef>
-          <a:spcPts val="667"/>
+          <a:spcPts val="787"/>
         </a:spcBef>
         <a:buFont typeface="Arial" panose="020B0604020202020204" pitchFamily="34" charset="0"/>
         <a:buChar char="•"/>
-        <a:defRPr sz="2400" kern="1200">
+        <a:defRPr sz="2835" kern="1200">
           <a:solidFill>
             <a:schemeClr val="tx1"/>
           </a:solidFill>
@@ -2831,16 +2838,16 @@
           <a:cs typeface="+mn-cs"/>
         </a:defRPr>
       </a:lvl8pPr>
-      <a:lvl9pPr marL="5181470" indent="-304792" algn="l" defTabSz="1219170" rtl="0" eaLnBrk="1" latinLnBrk="0" hangingPunct="1">
+      <a:lvl9pPr marL="6119988" indent="-359999" algn="l" defTabSz="1439997" rtl="0" eaLnBrk="1" latinLnBrk="0" hangingPunct="1">
         <a:lnSpc>
           <a:spcPct val="90000"/>
         </a:lnSpc>
         <a:spcBef>
-          <a:spcPts val="667"/>
+          <a:spcPts val="787"/>
         </a:spcBef>
         <a:buFont typeface="Arial" panose="020B0604020202020204" pitchFamily="34" charset="0"/>
         <a:buChar char="•"/>
-        <a:defRPr sz="2400" kern="1200">
+        <a:defRPr sz="2835" kern="1200">
           <a:solidFill>
             <a:schemeClr val="tx1"/>
           </a:solidFill>
@@ -2854,8 +2861,8 @@
       <a:defPPr>
         <a:defRPr lang="en-US"/>
       </a:defPPr>
-      <a:lvl1pPr marL="0" algn="l" defTabSz="1219170" rtl="0" eaLnBrk="1" latinLnBrk="0" hangingPunct="1">
-        <a:defRPr sz="2400" kern="1200">
+      <a:lvl1pPr marL="0" algn="l" defTabSz="1439997" rtl="0" eaLnBrk="1" latinLnBrk="0" hangingPunct="1">
+        <a:defRPr sz="2835" kern="1200">
           <a:solidFill>
             <a:schemeClr val="tx1"/>
           </a:solidFill>
@@ -2864,8 +2871,8 @@
           <a:cs typeface="+mn-cs"/>
         </a:defRPr>
       </a:lvl1pPr>
-      <a:lvl2pPr marL="609585" algn="l" defTabSz="1219170" rtl="0" eaLnBrk="1" latinLnBrk="0" hangingPunct="1">
-        <a:defRPr sz="2400" kern="1200">
+      <a:lvl2pPr marL="719999" algn="l" defTabSz="1439997" rtl="0" eaLnBrk="1" latinLnBrk="0" hangingPunct="1">
+        <a:defRPr sz="2835" kern="1200">
           <a:solidFill>
             <a:schemeClr val="tx1"/>
           </a:solidFill>
@@ -2874,8 +2881,8 @@
           <a:cs typeface="+mn-cs"/>
         </a:defRPr>
       </a:lvl2pPr>
-      <a:lvl3pPr marL="1219170" algn="l" defTabSz="1219170" rtl="0" eaLnBrk="1" latinLnBrk="0" hangingPunct="1">
-        <a:defRPr sz="2400" kern="1200">
+      <a:lvl3pPr marL="1439997" algn="l" defTabSz="1439997" rtl="0" eaLnBrk="1" latinLnBrk="0" hangingPunct="1">
+        <a:defRPr sz="2835" kern="1200">
           <a:solidFill>
             <a:schemeClr val="tx1"/>
           </a:solidFill>
@@ -2884,8 +2891,8 @@
           <a:cs typeface="+mn-cs"/>
         </a:defRPr>
       </a:lvl3pPr>
-      <a:lvl4pPr marL="1828754" algn="l" defTabSz="1219170" rtl="0" eaLnBrk="1" latinLnBrk="0" hangingPunct="1">
-        <a:defRPr sz="2400" kern="1200">
+      <a:lvl4pPr marL="2159996" algn="l" defTabSz="1439997" rtl="0" eaLnBrk="1" latinLnBrk="0" hangingPunct="1">
+        <a:defRPr sz="2835" kern="1200">
           <a:solidFill>
             <a:schemeClr val="tx1"/>
           </a:solidFill>
@@ -2894,8 +2901,8 @@
           <a:cs typeface="+mn-cs"/>
         </a:defRPr>
       </a:lvl4pPr>
-      <a:lvl5pPr marL="2438339" algn="l" defTabSz="1219170" rtl="0" eaLnBrk="1" latinLnBrk="0" hangingPunct="1">
-        <a:defRPr sz="2400" kern="1200">
+      <a:lvl5pPr marL="2879994" algn="l" defTabSz="1439997" rtl="0" eaLnBrk="1" latinLnBrk="0" hangingPunct="1">
+        <a:defRPr sz="2835" kern="1200">
           <a:solidFill>
             <a:schemeClr val="tx1"/>
           </a:solidFill>
@@ -2904,8 +2911,8 @@
           <a:cs typeface="+mn-cs"/>
         </a:defRPr>
       </a:lvl5pPr>
-      <a:lvl6pPr marL="3047924" algn="l" defTabSz="1219170" rtl="0" eaLnBrk="1" latinLnBrk="0" hangingPunct="1">
-        <a:defRPr sz="2400" kern="1200">
+      <a:lvl6pPr marL="3599993" algn="l" defTabSz="1439997" rtl="0" eaLnBrk="1" latinLnBrk="0" hangingPunct="1">
+        <a:defRPr sz="2835" kern="1200">
           <a:solidFill>
             <a:schemeClr val="tx1"/>
           </a:solidFill>
@@ -2914,8 +2921,8 @@
           <a:cs typeface="+mn-cs"/>
         </a:defRPr>
       </a:lvl6pPr>
-      <a:lvl7pPr marL="3657509" algn="l" defTabSz="1219170" rtl="0" eaLnBrk="1" latinLnBrk="0" hangingPunct="1">
-        <a:defRPr sz="2400" kern="1200">
+      <a:lvl7pPr marL="4319991" algn="l" defTabSz="1439997" rtl="0" eaLnBrk="1" latinLnBrk="0" hangingPunct="1">
+        <a:defRPr sz="2835" kern="1200">
           <a:solidFill>
             <a:schemeClr val="tx1"/>
           </a:solidFill>
@@ -2924,8 +2931,8 @@
           <a:cs typeface="+mn-cs"/>
         </a:defRPr>
       </a:lvl7pPr>
-      <a:lvl8pPr marL="4267093" algn="l" defTabSz="1219170" rtl="0" eaLnBrk="1" latinLnBrk="0" hangingPunct="1">
-        <a:defRPr sz="2400" kern="1200">
+      <a:lvl8pPr marL="5039990" algn="l" defTabSz="1439997" rtl="0" eaLnBrk="1" latinLnBrk="0" hangingPunct="1">
+        <a:defRPr sz="2835" kern="1200">
           <a:solidFill>
             <a:schemeClr val="tx1"/>
           </a:solidFill>
@@ -2934,8 +2941,8 @@
           <a:cs typeface="+mn-cs"/>
         </a:defRPr>
       </a:lvl8pPr>
-      <a:lvl9pPr marL="4876678" algn="l" defTabSz="1219170" rtl="0" eaLnBrk="1" latinLnBrk="0" hangingPunct="1">
-        <a:defRPr sz="2400" kern="1200">
+      <a:lvl9pPr marL="5759988" algn="l" defTabSz="1439997" rtl="0" eaLnBrk="1" latinLnBrk="0" hangingPunct="1">
+        <a:defRPr sz="2835" kern="1200">
           <a:solidFill>
             <a:schemeClr val="tx1"/>
           </a:solidFill>
@@ -2966,64 +2973,12 @@
           <a:chExt cx="0" cy="0"/>
         </a:xfrm>
       </p:grpSpPr>
-      <p:sp>
-        <p:nvSpPr>
-          <p:cNvPr id="52" name="Rectangle 51">
+      <p:grpSp>
+        <p:nvGrpSpPr>
+          <p:cNvPr id="2" name="Group 1">
             <a:extLst>
               <a:ext uri="{FF2B5EF4-FFF2-40B4-BE49-F238E27FC236}">
-                <a16:creationId xmlns:a16="http://schemas.microsoft.com/office/drawing/2014/main" id="{EEE6DEF0-BA76-96E1-762F-24C793E69447}"/>
-              </a:ext>
-            </a:extLst>
-          </p:cNvPr>
-          <p:cNvSpPr/>
-          <p:nvPr/>
-        </p:nvSpPr>
-        <p:spPr>
-          <a:xfrm>
-            <a:off x="1237957" y="1674055"/>
-            <a:ext cx="8482818" cy="7399607"/>
-          </a:xfrm>
-          <a:prstGeom prst="rect">
-            <a:avLst/>
-          </a:prstGeom>
-          <a:solidFill>
-            <a:schemeClr val="bg1"/>
-          </a:solidFill>
-          <a:ln>
-            <a:noFill/>
-          </a:ln>
-        </p:spPr>
-        <p:style>
-          <a:lnRef idx="2">
-            <a:schemeClr val="accent1">
-              <a:shade val="50000"/>
-            </a:schemeClr>
-          </a:lnRef>
-          <a:fillRef idx="1">
-            <a:schemeClr val="accent1"/>
-          </a:fillRef>
-          <a:effectRef idx="0">
-            <a:schemeClr val="accent1"/>
-          </a:effectRef>
-          <a:fontRef idx="minor">
-            <a:schemeClr val="lt1"/>
-          </a:fontRef>
-        </p:style>
-        <p:txBody>
-          <a:bodyPr rtlCol="0" anchor="ctr"/>
-          <a:lstStyle/>
-          <a:p>
-            <a:pPr algn="ctr"/>
-            <a:endParaRPr lang="en-US"/>
-          </a:p>
-        </p:txBody>
-      </p:sp>
-      <p:grpSp>
-        <p:nvGrpSpPr>
-          <p:cNvPr id="51" name="Group 50">
-            <a:extLst>
-              <a:ext uri="{FF2B5EF4-FFF2-40B4-BE49-F238E27FC236}">
-                <a16:creationId xmlns:a16="http://schemas.microsoft.com/office/drawing/2014/main" id="{0CBA487E-511A-2D3A-17AA-BCE41A23A700}"/>
+                <a16:creationId xmlns:a16="http://schemas.microsoft.com/office/drawing/2014/main" id="{BCDA379F-F2EC-2222-8FC4-64993FA5EF81}"/>
               </a:ext>
             </a:extLst>
           </p:cNvPr>
@@ -3032,18 +2987,70 @@
         </p:nvGrpSpPr>
         <p:grpSpPr>
           <a:xfrm>
-            <a:off x="1764640" y="2058140"/>
-            <a:ext cx="8170128" cy="6691228"/>
-            <a:chOff x="1817649" y="350374"/>
-            <a:chExt cx="8170128" cy="6691228"/>
+            <a:off x="10772960" y="1852477"/>
+            <a:ext cx="8696811" cy="7399607"/>
+            <a:chOff x="1313449" y="1700077"/>
+            <a:chExt cx="8696811" cy="7399607"/>
           </a:xfrm>
         </p:grpSpPr>
+        <p:sp>
+          <p:nvSpPr>
+            <p:cNvPr id="52" name="Rectangle 51">
+              <a:extLst>
+                <a:ext uri="{FF2B5EF4-FFF2-40B4-BE49-F238E27FC236}">
+                  <a16:creationId xmlns:a16="http://schemas.microsoft.com/office/drawing/2014/main" id="{EEE6DEF0-BA76-96E1-762F-24C793E69447}"/>
+                </a:ext>
+              </a:extLst>
+            </p:cNvPr>
+            <p:cNvSpPr/>
+            <p:nvPr/>
+          </p:nvSpPr>
+          <p:spPr>
+            <a:xfrm>
+              <a:off x="1313449" y="1700077"/>
+              <a:ext cx="8482818" cy="7399607"/>
+            </a:xfrm>
+            <a:prstGeom prst="rect">
+              <a:avLst/>
+            </a:prstGeom>
+            <a:solidFill>
+              <a:schemeClr val="bg1"/>
+            </a:solidFill>
+            <a:ln>
+              <a:noFill/>
+            </a:ln>
+          </p:spPr>
+          <p:style>
+            <a:lnRef idx="2">
+              <a:schemeClr val="accent1">
+                <a:shade val="50000"/>
+              </a:schemeClr>
+            </a:lnRef>
+            <a:fillRef idx="1">
+              <a:schemeClr val="accent1"/>
+            </a:fillRef>
+            <a:effectRef idx="0">
+              <a:schemeClr val="accent1"/>
+            </a:effectRef>
+            <a:fontRef idx="minor">
+              <a:schemeClr val="lt1"/>
+            </a:fontRef>
+          </p:style>
+          <p:txBody>
+            <a:bodyPr rtlCol="0" anchor="ctr"/>
+            <a:lstStyle/>
+            <a:p>
+              <a:pPr algn="ctr"/>
+              <a:endParaRPr lang="en-US"/>
+            </a:p>
+          </p:txBody>
+        </p:sp>
         <p:grpSp>
           <p:nvGrpSpPr>
-            <p:cNvPr id="47" name="Group 46">
+            <p:cNvPr id="51" name="Group 50">
               <a:extLst>
                 <a:ext uri="{FF2B5EF4-FFF2-40B4-BE49-F238E27FC236}">
-                  <a16:creationId xmlns:a16="http://schemas.microsoft.com/office/drawing/2014/main" id="{836E7EF7-FDAA-069A-99F2-50362FAA288A}"/>
+                  <a16:creationId xmlns:a16="http://schemas.microsoft.com/office/drawing/2014/main" id="{0CBA487E-511A-2D3A-17AA-BCE41A23A700}"/>
                 </a:ext>
               </a:extLst>
             </p:cNvPr>
@@ -3052,335 +3059,1823 @@
           </p:nvGrpSpPr>
           <p:grpSpPr>
             <a:xfrm>
-              <a:off x="1817649" y="350374"/>
-              <a:ext cx="8170128" cy="4629839"/>
-              <a:chOff x="1817649" y="602165"/>
-              <a:chExt cx="8170128" cy="4629839"/>
+              <a:off x="1840132" y="2084161"/>
+              <a:ext cx="8170128" cy="6691228"/>
+              <a:chOff x="1817649" y="350374"/>
+              <a:chExt cx="8170128" cy="6691228"/>
             </a:xfrm>
           </p:grpSpPr>
-          <p:sp>
-            <p:nvSpPr>
-              <p:cNvPr id="4" name="Rectangle 3">
+          <p:grpSp>
+            <p:nvGrpSpPr>
+              <p:cNvPr id="47" name="Group 46">
                 <a:extLst>
                   <a:ext uri="{FF2B5EF4-FFF2-40B4-BE49-F238E27FC236}">
-                    <a16:creationId xmlns:a16="http://schemas.microsoft.com/office/drawing/2014/main" id="{C6D62EFE-7F00-B029-FE7C-0608363D8C79}"/>
+                    <a16:creationId xmlns:a16="http://schemas.microsoft.com/office/drawing/2014/main" id="{836E7EF7-FDAA-069A-99F2-50362FAA288A}"/>
                   </a:ext>
                 </a:extLst>
               </p:cNvPr>
-              <p:cNvSpPr/>
+              <p:cNvGrpSpPr/>
               <p:nvPr/>
-            </p:nvSpPr>
-            <p:spPr>
+            </p:nvGrpSpPr>
+            <p:grpSpPr>
               <a:xfrm>
-                <a:off x="1817649" y="602166"/>
-                <a:ext cx="1360449" cy="520197"/>
+                <a:off x="1817649" y="350374"/>
+                <a:ext cx="8170128" cy="4629839"/>
+                <a:chOff x="1817649" y="602165"/>
+                <a:chExt cx="8170128" cy="4629839"/>
               </a:xfrm>
-              <a:prstGeom prst="rect">
-                <a:avLst/>
-              </a:prstGeom>
-              <a:solidFill>
-                <a:schemeClr val="accent3">
-                  <a:lumMod val="20000"/>
-                  <a:lumOff val="80000"/>
-                </a:schemeClr>
-              </a:solidFill>
-              <a:ln w="28575">
+            </p:grpSpPr>
+            <p:sp>
+              <p:nvSpPr>
+                <p:cNvPr id="4" name="Rectangle 3">
+                  <a:extLst>
+                    <a:ext uri="{FF2B5EF4-FFF2-40B4-BE49-F238E27FC236}">
+                      <a16:creationId xmlns:a16="http://schemas.microsoft.com/office/drawing/2014/main" id="{C6D62EFE-7F00-B029-FE7C-0608363D8C79}"/>
+                    </a:ext>
+                  </a:extLst>
+                </p:cNvPr>
+                <p:cNvSpPr/>
+                <p:nvPr/>
+              </p:nvSpPr>
+              <p:spPr>
+                <a:xfrm>
+                  <a:off x="1817649" y="602166"/>
+                  <a:ext cx="1360449" cy="520197"/>
+                </a:xfrm>
+                <a:prstGeom prst="rect">
+                  <a:avLst/>
+                </a:prstGeom>
                 <a:solidFill>
-                  <a:schemeClr val="tx1"/>
+                  <a:schemeClr val="accent3">
+                    <a:lumMod val="20000"/>
+                    <a:lumOff val="80000"/>
+                  </a:schemeClr>
                 </a:solidFill>
-              </a:ln>
-            </p:spPr>
-            <p:style>
-              <a:lnRef idx="2">
-                <a:schemeClr val="accent1">
-                  <a:shade val="50000"/>
-                </a:schemeClr>
-              </a:lnRef>
-              <a:fillRef idx="1">
-                <a:schemeClr val="accent1"/>
-              </a:fillRef>
-              <a:effectRef idx="0">
-                <a:schemeClr val="accent1"/>
-              </a:effectRef>
-              <a:fontRef idx="minor">
-                <a:schemeClr val="lt1"/>
-              </a:fontRef>
-            </p:style>
-            <p:txBody>
-              <a:bodyPr rtlCol="0" anchor="ctr"/>
-              <a:lstStyle/>
-              <a:p>
-                <a:pPr algn="ctr"/>
-                <a:r>
-                  <a:rPr lang="en-US" dirty="0">
+                <a:ln w="28575">
+                  <a:solidFill>
+                    <a:schemeClr val="tx1"/>
+                  </a:solidFill>
+                </a:ln>
+              </p:spPr>
+              <p:style>
+                <a:lnRef idx="2">
+                  <a:schemeClr val="accent1">
+                    <a:shade val="50000"/>
+                  </a:schemeClr>
+                </a:lnRef>
+                <a:fillRef idx="1">
+                  <a:schemeClr val="accent1"/>
+                </a:fillRef>
+                <a:effectRef idx="0">
+                  <a:schemeClr val="accent1"/>
+                </a:effectRef>
+                <a:fontRef idx="minor">
+                  <a:schemeClr val="lt1"/>
+                </a:fontRef>
+              </p:style>
+              <p:txBody>
+                <a:bodyPr rtlCol="0" anchor="ctr"/>
+                <a:lstStyle/>
+                <a:p>
+                  <a:pPr algn="ctr"/>
+                  <a:r>
+                    <a:rPr lang="en-US" dirty="0">
+                      <a:solidFill>
+                        <a:schemeClr val="tx1"/>
+                      </a:solidFill>
+                    </a:rPr>
+                    <a:t>bar</a:t>
+                  </a:r>
+                </a:p>
+              </p:txBody>
+            </p:sp>
+            <p:sp>
+              <p:nvSpPr>
+                <p:cNvPr id="5" name="Rectangle 4">
+                  <a:extLst>
+                    <a:ext uri="{FF2B5EF4-FFF2-40B4-BE49-F238E27FC236}">
+                      <a16:creationId xmlns:a16="http://schemas.microsoft.com/office/drawing/2014/main" id="{8A162A21-40EF-0A44-6C8A-D15BC945E362}"/>
+                    </a:ext>
+                  </a:extLst>
+                </p:cNvPr>
+                <p:cNvSpPr/>
+                <p:nvPr/>
+              </p:nvSpPr>
+              <p:spPr>
+                <a:xfrm>
+                  <a:off x="3471747" y="602166"/>
+                  <a:ext cx="1360449" cy="520197"/>
+                </a:xfrm>
+                <a:prstGeom prst="rect">
+                  <a:avLst/>
+                </a:prstGeom>
+                <a:solidFill>
+                  <a:schemeClr val="accent3">
+                    <a:lumMod val="20000"/>
+                    <a:lumOff val="80000"/>
+                  </a:schemeClr>
+                </a:solidFill>
+                <a:ln w="28575">
+                  <a:solidFill>
+                    <a:schemeClr val="tx1"/>
+                  </a:solidFill>
+                </a:ln>
+              </p:spPr>
+              <p:style>
+                <a:lnRef idx="2">
+                  <a:schemeClr val="accent1">
+                    <a:shade val="50000"/>
+                  </a:schemeClr>
+                </a:lnRef>
+                <a:fillRef idx="1">
+                  <a:schemeClr val="accent1"/>
+                </a:fillRef>
+                <a:effectRef idx="0">
+                  <a:schemeClr val="accent1"/>
+                </a:effectRef>
+                <a:fontRef idx="minor">
+                  <a:schemeClr val="lt1"/>
+                </a:fontRef>
+              </p:style>
+              <p:txBody>
+                <a:bodyPr rtlCol="0" anchor="ctr"/>
+                <a:lstStyle/>
+                <a:p>
+                  <a:pPr algn="ctr"/>
+                  <a:r>
+                    <a:rPr lang="en-US" dirty="0" err="1">
+                      <a:solidFill>
+                        <a:schemeClr val="tx1"/>
+                      </a:solidFill>
+                    </a:rPr>
+                    <a:t>start_pos</a:t>
+                  </a:r>
+                  <a:endParaRPr lang="en-US" dirty="0">
                     <a:solidFill>
                       <a:schemeClr val="tx1"/>
                     </a:solidFill>
-                  </a:rPr>
-                  <a:t>bar</a:t>
-                </a:r>
-              </a:p>
-            </p:txBody>
-          </p:sp>
-          <p:sp>
-            <p:nvSpPr>
-              <p:cNvPr id="5" name="Rectangle 4">
+                  </a:endParaRPr>
+                </a:p>
+              </p:txBody>
+            </p:sp>
+            <p:sp>
+              <p:nvSpPr>
+                <p:cNvPr id="6" name="Rectangle 5">
+                  <a:extLst>
+                    <a:ext uri="{FF2B5EF4-FFF2-40B4-BE49-F238E27FC236}">
+                      <a16:creationId xmlns:a16="http://schemas.microsoft.com/office/drawing/2014/main" id="{886F0DD5-932F-70B4-213B-65FC911313CD}"/>
+                    </a:ext>
+                  </a:extLst>
+                </p:cNvPr>
+                <p:cNvSpPr/>
+                <p:nvPr/>
+              </p:nvSpPr>
+              <p:spPr>
+                <a:xfrm>
+                  <a:off x="5125845" y="602166"/>
+                  <a:ext cx="1360449" cy="520197"/>
+                </a:xfrm>
+                <a:prstGeom prst="rect">
+                  <a:avLst/>
+                </a:prstGeom>
+                <a:solidFill>
+                  <a:schemeClr val="accent3">
+                    <a:lumMod val="20000"/>
+                    <a:lumOff val="80000"/>
+                  </a:schemeClr>
+                </a:solidFill>
+                <a:ln w="28575">
+                  <a:solidFill>
+                    <a:schemeClr val="tx1"/>
+                  </a:solidFill>
+                </a:ln>
+              </p:spPr>
+              <p:style>
+                <a:lnRef idx="2">
+                  <a:schemeClr val="accent1">
+                    <a:shade val="50000"/>
+                  </a:schemeClr>
+                </a:lnRef>
+                <a:fillRef idx="1">
+                  <a:schemeClr val="accent1"/>
+                </a:fillRef>
+                <a:effectRef idx="0">
+                  <a:schemeClr val="accent1"/>
+                </a:effectRef>
+                <a:fontRef idx="minor">
+                  <a:schemeClr val="lt1"/>
+                </a:fontRef>
+              </p:style>
+              <p:txBody>
+                <a:bodyPr rtlCol="0" anchor="ctr"/>
+                <a:lstStyle/>
+                <a:p>
+                  <a:pPr algn="ctr"/>
+                  <a:r>
+                    <a:rPr lang="en-US" dirty="0" err="1">
+                      <a:solidFill>
+                        <a:schemeClr val="tx1"/>
+                      </a:solidFill>
+                    </a:rPr>
+                    <a:t>note_dur</a:t>
+                  </a:r>
+                  <a:endParaRPr lang="en-US" dirty="0">
+                    <a:solidFill>
+                      <a:schemeClr val="tx1"/>
+                    </a:solidFill>
+                  </a:endParaRPr>
+                </a:p>
+              </p:txBody>
+            </p:sp>
+            <p:sp>
+              <p:nvSpPr>
+                <p:cNvPr id="7" name="Rectangle 6">
+                  <a:extLst>
+                    <a:ext uri="{FF2B5EF4-FFF2-40B4-BE49-F238E27FC236}">
+                      <a16:creationId xmlns:a16="http://schemas.microsoft.com/office/drawing/2014/main" id="{12C45EB4-0704-B17B-8D68-848154B5FE5A}"/>
+                    </a:ext>
+                  </a:extLst>
+                </p:cNvPr>
+                <p:cNvSpPr/>
+                <p:nvPr/>
+              </p:nvSpPr>
+              <p:spPr>
+                <a:xfrm>
+                  <a:off x="6779943" y="602165"/>
+                  <a:ext cx="1360449" cy="520197"/>
+                </a:xfrm>
+                <a:prstGeom prst="rect">
+                  <a:avLst/>
+                </a:prstGeom>
+                <a:solidFill>
+                  <a:schemeClr val="accent3">
+                    <a:lumMod val="20000"/>
+                    <a:lumOff val="80000"/>
+                  </a:schemeClr>
+                </a:solidFill>
+                <a:ln w="28575">
+                  <a:solidFill>
+                    <a:schemeClr val="tx1"/>
+                  </a:solidFill>
+                </a:ln>
+              </p:spPr>
+              <p:style>
+                <a:lnRef idx="2">
+                  <a:schemeClr val="accent1">
+                    <a:shade val="50000"/>
+                  </a:schemeClr>
+                </a:lnRef>
+                <a:fillRef idx="1">
+                  <a:schemeClr val="accent1"/>
+                </a:fillRef>
+                <a:effectRef idx="0">
+                  <a:schemeClr val="accent1"/>
+                </a:effectRef>
+                <a:fontRef idx="minor">
+                  <a:schemeClr val="lt1"/>
+                </a:fontRef>
+              </p:style>
+              <p:txBody>
+                <a:bodyPr rtlCol="0" anchor="ctr"/>
+                <a:lstStyle/>
+                <a:p>
+                  <a:pPr algn="ctr"/>
+                  <a:r>
+                    <a:rPr lang="en-US" dirty="0" err="1">
+                      <a:solidFill>
+                        <a:schemeClr val="tx1"/>
+                      </a:solidFill>
+                    </a:rPr>
+                    <a:t>pitch_ins</a:t>
+                  </a:r>
+                  <a:endParaRPr lang="en-US" dirty="0">
+                    <a:solidFill>
+                      <a:schemeClr val="tx1"/>
+                    </a:solidFill>
+                  </a:endParaRPr>
+                </a:p>
+              </p:txBody>
+            </p:sp>
+            <p:sp>
+              <p:nvSpPr>
+                <p:cNvPr id="8" name="TextBox 7">
+                  <a:extLst>
+                    <a:ext uri="{FF2B5EF4-FFF2-40B4-BE49-F238E27FC236}">
+                      <a16:creationId xmlns:a16="http://schemas.microsoft.com/office/drawing/2014/main" id="{55A83818-3854-6560-C776-AFD6CA323356}"/>
+                    </a:ext>
+                  </a:extLst>
+                </p:cNvPr>
+                <p:cNvSpPr txBox="1"/>
+                <p:nvPr/>
+              </p:nvSpPr>
+              <p:spPr>
+                <a:xfrm>
+                  <a:off x="8285355" y="680222"/>
+                  <a:ext cx="1702422" cy="369332"/>
+                </a:xfrm>
+                <a:prstGeom prst="rect">
+                  <a:avLst/>
+                </a:prstGeom>
+                <a:noFill/>
+              </p:spPr>
+              <p:txBody>
+                <a:bodyPr wrap="square" rtlCol="0">
+                  <a:spAutoFit/>
+                </a:bodyPr>
+                <a:lstStyle/>
+                <a:p>
+                  <a:r>
+                    <a:rPr lang="en-US" i="1" dirty="0"/>
+                    <a:t>Embeddings</a:t>
+                  </a:r>
+                </a:p>
+              </p:txBody>
+            </p:sp>
+            <p:cxnSp>
+              <p:nvCxnSpPr>
+                <p:cNvPr id="10" name="Straight Connector 9">
+                  <a:extLst>
+                    <a:ext uri="{FF2B5EF4-FFF2-40B4-BE49-F238E27FC236}">
+                      <a16:creationId xmlns:a16="http://schemas.microsoft.com/office/drawing/2014/main" id="{D87A23DF-CD52-04D5-1189-37158CC0A63D}"/>
+                    </a:ext>
+                  </a:extLst>
+                </p:cNvPr>
+                <p:cNvCxnSpPr>
+                  <a:stCxn id="4" idx="2"/>
+                </p:cNvCxnSpPr>
+                <p:nvPr/>
+              </p:nvCxnSpPr>
+              <p:spPr>
+                <a:xfrm flipH="1">
+                  <a:off x="2497873" y="1122363"/>
+                  <a:ext cx="1" cy="338447"/>
+                </a:xfrm>
+                <a:prstGeom prst="line">
+                  <a:avLst/>
+                </a:prstGeom>
+                <a:ln w="28575">
+                  <a:solidFill>
+                    <a:schemeClr val="tx1"/>
+                  </a:solidFill>
+                </a:ln>
+              </p:spPr>
+              <p:style>
+                <a:lnRef idx="1">
+                  <a:schemeClr val="accent1"/>
+                </a:lnRef>
+                <a:fillRef idx="0">
+                  <a:schemeClr val="accent1"/>
+                </a:fillRef>
+                <a:effectRef idx="0">
+                  <a:schemeClr val="accent1"/>
+                </a:effectRef>
+                <a:fontRef idx="minor">
+                  <a:schemeClr val="tx1"/>
+                </a:fontRef>
+              </p:style>
+            </p:cxnSp>
+            <p:cxnSp>
+              <p:nvCxnSpPr>
+                <p:cNvPr id="11" name="Straight Connector 10">
+                  <a:extLst>
+                    <a:ext uri="{FF2B5EF4-FFF2-40B4-BE49-F238E27FC236}">
+                      <a16:creationId xmlns:a16="http://schemas.microsoft.com/office/drawing/2014/main" id="{BF95A763-E4F1-7CCE-00B3-22BBA91198C0}"/>
+                    </a:ext>
+                  </a:extLst>
+                </p:cNvPr>
+                <p:cNvCxnSpPr/>
+                <p:nvPr/>
+              </p:nvCxnSpPr>
+              <p:spPr>
+                <a:xfrm flipH="1">
+                  <a:off x="4151970" y="1111211"/>
+                  <a:ext cx="1" cy="338447"/>
+                </a:xfrm>
+                <a:prstGeom prst="line">
+                  <a:avLst/>
+                </a:prstGeom>
+                <a:ln w="28575">
+                  <a:solidFill>
+                    <a:schemeClr val="tx1"/>
+                  </a:solidFill>
+                </a:ln>
+              </p:spPr>
+              <p:style>
+                <a:lnRef idx="1">
+                  <a:schemeClr val="accent1"/>
+                </a:lnRef>
+                <a:fillRef idx="0">
+                  <a:schemeClr val="accent1"/>
+                </a:fillRef>
+                <a:effectRef idx="0">
+                  <a:schemeClr val="accent1"/>
+                </a:effectRef>
+                <a:fontRef idx="minor">
+                  <a:schemeClr val="tx1"/>
+                </a:fontRef>
+              </p:style>
+            </p:cxnSp>
+            <p:cxnSp>
+              <p:nvCxnSpPr>
+                <p:cNvPr id="12" name="Straight Connector 11">
+                  <a:extLst>
+                    <a:ext uri="{FF2B5EF4-FFF2-40B4-BE49-F238E27FC236}">
+                      <a16:creationId xmlns:a16="http://schemas.microsoft.com/office/drawing/2014/main" id="{3CAB0394-5EEE-8720-9A98-43F70BE4C93A}"/>
+                    </a:ext>
+                  </a:extLst>
+                </p:cNvPr>
+                <p:cNvCxnSpPr/>
+                <p:nvPr/>
+              </p:nvCxnSpPr>
+              <p:spPr>
+                <a:xfrm flipH="1">
+                  <a:off x="5806067" y="1133514"/>
+                  <a:ext cx="1" cy="338447"/>
+                </a:xfrm>
+                <a:prstGeom prst="line">
+                  <a:avLst/>
+                </a:prstGeom>
+                <a:ln w="28575">
+                  <a:solidFill>
+                    <a:schemeClr val="tx1"/>
+                  </a:solidFill>
+                </a:ln>
+              </p:spPr>
+              <p:style>
+                <a:lnRef idx="1">
+                  <a:schemeClr val="accent1"/>
+                </a:lnRef>
+                <a:fillRef idx="0">
+                  <a:schemeClr val="accent1"/>
+                </a:fillRef>
+                <a:effectRef idx="0">
+                  <a:schemeClr val="accent1"/>
+                </a:effectRef>
+                <a:fontRef idx="minor">
+                  <a:schemeClr val="tx1"/>
+                </a:fontRef>
+              </p:style>
+            </p:cxnSp>
+            <p:cxnSp>
+              <p:nvCxnSpPr>
+                <p:cNvPr id="13" name="Straight Connector 12">
+                  <a:extLst>
+                    <a:ext uri="{FF2B5EF4-FFF2-40B4-BE49-F238E27FC236}">
+                      <a16:creationId xmlns:a16="http://schemas.microsoft.com/office/drawing/2014/main" id="{5E58AC89-D51E-AE74-BEBD-86502C82A1A2}"/>
+                    </a:ext>
+                  </a:extLst>
+                </p:cNvPr>
+                <p:cNvCxnSpPr/>
+                <p:nvPr/>
+              </p:nvCxnSpPr>
+              <p:spPr>
+                <a:xfrm flipH="1">
+                  <a:off x="7460164" y="1122362"/>
+                  <a:ext cx="1" cy="338447"/>
+                </a:xfrm>
+                <a:prstGeom prst="line">
+                  <a:avLst/>
+                </a:prstGeom>
+                <a:ln w="28575">
+                  <a:solidFill>
+                    <a:schemeClr val="tx1"/>
+                  </a:solidFill>
+                </a:ln>
+              </p:spPr>
+              <p:style>
+                <a:lnRef idx="1">
+                  <a:schemeClr val="accent1"/>
+                </a:lnRef>
+                <a:fillRef idx="0">
+                  <a:schemeClr val="accent1"/>
+                </a:fillRef>
+                <a:effectRef idx="0">
+                  <a:schemeClr val="accent1"/>
+                </a:effectRef>
+                <a:fontRef idx="minor">
+                  <a:schemeClr val="tx1"/>
+                </a:fontRef>
+              </p:style>
+            </p:cxnSp>
+            <p:sp>
+              <p:nvSpPr>
+                <p:cNvPr id="14" name="Rectangle 13">
+                  <a:extLst>
+                    <a:ext uri="{FF2B5EF4-FFF2-40B4-BE49-F238E27FC236}">
+                      <a16:creationId xmlns:a16="http://schemas.microsoft.com/office/drawing/2014/main" id="{A8A94ADC-BBA4-F4F4-13BA-FDF4BF022169}"/>
+                    </a:ext>
+                  </a:extLst>
+                </p:cNvPr>
+                <p:cNvSpPr/>
+                <p:nvPr/>
+              </p:nvSpPr>
+              <p:spPr>
+                <a:xfrm>
+                  <a:off x="1817649" y="1460810"/>
+                  <a:ext cx="6322733" cy="520197"/>
+                </a:xfrm>
+                <a:prstGeom prst="rect">
+                  <a:avLst/>
+                </a:prstGeom>
+                <a:noFill/>
+                <a:ln w="28575">
+                  <a:solidFill>
+                    <a:schemeClr val="tx1"/>
+                  </a:solidFill>
+                </a:ln>
+              </p:spPr>
+              <p:style>
+                <a:lnRef idx="2">
+                  <a:schemeClr val="accent1">
+                    <a:shade val="50000"/>
+                  </a:schemeClr>
+                </a:lnRef>
+                <a:fillRef idx="1">
+                  <a:schemeClr val="accent1"/>
+                </a:fillRef>
+                <a:effectRef idx="0">
+                  <a:schemeClr val="accent1"/>
+                </a:effectRef>
+                <a:fontRef idx="minor">
+                  <a:schemeClr val="lt1"/>
+                </a:fontRef>
+              </p:style>
+              <p:txBody>
+                <a:bodyPr rtlCol="0" anchor="ctr"/>
+                <a:lstStyle/>
+                <a:p>
+                  <a:pPr algn="ctr"/>
+                  <a:r>
+                    <a:rPr lang="en-US" dirty="0">
+                      <a:solidFill>
+                        <a:schemeClr val="tx1"/>
+                      </a:solidFill>
+                    </a:rPr>
+                    <a:t>concatenate</a:t>
+                  </a:r>
+                </a:p>
+              </p:txBody>
+            </p:sp>
+            <p:sp>
+              <p:nvSpPr>
+                <p:cNvPr id="15" name="Rectangle 14">
+                  <a:extLst>
+                    <a:ext uri="{FF2B5EF4-FFF2-40B4-BE49-F238E27FC236}">
+                      <a16:creationId xmlns:a16="http://schemas.microsoft.com/office/drawing/2014/main" id="{01B68088-E329-ED65-62C1-8BA76BE29F7D}"/>
+                    </a:ext>
+                  </a:extLst>
+                </p:cNvPr>
+                <p:cNvSpPr/>
+                <p:nvPr/>
+              </p:nvSpPr>
+              <p:spPr>
+                <a:xfrm>
+                  <a:off x="4298789" y="2307172"/>
+                  <a:ext cx="1360449" cy="520197"/>
+                </a:xfrm>
+                <a:prstGeom prst="rect">
+                  <a:avLst/>
+                </a:prstGeom>
+                <a:solidFill>
+                  <a:schemeClr val="accent2">
+                    <a:lumMod val="20000"/>
+                    <a:lumOff val="80000"/>
+                  </a:schemeClr>
+                </a:solidFill>
+                <a:ln w="28575">
+                  <a:solidFill>
+                    <a:schemeClr val="tx1"/>
+                  </a:solidFill>
+                </a:ln>
+              </p:spPr>
+              <p:style>
+                <a:lnRef idx="2">
+                  <a:schemeClr val="accent1">
+                    <a:shade val="50000"/>
+                  </a:schemeClr>
+                </a:lnRef>
+                <a:fillRef idx="1">
+                  <a:schemeClr val="accent1"/>
+                </a:fillRef>
+                <a:effectRef idx="0">
+                  <a:schemeClr val="accent1"/>
+                </a:effectRef>
+                <a:fontRef idx="minor">
+                  <a:schemeClr val="lt1"/>
+                </a:fontRef>
+              </p:style>
+              <p:txBody>
+                <a:bodyPr rtlCol="0" anchor="ctr"/>
+                <a:lstStyle/>
+                <a:p>
+                  <a:pPr algn="ctr"/>
+                  <a:r>
+                    <a:rPr lang="en-US" dirty="0">
+                      <a:solidFill>
+                        <a:schemeClr val="tx1"/>
+                      </a:solidFill>
+                    </a:rPr>
+                    <a:t>linear</a:t>
+                  </a:r>
+                </a:p>
+              </p:txBody>
+            </p:sp>
+            <p:cxnSp>
+              <p:nvCxnSpPr>
+                <p:cNvPr id="16" name="Straight Connector 15">
+                  <a:extLst>
+                    <a:ext uri="{FF2B5EF4-FFF2-40B4-BE49-F238E27FC236}">
+                      <a16:creationId xmlns:a16="http://schemas.microsoft.com/office/drawing/2014/main" id="{BA244FE0-1A56-9AB8-9E90-6C9656D722BE}"/>
+                    </a:ext>
+                  </a:extLst>
+                </p:cNvPr>
+                <p:cNvCxnSpPr/>
+                <p:nvPr/>
+              </p:nvCxnSpPr>
+              <p:spPr>
+                <a:xfrm flipH="1">
+                  <a:off x="4979014" y="1968725"/>
+                  <a:ext cx="1" cy="338447"/>
+                </a:xfrm>
+                <a:prstGeom prst="line">
+                  <a:avLst/>
+                </a:prstGeom>
+                <a:ln w="28575">
+                  <a:solidFill>
+                    <a:schemeClr val="tx1"/>
+                  </a:solidFill>
+                </a:ln>
+              </p:spPr>
+              <p:style>
+                <a:lnRef idx="1">
+                  <a:schemeClr val="accent1"/>
+                </a:lnRef>
+                <a:fillRef idx="0">
+                  <a:schemeClr val="accent1"/>
+                </a:fillRef>
+                <a:effectRef idx="0">
+                  <a:schemeClr val="accent1"/>
+                </a:effectRef>
+                <a:fontRef idx="minor">
+                  <a:schemeClr val="tx1"/>
+                </a:fontRef>
+              </p:style>
+            </p:cxnSp>
+            <p:cxnSp>
+              <p:nvCxnSpPr>
+                <p:cNvPr id="17" name="Straight Connector 16">
+                  <a:extLst>
+                    <a:ext uri="{FF2B5EF4-FFF2-40B4-BE49-F238E27FC236}">
+                      <a16:creationId xmlns:a16="http://schemas.microsoft.com/office/drawing/2014/main" id="{21BFF77E-C6C0-C92A-BF91-8657853039D9}"/>
+                    </a:ext>
+                  </a:extLst>
+                </p:cNvPr>
+                <p:cNvCxnSpPr>
+                  <a:cxnSpLocks/>
+                </p:cNvCxnSpPr>
+                <p:nvPr/>
+              </p:nvCxnSpPr>
+              <p:spPr>
+                <a:xfrm flipH="1">
+                  <a:off x="4971130" y="2817191"/>
+                  <a:ext cx="1" cy="1062191"/>
+                </a:xfrm>
+                <a:prstGeom prst="line">
+                  <a:avLst/>
+                </a:prstGeom>
+                <a:ln w="28575">
+                  <a:solidFill>
+                    <a:schemeClr val="tx1"/>
+                  </a:solidFill>
+                </a:ln>
+              </p:spPr>
+              <p:style>
+                <a:lnRef idx="1">
+                  <a:schemeClr val="accent1"/>
+                </a:lnRef>
+                <a:fillRef idx="0">
+                  <a:schemeClr val="accent1"/>
+                </a:fillRef>
+                <a:effectRef idx="0">
+                  <a:schemeClr val="accent1"/>
+                </a:effectRef>
+                <a:fontRef idx="minor">
+                  <a:schemeClr val="tx1"/>
+                </a:fontRef>
+              </p:style>
+            </p:cxnSp>
+            <p:sp>
+              <p:nvSpPr>
+                <p:cNvPr id="23" name="Rounded Rectangle 22">
+                  <a:extLst>
+                    <a:ext uri="{FF2B5EF4-FFF2-40B4-BE49-F238E27FC236}">
+                      <a16:creationId xmlns:a16="http://schemas.microsoft.com/office/drawing/2014/main" id="{5E5A0987-1A25-4363-51D5-F344D33815C3}"/>
+                    </a:ext>
+                  </a:extLst>
+                </p:cNvPr>
+                <p:cNvSpPr/>
+                <p:nvPr/>
+              </p:nvSpPr>
+              <p:spPr>
+                <a:xfrm>
+                  <a:off x="3617842" y="3825822"/>
+                  <a:ext cx="2729949" cy="522000"/>
+                </a:xfrm>
+                <a:prstGeom prst="roundRect">
+                  <a:avLst>
+                    <a:gd name="adj" fmla="val 50000"/>
+                  </a:avLst>
+                </a:prstGeom>
+                <a:solidFill>
+                  <a:schemeClr val="accent1">
+                    <a:lumMod val="20000"/>
+                    <a:lumOff val="80000"/>
+                  </a:schemeClr>
+                </a:solidFill>
+                <a:ln w="28575">
+                  <a:solidFill>
+                    <a:schemeClr val="tx1"/>
+                  </a:solidFill>
+                </a:ln>
+              </p:spPr>
+              <p:style>
+                <a:lnRef idx="2">
+                  <a:schemeClr val="accent6"/>
+                </a:lnRef>
+                <a:fillRef idx="1">
+                  <a:schemeClr val="lt1"/>
+                </a:fillRef>
+                <a:effectRef idx="0">
+                  <a:schemeClr val="accent6"/>
+                </a:effectRef>
+                <a:fontRef idx="minor">
+                  <a:schemeClr val="dk1"/>
+                </a:fontRef>
+              </p:style>
+              <p:txBody>
+                <a:bodyPr rtlCol="0" anchor="ctr"/>
+                <a:lstStyle/>
+                <a:p>
+                  <a:pPr algn="ctr"/>
+                  <a:r>
+                    <a:rPr lang="en-US" i="1" dirty="0"/>
+                    <a:t>N</a:t>
+                  </a:r>
+                  <a:r>
+                    <a:rPr lang="en-US" dirty="0"/>
+                    <a:t> x Transformer blocks</a:t>
+                  </a:r>
+                </a:p>
+              </p:txBody>
+            </p:sp>
+            <p:sp>
+              <p:nvSpPr>
+                <p:cNvPr id="24" name="Rectangle 23">
+                  <a:extLst>
+                    <a:ext uri="{FF2B5EF4-FFF2-40B4-BE49-F238E27FC236}">
+                      <a16:creationId xmlns:a16="http://schemas.microsoft.com/office/drawing/2014/main" id="{DEB111CA-6652-B505-EFCE-B880729302CD}"/>
+                    </a:ext>
+                  </a:extLst>
+                </p:cNvPr>
+                <p:cNvSpPr/>
+                <p:nvPr/>
+              </p:nvSpPr>
+              <p:spPr>
+                <a:xfrm>
+                  <a:off x="4518992" y="4711807"/>
+                  <a:ext cx="912210" cy="520197"/>
+                </a:xfrm>
+                <a:prstGeom prst="rect">
+                  <a:avLst/>
+                </a:prstGeom>
+                <a:noFill/>
+                <a:ln w="28575">
+                  <a:solidFill>
+                    <a:schemeClr val="tx1"/>
+                  </a:solidFill>
+                </a:ln>
+              </p:spPr>
+              <p:style>
+                <a:lnRef idx="2">
+                  <a:schemeClr val="accent1">
+                    <a:shade val="50000"/>
+                  </a:schemeClr>
+                </a:lnRef>
+                <a:fillRef idx="1">
+                  <a:schemeClr val="accent1"/>
+                </a:fillRef>
+                <a:effectRef idx="0">
+                  <a:schemeClr val="accent1"/>
+                </a:effectRef>
+                <a:fontRef idx="minor">
+                  <a:schemeClr val="lt1"/>
+                </a:fontRef>
+              </p:style>
+              <p:txBody>
+                <a:bodyPr rtlCol="0" anchor="ctr"/>
+                <a:lstStyle/>
+                <a:p>
+                  <a:pPr algn="ctr"/>
+                  <a:r>
+                    <a:rPr lang="en-US" i="1" dirty="0">
+                      <a:solidFill>
+                        <a:schemeClr val="tx1"/>
+                      </a:solidFill>
+                    </a:rPr>
+                    <a:t>h</a:t>
+                  </a:r>
+                </a:p>
+              </p:txBody>
+            </p:sp>
+            <p:cxnSp>
+              <p:nvCxnSpPr>
+                <p:cNvPr id="25" name="Straight Connector 24">
+                  <a:extLst>
+                    <a:ext uri="{FF2B5EF4-FFF2-40B4-BE49-F238E27FC236}">
+                      <a16:creationId xmlns:a16="http://schemas.microsoft.com/office/drawing/2014/main" id="{BEA195A8-E859-CD7C-8821-A2D79577A425}"/>
+                    </a:ext>
+                  </a:extLst>
+                </p:cNvPr>
+                <p:cNvCxnSpPr/>
+                <p:nvPr/>
+              </p:nvCxnSpPr>
+              <p:spPr>
+                <a:xfrm flipH="1">
+                  <a:off x="4976264" y="4360591"/>
+                  <a:ext cx="1" cy="338447"/>
+                </a:xfrm>
+                <a:prstGeom prst="line">
+                  <a:avLst/>
+                </a:prstGeom>
+                <a:ln w="28575">
+                  <a:solidFill>
+                    <a:schemeClr val="tx1"/>
+                  </a:solidFill>
+                </a:ln>
+              </p:spPr>
+              <p:style>
+                <a:lnRef idx="1">
+                  <a:schemeClr val="accent1"/>
+                </a:lnRef>
+                <a:fillRef idx="0">
+                  <a:schemeClr val="accent1"/>
+                </a:fillRef>
+                <a:effectRef idx="0">
+                  <a:schemeClr val="accent1"/>
+                </a:effectRef>
+                <a:fontRef idx="minor">
+                  <a:schemeClr val="tx1"/>
+                </a:fontRef>
+              </p:style>
+            </p:cxnSp>
+          </p:grpSp>
+          <p:grpSp>
+            <p:nvGrpSpPr>
+              <p:cNvPr id="46" name="Group 45">
                 <a:extLst>
                   <a:ext uri="{FF2B5EF4-FFF2-40B4-BE49-F238E27FC236}">
-                    <a16:creationId xmlns:a16="http://schemas.microsoft.com/office/drawing/2014/main" id="{8A162A21-40EF-0A44-6C8A-D15BC945E362}"/>
+                    <a16:creationId xmlns:a16="http://schemas.microsoft.com/office/drawing/2014/main" id="{FA9FFCC8-D68D-9760-71CA-E53CB406AEB2}"/>
                   </a:ext>
                 </a:extLst>
               </p:cNvPr>
-              <p:cNvSpPr/>
+              <p:cNvGrpSpPr/>
               <p:nvPr/>
-            </p:nvSpPr>
-            <p:spPr>
+            </p:nvGrpSpPr>
+            <p:grpSpPr>
               <a:xfrm>
-                <a:off x="3471747" y="602166"/>
-                <a:ext cx="1360449" cy="520197"/>
+                <a:off x="1817649" y="5315336"/>
+                <a:ext cx="8158658" cy="1726266"/>
+                <a:chOff x="1828476" y="4698790"/>
+                <a:chExt cx="8158658" cy="1726266"/>
               </a:xfrm>
-              <a:prstGeom prst="rect">
-                <a:avLst/>
-              </a:prstGeom>
-              <a:solidFill>
-                <a:schemeClr val="accent3">
-                  <a:lumMod val="20000"/>
-                  <a:lumOff val="80000"/>
-                </a:schemeClr>
-              </a:solidFill>
-              <a:ln w="28575">
-                <a:solidFill>
-                  <a:schemeClr val="tx1"/>
-                </a:solidFill>
-              </a:ln>
-            </p:spPr>
-            <p:style>
-              <a:lnRef idx="2">
-                <a:schemeClr val="accent1">
-                  <a:shade val="50000"/>
-                </a:schemeClr>
-              </a:lnRef>
-              <a:fillRef idx="1">
-                <a:schemeClr val="accent1"/>
-              </a:fillRef>
-              <a:effectRef idx="0">
-                <a:schemeClr val="accent1"/>
-              </a:effectRef>
-              <a:fontRef idx="minor">
-                <a:schemeClr val="lt1"/>
-              </a:fontRef>
-            </p:style>
-            <p:txBody>
-              <a:bodyPr rtlCol="0" anchor="ctr"/>
-              <a:lstStyle/>
-              <a:p>
-                <a:pPr algn="ctr"/>
-                <a:r>
-                  <a:rPr lang="en-US" dirty="0" err="1">
+            </p:grpSpPr>
+            <p:sp>
+              <p:nvSpPr>
+                <p:cNvPr id="34" name="TextBox 33">
+                  <a:extLst>
+                    <a:ext uri="{FF2B5EF4-FFF2-40B4-BE49-F238E27FC236}">
+                      <a16:creationId xmlns:a16="http://schemas.microsoft.com/office/drawing/2014/main" id="{F2151360-4750-6E2C-53A3-F0DFA94E1970}"/>
+                    </a:ext>
+                  </a:extLst>
+                </p:cNvPr>
+                <p:cNvSpPr txBox="1"/>
+                <p:nvPr/>
+              </p:nvSpPr>
+              <p:spPr>
+                <a:xfrm>
+                  <a:off x="8284712" y="5980290"/>
+                  <a:ext cx="1702422" cy="369332"/>
+                </a:xfrm>
+                <a:prstGeom prst="rect">
+                  <a:avLst/>
+                </a:prstGeom>
+                <a:noFill/>
+              </p:spPr>
+              <p:txBody>
+                <a:bodyPr wrap="square" rtlCol="0">
+                  <a:spAutoFit/>
+                </a:bodyPr>
+                <a:lstStyle/>
+                <a:p>
+                  <a:r>
+                    <a:rPr lang="en-US" i="1" dirty="0"/>
+                    <a:t>Logits</a:t>
+                  </a:r>
+                </a:p>
+              </p:txBody>
+            </p:sp>
+            <p:grpSp>
+              <p:nvGrpSpPr>
+                <p:cNvPr id="45" name="Group 44">
+                  <a:extLst>
+                    <a:ext uri="{FF2B5EF4-FFF2-40B4-BE49-F238E27FC236}">
+                      <a16:creationId xmlns:a16="http://schemas.microsoft.com/office/drawing/2014/main" id="{12721179-45B5-22AE-44C5-F2F6149D682B}"/>
+                    </a:ext>
+                  </a:extLst>
+                </p:cNvPr>
+                <p:cNvGrpSpPr/>
+                <p:nvPr/>
+              </p:nvGrpSpPr>
+              <p:grpSpPr>
+                <a:xfrm>
+                  <a:off x="1828476" y="4698790"/>
+                  <a:ext cx="6322744" cy="1726266"/>
+                  <a:chOff x="1828476" y="4698790"/>
+                  <a:chExt cx="6322744" cy="1726266"/>
+                </a:xfrm>
+              </p:grpSpPr>
+              <p:cxnSp>
+                <p:nvCxnSpPr>
+                  <p:cNvPr id="27" name="Straight Connector 26">
+                    <a:extLst>
+                      <a:ext uri="{FF2B5EF4-FFF2-40B4-BE49-F238E27FC236}">
+                        <a16:creationId xmlns:a16="http://schemas.microsoft.com/office/drawing/2014/main" id="{A8C45DE0-6B5D-70CD-DA4A-FB0FFA68B37C}"/>
+                      </a:ext>
+                    </a:extLst>
+                  </p:cNvPr>
+                  <p:cNvCxnSpPr/>
+                  <p:nvPr/>
+                </p:nvCxnSpPr>
+                <p:spPr>
+                  <a:xfrm flipH="1">
+                    <a:off x="4151970" y="5555261"/>
+                    <a:ext cx="1" cy="338447"/>
+                  </a:xfrm>
+                  <a:prstGeom prst="line">
+                    <a:avLst/>
+                  </a:prstGeom>
+                  <a:ln w="28575">
                     <a:solidFill>
                       <a:schemeClr val="tx1"/>
                     </a:solidFill>
-                  </a:rPr>
-                  <a:t>start_pos</a:t>
-                </a:r>
-                <a:endParaRPr lang="en-US" dirty="0">
+                  </a:ln>
+                </p:spPr>
+                <p:style>
+                  <a:lnRef idx="1">
+                    <a:schemeClr val="accent1"/>
+                  </a:lnRef>
+                  <a:fillRef idx="0">
+                    <a:schemeClr val="accent1"/>
+                  </a:fillRef>
+                  <a:effectRef idx="0">
+                    <a:schemeClr val="accent1"/>
+                  </a:effectRef>
+                  <a:fontRef idx="minor">
+                    <a:schemeClr val="tx1"/>
+                  </a:fontRef>
+                </p:style>
+              </p:cxnSp>
+              <p:cxnSp>
+                <p:nvCxnSpPr>
+                  <p:cNvPr id="26" name="Straight Connector 25">
+                    <a:extLst>
+                      <a:ext uri="{FF2B5EF4-FFF2-40B4-BE49-F238E27FC236}">
+                        <a16:creationId xmlns:a16="http://schemas.microsoft.com/office/drawing/2014/main" id="{E34EA87E-7184-7A30-0C6B-6901DC5E6EE2}"/>
+                      </a:ext>
+                    </a:extLst>
+                  </p:cNvPr>
+                  <p:cNvCxnSpPr/>
+                  <p:nvPr/>
+                </p:nvCxnSpPr>
+                <p:spPr>
+                  <a:xfrm flipH="1">
+                    <a:off x="2497873" y="5566413"/>
+                    <a:ext cx="1" cy="338447"/>
+                  </a:xfrm>
+                  <a:prstGeom prst="line">
+                    <a:avLst/>
+                  </a:prstGeom>
+                  <a:ln w="28575">
+                    <a:solidFill>
+                      <a:schemeClr val="tx1"/>
+                    </a:solidFill>
+                  </a:ln>
+                </p:spPr>
+                <p:style>
+                  <a:lnRef idx="1">
+                    <a:schemeClr val="accent1"/>
+                  </a:lnRef>
+                  <a:fillRef idx="0">
+                    <a:schemeClr val="accent1"/>
+                  </a:fillRef>
+                  <a:effectRef idx="0">
+                    <a:schemeClr val="accent1"/>
+                  </a:effectRef>
+                  <a:fontRef idx="minor">
+                    <a:schemeClr val="tx1"/>
+                  </a:fontRef>
+                </p:style>
+              </p:cxnSp>
+              <p:cxnSp>
+                <p:nvCxnSpPr>
+                  <p:cNvPr id="28" name="Straight Connector 27">
+                    <a:extLst>
+                      <a:ext uri="{FF2B5EF4-FFF2-40B4-BE49-F238E27FC236}">
+                        <a16:creationId xmlns:a16="http://schemas.microsoft.com/office/drawing/2014/main" id="{8B403D45-52E6-37FB-75C7-EA9809F3FA5E}"/>
+                      </a:ext>
+                    </a:extLst>
+                  </p:cNvPr>
+                  <p:cNvCxnSpPr/>
+                  <p:nvPr/>
+                </p:nvCxnSpPr>
+                <p:spPr>
+                  <a:xfrm flipH="1">
+                    <a:off x="5806067" y="5577564"/>
+                    <a:ext cx="1" cy="338447"/>
+                  </a:xfrm>
+                  <a:prstGeom prst="line">
+                    <a:avLst/>
+                  </a:prstGeom>
+                  <a:ln w="28575">
+                    <a:solidFill>
+                      <a:schemeClr val="tx1"/>
+                    </a:solidFill>
+                  </a:ln>
+                </p:spPr>
+                <p:style>
+                  <a:lnRef idx="1">
+                    <a:schemeClr val="accent1"/>
+                  </a:lnRef>
+                  <a:fillRef idx="0">
+                    <a:schemeClr val="accent1"/>
+                  </a:fillRef>
+                  <a:effectRef idx="0">
+                    <a:schemeClr val="accent1"/>
+                  </a:effectRef>
+                  <a:fontRef idx="minor">
+                    <a:schemeClr val="tx1"/>
+                  </a:fontRef>
+                </p:style>
+              </p:cxnSp>
+              <p:cxnSp>
+                <p:nvCxnSpPr>
+                  <p:cNvPr id="29" name="Straight Connector 28">
+                    <a:extLst>
+                      <a:ext uri="{FF2B5EF4-FFF2-40B4-BE49-F238E27FC236}">
+                        <a16:creationId xmlns:a16="http://schemas.microsoft.com/office/drawing/2014/main" id="{539DF3BB-E2D5-9DDB-9226-72ED0A168770}"/>
+                      </a:ext>
+                    </a:extLst>
+                  </p:cNvPr>
+                  <p:cNvCxnSpPr/>
+                  <p:nvPr/>
+                </p:nvCxnSpPr>
+                <p:spPr>
+                  <a:xfrm flipH="1">
+                    <a:off x="7460164" y="5566412"/>
+                    <a:ext cx="1" cy="338447"/>
+                  </a:xfrm>
+                  <a:prstGeom prst="line">
+                    <a:avLst/>
+                  </a:prstGeom>
+                  <a:ln w="28575">
+                    <a:solidFill>
+                      <a:schemeClr val="tx1"/>
+                    </a:solidFill>
+                  </a:ln>
+                </p:spPr>
+                <p:style>
+                  <a:lnRef idx="1">
+                    <a:schemeClr val="accent1"/>
+                  </a:lnRef>
+                  <a:fillRef idx="0">
+                    <a:schemeClr val="accent1"/>
+                  </a:fillRef>
+                  <a:effectRef idx="0">
+                    <a:schemeClr val="accent1"/>
+                  </a:effectRef>
+                  <a:fontRef idx="minor">
+                    <a:schemeClr val="tx1"/>
+                  </a:fontRef>
+                </p:style>
+              </p:cxnSp>
+              <p:sp>
+                <p:nvSpPr>
+                  <p:cNvPr id="30" name="Rectangle 29">
+                    <a:extLst>
+                      <a:ext uri="{FF2B5EF4-FFF2-40B4-BE49-F238E27FC236}">
+                        <a16:creationId xmlns:a16="http://schemas.microsoft.com/office/drawing/2014/main" id="{324EC009-D32C-5C87-E81B-43CB61D93A15}"/>
+                      </a:ext>
+                    </a:extLst>
+                  </p:cNvPr>
+                  <p:cNvSpPr/>
+                  <p:nvPr/>
+                </p:nvSpPr>
+                <p:spPr>
+                  <a:xfrm>
+                    <a:off x="1828477" y="5904859"/>
+                    <a:ext cx="1360449" cy="520197"/>
+                  </a:xfrm>
+                  <a:prstGeom prst="rect">
+                    <a:avLst/>
+                  </a:prstGeom>
                   <a:solidFill>
+                    <a:schemeClr val="accent3">
+                      <a:lumMod val="20000"/>
+                      <a:lumOff val="80000"/>
+                    </a:schemeClr>
+                  </a:solidFill>
+                  <a:ln w="28575">
+                    <a:solidFill>
+                      <a:schemeClr val="tx1"/>
+                    </a:solidFill>
+                  </a:ln>
+                </p:spPr>
+                <p:style>
+                  <a:lnRef idx="2">
+                    <a:schemeClr val="accent1">
+                      <a:shade val="50000"/>
+                    </a:schemeClr>
+                  </a:lnRef>
+                  <a:fillRef idx="1">
+                    <a:schemeClr val="accent1"/>
+                  </a:fillRef>
+                  <a:effectRef idx="0">
+                    <a:schemeClr val="accent1"/>
+                  </a:effectRef>
+                  <a:fontRef idx="minor">
+                    <a:schemeClr val="lt1"/>
+                  </a:fontRef>
+                </p:style>
+                <p:txBody>
+                  <a:bodyPr rtlCol="0" anchor="ctr"/>
+                  <a:lstStyle/>
+                  <a:p>
+                    <a:pPr algn="ctr"/>
+                    <a:r>
+                      <a:rPr lang="en-US" dirty="0">
+                        <a:solidFill>
+                          <a:schemeClr val="tx1"/>
+                        </a:solidFill>
+                      </a:rPr>
+                      <a:t>bar</a:t>
+                    </a:r>
+                  </a:p>
+                </p:txBody>
+              </p:sp>
+              <p:sp>
+                <p:nvSpPr>
+                  <p:cNvPr id="31" name="Rectangle 30">
+                    <a:extLst>
+                      <a:ext uri="{FF2B5EF4-FFF2-40B4-BE49-F238E27FC236}">
+                        <a16:creationId xmlns:a16="http://schemas.microsoft.com/office/drawing/2014/main" id="{E235BDD3-023A-04C3-4082-843B92DEFACC}"/>
+                      </a:ext>
+                    </a:extLst>
+                  </p:cNvPr>
+                  <p:cNvSpPr/>
+                  <p:nvPr/>
+                </p:nvSpPr>
+                <p:spPr>
+                  <a:xfrm>
+                    <a:off x="3482575" y="5904859"/>
+                    <a:ext cx="1360449" cy="520197"/>
+                  </a:xfrm>
+                  <a:prstGeom prst="rect">
+                    <a:avLst/>
+                  </a:prstGeom>
+                  <a:solidFill>
+                    <a:schemeClr val="accent3">
+                      <a:lumMod val="20000"/>
+                      <a:lumOff val="80000"/>
+                    </a:schemeClr>
+                  </a:solidFill>
+                  <a:ln w="28575">
+                    <a:solidFill>
+                      <a:schemeClr val="tx1"/>
+                    </a:solidFill>
+                  </a:ln>
+                </p:spPr>
+                <p:style>
+                  <a:lnRef idx="2">
+                    <a:schemeClr val="accent1">
+                      <a:shade val="50000"/>
+                    </a:schemeClr>
+                  </a:lnRef>
+                  <a:fillRef idx="1">
+                    <a:schemeClr val="accent1"/>
+                  </a:fillRef>
+                  <a:effectRef idx="0">
+                    <a:schemeClr val="accent1"/>
+                  </a:effectRef>
+                  <a:fontRef idx="minor">
+                    <a:schemeClr val="lt1"/>
+                  </a:fontRef>
+                </p:style>
+                <p:txBody>
+                  <a:bodyPr rtlCol="0" anchor="ctr"/>
+                  <a:lstStyle/>
+                  <a:p>
+                    <a:pPr algn="ctr"/>
+                    <a:r>
+                      <a:rPr lang="en-US" dirty="0" err="1">
+                        <a:solidFill>
+                          <a:schemeClr val="tx1"/>
+                        </a:solidFill>
+                      </a:rPr>
+                      <a:t>start_pos</a:t>
+                    </a:r>
+                    <a:endParaRPr lang="en-US" dirty="0">
+                      <a:solidFill>
+                        <a:schemeClr val="tx1"/>
+                      </a:solidFill>
+                    </a:endParaRPr>
+                  </a:p>
+                </p:txBody>
+              </p:sp>
+              <p:sp>
+                <p:nvSpPr>
+                  <p:cNvPr id="32" name="Rectangle 31">
+                    <a:extLst>
+                      <a:ext uri="{FF2B5EF4-FFF2-40B4-BE49-F238E27FC236}">
+                        <a16:creationId xmlns:a16="http://schemas.microsoft.com/office/drawing/2014/main" id="{99CF9AAA-26A8-025B-B40F-2F1041EAABB5}"/>
+                      </a:ext>
+                    </a:extLst>
+                  </p:cNvPr>
+                  <p:cNvSpPr/>
+                  <p:nvPr/>
+                </p:nvSpPr>
+                <p:spPr>
+                  <a:xfrm>
+                    <a:off x="5136673" y="5904859"/>
+                    <a:ext cx="1360449" cy="520197"/>
+                  </a:xfrm>
+                  <a:prstGeom prst="rect">
+                    <a:avLst/>
+                  </a:prstGeom>
+                  <a:solidFill>
+                    <a:schemeClr val="accent3">
+                      <a:lumMod val="20000"/>
+                      <a:lumOff val="80000"/>
+                    </a:schemeClr>
+                  </a:solidFill>
+                  <a:ln w="28575">
+                    <a:solidFill>
+                      <a:schemeClr val="tx1"/>
+                    </a:solidFill>
+                  </a:ln>
+                </p:spPr>
+                <p:style>
+                  <a:lnRef idx="2">
+                    <a:schemeClr val="accent1">
+                      <a:shade val="50000"/>
+                    </a:schemeClr>
+                  </a:lnRef>
+                  <a:fillRef idx="1">
+                    <a:schemeClr val="accent1"/>
+                  </a:fillRef>
+                  <a:effectRef idx="0">
+                    <a:schemeClr val="accent1"/>
+                  </a:effectRef>
+                  <a:fontRef idx="minor">
+                    <a:schemeClr val="lt1"/>
+                  </a:fontRef>
+                </p:style>
+                <p:txBody>
+                  <a:bodyPr rtlCol="0" anchor="ctr"/>
+                  <a:lstStyle/>
+                  <a:p>
+                    <a:pPr algn="ctr"/>
+                    <a:r>
+                      <a:rPr lang="en-US" dirty="0" err="1">
+                        <a:solidFill>
+                          <a:schemeClr val="tx1"/>
+                        </a:solidFill>
+                      </a:rPr>
+                      <a:t>note_dur</a:t>
+                    </a:r>
+                    <a:endParaRPr lang="en-US" dirty="0">
+                      <a:solidFill>
+                        <a:schemeClr val="tx1"/>
+                      </a:solidFill>
+                    </a:endParaRPr>
+                  </a:p>
+                </p:txBody>
+              </p:sp>
+              <p:sp>
+                <p:nvSpPr>
+                  <p:cNvPr id="33" name="Rectangle 32">
+                    <a:extLst>
+                      <a:ext uri="{FF2B5EF4-FFF2-40B4-BE49-F238E27FC236}">
+                        <a16:creationId xmlns:a16="http://schemas.microsoft.com/office/drawing/2014/main" id="{A10FFF06-731B-5B85-B9C1-7C4525D02595}"/>
+                      </a:ext>
+                    </a:extLst>
+                  </p:cNvPr>
+                  <p:cNvSpPr/>
+                  <p:nvPr/>
+                </p:nvSpPr>
+                <p:spPr>
+                  <a:xfrm>
+                    <a:off x="6790771" y="5904858"/>
+                    <a:ext cx="1360449" cy="520197"/>
+                  </a:xfrm>
+                  <a:prstGeom prst="rect">
+                    <a:avLst/>
+                  </a:prstGeom>
+                  <a:solidFill>
+                    <a:schemeClr val="accent3">
+                      <a:lumMod val="20000"/>
+                      <a:lumOff val="80000"/>
+                    </a:schemeClr>
+                  </a:solidFill>
+                  <a:ln w="28575">
+                    <a:solidFill>
+                      <a:schemeClr val="tx1"/>
+                    </a:solidFill>
+                  </a:ln>
+                </p:spPr>
+                <p:style>
+                  <a:lnRef idx="2">
+                    <a:schemeClr val="accent1">
+                      <a:shade val="50000"/>
+                    </a:schemeClr>
+                  </a:lnRef>
+                  <a:fillRef idx="1">
+                    <a:schemeClr val="accent1"/>
+                  </a:fillRef>
+                  <a:effectRef idx="0">
+                    <a:schemeClr val="accent1"/>
+                  </a:effectRef>
+                  <a:fontRef idx="minor">
+                    <a:schemeClr val="lt1"/>
+                  </a:fontRef>
+                </p:style>
+                <p:txBody>
+                  <a:bodyPr rtlCol="0" anchor="ctr"/>
+                  <a:lstStyle/>
+                  <a:p>
+                    <a:pPr algn="ctr"/>
+                    <a:r>
+                      <a:rPr lang="en-US" dirty="0" err="1">
+                        <a:solidFill>
+                          <a:schemeClr val="tx1"/>
+                        </a:solidFill>
+                      </a:rPr>
+                      <a:t>pitch_ins</a:t>
+                    </a:r>
+                    <a:endParaRPr lang="en-US" dirty="0">
+                      <a:solidFill>
+                        <a:schemeClr val="tx1"/>
+                      </a:solidFill>
+                    </a:endParaRPr>
+                  </a:p>
+                </p:txBody>
+              </p:sp>
+              <p:sp>
+                <p:nvSpPr>
+                  <p:cNvPr id="35" name="Rectangle 34">
+                    <a:extLst>
+                      <a:ext uri="{FF2B5EF4-FFF2-40B4-BE49-F238E27FC236}">
+                        <a16:creationId xmlns:a16="http://schemas.microsoft.com/office/drawing/2014/main" id="{D42C887E-EC76-F121-5777-A87A6843FFBD}"/>
+                      </a:ext>
+                    </a:extLst>
+                  </p:cNvPr>
+                  <p:cNvSpPr/>
+                  <p:nvPr/>
+                </p:nvSpPr>
+                <p:spPr>
+                  <a:xfrm>
+                    <a:off x="1828476" y="5046215"/>
+                    <a:ext cx="1360449" cy="520197"/>
+                  </a:xfrm>
+                  <a:prstGeom prst="rect">
+                    <a:avLst/>
+                  </a:prstGeom>
+                  <a:solidFill>
+                    <a:schemeClr val="accent2">
+                      <a:lumMod val="20000"/>
+                      <a:lumOff val="80000"/>
+                    </a:schemeClr>
+                  </a:solidFill>
+                  <a:ln w="28575">
+                    <a:solidFill>
+                      <a:schemeClr val="tx1"/>
+                    </a:solidFill>
+                  </a:ln>
+                </p:spPr>
+                <p:style>
+                  <a:lnRef idx="2">
+                    <a:schemeClr val="accent1">
+                      <a:shade val="50000"/>
+                    </a:schemeClr>
+                  </a:lnRef>
+                  <a:fillRef idx="1">
+                    <a:schemeClr val="accent1"/>
+                  </a:fillRef>
+                  <a:effectRef idx="0">
+                    <a:schemeClr val="accent1"/>
+                  </a:effectRef>
+                  <a:fontRef idx="minor">
+                    <a:schemeClr val="lt1"/>
+                  </a:fontRef>
+                </p:style>
+                <p:txBody>
+                  <a:bodyPr rtlCol="0" anchor="ctr"/>
+                  <a:lstStyle/>
+                  <a:p>
+                    <a:pPr algn="ctr"/>
+                    <a:r>
+                      <a:rPr lang="en-US" dirty="0">
+                        <a:solidFill>
+                          <a:schemeClr val="tx1"/>
+                        </a:solidFill>
+                      </a:rPr>
+                      <a:t>linear</a:t>
+                    </a:r>
+                  </a:p>
+                </p:txBody>
+              </p:sp>
+              <p:sp>
+                <p:nvSpPr>
+                  <p:cNvPr id="36" name="Rectangle 35">
+                    <a:extLst>
+                      <a:ext uri="{FF2B5EF4-FFF2-40B4-BE49-F238E27FC236}">
+                        <a16:creationId xmlns:a16="http://schemas.microsoft.com/office/drawing/2014/main" id="{854AD013-0217-702D-E4A6-17F27275EB90}"/>
+                      </a:ext>
+                    </a:extLst>
+                  </p:cNvPr>
+                  <p:cNvSpPr/>
+                  <p:nvPr/>
+                </p:nvSpPr>
+                <p:spPr>
+                  <a:xfrm>
+                    <a:off x="3482572" y="5057367"/>
+                    <a:ext cx="1360449" cy="520197"/>
+                  </a:xfrm>
+                  <a:prstGeom prst="rect">
+                    <a:avLst/>
+                  </a:prstGeom>
+                  <a:solidFill>
+                    <a:schemeClr val="accent2">
+                      <a:lumMod val="20000"/>
+                      <a:lumOff val="80000"/>
+                    </a:schemeClr>
+                  </a:solidFill>
+                  <a:ln w="28575">
+                    <a:solidFill>
+                      <a:schemeClr val="tx1"/>
+                    </a:solidFill>
+                  </a:ln>
+                </p:spPr>
+                <p:style>
+                  <a:lnRef idx="2">
+                    <a:schemeClr val="accent1">
+                      <a:shade val="50000"/>
+                    </a:schemeClr>
+                  </a:lnRef>
+                  <a:fillRef idx="1">
+                    <a:schemeClr val="accent1"/>
+                  </a:fillRef>
+                  <a:effectRef idx="0">
+                    <a:schemeClr val="accent1"/>
+                  </a:effectRef>
+                  <a:fontRef idx="minor">
+                    <a:schemeClr val="lt1"/>
+                  </a:fontRef>
+                </p:style>
+                <p:txBody>
+                  <a:bodyPr rtlCol="0" anchor="ctr"/>
+                  <a:lstStyle/>
+                  <a:p>
+                    <a:pPr algn="ctr"/>
+                    <a:r>
+                      <a:rPr lang="en-US" dirty="0">
+                        <a:solidFill>
+                          <a:schemeClr val="tx1"/>
+                        </a:solidFill>
+                      </a:rPr>
+                      <a:t>linear</a:t>
+                    </a:r>
+                  </a:p>
+                </p:txBody>
+              </p:sp>
+              <p:sp>
+                <p:nvSpPr>
+                  <p:cNvPr id="38" name="Rectangle 37">
+                    <a:extLst>
+                      <a:ext uri="{FF2B5EF4-FFF2-40B4-BE49-F238E27FC236}">
+                        <a16:creationId xmlns:a16="http://schemas.microsoft.com/office/drawing/2014/main" id="{26E8153D-807B-09EF-7FC3-F3254A541A55}"/>
+                      </a:ext>
+                    </a:extLst>
+                  </p:cNvPr>
+                  <p:cNvSpPr/>
+                  <p:nvPr/>
+                </p:nvSpPr>
+                <p:spPr>
+                  <a:xfrm>
+                    <a:off x="5136668" y="5050561"/>
+                    <a:ext cx="1360449" cy="520197"/>
+                  </a:xfrm>
+                  <a:prstGeom prst="rect">
+                    <a:avLst/>
+                  </a:prstGeom>
+                  <a:solidFill>
+                    <a:schemeClr val="accent2">
+                      <a:lumMod val="20000"/>
+                      <a:lumOff val="80000"/>
+                    </a:schemeClr>
+                  </a:solidFill>
+                  <a:ln w="28575">
+                    <a:solidFill>
+                      <a:schemeClr val="tx1"/>
+                    </a:solidFill>
+                  </a:ln>
+                </p:spPr>
+                <p:style>
+                  <a:lnRef idx="2">
+                    <a:schemeClr val="accent1">
+                      <a:shade val="50000"/>
+                    </a:schemeClr>
+                  </a:lnRef>
+                  <a:fillRef idx="1">
+                    <a:schemeClr val="accent1"/>
+                  </a:fillRef>
+                  <a:effectRef idx="0">
+                    <a:schemeClr val="accent1"/>
+                  </a:effectRef>
+                  <a:fontRef idx="minor">
+                    <a:schemeClr val="lt1"/>
+                  </a:fontRef>
+                </p:style>
+                <p:txBody>
+                  <a:bodyPr rtlCol="0" anchor="ctr"/>
+                  <a:lstStyle/>
+                  <a:p>
+                    <a:pPr algn="ctr"/>
+                    <a:r>
+                      <a:rPr lang="en-US" dirty="0">
+                        <a:solidFill>
+                          <a:schemeClr val="tx1"/>
+                        </a:solidFill>
+                      </a:rPr>
+                      <a:t>linear</a:t>
+                    </a:r>
+                  </a:p>
+                </p:txBody>
+              </p:sp>
+              <p:sp>
+                <p:nvSpPr>
+                  <p:cNvPr id="39" name="Rectangle 38">
+                    <a:extLst>
+                      <a:ext uri="{FF2B5EF4-FFF2-40B4-BE49-F238E27FC236}">
+                        <a16:creationId xmlns:a16="http://schemas.microsoft.com/office/drawing/2014/main" id="{FEF60AF5-F1DF-7CFD-2680-360709E7E979}"/>
+                      </a:ext>
+                    </a:extLst>
+                  </p:cNvPr>
+                  <p:cNvSpPr/>
+                  <p:nvPr/>
+                </p:nvSpPr>
+                <p:spPr>
+                  <a:xfrm>
+                    <a:off x="6790764" y="5061713"/>
+                    <a:ext cx="1360449" cy="520197"/>
+                  </a:xfrm>
+                  <a:prstGeom prst="rect">
+                    <a:avLst/>
+                  </a:prstGeom>
+                  <a:solidFill>
+                    <a:schemeClr val="accent2">
+                      <a:lumMod val="20000"/>
+                      <a:lumOff val="80000"/>
+                    </a:schemeClr>
+                  </a:solidFill>
+                  <a:ln w="28575">
+                    <a:solidFill>
+                      <a:schemeClr val="tx1"/>
+                    </a:solidFill>
+                  </a:ln>
+                </p:spPr>
+                <p:style>
+                  <a:lnRef idx="2">
+                    <a:schemeClr val="accent1">
+                      <a:shade val="50000"/>
+                    </a:schemeClr>
+                  </a:lnRef>
+                  <a:fillRef idx="1">
+                    <a:schemeClr val="accent1"/>
+                  </a:fillRef>
+                  <a:effectRef idx="0">
+                    <a:schemeClr val="accent1"/>
+                  </a:effectRef>
+                  <a:fontRef idx="minor">
+                    <a:schemeClr val="lt1"/>
+                  </a:fontRef>
+                </p:style>
+                <p:txBody>
+                  <a:bodyPr rtlCol="0" anchor="ctr"/>
+                  <a:lstStyle/>
+                  <a:p>
+                    <a:pPr algn="ctr"/>
+                    <a:r>
+                      <a:rPr lang="en-US" dirty="0">
+                        <a:solidFill>
+                          <a:schemeClr val="tx1"/>
+                        </a:solidFill>
+                      </a:rPr>
+                      <a:t>linear</a:t>
+                    </a:r>
+                  </a:p>
+                </p:txBody>
+              </p:sp>
+              <p:cxnSp>
+                <p:nvCxnSpPr>
+                  <p:cNvPr id="40" name="Straight Connector 39">
+                    <a:extLst>
+                      <a:ext uri="{FF2B5EF4-FFF2-40B4-BE49-F238E27FC236}">
+                        <a16:creationId xmlns:a16="http://schemas.microsoft.com/office/drawing/2014/main" id="{BAD7DBF3-7089-EA46-8B2A-B041D026C0FA}"/>
+                      </a:ext>
+                    </a:extLst>
+                  </p:cNvPr>
+                  <p:cNvCxnSpPr/>
+                  <p:nvPr/>
+                </p:nvCxnSpPr>
+                <p:spPr>
+                  <a:xfrm flipH="1">
+                    <a:off x="2497873" y="4698790"/>
+                    <a:ext cx="1" cy="338447"/>
+                  </a:xfrm>
+                  <a:prstGeom prst="line">
+                    <a:avLst/>
+                  </a:prstGeom>
+                  <a:ln w="28575">
+                    <a:solidFill>
+                      <a:schemeClr val="tx1"/>
+                    </a:solidFill>
+                  </a:ln>
+                </p:spPr>
+                <p:style>
+                  <a:lnRef idx="1">
+                    <a:schemeClr val="accent1"/>
+                  </a:lnRef>
+                  <a:fillRef idx="0">
+                    <a:schemeClr val="accent1"/>
+                  </a:fillRef>
+                  <a:effectRef idx="0">
+                    <a:schemeClr val="accent1"/>
+                  </a:effectRef>
+                  <a:fontRef idx="minor">
                     <a:schemeClr val="tx1"/>
-                  </a:solidFill>
-                </a:endParaRPr>
-              </a:p>
-            </p:txBody>
-          </p:sp>
-          <p:sp>
-            <p:nvSpPr>
-              <p:cNvPr id="6" name="Rectangle 5">
+                  </a:fontRef>
+                </p:style>
+              </p:cxnSp>
+              <p:cxnSp>
+                <p:nvCxnSpPr>
+                  <p:cNvPr id="41" name="Straight Connector 40">
+                    <a:extLst>
+                      <a:ext uri="{FF2B5EF4-FFF2-40B4-BE49-F238E27FC236}">
+                        <a16:creationId xmlns:a16="http://schemas.microsoft.com/office/drawing/2014/main" id="{D963D467-2FB6-BD99-DE46-06E3CD764DB8}"/>
+                      </a:ext>
+                    </a:extLst>
+                  </p:cNvPr>
+                  <p:cNvCxnSpPr/>
+                  <p:nvPr/>
+                </p:nvCxnSpPr>
+                <p:spPr>
+                  <a:xfrm flipH="1">
+                    <a:off x="4151970" y="4714142"/>
+                    <a:ext cx="1" cy="338447"/>
+                  </a:xfrm>
+                  <a:prstGeom prst="line">
+                    <a:avLst/>
+                  </a:prstGeom>
+                  <a:ln w="28575">
+                    <a:solidFill>
+                      <a:schemeClr val="tx1"/>
+                    </a:solidFill>
+                  </a:ln>
+                </p:spPr>
+                <p:style>
+                  <a:lnRef idx="1">
+                    <a:schemeClr val="accent1"/>
+                  </a:lnRef>
+                  <a:fillRef idx="0">
+                    <a:schemeClr val="accent1"/>
+                  </a:fillRef>
+                  <a:effectRef idx="0">
+                    <a:schemeClr val="accent1"/>
+                  </a:effectRef>
+                  <a:fontRef idx="minor">
+                    <a:schemeClr val="tx1"/>
+                  </a:fontRef>
+                </p:style>
+              </p:cxnSp>
+              <p:cxnSp>
+                <p:nvCxnSpPr>
+                  <p:cNvPr id="42" name="Straight Connector 41">
+                    <a:extLst>
+                      <a:ext uri="{FF2B5EF4-FFF2-40B4-BE49-F238E27FC236}">
+                        <a16:creationId xmlns:a16="http://schemas.microsoft.com/office/drawing/2014/main" id="{E175FDA9-BC2E-0E6F-EBB8-AB8CC4F747E1}"/>
+                      </a:ext>
+                    </a:extLst>
+                  </p:cNvPr>
+                  <p:cNvCxnSpPr/>
+                  <p:nvPr/>
+                </p:nvCxnSpPr>
+                <p:spPr>
+                  <a:xfrm flipH="1">
+                    <a:off x="5806067" y="4709941"/>
+                    <a:ext cx="1" cy="338447"/>
+                  </a:xfrm>
+                  <a:prstGeom prst="line">
+                    <a:avLst/>
+                  </a:prstGeom>
+                  <a:ln w="28575">
+                    <a:solidFill>
+                      <a:schemeClr val="tx1"/>
+                    </a:solidFill>
+                  </a:ln>
+                </p:spPr>
+                <p:style>
+                  <a:lnRef idx="1">
+                    <a:schemeClr val="accent1"/>
+                  </a:lnRef>
+                  <a:fillRef idx="0">
+                    <a:schemeClr val="accent1"/>
+                  </a:fillRef>
+                  <a:effectRef idx="0">
+                    <a:schemeClr val="accent1"/>
+                  </a:effectRef>
+                  <a:fontRef idx="minor">
+                    <a:schemeClr val="tx1"/>
+                  </a:fontRef>
+                </p:style>
+              </p:cxnSp>
+              <p:cxnSp>
+                <p:nvCxnSpPr>
+                  <p:cNvPr id="43" name="Straight Connector 42">
+                    <a:extLst>
+                      <a:ext uri="{FF2B5EF4-FFF2-40B4-BE49-F238E27FC236}">
+                        <a16:creationId xmlns:a16="http://schemas.microsoft.com/office/drawing/2014/main" id="{EE257390-DF71-E6D3-C021-1FAC34F882F8}"/>
+                      </a:ext>
+                    </a:extLst>
+                  </p:cNvPr>
+                  <p:cNvCxnSpPr/>
+                  <p:nvPr/>
+                </p:nvCxnSpPr>
+                <p:spPr>
+                  <a:xfrm flipH="1">
+                    <a:off x="7460164" y="4712041"/>
+                    <a:ext cx="1" cy="338447"/>
+                  </a:xfrm>
+                  <a:prstGeom prst="line">
+                    <a:avLst/>
+                  </a:prstGeom>
+                  <a:ln w="28575">
+                    <a:solidFill>
+                      <a:schemeClr val="tx1"/>
+                    </a:solidFill>
+                  </a:ln>
+                </p:spPr>
+                <p:style>
+                  <a:lnRef idx="1">
+                    <a:schemeClr val="accent1"/>
+                  </a:lnRef>
+                  <a:fillRef idx="0">
+                    <a:schemeClr val="accent1"/>
+                  </a:fillRef>
+                  <a:effectRef idx="0">
+                    <a:schemeClr val="accent1"/>
+                  </a:effectRef>
+                  <a:fontRef idx="minor">
+                    <a:schemeClr val="tx1"/>
+                  </a:fontRef>
+                </p:style>
+              </p:cxnSp>
+            </p:grpSp>
+          </p:grpSp>
+          <p:cxnSp>
+            <p:nvCxnSpPr>
+              <p:cNvPr id="48" name="Straight Connector 47">
                 <a:extLst>
                   <a:ext uri="{FF2B5EF4-FFF2-40B4-BE49-F238E27FC236}">
-                    <a16:creationId xmlns:a16="http://schemas.microsoft.com/office/drawing/2014/main" id="{886F0DD5-932F-70B4-213B-65FC911313CD}"/>
+                    <a16:creationId xmlns:a16="http://schemas.microsoft.com/office/drawing/2014/main" id="{293681BD-F995-CD29-A170-B05002F2EE96}"/>
                   </a:ext>
                 </a:extLst>
               </p:cNvPr>
-              <p:cNvSpPr/>
-              <p:nvPr/>
-            </p:nvSpPr>
-            <p:spPr>
-              <a:xfrm>
-                <a:off x="5125845" y="602166"/>
-                <a:ext cx="1360449" cy="520197"/>
-              </a:xfrm>
-              <a:prstGeom prst="rect">
-                <a:avLst/>
-              </a:prstGeom>
-              <a:solidFill>
-                <a:schemeClr val="accent3">
-                  <a:lumMod val="20000"/>
-                  <a:lumOff val="80000"/>
-                </a:schemeClr>
-              </a:solidFill>
-              <a:ln w="28575">
-                <a:solidFill>
-                  <a:schemeClr val="tx1"/>
-                </a:solidFill>
-              </a:ln>
-            </p:spPr>
-            <p:style>
-              <a:lnRef idx="2">
-                <a:schemeClr val="accent1">
-                  <a:shade val="50000"/>
-                </a:schemeClr>
-              </a:lnRef>
-              <a:fillRef idx="1">
-                <a:schemeClr val="accent1"/>
-              </a:fillRef>
-              <a:effectRef idx="0">
-                <a:schemeClr val="accent1"/>
-              </a:effectRef>
-              <a:fontRef idx="minor">
-                <a:schemeClr val="lt1"/>
-              </a:fontRef>
-            </p:style>
-            <p:txBody>
-              <a:bodyPr rtlCol="0" anchor="ctr"/>
-              <a:lstStyle/>
-              <a:p>
-                <a:pPr algn="ctr"/>
-                <a:r>
-                  <a:rPr lang="en-US" dirty="0" err="1">
-                    <a:solidFill>
-                      <a:schemeClr val="tx1"/>
-                    </a:solidFill>
-                  </a:rPr>
-                  <a:t>note_dur</a:t>
-                </a:r>
-                <a:endParaRPr lang="en-US" dirty="0">
-                  <a:solidFill>
-                    <a:schemeClr val="tx1"/>
-                  </a:solidFill>
-                </a:endParaRPr>
-              </a:p>
-            </p:txBody>
-          </p:sp>
-          <p:sp>
-            <p:nvSpPr>
-              <p:cNvPr id="7" name="Rectangle 6">
-                <a:extLst>
-                  <a:ext uri="{FF2B5EF4-FFF2-40B4-BE49-F238E27FC236}">
-                    <a16:creationId xmlns:a16="http://schemas.microsoft.com/office/drawing/2014/main" id="{12C45EB4-0704-B17B-8D68-848154B5FE5A}"/>
-                  </a:ext>
-                </a:extLst>
-              </p:cNvPr>
-              <p:cNvSpPr/>
-              <p:nvPr/>
-            </p:nvSpPr>
-            <p:spPr>
-              <a:xfrm>
-                <a:off x="6779943" y="602165"/>
-                <a:ext cx="1360449" cy="520197"/>
-              </a:xfrm>
-              <a:prstGeom prst="rect">
-                <a:avLst/>
-              </a:prstGeom>
-              <a:solidFill>
-                <a:schemeClr val="accent3">
-                  <a:lumMod val="20000"/>
-                  <a:lumOff val="80000"/>
-                </a:schemeClr>
-              </a:solidFill>
-              <a:ln w="28575">
-                <a:solidFill>
-                  <a:schemeClr val="tx1"/>
-                </a:solidFill>
-              </a:ln>
-            </p:spPr>
-            <p:style>
-              <a:lnRef idx="2">
-                <a:schemeClr val="accent1">
-                  <a:shade val="50000"/>
-                </a:schemeClr>
-              </a:lnRef>
-              <a:fillRef idx="1">
-                <a:schemeClr val="accent1"/>
-              </a:fillRef>
-              <a:effectRef idx="0">
-                <a:schemeClr val="accent1"/>
-              </a:effectRef>
-              <a:fontRef idx="minor">
-                <a:schemeClr val="lt1"/>
-              </a:fontRef>
-            </p:style>
-            <p:txBody>
-              <a:bodyPr rtlCol="0" anchor="ctr"/>
-              <a:lstStyle/>
-              <a:p>
-                <a:pPr algn="ctr"/>
-                <a:r>
-                  <a:rPr lang="en-US" dirty="0" err="1">
-                    <a:solidFill>
-                      <a:schemeClr val="tx1"/>
-                    </a:solidFill>
-                  </a:rPr>
-                  <a:t>pitch_ins</a:t>
-                </a:r>
-                <a:endParaRPr lang="en-US" dirty="0">
-                  <a:solidFill>
-                    <a:schemeClr val="tx1"/>
-                  </a:solidFill>
-                </a:endParaRPr>
-              </a:p>
-            </p:txBody>
-          </p:sp>
-          <p:sp>
-            <p:nvSpPr>
-              <p:cNvPr id="8" name="TextBox 7">
-                <a:extLst>
-                  <a:ext uri="{FF2B5EF4-FFF2-40B4-BE49-F238E27FC236}">
-                    <a16:creationId xmlns:a16="http://schemas.microsoft.com/office/drawing/2014/main" id="{55A83818-3854-6560-C776-AFD6CA323356}"/>
-                  </a:ext>
-                </a:extLst>
-              </p:cNvPr>
-              <p:cNvSpPr txBox="1"/>
-              <p:nvPr/>
-            </p:nvSpPr>
-            <p:spPr>
-              <a:xfrm>
-                <a:off x="8285355" y="680222"/>
-                <a:ext cx="1702422" cy="369332"/>
-              </a:xfrm>
-              <a:prstGeom prst="rect">
-                <a:avLst/>
-              </a:prstGeom>
-              <a:noFill/>
-            </p:spPr>
-            <p:txBody>
-              <a:bodyPr wrap="square" rtlCol="0">
-                <a:spAutoFit/>
-              </a:bodyPr>
-              <a:lstStyle/>
-              <a:p>
-                <a:r>
-                  <a:rPr lang="en-US" i="1" dirty="0"/>
-                  <a:t>Embeddings</a:t>
-                </a:r>
-              </a:p>
-            </p:txBody>
-          </p:sp>
-          <p:cxnSp>
-            <p:nvCxnSpPr>
-              <p:cNvPr id="10" name="Straight Connector 9">
-                <a:extLst>
-                  <a:ext uri="{FF2B5EF4-FFF2-40B4-BE49-F238E27FC236}">
-                    <a16:creationId xmlns:a16="http://schemas.microsoft.com/office/drawing/2014/main" id="{D87A23DF-CD52-04D5-1189-37158CC0A63D}"/>
-                  </a:ext>
-                </a:extLst>
-              </p:cNvPr>
-              <p:cNvCxnSpPr>
-                <a:stCxn id="4" idx="2"/>
-              </p:cNvCxnSpPr>
+              <p:cNvCxnSpPr/>
               <p:nvPr/>
             </p:nvCxnSpPr>
             <p:spPr>
               <a:xfrm flipH="1">
-                <a:off x="2497873" y="1122363"/>
+                <a:off x="4982816" y="4980213"/>
                 <a:ext cx="1" cy="338447"/>
               </a:xfrm>
               <a:prstGeom prst="line">
@@ -3409,10 +4904,2141 @@
           </p:cxnSp>
           <p:cxnSp>
             <p:nvCxnSpPr>
-              <p:cNvPr id="11" name="Straight Connector 10">
+              <p:cNvPr id="49" name="Straight Connector 48">
                 <a:extLst>
                   <a:ext uri="{FF2B5EF4-FFF2-40B4-BE49-F238E27FC236}">
-                    <a16:creationId xmlns:a16="http://schemas.microsoft.com/office/drawing/2014/main" id="{BF95A763-E4F1-7CCE-00B3-22BBA91198C0}"/>
+                    <a16:creationId xmlns:a16="http://schemas.microsoft.com/office/drawing/2014/main" id="{A216BF17-171D-250F-9B03-042F0F426996}"/>
+                  </a:ext>
+                </a:extLst>
+              </p:cNvPr>
+              <p:cNvCxnSpPr>
+                <a:cxnSpLocks/>
+              </p:cNvCxnSpPr>
+              <p:nvPr/>
+            </p:nvCxnSpPr>
+            <p:spPr>
+              <a:xfrm flipH="1">
+                <a:off x="2487046" y="5315336"/>
+                <a:ext cx="4975543" cy="0"/>
+              </a:xfrm>
+              <a:prstGeom prst="line">
+                <a:avLst/>
+              </a:prstGeom>
+              <a:ln w="28575">
+                <a:solidFill>
+                  <a:schemeClr val="tx1"/>
+                </a:solidFill>
+              </a:ln>
+            </p:spPr>
+            <p:style>
+              <a:lnRef idx="1">
+                <a:schemeClr val="accent1"/>
+              </a:lnRef>
+              <a:fillRef idx="0">
+                <a:schemeClr val="accent1"/>
+              </a:fillRef>
+              <a:effectRef idx="0">
+                <a:schemeClr val="accent1"/>
+              </a:effectRef>
+              <a:fontRef idx="minor">
+                <a:schemeClr val="tx1"/>
+              </a:fontRef>
+            </p:style>
+          </p:cxnSp>
+        </p:grpSp>
+      </p:grpSp>
+      <p:grpSp>
+        <p:nvGrpSpPr>
+          <p:cNvPr id="3" name="Group 2">
+            <a:extLst>
+              <a:ext uri="{FF2B5EF4-FFF2-40B4-BE49-F238E27FC236}">
+                <a16:creationId xmlns:a16="http://schemas.microsoft.com/office/drawing/2014/main" id="{38040CF7-596C-016A-C11C-7182B2ADC391}"/>
+              </a:ext>
+            </a:extLst>
+          </p:cNvPr>
+          <p:cNvGrpSpPr/>
+          <p:nvPr/>
+        </p:nvGrpSpPr>
+        <p:grpSpPr>
+          <a:xfrm>
+            <a:off x="1465849" y="1852477"/>
+            <a:ext cx="8696811" cy="7399607"/>
+            <a:chOff x="1313449" y="1700077"/>
+            <a:chExt cx="8696811" cy="7399607"/>
+          </a:xfrm>
+        </p:grpSpPr>
+        <p:sp>
+          <p:nvSpPr>
+            <p:cNvPr id="9" name="Rectangle 8">
+              <a:extLst>
+                <a:ext uri="{FF2B5EF4-FFF2-40B4-BE49-F238E27FC236}">
+                  <a16:creationId xmlns:a16="http://schemas.microsoft.com/office/drawing/2014/main" id="{71D65B4F-4BFE-466A-6067-632FEAAD9A01}"/>
+                </a:ext>
+              </a:extLst>
+            </p:cNvPr>
+            <p:cNvSpPr/>
+            <p:nvPr/>
+          </p:nvSpPr>
+          <p:spPr>
+            <a:xfrm>
+              <a:off x="1313449" y="1700077"/>
+              <a:ext cx="8482818" cy="7399607"/>
+            </a:xfrm>
+            <a:prstGeom prst="rect">
+              <a:avLst/>
+            </a:prstGeom>
+            <a:solidFill>
+              <a:schemeClr val="bg1"/>
+            </a:solidFill>
+            <a:ln>
+              <a:noFill/>
+            </a:ln>
+          </p:spPr>
+          <p:style>
+            <a:lnRef idx="2">
+              <a:schemeClr val="accent1">
+                <a:shade val="50000"/>
+              </a:schemeClr>
+            </a:lnRef>
+            <a:fillRef idx="1">
+              <a:schemeClr val="accent1"/>
+            </a:fillRef>
+            <a:effectRef idx="0">
+              <a:schemeClr val="accent1"/>
+            </a:effectRef>
+            <a:fontRef idx="minor">
+              <a:schemeClr val="lt1"/>
+            </a:fontRef>
+          </p:style>
+          <p:txBody>
+            <a:bodyPr rtlCol="0" anchor="ctr"/>
+            <a:lstStyle/>
+            <a:p>
+              <a:pPr algn="ctr"/>
+              <a:endParaRPr lang="en-US"/>
+            </a:p>
+          </p:txBody>
+        </p:sp>
+        <p:grpSp>
+          <p:nvGrpSpPr>
+            <p:cNvPr id="21" name="Group 20">
+              <a:extLst>
+                <a:ext uri="{FF2B5EF4-FFF2-40B4-BE49-F238E27FC236}">
+                  <a16:creationId xmlns:a16="http://schemas.microsoft.com/office/drawing/2014/main" id="{6C674574-3348-9330-F2FB-310B97F6F182}"/>
+                </a:ext>
+              </a:extLst>
+            </p:cNvPr>
+            <p:cNvGrpSpPr/>
+            <p:nvPr/>
+          </p:nvGrpSpPr>
+          <p:grpSpPr>
+            <a:xfrm>
+              <a:off x="1840132" y="2084161"/>
+              <a:ext cx="8170128" cy="6691228"/>
+              <a:chOff x="1817649" y="350374"/>
+              <a:chExt cx="8170128" cy="6691228"/>
+            </a:xfrm>
+          </p:grpSpPr>
+          <p:grpSp>
+            <p:nvGrpSpPr>
+              <p:cNvPr id="37" name="Group 36">
+                <a:extLst>
+                  <a:ext uri="{FF2B5EF4-FFF2-40B4-BE49-F238E27FC236}">
+                    <a16:creationId xmlns:a16="http://schemas.microsoft.com/office/drawing/2014/main" id="{9BE996F0-D70B-3086-3A87-76463233162B}"/>
+                  </a:ext>
+                </a:extLst>
+              </p:cNvPr>
+              <p:cNvGrpSpPr/>
+              <p:nvPr/>
+            </p:nvGrpSpPr>
+            <p:grpSpPr>
+              <a:xfrm>
+                <a:off x="1817649" y="350374"/>
+                <a:ext cx="8170128" cy="4629839"/>
+                <a:chOff x="1817649" y="602165"/>
+                <a:chExt cx="8170128" cy="4629839"/>
+              </a:xfrm>
+            </p:grpSpPr>
+            <p:sp>
+              <p:nvSpPr>
+                <p:cNvPr id="72" name="Rectangle 71">
+                  <a:extLst>
+                    <a:ext uri="{FF2B5EF4-FFF2-40B4-BE49-F238E27FC236}">
+                      <a16:creationId xmlns:a16="http://schemas.microsoft.com/office/drawing/2014/main" id="{A58F0BFE-5BFE-DE5A-F1A9-6A990D787726}"/>
+                    </a:ext>
+                  </a:extLst>
+                </p:cNvPr>
+                <p:cNvSpPr/>
+                <p:nvPr/>
+              </p:nvSpPr>
+              <p:spPr>
+                <a:xfrm>
+                  <a:off x="1817649" y="602166"/>
+                  <a:ext cx="1360449" cy="520197"/>
+                </a:xfrm>
+                <a:prstGeom prst="rect">
+                  <a:avLst/>
+                </a:prstGeom>
+                <a:solidFill>
+                  <a:schemeClr val="accent3">
+                    <a:lumMod val="20000"/>
+                    <a:lumOff val="80000"/>
+                  </a:schemeClr>
+                </a:solidFill>
+                <a:ln w="28575">
+                  <a:solidFill>
+                    <a:schemeClr val="tx1"/>
+                  </a:solidFill>
+                </a:ln>
+              </p:spPr>
+              <p:style>
+                <a:lnRef idx="2">
+                  <a:schemeClr val="accent1">
+                    <a:shade val="50000"/>
+                  </a:schemeClr>
+                </a:lnRef>
+                <a:fillRef idx="1">
+                  <a:schemeClr val="accent1"/>
+                </a:fillRef>
+                <a:effectRef idx="0">
+                  <a:schemeClr val="accent1"/>
+                </a:effectRef>
+                <a:fontRef idx="minor">
+                  <a:schemeClr val="lt1"/>
+                </a:fontRef>
+              </p:style>
+              <p:txBody>
+                <a:bodyPr rtlCol="0" anchor="ctr"/>
+                <a:lstStyle/>
+                <a:p>
+                  <a:pPr algn="ctr"/>
+                  <a:r>
+                    <a:rPr lang="en-US" dirty="0">
+                      <a:solidFill>
+                        <a:schemeClr val="tx1"/>
+                      </a:solidFill>
+                    </a:rPr>
+                    <a:t>bar</a:t>
+                  </a:r>
+                </a:p>
+              </p:txBody>
+            </p:sp>
+            <p:sp>
+              <p:nvSpPr>
+                <p:cNvPr id="73" name="Rectangle 72">
+                  <a:extLst>
+                    <a:ext uri="{FF2B5EF4-FFF2-40B4-BE49-F238E27FC236}">
+                      <a16:creationId xmlns:a16="http://schemas.microsoft.com/office/drawing/2014/main" id="{E2D46F78-5048-C406-40AF-D8576914E223}"/>
+                    </a:ext>
+                  </a:extLst>
+                </p:cNvPr>
+                <p:cNvSpPr/>
+                <p:nvPr/>
+              </p:nvSpPr>
+              <p:spPr>
+                <a:xfrm>
+                  <a:off x="3471747" y="602166"/>
+                  <a:ext cx="1360449" cy="520197"/>
+                </a:xfrm>
+                <a:prstGeom prst="rect">
+                  <a:avLst/>
+                </a:prstGeom>
+                <a:solidFill>
+                  <a:schemeClr val="accent3">
+                    <a:lumMod val="20000"/>
+                    <a:lumOff val="80000"/>
+                  </a:schemeClr>
+                </a:solidFill>
+                <a:ln w="28575">
+                  <a:solidFill>
+                    <a:schemeClr val="tx1"/>
+                  </a:solidFill>
+                </a:ln>
+              </p:spPr>
+              <p:style>
+                <a:lnRef idx="2">
+                  <a:schemeClr val="accent1">
+                    <a:shade val="50000"/>
+                  </a:schemeClr>
+                </a:lnRef>
+                <a:fillRef idx="1">
+                  <a:schemeClr val="accent1"/>
+                </a:fillRef>
+                <a:effectRef idx="0">
+                  <a:schemeClr val="accent1"/>
+                </a:effectRef>
+                <a:fontRef idx="minor">
+                  <a:schemeClr val="lt1"/>
+                </a:fontRef>
+              </p:style>
+              <p:txBody>
+                <a:bodyPr rtlCol="0" anchor="ctr"/>
+                <a:lstStyle/>
+                <a:p>
+                  <a:pPr algn="ctr"/>
+                  <a:r>
+                    <a:rPr lang="en-US" dirty="0" err="1">
+                      <a:solidFill>
+                        <a:schemeClr val="tx1"/>
+                      </a:solidFill>
+                    </a:rPr>
+                    <a:t>start_pos</a:t>
+                  </a:r>
+                  <a:endParaRPr lang="en-US" dirty="0">
+                    <a:solidFill>
+                      <a:schemeClr val="tx1"/>
+                    </a:solidFill>
+                  </a:endParaRPr>
+                </a:p>
+              </p:txBody>
+            </p:sp>
+            <p:sp>
+              <p:nvSpPr>
+                <p:cNvPr id="74" name="Rectangle 73">
+                  <a:extLst>
+                    <a:ext uri="{FF2B5EF4-FFF2-40B4-BE49-F238E27FC236}">
+                      <a16:creationId xmlns:a16="http://schemas.microsoft.com/office/drawing/2014/main" id="{7CB55F7C-C0AC-C013-7966-D7BAA1966EEE}"/>
+                    </a:ext>
+                  </a:extLst>
+                </p:cNvPr>
+                <p:cNvSpPr/>
+                <p:nvPr/>
+              </p:nvSpPr>
+              <p:spPr>
+                <a:xfrm>
+                  <a:off x="5125845" y="602166"/>
+                  <a:ext cx="1360449" cy="520197"/>
+                </a:xfrm>
+                <a:prstGeom prst="rect">
+                  <a:avLst/>
+                </a:prstGeom>
+                <a:solidFill>
+                  <a:schemeClr val="accent3">
+                    <a:lumMod val="20000"/>
+                    <a:lumOff val="80000"/>
+                  </a:schemeClr>
+                </a:solidFill>
+                <a:ln w="28575">
+                  <a:solidFill>
+                    <a:schemeClr val="tx1"/>
+                  </a:solidFill>
+                </a:ln>
+              </p:spPr>
+              <p:style>
+                <a:lnRef idx="2">
+                  <a:schemeClr val="accent1">
+                    <a:shade val="50000"/>
+                  </a:schemeClr>
+                </a:lnRef>
+                <a:fillRef idx="1">
+                  <a:schemeClr val="accent1"/>
+                </a:fillRef>
+                <a:effectRef idx="0">
+                  <a:schemeClr val="accent1"/>
+                </a:effectRef>
+                <a:fontRef idx="minor">
+                  <a:schemeClr val="lt1"/>
+                </a:fontRef>
+              </p:style>
+              <p:txBody>
+                <a:bodyPr rtlCol="0" anchor="ctr"/>
+                <a:lstStyle/>
+                <a:p>
+                  <a:pPr algn="ctr"/>
+                  <a:r>
+                    <a:rPr lang="en-US" dirty="0" err="1">
+                      <a:solidFill>
+                        <a:schemeClr val="tx1"/>
+                      </a:solidFill>
+                    </a:rPr>
+                    <a:t>note_dur</a:t>
+                  </a:r>
+                  <a:endParaRPr lang="en-US" dirty="0">
+                    <a:solidFill>
+                      <a:schemeClr val="tx1"/>
+                    </a:solidFill>
+                  </a:endParaRPr>
+                </a:p>
+              </p:txBody>
+            </p:sp>
+            <p:sp>
+              <p:nvSpPr>
+                <p:cNvPr id="75" name="Rectangle 74">
+                  <a:extLst>
+                    <a:ext uri="{FF2B5EF4-FFF2-40B4-BE49-F238E27FC236}">
+                      <a16:creationId xmlns:a16="http://schemas.microsoft.com/office/drawing/2014/main" id="{ECEF52B1-B64F-7F62-2EAF-782E9C8D0527}"/>
+                    </a:ext>
+                  </a:extLst>
+                </p:cNvPr>
+                <p:cNvSpPr/>
+                <p:nvPr/>
+              </p:nvSpPr>
+              <p:spPr>
+                <a:xfrm>
+                  <a:off x="6779943" y="602165"/>
+                  <a:ext cx="1360449" cy="520197"/>
+                </a:xfrm>
+                <a:prstGeom prst="rect">
+                  <a:avLst/>
+                </a:prstGeom>
+                <a:solidFill>
+                  <a:schemeClr val="accent3">
+                    <a:lumMod val="20000"/>
+                    <a:lumOff val="80000"/>
+                  </a:schemeClr>
+                </a:solidFill>
+                <a:ln w="28575">
+                  <a:solidFill>
+                    <a:schemeClr val="tx1"/>
+                  </a:solidFill>
+                </a:ln>
+              </p:spPr>
+              <p:style>
+                <a:lnRef idx="2">
+                  <a:schemeClr val="accent1">
+                    <a:shade val="50000"/>
+                  </a:schemeClr>
+                </a:lnRef>
+                <a:fillRef idx="1">
+                  <a:schemeClr val="accent1"/>
+                </a:fillRef>
+                <a:effectRef idx="0">
+                  <a:schemeClr val="accent1"/>
+                </a:effectRef>
+                <a:fontRef idx="minor">
+                  <a:schemeClr val="lt1"/>
+                </a:fontRef>
+              </p:style>
+              <p:txBody>
+                <a:bodyPr rtlCol="0" anchor="ctr"/>
+                <a:lstStyle/>
+                <a:p>
+                  <a:pPr algn="ctr"/>
+                  <a:r>
+                    <a:rPr lang="en-US" dirty="0" err="1">
+                      <a:solidFill>
+                        <a:schemeClr val="tx1"/>
+                      </a:solidFill>
+                    </a:rPr>
+                    <a:t>pitch_ins</a:t>
+                  </a:r>
+                  <a:endParaRPr lang="en-US" dirty="0">
+                    <a:solidFill>
+                      <a:schemeClr val="tx1"/>
+                    </a:solidFill>
+                  </a:endParaRPr>
+                </a:p>
+              </p:txBody>
+            </p:sp>
+            <p:sp>
+              <p:nvSpPr>
+                <p:cNvPr id="76" name="TextBox 75">
+                  <a:extLst>
+                    <a:ext uri="{FF2B5EF4-FFF2-40B4-BE49-F238E27FC236}">
+                      <a16:creationId xmlns:a16="http://schemas.microsoft.com/office/drawing/2014/main" id="{A436CDAE-D85F-FB99-646D-4DAC7CA6AF67}"/>
+                    </a:ext>
+                  </a:extLst>
+                </p:cNvPr>
+                <p:cNvSpPr txBox="1"/>
+                <p:nvPr/>
+              </p:nvSpPr>
+              <p:spPr>
+                <a:xfrm>
+                  <a:off x="8285355" y="680222"/>
+                  <a:ext cx="1702422" cy="369332"/>
+                </a:xfrm>
+                <a:prstGeom prst="rect">
+                  <a:avLst/>
+                </a:prstGeom>
+                <a:noFill/>
+              </p:spPr>
+              <p:txBody>
+                <a:bodyPr wrap="square" rtlCol="0">
+                  <a:spAutoFit/>
+                </a:bodyPr>
+                <a:lstStyle/>
+                <a:p>
+                  <a:r>
+                    <a:rPr lang="en-US" i="1" dirty="0"/>
+                    <a:t>Embeddings</a:t>
+                  </a:r>
+                </a:p>
+              </p:txBody>
+            </p:sp>
+            <p:cxnSp>
+              <p:nvCxnSpPr>
+                <p:cNvPr id="77" name="Straight Connector 76">
+                  <a:extLst>
+                    <a:ext uri="{FF2B5EF4-FFF2-40B4-BE49-F238E27FC236}">
+                      <a16:creationId xmlns:a16="http://schemas.microsoft.com/office/drawing/2014/main" id="{B309DB1F-1992-ECBF-AA29-07B57395D684}"/>
+                    </a:ext>
+                  </a:extLst>
+                </p:cNvPr>
+                <p:cNvCxnSpPr>
+                  <a:stCxn id="72" idx="2"/>
+                </p:cNvCxnSpPr>
+                <p:nvPr/>
+              </p:nvCxnSpPr>
+              <p:spPr>
+                <a:xfrm flipH="1">
+                  <a:off x="2497873" y="1122363"/>
+                  <a:ext cx="1" cy="338447"/>
+                </a:xfrm>
+                <a:prstGeom prst="line">
+                  <a:avLst/>
+                </a:prstGeom>
+                <a:ln w="28575">
+                  <a:solidFill>
+                    <a:schemeClr val="tx1"/>
+                  </a:solidFill>
+                </a:ln>
+              </p:spPr>
+              <p:style>
+                <a:lnRef idx="1">
+                  <a:schemeClr val="accent1"/>
+                </a:lnRef>
+                <a:fillRef idx="0">
+                  <a:schemeClr val="accent1"/>
+                </a:fillRef>
+                <a:effectRef idx="0">
+                  <a:schemeClr val="accent1"/>
+                </a:effectRef>
+                <a:fontRef idx="minor">
+                  <a:schemeClr val="tx1"/>
+                </a:fontRef>
+              </p:style>
+            </p:cxnSp>
+            <p:cxnSp>
+              <p:nvCxnSpPr>
+                <p:cNvPr id="78" name="Straight Connector 77">
+                  <a:extLst>
+                    <a:ext uri="{FF2B5EF4-FFF2-40B4-BE49-F238E27FC236}">
+                      <a16:creationId xmlns:a16="http://schemas.microsoft.com/office/drawing/2014/main" id="{34A04434-04DC-7957-C0DD-BA19D9419748}"/>
+                    </a:ext>
+                  </a:extLst>
+                </p:cNvPr>
+                <p:cNvCxnSpPr/>
+                <p:nvPr/>
+              </p:nvCxnSpPr>
+              <p:spPr>
+                <a:xfrm flipH="1">
+                  <a:off x="4151970" y="1111211"/>
+                  <a:ext cx="1" cy="338447"/>
+                </a:xfrm>
+                <a:prstGeom prst="line">
+                  <a:avLst/>
+                </a:prstGeom>
+                <a:ln w="28575">
+                  <a:solidFill>
+                    <a:schemeClr val="tx1"/>
+                  </a:solidFill>
+                </a:ln>
+              </p:spPr>
+              <p:style>
+                <a:lnRef idx="1">
+                  <a:schemeClr val="accent1"/>
+                </a:lnRef>
+                <a:fillRef idx="0">
+                  <a:schemeClr val="accent1"/>
+                </a:fillRef>
+                <a:effectRef idx="0">
+                  <a:schemeClr val="accent1"/>
+                </a:effectRef>
+                <a:fontRef idx="minor">
+                  <a:schemeClr val="tx1"/>
+                </a:fontRef>
+              </p:style>
+            </p:cxnSp>
+            <p:cxnSp>
+              <p:nvCxnSpPr>
+                <p:cNvPr id="79" name="Straight Connector 78">
+                  <a:extLst>
+                    <a:ext uri="{FF2B5EF4-FFF2-40B4-BE49-F238E27FC236}">
+                      <a16:creationId xmlns:a16="http://schemas.microsoft.com/office/drawing/2014/main" id="{57941A34-AE87-7FDD-67EF-BF5BFD220B6B}"/>
+                    </a:ext>
+                  </a:extLst>
+                </p:cNvPr>
+                <p:cNvCxnSpPr/>
+                <p:nvPr/>
+              </p:nvCxnSpPr>
+              <p:spPr>
+                <a:xfrm flipH="1">
+                  <a:off x="5806067" y="1133514"/>
+                  <a:ext cx="1" cy="338447"/>
+                </a:xfrm>
+                <a:prstGeom prst="line">
+                  <a:avLst/>
+                </a:prstGeom>
+                <a:ln w="28575">
+                  <a:solidFill>
+                    <a:schemeClr val="tx1"/>
+                  </a:solidFill>
+                </a:ln>
+              </p:spPr>
+              <p:style>
+                <a:lnRef idx="1">
+                  <a:schemeClr val="accent1"/>
+                </a:lnRef>
+                <a:fillRef idx="0">
+                  <a:schemeClr val="accent1"/>
+                </a:fillRef>
+                <a:effectRef idx="0">
+                  <a:schemeClr val="accent1"/>
+                </a:effectRef>
+                <a:fontRef idx="minor">
+                  <a:schemeClr val="tx1"/>
+                </a:fontRef>
+              </p:style>
+            </p:cxnSp>
+            <p:cxnSp>
+              <p:nvCxnSpPr>
+                <p:cNvPr id="80" name="Straight Connector 79">
+                  <a:extLst>
+                    <a:ext uri="{FF2B5EF4-FFF2-40B4-BE49-F238E27FC236}">
+                      <a16:creationId xmlns:a16="http://schemas.microsoft.com/office/drawing/2014/main" id="{56836D3B-C7C7-914C-241C-C3ED21D5D24D}"/>
+                    </a:ext>
+                  </a:extLst>
+                </p:cNvPr>
+                <p:cNvCxnSpPr/>
+                <p:nvPr/>
+              </p:nvCxnSpPr>
+              <p:spPr>
+                <a:xfrm flipH="1">
+                  <a:off x="7460164" y="1122362"/>
+                  <a:ext cx="1" cy="338447"/>
+                </a:xfrm>
+                <a:prstGeom prst="line">
+                  <a:avLst/>
+                </a:prstGeom>
+                <a:ln w="28575">
+                  <a:solidFill>
+                    <a:schemeClr val="tx1"/>
+                  </a:solidFill>
+                </a:ln>
+              </p:spPr>
+              <p:style>
+                <a:lnRef idx="1">
+                  <a:schemeClr val="accent1"/>
+                </a:lnRef>
+                <a:fillRef idx="0">
+                  <a:schemeClr val="accent1"/>
+                </a:fillRef>
+                <a:effectRef idx="0">
+                  <a:schemeClr val="accent1"/>
+                </a:effectRef>
+                <a:fontRef idx="minor">
+                  <a:schemeClr val="tx1"/>
+                </a:fontRef>
+              </p:style>
+            </p:cxnSp>
+            <p:sp>
+              <p:nvSpPr>
+                <p:cNvPr id="81" name="Rectangle 80">
+                  <a:extLst>
+                    <a:ext uri="{FF2B5EF4-FFF2-40B4-BE49-F238E27FC236}">
+                      <a16:creationId xmlns:a16="http://schemas.microsoft.com/office/drawing/2014/main" id="{0A3625A6-A85B-396C-9AE7-B02E8294462F}"/>
+                    </a:ext>
+                  </a:extLst>
+                </p:cNvPr>
+                <p:cNvSpPr/>
+                <p:nvPr/>
+              </p:nvSpPr>
+              <p:spPr>
+                <a:xfrm>
+                  <a:off x="1817649" y="1460810"/>
+                  <a:ext cx="6322733" cy="520197"/>
+                </a:xfrm>
+                <a:prstGeom prst="rect">
+                  <a:avLst/>
+                </a:prstGeom>
+                <a:noFill/>
+                <a:ln w="28575">
+                  <a:solidFill>
+                    <a:schemeClr val="tx1"/>
+                  </a:solidFill>
+                </a:ln>
+              </p:spPr>
+              <p:style>
+                <a:lnRef idx="2">
+                  <a:schemeClr val="accent1">
+                    <a:shade val="50000"/>
+                  </a:schemeClr>
+                </a:lnRef>
+                <a:fillRef idx="1">
+                  <a:schemeClr val="accent1"/>
+                </a:fillRef>
+                <a:effectRef idx="0">
+                  <a:schemeClr val="accent1"/>
+                </a:effectRef>
+                <a:fontRef idx="minor">
+                  <a:schemeClr val="lt1"/>
+                </a:fontRef>
+              </p:style>
+              <p:txBody>
+                <a:bodyPr rtlCol="0" anchor="ctr"/>
+                <a:lstStyle/>
+                <a:p>
+                  <a:pPr algn="ctr"/>
+                  <a:r>
+                    <a:rPr lang="en-US" dirty="0">
+                      <a:solidFill>
+                        <a:schemeClr val="tx1"/>
+                      </a:solidFill>
+                    </a:rPr>
+                    <a:t>concatenate</a:t>
+                  </a:r>
+                </a:p>
+              </p:txBody>
+            </p:sp>
+            <p:sp>
+              <p:nvSpPr>
+                <p:cNvPr id="82" name="Rectangle 81">
+                  <a:extLst>
+                    <a:ext uri="{FF2B5EF4-FFF2-40B4-BE49-F238E27FC236}">
+                      <a16:creationId xmlns:a16="http://schemas.microsoft.com/office/drawing/2014/main" id="{E6934EB4-F5EC-4034-D49A-1CFE2495206E}"/>
+                    </a:ext>
+                  </a:extLst>
+                </p:cNvPr>
+                <p:cNvSpPr/>
+                <p:nvPr/>
+              </p:nvSpPr>
+              <p:spPr>
+                <a:xfrm>
+                  <a:off x="4298789" y="2307172"/>
+                  <a:ext cx="1360449" cy="520197"/>
+                </a:xfrm>
+                <a:prstGeom prst="rect">
+                  <a:avLst/>
+                </a:prstGeom>
+                <a:solidFill>
+                  <a:schemeClr val="accent2">
+                    <a:lumMod val="20000"/>
+                    <a:lumOff val="80000"/>
+                  </a:schemeClr>
+                </a:solidFill>
+                <a:ln w="28575">
+                  <a:solidFill>
+                    <a:schemeClr val="tx1"/>
+                  </a:solidFill>
+                </a:ln>
+              </p:spPr>
+              <p:style>
+                <a:lnRef idx="2">
+                  <a:schemeClr val="accent1">
+                    <a:shade val="50000"/>
+                  </a:schemeClr>
+                </a:lnRef>
+                <a:fillRef idx="1">
+                  <a:schemeClr val="accent1"/>
+                </a:fillRef>
+                <a:effectRef idx="0">
+                  <a:schemeClr val="accent1"/>
+                </a:effectRef>
+                <a:fontRef idx="minor">
+                  <a:schemeClr val="lt1"/>
+                </a:fontRef>
+              </p:style>
+              <p:txBody>
+                <a:bodyPr rtlCol="0" anchor="ctr"/>
+                <a:lstStyle/>
+                <a:p>
+                  <a:pPr algn="ctr"/>
+                  <a:r>
+                    <a:rPr lang="en-US" dirty="0">
+                      <a:solidFill>
+                        <a:schemeClr val="tx1"/>
+                      </a:solidFill>
+                    </a:rPr>
+                    <a:t>linear</a:t>
+                  </a:r>
+                </a:p>
+              </p:txBody>
+            </p:sp>
+            <p:cxnSp>
+              <p:nvCxnSpPr>
+                <p:cNvPr id="83" name="Straight Connector 82">
+                  <a:extLst>
+                    <a:ext uri="{FF2B5EF4-FFF2-40B4-BE49-F238E27FC236}">
+                      <a16:creationId xmlns:a16="http://schemas.microsoft.com/office/drawing/2014/main" id="{C2F84CB1-3F77-B38F-FF3A-7B9EB90A1789}"/>
+                    </a:ext>
+                  </a:extLst>
+                </p:cNvPr>
+                <p:cNvCxnSpPr/>
+                <p:nvPr/>
+              </p:nvCxnSpPr>
+              <p:spPr>
+                <a:xfrm flipH="1">
+                  <a:off x="4979014" y="1968725"/>
+                  <a:ext cx="1" cy="338447"/>
+                </a:xfrm>
+                <a:prstGeom prst="line">
+                  <a:avLst/>
+                </a:prstGeom>
+                <a:ln w="28575">
+                  <a:solidFill>
+                    <a:schemeClr val="tx1"/>
+                  </a:solidFill>
+                </a:ln>
+              </p:spPr>
+              <p:style>
+                <a:lnRef idx="1">
+                  <a:schemeClr val="accent1"/>
+                </a:lnRef>
+                <a:fillRef idx="0">
+                  <a:schemeClr val="accent1"/>
+                </a:fillRef>
+                <a:effectRef idx="0">
+                  <a:schemeClr val="accent1"/>
+                </a:effectRef>
+                <a:fontRef idx="minor">
+                  <a:schemeClr val="tx1"/>
+                </a:fontRef>
+              </p:style>
+            </p:cxnSp>
+            <p:cxnSp>
+              <p:nvCxnSpPr>
+                <p:cNvPr id="84" name="Straight Connector 83">
+                  <a:extLst>
+                    <a:ext uri="{FF2B5EF4-FFF2-40B4-BE49-F238E27FC236}">
+                      <a16:creationId xmlns:a16="http://schemas.microsoft.com/office/drawing/2014/main" id="{5C7B2AC8-DFF6-3C37-CF7C-6B3CEAFEA2EF}"/>
+                    </a:ext>
+                  </a:extLst>
+                </p:cNvPr>
+                <p:cNvCxnSpPr/>
+                <p:nvPr/>
+              </p:nvCxnSpPr>
+              <p:spPr>
+                <a:xfrm flipH="1">
+                  <a:off x="4979013" y="2827369"/>
+                  <a:ext cx="1" cy="338447"/>
+                </a:xfrm>
+                <a:prstGeom prst="line">
+                  <a:avLst/>
+                </a:prstGeom>
+                <a:ln w="28575">
+                  <a:solidFill>
+                    <a:schemeClr val="tx1"/>
+                  </a:solidFill>
+                </a:ln>
+              </p:spPr>
+              <p:style>
+                <a:lnRef idx="1">
+                  <a:schemeClr val="accent1"/>
+                </a:lnRef>
+                <a:fillRef idx="0">
+                  <a:schemeClr val="accent1"/>
+                </a:fillRef>
+                <a:effectRef idx="0">
+                  <a:schemeClr val="accent1"/>
+                </a:effectRef>
+                <a:fontRef idx="minor">
+                  <a:schemeClr val="tx1"/>
+                </a:fontRef>
+              </p:style>
+            </p:cxnSp>
+            <p:sp>
+              <p:nvSpPr>
+                <p:cNvPr id="85" name="Rectangle 84">
+                  <a:extLst>
+                    <a:ext uri="{FF2B5EF4-FFF2-40B4-BE49-F238E27FC236}">
+                      <a16:creationId xmlns:a16="http://schemas.microsoft.com/office/drawing/2014/main" id="{44321AB7-D5BD-737A-3151-7BD897EEBB0E}"/>
+                    </a:ext>
+                  </a:extLst>
+                </p:cNvPr>
+                <p:cNvSpPr/>
+                <p:nvPr/>
+              </p:nvSpPr>
+              <p:spPr>
+                <a:xfrm>
+                  <a:off x="1934824" y="3069595"/>
+                  <a:ext cx="2217148" cy="520197"/>
+                </a:xfrm>
+                <a:prstGeom prst="rect">
+                  <a:avLst/>
+                </a:prstGeom>
+                <a:noFill/>
+                <a:ln w="28575">
+                  <a:solidFill>
+                    <a:schemeClr val="tx1"/>
+                  </a:solidFill>
+                </a:ln>
+              </p:spPr>
+              <p:style>
+                <a:lnRef idx="2">
+                  <a:schemeClr val="accent1">
+                    <a:shade val="50000"/>
+                  </a:schemeClr>
+                </a:lnRef>
+                <a:fillRef idx="1">
+                  <a:schemeClr val="accent1"/>
+                </a:fillRef>
+                <a:effectRef idx="0">
+                  <a:schemeClr val="accent1"/>
+                </a:effectRef>
+                <a:fontRef idx="minor">
+                  <a:schemeClr val="lt1"/>
+                </a:fontRef>
+              </p:style>
+              <p:txBody>
+                <a:bodyPr rtlCol="0" anchor="ctr"/>
+                <a:lstStyle/>
+                <a:p>
+                  <a:pPr algn="ctr"/>
+                  <a:r>
+                    <a:rPr lang="en-US" dirty="0">
+                      <a:solidFill>
+                        <a:schemeClr val="tx1"/>
+                      </a:solidFill>
+                    </a:rPr>
+                    <a:t>Positional encoding</a:t>
+                  </a:r>
+                </a:p>
+              </p:txBody>
+            </p:sp>
+            <p:cxnSp>
+              <p:nvCxnSpPr>
+                <p:cNvPr id="86" name="Straight Connector 85">
+                  <a:extLst>
+                    <a:ext uri="{FF2B5EF4-FFF2-40B4-BE49-F238E27FC236}">
+                      <a16:creationId xmlns:a16="http://schemas.microsoft.com/office/drawing/2014/main" id="{BB0C7242-C336-869B-5EC7-1E46F3811EA0}"/>
+                    </a:ext>
+                  </a:extLst>
+                </p:cNvPr>
+                <p:cNvCxnSpPr>
+                  <a:cxnSpLocks/>
+                </p:cNvCxnSpPr>
+                <p:nvPr/>
+              </p:nvCxnSpPr>
+              <p:spPr>
+                <a:xfrm flipH="1">
+                  <a:off x="4149224" y="3336236"/>
+                  <a:ext cx="682972" cy="1"/>
+                </a:xfrm>
+                <a:prstGeom prst="line">
+                  <a:avLst/>
+                </a:prstGeom>
+                <a:ln w="28575">
+                  <a:solidFill>
+                    <a:schemeClr val="tx1"/>
+                  </a:solidFill>
+                </a:ln>
+              </p:spPr>
+              <p:style>
+                <a:lnRef idx="1">
+                  <a:schemeClr val="accent1"/>
+                </a:lnRef>
+                <a:fillRef idx="0">
+                  <a:schemeClr val="accent1"/>
+                </a:fillRef>
+                <a:effectRef idx="0">
+                  <a:schemeClr val="accent1"/>
+                </a:effectRef>
+                <a:fontRef idx="minor">
+                  <a:schemeClr val="tx1"/>
+                </a:fontRef>
+              </p:style>
+            </p:cxnSp>
+            <p:sp>
+              <p:nvSpPr>
+                <p:cNvPr id="87" name="Rectangle 86">
+                  <a:extLst>
+                    <a:ext uri="{FF2B5EF4-FFF2-40B4-BE49-F238E27FC236}">
+                      <a16:creationId xmlns:a16="http://schemas.microsoft.com/office/drawing/2014/main" id="{8932A318-4C90-A592-3CCF-614E98BF4E12}"/>
+                    </a:ext>
+                  </a:extLst>
+                </p:cNvPr>
+                <p:cNvSpPr/>
+                <p:nvPr/>
+              </p:nvSpPr>
+              <p:spPr>
+                <a:xfrm>
+                  <a:off x="4298788" y="3059224"/>
+                  <a:ext cx="1360449" cy="520197"/>
+                </a:xfrm>
+                <a:prstGeom prst="rect">
+                  <a:avLst/>
+                </a:prstGeom>
+                <a:noFill/>
+                <a:ln w="28575">
+                  <a:noFill/>
+                </a:ln>
+              </p:spPr>
+              <p:style>
+                <a:lnRef idx="2">
+                  <a:schemeClr val="accent1">
+                    <a:shade val="50000"/>
+                  </a:schemeClr>
+                </a:lnRef>
+                <a:fillRef idx="1">
+                  <a:schemeClr val="accent1"/>
+                </a:fillRef>
+                <a:effectRef idx="0">
+                  <a:schemeClr val="accent1"/>
+                </a:effectRef>
+                <a:fontRef idx="minor">
+                  <a:schemeClr val="lt1"/>
+                </a:fontRef>
+              </p:style>
+              <p:txBody>
+                <a:bodyPr rtlCol="0" anchor="ctr"/>
+                <a:lstStyle/>
+                <a:p>
+                  <a:pPr algn="ctr"/>
+                  <a:r>
+                    <a:rPr lang="en-US" sz="3200" dirty="0">
+                      <a:solidFill>
+                        <a:schemeClr val="tx1"/>
+                      </a:solidFill>
+                    </a:rPr>
+                    <a:t>⊕</a:t>
+                  </a:r>
+                </a:p>
+              </p:txBody>
+            </p:sp>
+            <p:cxnSp>
+              <p:nvCxnSpPr>
+                <p:cNvPr id="88" name="Straight Connector 87">
+                  <a:extLst>
+                    <a:ext uri="{FF2B5EF4-FFF2-40B4-BE49-F238E27FC236}">
+                      <a16:creationId xmlns:a16="http://schemas.microsoft.com/office/drawing/2014/main" id="{310BE930-37DC-B357-E2C8-A5FF6309D520}"/>
+                    </a:ext>
+                  </a:extLst>
+                </p:cNvPr>
+                <p:cNvCxnSpPr/>
+                <p:nvPr/>
+              </p:nvCxnSpPr>
+              <p:spPr>
+                <a:xfrm flipH="1">
+                  <a:off x="4976265" y="3487375"/>
+                  <a:ext cx="1" cy="338447"/>
+                </a:xfrm>
+                <a:prstGeom prst="line">
+                  <a:avLst/>
+                </a:prstGeom>
+                <a:ln w="28575">
+                  <a:solidFill>
+                    <a:schemeClr val="tx1"/>
+                  </a:solidFill>
+                </a:ln>
+              </p:spPr>
+              <p:style>
+                <a:lnRef idx="1">
+                  <a:schemeClr val="accent1"/>
+                </a:lnRef>
+                <a:fillRef idx="0">
+                  <a:schemeClr val="accent1"/>
+                </a:fillRef>
+                <a:effectRef idx="0">
+                  <a:schemeClr val="accent1"/>
+                </a:effectRef>
+                <a:fontRef idx="minor">
+                  <a:schemeClr val="tx1"/>
+                </a:fontRef>
+              </p:style>
+            </p:cxnSp>
+            <p:sp>
+              <p:nvSpPr>
+                <p:cNvPr id="89" name="Rounded Rectangle 88">
+                  <a:extLst>
+                    <a:ext uri="{FF2B5EF4-FFF2-40B4-BE49-F238E27FC236}">
+                      <a16:creationId xmlns:a16="http://schemas.microsoft.com/office/drawing/2014/main" id="{8B55B30B-8371-91B5-4585-F195C4CDB6B4}"/>
+                    </a:ext>
+                  </a:extLst>
+                </p:cNvPr>
+                <p:cNvSpPr/>
+                <p:nvPr/>
+              </p:nvSpPr>
+              <p:spPr>
+                <a:xfrm>
+                  <a:off x="3617842" y="3825822"/>
+                  <a:ext cx="2729949" cy="522000"/>
+                </a:xfrm>
+                <a:prstGeom prst="roundRect">
+                  <a:avLst>
+                    <a:gd name="adj" fmla="val 50000"/>
+                  </a:avLst>
+                </a:prstGeom>
+                <a:solidFill>
+                  <a:schemeClr val="accent1">
+                    <a:lumMod val="20000"/>
+                    <a:lumOff val="80000"/>
+                  </a:schemeClr>
+                </a:solidFill>
+                <a:ln w="28575">
+                  <a:solidFill>
+                    <a:schemeClr val="tx1"/>
+                  </a:solidFill>
+                </a:ln>
+              </p:spPr>
+              <p:style>
+                <a:lnRef idx="2">
+                  <a:schemeClr val="accent6"/>
+                </a:lnRef>
+                <a:fillRef idx="1">
+                  <a:schemeClr val="lt1"/>
+                </a:fillRef>
+                <a:effectRef idx="0">
+                  <a:schemeClr val="accent6"/>
+                </a:effectRef>
+                <a:fontRef idx="minor">
+                  <a:schemeClr val="dk1"/>
+                </a:fontRef>
+              </p:style>
+              <p:txBody>
+                <a:bodyPr rtlCol="0" anchor="ctr"/>
+                <a:lstStyle/>
+                <a:p>
+                  <a:pPr algn="ctr"/>
+                  <a:r>
+                    <a:rPr lang="en-US" i="1" dirty="0"/>
+                    <a:t>N</a:t>
+                  </a:r>
+                  <a:r>
+                    <a:rPr lang="en-US" dirty="0"/>
+                    <a:t> x Transformer blocks</a:t>
+                  </a:r>
+                </a:p>
+              </p:txBody>
+            </p:sp>
+            <p:sp>
+              <p:nvSpPr>
+                <p:cNvPr id="90" name="Rectangle 89">
+                  <a:extLst>
+                    <a:ext uri="{FF2B5EF4-FFF2-40B4-BE49-F238E27FC236}">
+                      <a16:creationId xmlns:a16="http://schemas.microsoft.com/office/drawing/2014/main" id="{9ECAA05D-7B88-7611-6165-293FF999B912}"/>
+                    </a:ext>
+                  </a:extLst>
+                </p:cNvPr>
+                <p:cNvSpPr/>
+                <p:nvPr/>
+              </p:nvSpPr>
+              <p:spPr>
+                <a:xfrm>
+                  <a:off x="4518992" y="4711807"/>
+                  <a:ext cx="912210" cy="520197"/>
+                </a:xfrm>
+                <a:prstGeom prst="rect">
+                  <a:avLst/>
+                </a:prstGeom>
+                <a:noFill/>
+                <a:ln w="28575">
+                  <a:solidFill>
+                    <a:schemeClr val="tx1"/>
+                  </a:solidFill>
+                </a:ln>
+              </p:spPr>
+              <p:style>
+                <a:lnRef idx="2">
+                  <a:schemeClr val="accent1">
+                    <a:shade val="50000"/>
+                  </a:schemeClr>
+                </a:lnRef>
+                <a:fillRef idx="1">
+                  <a:schemeClr val="accent1"/>
+                </a:fillRef>
+                <a:effectRef idx="0">
+                  <a:schemeClr val="accent1"/>
+                </a:effectRef>
+                <a:fontRef idx="minor">
+                  <a:schemeClr val="lt1"/>
+                </a:fontRef>
+              </p:style>
+              <p:txBody>
+                <a:bodyPr rtlCol="0" anchor="ctr"/>
+                <a:lstStyle/>
+                <a:p>
+                  <a:pPr algn="ctr"/>
+                  <a:r>
+                    <a:rPr lang="en-US" i="1" dirty="0">
+                      <a:solidFill>
+                        <a:schemeClr val="tx1"/>
+                      </a:solidFill>
+                    </a:rPr>
+                    <a:t>h</a:t>
+                  </a:r>
+                </a:p>
+              </p:txBody>
+            </p:sp>
+            <p:cxnSp>
+              <p:nvCxnSpPr>
+                <p:cNvPr id="91" name="Straight Connector 90">
+                  <a:extLst>
+                    <a:ext uri="{FF2B5EF4-FFF2-40B4-BE49-F238E27FC236}">
+                      <a16:creationId xmlns:a16="http://schemas.microsoft.com/office/drawing/2014/main" id="{87A4F1D7-5BBA-735C-BD5A-1B45FA6A8284}"/>
+                    </a:ext>
+                  </a:extLst>
+                </p:cNvPr>
+                <p:cNvCxnSpPr/>
+                <p:nvPr/>
+              </p:nvCxnSpPr>
+              <p:spPr>
+                <a:xfrm flipH="1">
+                  <a:off x="4976264" y="4360591"/>
+                  <a:ext cx="1" cy="338447"/>
+                </a:xfrm>
+                <a:prstGeom prst="line">
+                  <a:avLst/>
+                </a:prstGeom>
+                <a:ln w="28575">
+                  <a:solidFill>
+                    <a:schemeClr val="tx1"/>
+                  </a:solidFill>
+                </a:ln>
+              </p:spPr>
+              <p:style>
+                <a:lnRef idx="1">
+                  <a:schemeClr val="accent1"/>
+                </a:lnRef>
+                <a:fillRef idx="0">
+                  <a:schemeClr val="accent1"/>
+                </a:fillRef>
+                <a:effectRef idx="0">
+                  <a:schemeClr val="accent1"/>
+                </a:effectRef>
+                <a:fontRef idx="minor">
+                  <a:schemeClr val="tx1"/>
+                </a:fontRef>
+              </p:style>
+            </p:cxnSp>
+          </p:grpSp>
+          <p:grpSp>
+            <p:nvGrpSpPr>
+              <p:cNvPr id="44" name="Group 43">
+                <a:extLst>
+                  <a:ext uri="{FF2B5EF4-FFF2-40B4-BE49-F238E27FC236}">
+                    <a16:creationId xmlns:a16="http://schemas.microsoft.com/office/drawing/2014/main" id="{01A005F7-1987-637C-81CA-0BB83CD39C6D}"/>
+                  </a:ext>
+                </a:extLst>
+              </p:cNvPr>
+              <p:cNvGrpSpPr/>
+              <p:nvPr/>
+            </p:nvGrpSpPr>
+            <p:grpSpPr>
+              <a:xfrm>
+                <a:off x="1817649" y="5315336"/>
+                <a:ext cx="8158658" cy="1726266"/>
+                <a:chOff x="1828476" y="4698790"/>
+                <a:chExt cx="8158658" cy="1726266"/>
+              </a:xfrm>
+            </p:grpSpPr>
+            <p:sp>
+              <p:nvSpPr>
+                <p:cNvPr id="54" name="TextBox 53">
+                  <a:extLst>
+                    <a:ext uri="{FF2B5EF4-FFF2-40B4-BE49-F238E27FC236}">
+                      <a16:creationId xmlns:a16="http://schemas.microsoft.com/office/drawing/2014/main" id="{C780FC6A-0842-11AB-0F04-82B2695BE1C6}"/>
+                    </a:ext>
+                  </a:extLst>
+                </p:cNvPr>
+                <p:cNvSpPr txBox="1"/>
+                <p:nvPr/>
+              </p:nvSpPr>
+              <p:spPr>
+                <a:xfrm>
+                  <a:off x="8284712" y="5980290"/>
+                  <a:ext cx="1702422" cy="369332"/>
+                </a:xfrm>
+                <a:prstGeom prst="rect">
+                  <a:avLst/>
+                </a:prstGeom>
+                <a:noFill/>
+              </p:spPr>
+              <p:txBody>
+                <a:bodyPr wrap="square" rtlCol="0">
+                  <a:spAutoFit/>
+                </a:bodyPr>
+                <a:lstStyle/>
+                <a:p>
+                  <a:r>
+                    <a:rPr lang="en-US" i="1" dirty="0"/>
+                    <a:t>Logits</a:t>
+                  </a:r>
+                </a:p>
+              </p:txBody>
+            </p:sp>
+            <p:grpSp>
+              <p:nvGrpSpPr>
+                <p:cNvPr id="55" name="Group 54">
+                  <a:extLst>
+                    <a:ext uri="{FF2B5EF4-FFF2-40B4-BE49-F238E27FC236}">
+                      <a16:creationId xmlns:a16="http://schemas.microsoft.com/office/drawing/2014/main" id="{E611BD20-59D0-F0C2-562A-7DC4F74AB255}"/>
+                    </a:ext>
+                  </a:extLst>
+                </p:cNvPr>
+                <p:cNvGrpSpPr/>
+                <p:nvPr/>
+              </p:nvGrpSpPr>
+              <p:grpSpPr>
+                <a:xfrm>
+                  <a:off x="1828476" y="4698790"/>
+                  <a:ext cx="6322744" cy="1726266"/>
+                  <a:chOff x="1828476" y="4698790"/>
+                  <a:chExt cx="6322744" cy="1726266"/>
+                </a:xfrm>
+              </p:grpSpPr>
+              <p:cxnSp>
+                <p:nvCxnSpPr>
+                  <p:cNvPr id="56" name="Straight Connector 55">
+                    <a:extLst>
+                      <a:ext uri="{FF2B5EF4-FFF2-40B4-BE49-F238E27FC236}">
+                        <a16:creationId xmlns:a16="http://schemas.microsoft.com/office/drawing/2014/main" id="{511D5038-A9D2-6F75-1D55-57010607B389}"/>
+                      </a:ext>
+                    </a:extLst>
+                  </p:cNvPr>
+                  <p:cNvCxnSpPr/>
+                  <p:nvPr/>
+                </p:nvCxnSpPr>
+                <p:spPr>
+                  <a:xfrm flipH="1">
+                    <a:off x="4151970" y="5555261"/>
+                    <a:ext cx="1" cy="338447"/>
+                  </a:xfrm>
+                  <a:prstGeom prst="line">
+                    <a:avLst/>
+                  </a:prstGeom>
+                  <a:ln w="28575">
+                    <a:solidFill>
+                      <a:schemeClr val="tx1"/>
+                    </a:solidFill>
+                  </a:ln>
+                </p:spPr>
+                <p:style>
+                  <a:lnRef idx="1">
+                    <a:schemeClr val="accent1"/>
+                  </a:lnRef>
+                  <a:fillRef idx="0">
+                    <a:schemeClr val="accent1"/>
+                  </a:fillRef>
+                  <a:effectRef idx="0">
+                    <a:schemeClr val="accent1"/>
+                  </a:effectRef>
+                  <a:fontRef idx="minor">
+                    <a:schemeClr val="tx1"/>
+                  </a:fontRef>
+                </p:style>
+              </p:cxnSp>
+              <p:cxnSp>
+                <p:nvCxnSpPr>
+                  <p:cNvPr id="57" name="Straight Connector 56">
+                    <a:extLst>
+                      <a:ext uri="{FF2B5EF4-FFF2-40B4-BE49-F238E27FC236}">
+                        <a16:creationId xmlns:a16="http://schemas.microsoft.com/office/drawing/2014/main" id="{69D896F5-E35B-713E-A343-DB9E22BF3E33}"/>
+                      </a:ext>
+                    </a:extLst>
+                  </p:cNvPr>
+                  <p:cNvCxnSpPr/>
+                  <p:nvPr/>
+                </p:nvCxnSpPr>
+                <p:spPr>
+                  <a:xfrm flipH="1">
+                    <a:off x="2497873" y="5566413"/>
+                    <a:ext cx="1" cy="338447"/>
+                  </a:xfrm>
+                  <a:prstGeom prst="line">
+                    <a:avLst/>
+                  </a:prstGeom>
+                  <a:ln w="28575">
+                    <a:solidFill>
+                      <a:schemeClr val="tx1"/>
+                    </a:solidFill>
+                  </a:ln>
+                </p:spPr>
+                <p:style>
+                  <a:lnRef idx="1">
+                    <a:schemeClr val="accent1"/>
+                  </a:lnRef>
+                  <a:fillRef idx="0">
+                    <a:schemeClr val="accent1"/>
+                  </a:fillRef>
+                  <a:effectRef idx="0">
+                    <a:schemeClr val="accent1"/>
+                  </a:effectRef>
+                  <a:fontRef idx="minor">
+                    <a:schemeClr val="tx1"/>
+                  </a:fontRef>
+                </p:style>
+              </p:cxnSp>
+              <p:cxnSp>
+                <p:nvCxnSpPr>
+                  <p:cNvPr id="58" name="Straight Connector 57">
+                    <a:extLst>
+                      <a:ext uri="{FF2B5EF4-FFF2-40B4-BE49-F238E27FC236}">
+                        <a16:creationId xmlns:a16="http://schemas.microsoft.com/office/drawing/2014/main" id="{594528AB-1FA8-54E8-EC39-FCE444BAF29C}"/>
+                      </a:ext>
+                    </a:extLst>
+                  </p:cNvPr>
+                  <p:cNvCxnSpPr/>
+                  <p:nvPr/>
+                </p:nvCxnSpPr>
+                <p:spPr>
+                  <a:xfrm flipH="1">
+                    <a:off x="5806067" y="5577564"/>
+                    <a:ext cx="1" cy="338447"/>
+                  </a:xfrm>
+                  <a:prstGeom prst="line">
+                    <a:avLst/>
+                  </a:prstGeom>
+                  <a:ln w="28575">
+                    <a:solidFill>
+                      <a:schemeClr val="tx1"/>
+                    </a:solidFill>
+                  </a:ln>
+                </p:spPr>
+                <p:style>
+                  <a:lnRef idx="1">
+                    <a:schemeClr val="accent1"/>
+                  </a:lnRef>
+                  <a:fillRef idx="0">
+                    <a:schemeClr val="accent1"/>
+                  </a:fillRef>
+                  <a:effectRef idx="0">
+                    <a:schemeClr val="accent1"/>
+                  </a:effectRef>
+                  <a:fontRef idx="minor">
+                    <a:schemeClr val="tx1"/>
+                  </a:fontRef>
+                </p:style>
+              </p:cxnSp>
+              <p:cxnSp>
+                <p:nvCxnSpPr>
+                  <p:cNvPr id="59" name="Straight Connector 58">
+                    <a:extLst>
+                      <a:ext uri="{FF2B5EF4-FFF2-40B4-BE49-F238E27FC236}">
+                        <a16:creationId xmlns:a16="http://schemas.microsoft.com/office/drawing/2014/main" id="{AF96D7CB-3D5E-B3B6-D457-A3226377E331}"/>
+                      </a:ext>
+                    </a:extLst>
+                  </p:cNvPr>
+                  <p:cNvCxnSpPr/>
+                  <p:nvPr/>
+                </p:nvCxnSpPr>
+                <p:spPr>
+                  <a:xfrm flipH="1">
+                    <a:off x="7460164" y="5566412"/>
+                    <a:ext cx="1" cy="338447"/>
+                  </a:xfrm>
+                  <a:prstGeom prst="line">
+                    <a:avLst/>
+                  </a:prstGeom>
+                  <a:ln w="28575">
+                    <a:solidFill>
+                      <a:schemeClr val="tx1"/>
+                    </a:solidFill>
+                  </a:ln>
+                </p:spPr>
+                <p:style>
+                  <a:lnRef idx="1">
+                    <a:schemeClr val="accent1"/>
+                  </a:lnRef>
+                  <a:fillRef idx="0">
+                    <a:schemeClr val="accent1"/>
+                  </a:fillRef>
+                  <a:effectRef idx="0">
+                    <a:schemeClr val="accent1"/>
+                  </a:effectRef>
+                  <a:fontRef idx="minor">
+                    <a:schemeClr val="tx1"/>
+                  </a:fontRef>
+                </p:style>
+              </p:cxnSp>
+              <p:sp>
+                <p:nvSpPr>
+                  <p:cNvPr id="60" name="Rectangle 59">
+                    <a:extLst>
+                      <a:ext uri="{FF2B5EF4-FFF2-40B4-BE49-F238E27FC236}">
+                        <a16:creationId xmlns:a16="http://schemas.microsoft.com/office/drawing/2014/main" id="{4C914CC1-5502-B844-D5E1-8BBDDE01DA2E}"/>
+                      </a:ext>
+                    </a:extLst>
+                  </p:cNvPr>
+                  <p:cNvSpPr/>
+                  <p:nvPr/>
+                </p:nvSpPr>
+                <p:spPr>
+                  <a:xfrm>
+                    <a:off x="1828477" y="5904859"/>
+                    <a:ext cx="1360449" cy="520197"/>
+                  </a:xfrm>
+                  <a:prstGeom prst="rect">
+                    <a:avLst/>
+                  </a:prstGeom>
+                  <a:solidFill>
+                    <a:schemeClr val="accent3">
+                      <a:lumMod val="20000"/>
+                      <a:lumOff val="80000"/>
+                    </a:schemeClr>
+                  </a:solidFill>
+                  <a:ln w="28575">
+                    <a:solidFill>
+                      <a:schemeClr val="tx1"/>
+                    </a:solidFill>
+                  </a:ln>
+                </p:spPr>
+                <p:style>
+                  <a:lnRef idx="2">
+                    <a:schemeClr val="accent1">
+                      <a:shade val="50000"/>
+                    </a:schemeClr>
+                  </a:lnRef>
+                  <a:fillRef idx="1">
+                    <a:schemeClr val="accent1"/>
+                  </a:fillRef>
+                  <a:effectRef idx="0">
+                    <a:schemeClr val="accent1"/>
+                  </a:effectRef>
+                  <a:fontRef idx="minor">
+                    <a:schemeClr val="lt1"/>
+                  </a:fontRef>
+                </p:style>
+                <p:txBody>
+                  <a:bodyPr rtlCol="0" anchor="ctr"/>
+                  <a:lstStyle/>
+                  <a:p>
+                    <a:pPr algn="ctr"/>
+                    <a:r>
+                      <a:rPr lang="en-US" dirty="0">
+                        <a:solidFill>
+                          <a:schemeClr val="tx1"/>
+                        </a:solidFill>
+                      </a:rPr>
+                      <a:t>bar</a:t>
+                    </a:r>
+                  </a:p>
+                </p:txBody>
+              </p:sp>
+              <p:sp>
+                <p:nvSpPr>
+                  <p:cNvPr id="61" name="Rectangle 60">
+                    <a:extLst>
+                      <a:ext uri="{FF2B5EF4-FFF2-40B4-BE49-F238E27FC236}">
+                        <a16:creationId xmlns:a16="http://schemas.microsoft.com/office/drawing/2014/main" id="{4E682988-ABFA-EF96-0CB7-44B79712E87E}"/>
+                      </a:ext>
+                    </a:extLst>
+                  </p:cNvPr>
+                  <p:cNvSpPr/>
+                  <p:nvPr/>
+                </p:nvSpPr>
+                <p:spPr>
+                  <a:xfrm>
+                    <a:off x="3482575" y="5904859"/>
+                    <a:ext cx="1360449" cy="520197"/>
+                  </a:xfrm>
+                  <a:prstGeom prst="rect">
+                    <a:avLst/>
+                  </a:prstGeom>
+                  <a:solidFill>
+                    <a:schemeClr val="accent3">
+                      <a:lumMod val="20000"/>
+                      <a:lumOff val="80000"/>
+                    </a:schemeClr>
+                  </a:solidFill>
+                  <a:ln w="28575">
+                    <a:solidFill>
+                      <a:schemeClr val="tx1"/>
+                    </a:solidFill>
+                  </a:ln>
+                </p:spPr>
+                <p:style>
+                  <a:lnRef idx="2">
+                    <a:schemeClr val="accent1">
+                      <a:shade val="50000"/>
+                    </a:schemeClr>
+                  </a:lnRef>
+                  <a:fillRef idx="1">
+                    <a:schemeClr val="accent1"/>
+                  </a:fillRef>
+                  <a:effectRef idx="0">
+                    <a:schemeClr val="accent1"/>
+                  </a:effectRef>
+                  <a:fontRef idx="minor">
+                    <a:schemeClr val="lt1"/>
+                  </a:fontRef>
+                </p:style>
+                <p:txBody>
+                  <a:bodyPr rtlCol="0" anchor="ctr"/>
+                  <a:lstStyle/>
+                  <a:p>
+                    <a:pPr algn="ctr"/>
+                    <a:r>
+                      <a:rPr lang="en-US" dirty="0" err="1">
+                        <a:solidFill>
+                          <a:schemeClr val="tx1"/>
+                        </a:solidFill>
+                      </a:rPr>
+                      <a:t>start_pos</a:t>
+                    </a:r>
+                    <a:endParaRPr lang="en-US" dirty="0">
+                      <a:solidFill>
+                        <a:schemeClr val="tx1"/>
+                      </a:solidFill>
+                    </a:endParaRPr>
+                  </a:p>
+                </p:txBody>
+              </p:sp>
+              <p:sp>
+                <p:nvSpPr>
+                  <p:cNvPr id="62" name="Rectangle 61">
+                    <a:extLst>
+                      <a:ext uri="{FF2B5EF4-FFF2-40B4-BE49-F238E27FC236}">
+                        <a16:creationId xmlns:a16="http://schemas.microsoft.com/office/drawing/2014/main" id="{FAA663DB-90DA-D637-0192-EA8DDECDFE21}"/>
+                      </a:ext>
+                    </a:extLst>
+                  </p:cNvPr>
+                  <p:cNvSpPr/>
+                  <p:nvPr/>
+                </p:nvSpPr>
+                <p:spPr>
+                  <a:xfrm>
+                    <a:off x="5136673" y="5904859"/>
+                    <a:ext cx="1360449" cy="520197"/>
+                  </a:xfrm>
+                  <a:prstGeom prst="rect">
+                    <a:avLst/>
+                  </a:prstGeom>
+                  <a:solidFill>
+                    <a:schemeClr val="accent3">
+                      <a:lumMod val="20000"/>
+                      <a:lumOff val="80000"/>
+                    </a:schemeClr>
+                  </a:solidFill>
+                  <a:ln w="28575">
+                    <a:solidFill>
+                      <a:schemeClr val="tx1"/>
+                    </a:solidFill>
+                  </a:ln>
+                </p:spPr>
+                <p:style>
+                  <a:lnRef idx="2">
+                    <a:schemeClr val="accent1">
+                      <a:shade val="50000"/>
+                    </a:schemeClr>
+                  </a:lnRef>
+                  <a:fillRef idx="1">
+                    <a:schemeClr val="accent1"/>
+                  </a:fillRef>
+                  <a:effectRef idx="0">
+                    <a:schemeClr val="accent1"/>
+                  </a:effectRef>
+                  <a:fontRef idx="minor">
+                    <a:schemeClr val="lt1"/>
+                  </a:fontRef>
+                </p:style>
+                <p:txBody>
+                  <a:bodyPr rtlCol="0" anchor="ctr"/>
+                  <a:lstStyle/>
+                  <a:p>
+                    <a:pPr algn="ctr"/>
+                    <a:r>
+                      <a:rPr lang="en-US" dirty="0" err="1">
+                        <a:solidFill>
+                          <a:schemeClr val="tx1"/>
+                        </a:solidFill>
+                      </a:rPr>
+                      <a:t>note_dur</a:t>
+                    </a:r>
+                    <a:endParaRPr lang="en-US" dirty="0">
+                      <a:solidFill>
+                        <a:schemeClr val="tx1"/>
+                      </a:solidFill>
+                    </a:endParaRPr>
+                  </a:p>
+                </p:txBody>
+              </p:sp>
+              <p:sp>
+                <p:nvSpPr>
+                  <p:cNvPr id="63" name="Rectangle 62">
+                    <a:extLst>
+                      <a:ext uri="{FF2B5EF4-FFF2-40B4-BE49-F238E27FC236}">
+                        <a16:creationId xmlns:a16="http://schemas.microsoft.com/office/drawing/2014/main" id="{9B778A84-1106-DB9E-7ECF-F91CE07C277D}"/>
+                      </a:ext>
+                    </a:extLst>
+                  </p:cNvPr>
+                  <p:cNvSpPr/>
+                  <p:nvPr/>
+                </p:nvSpPr>
+                <p:spPr>
+                  <a:xfrm>
+                    <a:off x="6790771" y="5904858"/>
+                    <a:ext cx="1360449" cy="520197"/>
+                  </a:xfrm>
+                  <a:prstGeom prst="rect">
+                    <a:avLst/>
+                  </a:prstGeom>
+                  <a:solidFill>
+                    <a:schemeClr val="accent3">
+                      <a:lumMod val="20000"/>
+                      <a:lumOff val="80000"/>
+                    </a:schemeClr>
+                  </a:solidFill>
+                  <a:ln w="28575">
+                    <a:solidFill>
+                      <a:schemeClr val="tx1"/>
+                    </a:solidFill>
+                  </a:ln>
+                </p:spPr>
+                <p:style>
+                  <a:lnRef idx="2">
+                    <a:schemeClr val="accent1">
+                      <a:shade val="50000"/>
+                    </a:schemeClr>
+                  </a:lnRef>
+                  <a:fillRef idx="1">
+                    <a:schemeClr val="accent1"/>
+                  </a:fillRef>
+                  <a:effectRef idx="0">
+                    <a:schemeClr val="accent1"/>
+                  </a:effectRef>
+                  <a:fontRef idx="minor">
+                    <a:schemeClr val="lt1"/>
+                  </a:fontRef>
+                </p:style>
+                <p:txBody>
+                  <a:bodyPr rtlCol="0" anchor="ctr"/>
+                  <a:lstStyle/>
+                  <a:p>
+                    <a:pPr algn="ctr"/>
+                    <a:r>
+                      <a:rPr lang="en-US" dirty="0" err="1">
+                        <a:solidFill>
+                          <a:schemeClr val="tx1"/>
+                        </a:solidFill>
+                      </a:rPr>
+                      <a:t>pitch_ins</a:t>
+                    </a:r>
+                    <a:endParaRPr lang="en-US" dirty="0">
+                      <a:solidFill>
+                        <a:schemeClr val="tx1"/>
+                      </a:solidFill>
+                    </a:endParaRPr>
+                  </a:p>
+                </p:txBody>
+              </p:sp>
+              <p:sp>
+                <p:nvSpPr>
+                  <p:cNvPr id="64" name="Rectangle 63">
+                    <a:extLst>
+                      <a:ext uri="{FF2B5EF4-FFF2-40B4-BE49-F238E27FC236}">
+                        <a16:creationId xmlns:a16="http://schemas.microsoft.com/office/drawing/2014/main" id="{81F48E20-738C-17D0-8F2E-AAB716AF80AD}"/>
+                      </a:ext>
+                    </a:extLst>
+                  </p:cNvPr>
+                  <p:cNvSpPr/>
+                  <p:nvPr/>
+                </p:nvSpPr>
+                <p:spPr>
+                  <a:xfrm>
+                    <a:off x="1828476" y="5046215"/>
+                    <a:ext cx="1360449" cy="520197"/>
+                  </a:xfrm>
+                  <a:prstGeom prst="rect">
+                    <a:avLst/>
+                  </a:prstGeom>
+                  <a:solidFill>
+                    <a:schemeClr val="accent2">
+                      <a:lumMod val="20000"/>
+                      <a:lumOff val="80000"/>
+                    </a:schemeClr>
+                  </a:solidFill>
+                  <a:ln w="28575">
+                    <a:solidFill>
+                      <a:schemeClr val="tx1"/>
+                    </a:solidFill>
+                  </a:ln>
+                </p:spPr>
+                <p:style>
+                  <a:lnRef idx="2">
+                    <a:schemeClr val="accent1">
+                      <a:shade val="50000"/>
+                    </a:schemeClr>
+                  </a:lnRef>
+                  <a:fillRef idx="1">
+                    <a:schemeClr val="accent1"/>
+                  </a:fillRef>
+                  <a:effectRef idx="0">
+                    <a:schemeClr val="accent1"/>
+                  </a:effectRef>
+                  <a:fontRef idx="minor">
+                    <a:schemeClr val="lt1"/>
+                  </a:fontRef>
+                </p:style>
+                <p:txBody>
+                  <a:bodyPr rtlCol="0" anchor="ctr"/>
+                  <a:lstStyle/>
+                  <a:p>
+                    <a:pPr algn="ctr"/>
+                    <a:r>
+                      <a:rPr lang="en-US" dirty="0">
+                        <a:solidFill>
+                          <a:schemeClr val="tx1"/>
+                        </a:solidFill>
+                      </a:rPr>
+                      <a:t>linear</a:t>
+                    </a:r>
+                  </a:p>
+                </p:txBody>
+              </p:sp>
+              <p:sp>
+                <p:nvSpPr>
+                  <p:cNvPr id="65" name="Rectangle 64">
+                    <a:extLst>
+                      <a:ext uri="{FF2B5EF4-FFF2-40B4-BE49-F238E27FC236}">
+                        <a16:creationId xmlns:a16="http://schemas.microsoft.com/office/drawing/2014/main" id="{3395E798-98EA-EBD9-F867-DFA0956B29B5}"/>
+                      </a:ext>
+                    </a:extLst>
+                  </p:cNvPr>
+                  <p:cNvSpPr/>
+                  <p:nvPr/>
+                </p:nvSpPr>
+                <p:spPr>
+                  <a:xfrm>
+                    <a:off x="3482572" y="5057367"/>
+                    <a:ext cx="1360449" cy="520197"/>
+                  </a:xfrm>
+                  <a:prstGeom prst="rect">
+                    <a:avLst/>
+                  </a:prstGeom>
+                  <a:solidFill>
+                    <a:schemeClr val="accent2">
+                      <a:lumMod val="20000"/>
+                      <a:lumOff val="80000"/>
+                    </a:schemeClr>
+                  </a:solidFill>
+                  <a:ln w="28575">
+                    <a:solidFill>
+                      <a:schemeClr val="tx1"/>
+                    </a:solidFill>
+                  </a:ln>
+                </p:spPr>
+                <p:style>
+                  <a:lnRef idx="2">
+                    <a:schemeClr val="accent1">
+                      <a:shade val="50000"/>
+                    </a:schemeClr>
+                  </a:lnRef>
+                  <a:fillRef idx="1">
+                    <a:schemeClr val="accent1"/>
+                  </a:fillRef>
+                  <a:effectRef idx="0">
+                    <a:schemeClr val="accent1"/>
+                  </a:effectRef>
+                  <a:fontRef idx="minor">
+                    <a:schemeClr val="lt1"/>
+                  </a:fontRef>
+                </p:style>
+                <p:txBody>
+                  <a:bodyPr rtlCol="0" anchor="ctr"/>
+                  <a:lstStyle/>
+                  <a:p>
+                    <a:pPr algn="ctr"/>
+                    <a:r>
+                      <a:rPr lang="en-US" dirty="0">
+                        <a:solidFill>
+                          <a:schemeClr val="tx1"/>
+                        </a:solidFill>
+                      </a:rPr>
+                      <a:t>linear</a:t>
+                    </a:r>
+                  </a:p>
+                </p:txBody>
+              </p:sp>
+              <p:sp>
+                <p:nvSpPr>
+                  <p:cNvPr id="66" name="Rectangle 65">
+                    <a:extLst>
+                      <a:ext uri="{FF2B5EF4-FFF2-40B4-BE49-F238E27FC236}">
+                        <a16:creationId xmlns:a16="http://schemas.microsoft.com/office/drawing/2014/main" id="{C0E584FB-7E9A-0CEA-1EF0-119154D63D58}"/>
+                      </a:ext>
+                    </a:extLst>
+                  </p:cNvPr>
+                  <p:cNvSpPr/>
+                  <p:nvPr/>
+                </p:nvSpPr>
+                <p:spPr>
+                  <a:xfrm>
+                    <a:off x="5136668" y="5050561"/>
+                    <a:ext cx="1360449" cy="520197"/>
+                  </a:xfrm>
+                  <a:prstGeom prst="rect">
+                    <a:avLst/>
+                  </a:prstGeom>
+                  <a:solidFill>
+                    <a:schemeClr val="accent2">
+                      <a:lumMod val="20000"/>
+                      <a:lumOff val="80000"/>
+                    </a:schemeClr>
+                  </a:solidFill>
+                  <a:ln w="28575">
+                    <a:solidFill>
+                      <a:schemeClr val="tx1"/>
+                    </a:solidFill>
+                  </a:ln>
+                </p:spPr>
+                <p:style>
+                  <a:lnRef idx="2">
+                    <a:schemeClr val="accent1">
+                      <a:shade val="50000"/>
+                    </a:schemeClr>
+                  </a:lnRef>
+                  <a:fillRef idx="1">
+                    <a:schemeClr val="accent1"/>
+                  </a:fillRef>
+                  <a:effectRef idx="0">
+                    <a:schemeClr val="accent1"/>
+                  </a:effectRef>
+                  <a:fontRef idx="minor">
+                    <a:schemeClr val="lt1"/>
+                  </a:fontRef>
+                </p:style>
+                <p:txBody>
+                  <a:bodyPr rtlCol="0" anchor="ctr"/>
+                  <a:lstStyle/>
+                  <a:p>
+                    <a:pPr algn="ctr"/>
+                    <a:r>
+                      <a:rPr lang="en-US" dirty="0">
+                        <a:solidFill>
+                          <a:schemeClr val="tx1"/>
+                        </a:solidFill>
+                      </a:rPr>
+                      <a:t>linear</a:t>
+                    </a:r>
+                  </a:p>
+                </p:txBody>
+              </p:sp>
+              <p:sp>
+                <p:nvSpPr>
+                  <p:cNvPr id="67" name="Rectangle 66">
+                    <a:extLst>
+                      <a:ext uri="{FF2B5EF4-FFF2-40B4-BE49-F238E27FC236}">
+                        <a16:creationId xmlns:a16="http://schemas.microsoft.com/office/drawing/2014/main" id="{0F51AE24-D8A0-11DC-87D1-9CD065F89A8A}"/>
+                      </a:ext>
+                    </a:extLst>
+                  </p:cNvPr>
+                  <p:cNvSpPr/>
+                  <p:nvPr/>
+                </p:nvSpPr>
+                <p:spPr>
+                  <a:xfrm>
+                    <a:off x="6790764" y="5061713"/>
+                    <a:ext cx="1360449" cy="520197"/>
+                  </a:xfrm>
+                  <a:prstGeom prst="rect">
+                    <a:avLst/>
+                  </a:prstGeom>
+                  <a:solidFill>
+                    <a:schemeClr val="accent2">
+                      <a:lumMod val="20000"/>
+                      <a:lumOff val="80000"/>
+                    </a:schemeClr>
+                  </a:solidFill>
+                  <a:ln w="28575">
+                    <a:solidFill>
+                      <a:schemeClr val="tx1"/>
+                    </a:solidFill>
+                  </a:ln>
+                </p:spPr>
+                <p:style>
+                  <a:lnRef idx="2">
+                    <a:schemeClr val="accent1">
+                      <a:shade val="50000"/>
+                    </a:schemeClr>
+                  </a:lnRef>
+                  <a:fillRef idx="1">
+                    <a:schemeClr val="accent1"/>
+                  </a:fillRef>
+                  <a:effectRef idx="0">
+                    <a:schemeClr val="accent1"/>
+                  </a:effectRef>
+                  <a:fontRef idx="minor">
+                    <a:schemeClr val="lt1"/>
+                  </a:fontRef>
+                </p:style>
+                <p:txBody>
+                  <a:bodyPr rtlCol="0" anchor="ctr"/>
+                  <a:lstStyle/>
+                  <a:p>
+                    <a:pPr algn="ctr"/>
+                    <a:r>
+                      <a:rPr lang="en-US" dirty="0">
+                        <a:solidFill>
+                          <a:schemeClr val="tx1"/>
+                        </a:solidFill>
+                      </a:rPr>
+                      <a:t>linear</a:t>
+                    </a:r>
+                  </a:p>
+                </p:txBody>
+              </p:sp>
+              <p:cxnSp>
+                <p:nvCxnSpPr>
+                  <p:cNvPr id="68" name="Straight Connector 67">
+                    <a:extLst>
+                      <a:ext uri="{FF2B5EF4-FFF2-40B4-BE49-F238E27FC236}">
+                        <a16:creationId xmlns:a16="http://schemas.microsoft.com/office/drawing/2014/main" id="{6464C62F-4829-3C7B-759F-889F8A907C96}"/>
+                      </a:ext>
+                    </a:extLst>
+                  </p:cNvPr>
+                  <p:cNvCxnSpPr/>
+                  <p:nvPr/>
+                </p:nvCxnSpPr>
+                <p:spPr>
+                  <a:xfrm flipH="1">
+                    <a:off x="2497873" y="4698790"/>
+                    <a:ext cx="1" cy="338447"/>
+                  </a:xfrm>
+                  <a:prstGeom prst="line">
+                    <a:avLst/>
+                  </a:prstGeom>
+                  <a:ln w="28575">
+                    <a:solidFill>
+                      <a:schemeClr val="tx1"/>
+                    </a:solidFill>
+                  </a:ln>
+                </p:spPr>
+                <p:style>
+                  <a:lnRef idx="1">
+                    <a:schemeClr val="accent1"/>
+                  </a:lnRef>
+                  <a:fillRef idx="0">
+                    <a:schemeClr val="accent1"/>
+                  </a:fillRef>
+                  <a:effectRef idx="0">
+                    <a:schemeClr val="accent1"/>
+                  </a:effectRef>
+                  <a:fontRef idx="minor">
+                    <a:schemeClr val="tx1"/>
+                  </a:fontRef>
+                </p:style>
+              </p:cxnSp>
+              <p:cxnSp>
+                <p:nvCxnSpPr>
+                  <p:cNvPr id="69" name="Straight Connector 68">
+                    <a:extLst>
+                      <a:ext uri="{FF2B5EF4-FFF2-40B4-BE49-F238E27FC236}">
+                        <a16:creationId xmlns:a16="http://schemas.microsoft.com/office/drawing/2014/main" id="{F46EB734-1BF8-21B1-B232-0F147987779D}"/>
+                      </a:ext>
+                    </a:extLst>
+                  </p:cNvPr>
+                  <p:cNvCxnSpPr/>
+                  <p:nvPr/>
+                </p:nvCxnSpPr>
+                <p:spPr>
+                  <a:xfrm flipH="1">
+                    <a:off x="4151970" y="4714142"/>
+                    <a:ext cx="1" cy="338447"/>
+                  </a:xfrm>
+                  <a:prstGeom prst="line">
+                    <a:avLst/>
+                  </a:prstGeom>
+                  <a:ln w="28575">
+                    <a:solidFill>
+                      <a:schemeClr val="tx1"/>
+                    </a:solidFill>
+                  </a:ln>
+                </p:spPr>
+                <p:style>
+                  <a:lnRef idx="1">
+                    <a:schemeClr val="accent1"/>
+                  </a:lnRef>
+                  <a:fillRef idx="0">
+                    <a:schemeClr val="accent1"/>
+                  </a:fillRef>
+                  <a:effectRef idx="0">
+                    <a:schemeClr val="accent1"/>
+                  </a:effectRef>
+                  <a:fontRef idx="minor">
+                    <a:schemeClr val="tx1"/>
+                  </a:fontRef>
+                </p:style>
+              </p:cxnSp>
+              <p:cxnSp>
+                <p:nvCxnSpPr>
+                  <p:cNvPr id="70" name="Straight Connector 69">
+                    <a:extLst>
+                      <a:ext uri="{FF2B5EF4-FFF2-40B4-BE49-F238E27FC236}">
+                        <a16:creationId xmlns:a16="http://schemas.microsoft.com/office/drawing/2014/main" id="{F3F85A13-8E6B-CDEB-61ED-8BE002149658}"/>
+                      </a:ext>
+                    </a:extLst>
+                  </p:cNvPr>
+                  <p:cNvCxnSpPr/>
+                  <p:nvPr/>
+                </p:nvCxnSpPr>
+                <p:spPr>
+                  <a:xfrm flipH="1">
+                    <a:off x="5806067" y="4709941"/>
+                    <a:ext cx="1" cy="338447"/>
+                  </a:xfrm>
+                  <a:prstGeom prst="line">
+                    <a:avLst/>
+                  </a:prstGeom>
+                  <a:ln w="28575">
+                    <a:solidFill>
+                      <a:schemeClr val="tx1"/>
+                    </a:solidFill>
+                  </a:ln>
+                </p:spPr>
+                <p:style>
+                  <a:lnRef idx="1">
+                    <a:schemeClr val="accent1"/>
+                  </a:lnRef>
+                  <a:fillRef idx="0">
+                    <a:schemeClr val="accent1"/>
+                  </a:fillRef>
+                  <a:effectRef idx="0">
+                    <a:schemeClr val="accent1"/>
+                  </a:effectRef>
+                  <a:fontRef idx="minor">
+                    <a:schemeClr val="tx1"/>
+                  </a:fontRef>
+                </p:style>
+              </p:cxnSp>
+              <p:cxnSp>
+                <p:nvCxnSpPr>
+                  <p:cNvPr id="71" name="Straight Connector 70">
+                    <a:extLst>
+                      <a:ext uri="{FF2B5EF4-FFF2-40B4-BE49-F238E27FC236}">
+                        <a16:creationId xmlns:a16="http://schemas.microsoft.com/office/drawing/2014/main" id="{B8F9402F-7297-CC3A-8466-DDC073DCACE4}"/>
+                      </a:ext>
+                    </a:extLst>
+                  </p:cNvPr>
+                  <p:cNvCxnSpPr/>
+                  <p:nvPr/>
+                </p:nvCxnSpPr>
+                <p:spPr>
+                  <a:xfrm flipH="1">
+                    <a:off x="7460164" y="4712041"/>
+                    <a:ext cx="1" cy="338447"/>
+                  </a:xfrm>
+                  <a:prstGeom prst="line">
+                    <a:avLst/>
+                  </a:prstGeom>
+                  <a:ln w="28575">
+                    <a:solidFill>
+                      <a:schemeClr val="tx1"/>
+                    </a:solidFill>
+                  </a:ln>
+                </p:spPr>
+                <p:style>
+                  <a:lnRef idx="1">
+                    <a:schemeClr val="accent1"/>
+                  </a:lnRef>
+                  <a:fillRef idx="0">
+                    <a:schemeClr val="accent1"/>
+                  </a:fillRef>
+                  <a:effectRef idx="0">
+                    <a:schemeClr val="accent1"/>
+                  </a:effectRef>
+                  <a:fontRef idx="minor">
+                    <a:schemeClr val="tx1"/>
+                  </a:fontRef>
+                </p:style>
+              </p:cxnSp>
+            </p:grpSp>
+          </p:grpSp>
+          <p:cxnSp>
+            <p:nvCxnSpPr>
+              <p:cNvPr id="50" name="Straight Connector 49">
+                <a:extLst>
+                  <a:ext uri="{FF2B5EF4-FFF2-40B4-BE49-F238E27FC236}">
+                    <a16:creationId xmlns:a16="http://schemas.microsoft.com/office/drawing/2014/main" id="{B13B4409-6694-29C2-339D-BA379C645212}"/>
                   </a:ext>
                 </a:extLst>
               </p:cNvPr>
@@ -3421,7 +7047,7 @@
             </p:nvCxnSpPr>
             <p:spPr>
               <a:xfrm flipH="1">
-                <a:off x="4151970" y="1111211"/>
+                <a:off x="4982816" y="4980213"/>
                 <a:ext cx="1" cy="338447"/>
               </a:xfrm>
               <a:prstGeom prst="line">
@@ -3450,356 +7076,10 @@
           </p:cxnSp>
           <p:cxnSp>
             <p:nvCxnSpPr>
-              <p:cNvPr id="12" name="Straight Connector 11">
+              <p:cNvPr id="53" name="Straight Connector 52">
                 <a:extLst>
                   <a:ext uri="{FF2B5EF4-FFF2-40B4-BE49-F238E27FC236}">
-                    <a16:creationId xmlns:a16="http://schemas.microsoft.com/office/drawing/2014/main" id="{3CAB0394-5EEE-8720-9A98-43F70BE4C93A}"/>
-                  </a:ext>
-                </a:extLst>
-              </p:cNvPr>
-              <p:cNvCxnSpPr/>
-              <p:nvPr/>
-            </p:nvCxnSpPr>
-            <p:spPr>
-              <a:xfrm flipH="1">
-                <a:off x="5806067" y="1133514"/>
-                <a:ext cx="1" cy="338447"/>
-              </a:xfrm>
-              <a:prstGeom prst="line">
-                <a:avLst/>
-              </a:prstGeom>
-              <a:ln w="28575">
-                <a:solidFill>
-                  <a:schemeClr val="tx1"/>
-                </a:solidFill>
-              </a:ln>
-            </p:spPr>
-            <p:style>
-              <a:lnRef idx="1">
-                <a:schemeClr val="accent1"/>
-              </a:lnRef>
-              <a:fillRef idx="0">
-                <a:schemeClr val="accent1"/>
-              </a:fillRef>
-              <a:effectRef idx="0">
-                <a:schemeClr val="accent1"/>
-              </a:effectRef>
-              <a:fontRef idx="minor">
-                <a:schemeClr val="tx1"/>
-              </a:fontRef>
-            </p:style>
-          </p:cxnSp>
-          <p:cxnSp>
-            <p:nvCxnSpPr>
-              <p:cNvPr id="13" name="Straight Connector 12">
-                <a:extLst>
-                  <a:ext uri="{FF2B5EF4-FFF2-40B4-BE49-F238E27FC236}">
-                    <a16:creationId xmlns:a16="http://schemas.microsoft.com/office/drawing/2014/main" id="{5E58AC89-D51E-AE74-BEBD-86502C82A1A2}"/>
-                  </a:ext>
-                </a:extLst>
-              </p:cNvPr>
-              <p:cNvCxnSpPr/>
-              <p:nvPr/>
-            </p:nvCxnSpPr>
-            <p:spPr>
-              <a:xfrm flipH="1">
-                <a:off x="7460164" y="1122362"/>
-                <a:ext cx="1" cy="338447"/>
-              </a:xfrm>
-              <a:prstGeom prst="line">
-                <a:avLst/>
-              </a:prstGeom>
-              <a:ln w="28575">
-                <a:solidFill>
-                  <a:schemeClr val="tx1"/>
-                </a:solidFill>
-              </a:ln>
-            </p:spPr>
-            <p:style>
-              <a:lnRef idx="1">
-                <a:schemeClr val="accent1"/>
-              </a:lnRef>
-              <a:fillRef idx="0">
-                <a:schemeClr val="accent1"/>
-              </a:fillRef>
-              <a:effectRef idx="0">
-                <a:schemeClr val="accent1"/>
-              </a:effectRef>
-              <a:fontRef idx="minor">
-                <a:schemeClr val="tx1"/>
-              </a:fontRef>
-            </p:style>
-          </p:cxnSp>
-          <p:sp>
-            <p:nvSpPr>
-              <p:cNvPr id="14" name="Rectangle 13">
-                <a:extLst>
-                  <a:ext uri="{FF2B5EF4-FFF2-40B4-BE49-F238E27FC236}">
-                    <a16:creationId xmlns:a16="http://schemas.microsoft.com/office/drawing/2014/main" id="{A8A94ADC-BBA4-F4F4-13BA-FDF4BF022169}"/>
-                  </a:ext>
-                </a:extLst>
-              </p:cNvPr>
-              <p:cNvSpPr/>
-              <p:nvPr/>
-            </p:nvSpPr>
-            <p:spPr>
-              <a:xfrm>
-                <a:off x="1817649" y="1460810"/>
-                <a:ext cx="6322733" cy="520197"/>
-              </a:xfrm>
-              <a:prstGeom prst="rect">
-                <a:avLst/>
-              </a:prstGeom>
-              <a:noFill/>
-              <a:ln w="28575">
-                <a:solidFill>
-                  <a:schemeClr val="tx1"/>
-                </a:solidFill>
-              </a:ln>
-            </p:spPr>
-            <p:style>
-              <a:lnRef idx="2">
-                <a:schemeClr val="accent1">
-                  <a:shade val="50000"/>
-                </a:schemeClr>
-              </a:lnRef>
-              <a:fillRef idx="1">
-                <a:schemeClr val="accent1"/>
-              </a:fillRef>
-              <a:effectRef idx="0">
-                <a:schemeClr val="accent1"/>
-              </a:effectRef>
-              <a:fontRef idx="minor">
-                <a:schemeClr val="lt1"/>
-              </a:fontRef>
-            </p:style>
-            <p:txBody>
-              <a:bodyPr rtlCol="0" anchor="ctr"/>
-              <a:lstStyle/>
-              <a:p>
-                <a:pPr algn="ctr"/>
-                <a:r>
-                  <a:rPr lang="en-US" dirty="0">
-                    <a:solidFill>
-                      <a:schemeClr val="tx1"/>
-                    </a:solidFill>
-                  </a:rPr>
-                  <a:t>concatenate</a:t>
-                </a:r>
-              </a:p>
-            </p:txBody>
-          </p:sp>
-          <p:sp>
-            <p:nvSpPr>
-              <p:cNvPr id="15" name="Rectangle 14">
-                <a:extLst>
-                  <a:ext uri="{FF2B5EF4-FFF2-40B4-BE49-F238E27FC236}">
-                    <a16:creationId xmlns:a16="http://schemas.microsoft.com/office/drawing/2014/main" id="{01B68088-E329-ED65-62C1-8BA76BE29F7D}"/>
-                  </a:ext>
-                </a:extLst>
-              </p:cNvPr>
-              <p:cNvSpPr/>
-              <p:nvPr/>
-            </p:nvSpPr>
-            <p:spPr>
-              <a:xfrm>
-                <a:off x="4298789" y="2307172"/>
-                <a:ext cx="1360449" cy="520197"/>
-              </a:xfrm>
-              <a:prstGeom prst="rect">
-                <a:avLst/>
-              </a:prstGeom>
-              <a:solidFill>
-                <a:schemeClr val="accent2">
-                  <a:lumMod val="20000"/>
-                  <a:lumOff val="80000"/>
-                </a:schemeClr>
-              </a:solidFill>
-              <a:ln w="28575">
-                <a:solidFill>
-                  <a:schemeClr val="tx1"/>
-                </a:solidFill>
-              </a:ln>
-            </p:spPr>
-            <p:style>
-              <a:lnRef idx="2">
-                <a:schemeClr val="accent1">
-                  <a:shade val="50000"/>
-                </a:schemeClr>
-              </a:lnRef>
-              <a:fillRef idx="1">
-                <a:schemeClr val="accent1"/>
-              </a:fillRef>
-              <a:effectRef idx="0">
-                <a:schemeClr val="accent1"/>
-              </a:effectRef>
-              <a:fontRef idx="minor">
-                <a:schemeClr val="lt1"/>
-              </a:fontRef>
-            </p:style>
-            <p:txBody>
-              <a:bodyPr rtlCol="0" anchor="ctr"/>
-              <a:lstStyle/>
-              <a:p>
-                <a:pPr algn="ctr"/>
-                <a:r>
-                  <a:rPr lang="en-US" dirty="0">
-                    <a:solidFill>
-                      <a:schemeClr val="tx1"/>
-                    </a:solidFill>
-                  </a:rPr>
-                  <a:t>linear</a:t>
-                </a:r>
-              </a:p>
-            </p:txBody>
-          </p:sp>
-          <p:cxnSp>
-            <p:nvCxnSpPr>
-              <p:cNvPr id="16" name="Straight Connector 15">
-                <a:extLst>
-                  <a:ext uri="{FF2B5EF4-FFF2-40B4-BE49-F238E27FC236}">
-                    <a16:creationId xmlns:a16="http://schemas.microsoft.com/office/drawing/2014/main" id="{BA244FE0-1A56-9AB8-9E90-6C9656D722BE}"/>
-                  </a:ext>
-                </a:extLst>
-              </p:cNvPr>
-              <p:cNvCxnSpPr/>
-              <p:nvPr/>
-            </p:nvCxnSpPr>
-            <p:spPr>
-              <a:xfrm flipH="1">
-                <a:off x="4979014" y="1968725"/>
-                <a:ext cx="1" cy="338447"/>
-              </a:xfrm>
-              <a:prstGeom prst="line">
-                <a:avLst/>
-              </a:prstGeom>
-              <a:ln w="28575">
-                <a:solidFill>
-                  <a:schemeClr val="tx1"/>
-                </a:solidFill>
-              </a:ln>
-            </p:spPr>
-            <p:style>
-              <a:lnRef idx="1">
-                <a:schemeClr val="accent1"/>
-              </a:lnRef>
-              <a:fillRef idx="0">
-                <a:schemeClr val="accent1"/>
-              </a:fillRef>
-              <a:effectRef idx="0">
-                <a:schemeClr val="accent1"/>
-              </a:effectRef>
-              <a:fontRef idx="minor">
-                <a:schemeClr val="tx1"/>
-              </a:fontRef>
-            </p:style>
-          </p:cxnSp>
-          <p:cxnSp>
-            <p:nvCxnSpPr>
-              <p:cNvPr id="17" name="Straight Connector 16">
-                <a:extLst>
-                  <a:ext uri="{FF2B5EF4-FFF2-40B4-BE49-F238E27FC236}">
-                    <a16:creationId xmlns:a16="http://schemas.microsoft.com/office/drawing/2014/main" id="{21BFF77E-C6C0-C92A-BF91-8657853039D9}"/>
-                  </a:ext>
-                </a:extLst>
-              </p:cNvPr>
-              <p:cNvCxnSpPr/>
-              <p:nvPr/>
-            </p:nvCxnSpPr>
-            <p:spPr>
-              <a:xfrm flipH="1">
-                <a:off x="4979013" y="2827369"/>
-                <a:ext cx="1" cy="338447"/>
-              </a:xfrm>
-              <a:prstGeom prst="line">
-                <a:avLst/>
-              </a:prstGeom>
-              <a:ln w="28575">
-                <a:solidFill>
-                  <a:schemeClr val="tx1"/>
-                </a:solidFill>
-              </a:ln>
-            </p:spPr>
-            <p:style>
-              <a:lnRef idx="1">
-                <a:schemeClr val="accent1"/>
-              </a:lnRef>
-              <a:fillRef idx="0">
-                <a:schemeClr val="accent1"/>
-              </a:fillRef>
-              <a:effectRef idx="0">
-                <a:schemeClr val="accent1"/>
-              </a:effectRef>
-              <a:fontRef idx="minor">
-                <a:schemeClr val="tx1"/>
-              </a:fontRef>
-            </p:style>
-          </p:cxnSp>
-          <p:sp>
-            <p:nvSpPr>
-              <p:cNvPr id="18" name="Rectangle 17">
-                <a:extLst>
-                  <a:ext uri="{FF2B5EF4-FFF2-40B4-BE49-F238E27FC236}">
-                    <a16:creationId xmlns:a16="http://schemas.microsoft.com/office/drawing/2014/main" id="{5DC8118F-7C57-009E-695B-A6AB0E2D42AC}"/>
-                  </a:ext>
-                </a:extLst>
-              </p:cNvPr>
-              <p:cNvSpPr/>
-              <p:nvPr/>
-            </p:nvSpPr>
-            <p:spPr>
-              <a:xfrm>
-                <a:off x="1934824" y="3069595"/>
-                <a:ext cx="2217148" cy="520197"/>
-              </a:xfrm>
-              <a:prstGeom prst="rect">
-                <a:avLst/>
-              </a:prstGeom>
-              <a:noFill/>
-              <a:ln w="28575">
-                <a:solidFill>
-                  <a:schemeClr val="tx1"/>
-                </a:solidFill>
-              </a:ln>
-            </p:spPr>
-            <p:style>
-              <a:lnRef idx="2">
-                <a:schemeClr val="accent1">
-                  <a:shade val="50000"/>
-                </a:schemeClr>
-              </a:lnRef>
-              <a:fillRef idx="1">
-                <a:schemeClr val="accent1"/>
-              </a:fillRef>
-              <a:effectRef idx="0">
-                <a:schemeClr val="accent1"/>
-              </a:effectRef>
-              <a:fontRef idx="minor">
-                <a:schemeClr val="lt1"/>
-              </a:fontRef>
-            </p:style>
-            <p:txBody>
-              <a:bodyPr rtlCol="0" anchor="ctr"/>
-              <a:lstStyle/>
-              <a:p>
-                <a:pPr algn="ctr"/>
-                <a:r>
-                  <a:rPr lang="en-US" dirty="0">
-                    <a:solidFill>
-                      <a:schemeClr val="tx1"/>
-                    </a:solidFill>
-                  </a:rPr>
-                  <a:t>Positional encoding</a:t>
-                </a:r>
-              </a:p>
-            </p:txBody>
-          </p:sp>
-          <p:cxnSp>
-            <p:nvCxnSpPr>
-              <p:cNvPr id="19" name="Straight Connector 18">
-                <a:extLst>
-                  <a:ext uri="{FF2B5EF4-FFF2-40B4-BE49-F238E27FC236}">
-                    <a16:creationId xmlns:a16="http://schemas.microsoft.com/office/drawing/2014/main" id="{9D3681F8-A9C8-35D4-C81B-A9A54D1D9196}"/>
+                    <a16:creationId xmlns:a16="http://schemas.microsoft.com/office/drawing/2014/main" id="{536E0B37-E5C9-772F-D250-8B5252D4A158}"/>
                   </a:ext>
                 </a:extLst>
               </p:cNvPr>
@@ -3810,270 +7090,8 @@
             </p:nvCxnSpPr>
             <p:spPr>
               <a:xfrm flipH="1">
-                <a:off x="4149224" y="3336236"/>
-                <a:ext cx="682972" cy="1"/>
-              </a:xfrm>
-              <a:prstGeom prst="line">
-                <a:avLst/>
-              </a:prstGeom>
-              <a:ln w="28575">
-                <a:solidFill>
-                  <a:schemeClr val="tx1"/>
-                </a:solidFill>
-              </a:ln>
-            </p:spPr>
-            <p:style>
-              <a:lnRef idx="1">
-                <a:schemeClr val="accent1"/>
-              </a:lnRef>
-              <a:fillRef idx="0">
-                <a:schemeClr val="accent1"/>
-              </a:fillRef>
-              <a:effectRef idx="0">
-                <a:schemeClr val="accent1"/>
-              </a:effectRef>
-              <a:fontRef idx="minor">
-                <a:schemeClr val="tx1"/>
-              </a:fontRef>
-            </p:style>
-          </p:cxnSp>
-          <p:sp>
-            <p:nvSpPr>
-              <p:cNvPr id="20" name="Rectangle 19">
-                <a:extLst>
-                  <a:ext uri="{FF2B5EF4-FFF2-40B4-BE49-F238E27FC236}">
-                    <a16:creationId xmlns:a16="http://schemas.microsoft.com/office/drawing/2014/main" id="{778439C4-8F6A-EA3B-5370-7035CF519BFB}"/>
-                  </a:ext>
-                </a:extLst>
-              </p:cNvPr>
-              <p:cNvSpPr/>
-              <p:nvPr/>
-            </p:nvSpPr>
-            <p:spPr>
-              <a:xfrm>
-                <a:off x="4298788" y="3059224"/>
-                <a:ext cx="1360449" cy="520197"/>
-              </a:xfrm>
-              <a:prstGeom prst="rect">
-                <a:avLst/>
-              </a:prstGeom>
-              <a:noFill/>
-              <a:ln w="28575">
-                <a:noFill/>
-              </a:ln>
-            </p:spPr>
-            <p:style>
-              <a:lnRef idx="2">
-                <a:schemeClr val="accent1">
-                  <a:shade val="50000"/>
-                </a:schemeClr>
-              </a:lnRef>
-              <a:fillRef idx="1">
-                <a:schemeClr val="accent1"/>
-              </a:fillRef>
-              <a:effectRef idx="0">
-                <a:schemeClr val="accent1"/>
-              </a:effectRef>
-              <a:fontRef idx="minor">
-                <a:schemeClr val="lt1"/>
-              </a:fontRef>
-            </p:style>
-            <p:txBody>
-              <a:bodyPr rtlCol="0" anchor="ctr"/>
-              <a:lstStyle/>
-              <a:p>
-                <a:pPr algn="ctr"/>
-                <a:r>
-                  <a:rPr lang="en-US" sz="3200" dirty="0">
-                    <a:solidFill>
-                      <a:schemeClr val="tx1"/>
-                    </a:solidFill>
-                  </a:rPr>
-                  <a:t>⊕</a:t>
-                </a:r>
-              </a:p>
-            </p:txBody>
-          </p:sp>
-          <p:cxnSp>
-            <p:nvCxnSpPr>
-              <p:cNvPr id="22" name="Straight Connector 21">
-                <a:extLst>
-                  <a:ext uri="{FF2B5EF4-FFF2-40B4-BE49-F238E27FC236}">
-                    <a16:creationId xmlns:a16="http://schemas.microsoft.com/office/drawing/2014/main" id="{D835E41C-86B5-EC3F-D062-38A060CC5A74}"/>
-                  </a:ext>
-                </a:extLst>
-              </p:cNvPr>
-              <p:cNvCxnSpPr/>
-              <p:nvPr/>
-            </p:nvCxnSpPr>
-            <p:spPr>
-              <a:xfrm flipH="1">
-                <a:off x="4976265" y="3487375"/>
-                <a:ext cx="1" cy="338447"/>
-              </a:xfrm>
-              <a:prstGeom prst="line">
-                <a:avLst/>
-              </a:prstGeom>
-              <a:ln w="28575">
-                <a:solidFill>
-                  <a:schemeClr val="tx1"/>
-                </a:solidFill>
-              </a:ln>
-            </p:spPr>
-            <p:style>
-              <a:lnRef idx="1">
-                <a:schemeClr val="accent1"/>
-              </a:lnRef>
-              <a:fillRef idx="0">
-                <a:schemeClr val="accent1"/>
-              </a:fillRef>
-              <a:effectRef idx="0">
-                <a:schemeClr val="accent1"/>
-              </a:effectRef>
-              <a:fontRef idx="minor">
-                <a:schemeClr val="tx1"/>
-              </a:fontRef>
-            </p:style>
-          </p:cxnSp>
-          <p:sp>
-            <p:nvSpPr>
-              <p:cNvPr id="23" name="Rounded Rectangle 22">
-                <a:extLst>
-                  <a:ext uri="{FF2B5EF4-FFF2-40B4-BE49-F238E27FC236}">
-                    <a16:creationId xmlns:a16="http://schemas.microsoft.com/office/drawing/2014/main" id="{5E5A0987-1A25-4363-51D5-F344D33815C3}"/>
-                  </a:ext>
-                </a:extLst>
-              </p:cNvPr>
-              <p:cNvSpPr/>
-              <p:nvPr/>
-            </p:nvSpPr>
-            <p:spPr>
-              <a:xfrm>
-                <a:off x="3617842" y="3825822"/>
-                <a:ext cx="2729949" cy="522000"/>
-              </a:xfrm>
-              <a:prstGeom prst="roundRect">
-                <a:avLst>
-                  <a:gd name="adj" fmla="val 50000"/>
-                </a:avLst>
-              </a:prstGeom>
-              <a:solidFill>
-                <a:schemeClr val="accent1">
-                  <a:lumMod val="20000"/>
-                  <a:lumOff val="80000"/>
-                </a:schemeClr>
-              </a:solidFill>
-              <a:ln w="28575">
-                <a:solidFill>
-                  <a:schemeClr val="tx1"/>
-                </a:solidFill>
-              </a:ln>
-            </p:spPr>
-            <p:style>
-              <a:lnRef idx="2">
-                <a:schemeClr val="accent6"/>
-              </a:lnRef>
-              <a:fillRef idx="1">
-                <a:schemeClr val="lt1"/>
-              </a:fillRef>
-              <a:effectRef idx="0">
-                <a:schemeClr val="accent6"/>
-              </a:effectRef>
-              <a:fontRef idx="minor">
-                <a:schemeClr val="dk1"/>
-              </a:fontRef>
-            </p:style>
-            <p:txBody>
-              <a:bodyPr rtlCol="0" anchor="ctr"/>
-              <a:lstStyle/>
-              <a:p>
-                <a:pPr algn="ctr"/>
-                <a:r>
-                  <a:rPr lang="en-US" i="1" dirty="0"/>
-                  <a:t>N</a:t>
-                </a:r>
-                <a:r>
-                  <a:rPr lang="en-US" dirty="0"/>
-                  <a:t> x Transformer blocks</a:t>
-                </a:r>
-              </a:p>
-            </p:txBody>
-          </p:sp>
-          <p:sp>
-            <p:nvSpPr>
-              <p:cNvPr id="24" name="Rectangle 23">
-                <a:extLst>
-                  <a:ext uri="{FF2B5EF4-FFF2-40B4-BE49-F238E27FC236}">
-                    <a16:creationId xmlns:a16="http://schemas.microsoft.com/office/drawing/2014/main" id="{DEB111CA-6652-B505-EFCE-B880729302CD}"/>
-                  </a:ext>
-                </a:extLst>
-              </p:cNvPr>
-              <p:cNvSpPr/>
-              <p:nvPr/>
-            </p:nvSpPr>
-            <p:spPr>
-              <a:xfrm>
-                <a:off x="4518992" y="4711807"/>
-                <a:ext cx="912210" cy="520197"/>
-              </a:xfrm>
-              <a:prstGeom prst="rect">
-                <a:avLst/>
-              </a:prstGeom>
-              <a:noFill/>
-              <a:ln w="28575">
-                <a:solidFill>
-                  <a:schemeClr val="tx1"/>
-                </a:solidFill>
-              </a:ln>
-            </p:spPr>
-            <p:style>
-              <a:lnRef idx="2">
-                <a:schemeClr val="accent1">
-                  <a:shade val="50000"/>
-                </a:schemeClr>
-              </a:lnRef>
-              <a:fillRef idx="1">
-                <a:schemeClr val="accent1"/>
-              </a:fillRef>
-              <a:effectRef idx="0">
-                <a:schemeClr val="accent1"/>
-              </a:effectRef>
-              <a:fontRef idx="minor">
-                <a:schemeClr val="lt1"/>
-              </a:fontRef>
-            </p:style>
-            <p:txBody>
-              <a:bodyPr rtlCol="0" anchor="ctr"/>
-              <a:lstStyle/>
-              <a:p>
-                <a:pPr algn="ctr"/>
-                <a:r>
-                  <a:rPr lang="en-US" i="1" dirty="0">
-                    <a:solidFill>
-                      <a:schemeClr val="tx1"/>
-                    </a:solidFill>
-                  </a:rPr>
-                  <a:t>h</a:t>
-                </a:r>
-              </a:p>
-            </p:txBody>
-          </p:sp>
-          <p:cxnSp>
-            <p:nvCxnSpPr>
-              <p:cNvPr id="25" name="Straight Connector 24">
-                <a:extLst>
-                  <a:ext uri="{FF2B5EF4-FFF2-40B4-BE49-F238E27FC236}">
-                    <a16:creationId xmlns:a16="http://schemas.microsoft.com/office/drawing/2014/main" id="{BEA195A8-E859-CD7C-8821-A2D79577A425}"/>
-                  </a:ext>
-                </a:extLst>
-              </p:cNvPr>
-              <p:cNvCxnSpPr/>
-              <p:nvPr/>
-            </p:nvCxnSpPr>
-            <p:spPr>
-              <a:xfrm flipH="1">
-                <a:off x="4976264" y="4360591"/>
-                <a:ext cx="1" cy="338447"/>
+                <a:off x="2487046" y="5315336"/>
+                <a:ext cx="4975543" cy="0"/>
               </a:xfrm>
               <a:prstGeom prst="line">
                 <a:avLst/>
@@ -4100,1023 +7118,288 @@
             </p:style>
           </p:cxnSp>
         </p:grpSp>
-        <p:grpSp>
-          <p:nvGrpSpPr>
-            <p:cNvPr id="46" name="Group 45">
-              <a:extLst>
-                <a:ext uri="{FF2B5EF4-FFF2-40B4-BE49-F238E27FC236}">
-                  <a16:creationId xmlns:a16="http://schemas.microsoft.com/office/drawing/2014/main" id="{FA9FFCC8-D68D-9760-71CA-E53CB406AEB2}"/>
-                </a:ext>
-              </a:extLst>
-            </p:cNvPr>
-            <p:cNvGrpSpPr/>
-            <p:nvPr/>
-          </p:nvGrpSpPr>
-          <p:grpSpPr>
-            <a:xfrm>
-              <a:off x="1817649" y="5315336"/>
-              <a:ext cx="8158658" cy="1726266"/>
-              <a:chOff x="1828476" y="4698790"/>
-              <a:chExt cx="8158658" cy="1726266"/>
-            </a:xfrm>
-          </p:grpSpPr>
-          <p:sp>
-            <p:nvSpPr>
-              <p:cNvPr id="34" name="TextBox 33">
-                <a:extLst>
-                  <a:ext uri="{FF2B5EF4-FFF2-40B4-BE49-F238E27FC236}">
-                    <a16:creationId xmlns:a16="http://schemas.microsoft.com/office/drawing/2014/main" id="{F2151360-4750-6E2C-53A3-F0DFA94E1970}"/>
-                  </a:ext>
-                </a:extLst>
-              </p:cNvPr>
-              <p:cNvSpPr txBox="1"/>
-              <p:nvPr/>
-            </p:nvSpPr>
-            <p:spPr>
-              <a:xfrm>
-                <a:off x="8284712" y="5980290"/>
-                <a:ext cx="1702422" cy="369332"/>
-              </a:xfrm>
-              <a:prstGeom prst="rect">
-                <a:avLst/>
-              </a:prstGeom>
-              <a:noFill/>
-            </p:spPr>
-            <p:txBody>
-              <a:bodyPr wrap="square" rtlCol="0">
-                <a:spAutoFit/>
-              </a:bodyPr>
-              <a:lstStyle/>
-              <a:p>
-                <a:r>
-                  <a:rPr lang="en-US" i="1" dirty="0"/>
-                  <a:t>Logits</a:t>
-                </a:r>
-              </a:p>
-            </p:txBody>
-          </p:sp>
-          <p:grpSp>
-            <p:nvGrpSpPr>
-              <p:cNvPr id="45" name="Group 44">
-                <a:extLst>
-                  <a:ext uri="{FF2B5EF4-FFF2-40B4-BE49-F238E27FC236}">
-                    <a16:creationId xmlns:a16="http://schemas.microsoft.com/office/drawing/2014/main" id="{12721179-45B5-22AE-44C5-F2F6149D682B}"/>
-                  </a:ext>
-                </a:extLst>
-              </p:cNvPr>
-              <p:cNvGrpSpPr/>
-              <p:nvPr/>
-            </p:nvGrpSpPr>
-            <p:grpSpPr>
-              <a:xfrm>
-                <a:off x="1828476" y="4698790"/>
-                <a:ext cx="6322744" cy="1726266"/>
-                <a:chOff x="1828476" y="4698790"/>
-                <a:chExt cx="6322744" cy="1726266"/>
-              </a:xfrm>
-            </p:grpSpPr>
-            <p:cxnSp>
-              <p:nvCxnSpPr>
-                <p:cNvPr id="27" name="Straight Connector 26">
-                  <a:extLst>
-                    <a:ext uri="{FF2B5EF4-FFF2-40B4-BE49-F238E27FC236}">
-                      <a16:creationId xmlns:a16="http://schemas.microsoft.com/office/drawing/2014/main" id="{A8C45DE0-6B5D-70CD-DA4A-FB0FFA68B37C}"/>
-                    </a:ext>
-                  </a:extLst>
-                </p:cNvPr>
-                <p:cNvCxnSpPr/>
-                <p:nvPr/>
-              </p:nvCxnSpPr>
-              <p:spPr>
-                <a:xfrm flipH="1">
-                  <a:off x="4151970" y="5555261"/>
-                  <a:ext cx="1" cy="338447"/>
-                </a:xfrm>
-                <a:prstGeom prst="line">
-                  <a:avLst/>
-                </a:prstGeom>
-                <a:ln w="28575">
-                  <a:solidFill>
-                    <a:schemeClr val="tx1"/>
-                  </a:solidFill>
-                </a:ln>
-              </p:spPr>
-              <p:style>
-                <a:lnRef idx="1">
-                  <a:schemeClr val="accent1"/>
-                </a:lnRef>
-                <a:fillRef idx="0">
-                  <a:schemeClr val="accent1"/>
-                </a:fillRef>
-                <a:effectRef idx="0">
-                  <a:schemeClr val="accent1"/>
-                </a:effectRef>
-                <a:fontRef idx="minor">
+      </p:grpSp>
+      <p:cxnSp>
+        <p:nvCxnSpPr>
+          <p:cNvPr id="94" name="Straight Arrow Connector 93">
+            <a:extLst>
+              <a:ext uri="{FF2B5EF4-FFF2-40B4-BE49-F238E27FC236}">
+                <a16:creationId xmlns:a16="http://schemas.microsoft.com/office/drawing/2014/main" id="{25A9AA27-F272-B93D-74F5-038A103461C5}"/>
+              </a:ext>
+            </a:extLst>
+          </p:cNvPr>
+          <p:cNvCxnSpPr>
+            <a:cxnSpLocks/>
+          </p:cNvCxnSpPr>
+          <p:nvPr/>
+        </p:nvCxnSpPr>
+        <p:spPr>
+          <a:xfrm>
+            <a:off x="8679767" y="2846433"/>
+            <a:ext cx="0" cy="5334690"/>
+          </a:xfrm>
+          <a:prstGeom prst="straightConnector1">
+            <a:avLst/>
+          </a:prstGeom>
+          <a:ln w="28575">
+            <a:solidFill>
+              <a:schemeClr val="tx1"/>
+            </a:solidFill>
+            <a:tailEnd type="triangle"/>
+          </a:ln>
+        </p:spPr>
+        <p:style>
+          <a:lnRef idx="1">
+            <a:schemeClr val="dk1"/>
+          </a:lnRef>
+          <a:fillRef idx="0">
+            <a:schemeClr val="dk1"/>
+          </a:fillRef>
+          <a:effectRef idx="0">
+            <a:schemeClr val="dk1"/>
+          </a:effectRef>
+          <a:fontRef idx="minor">
+            <a:schemeClr val="tx1"/>
+          </a:fontRef>
+        </p:style>
+      </p:cxnSp>
+      <p:cxnSp>
+        <p:nvCxnSpPr>
+          <p:cNvPr id="96" name="Straight Arrow Connector 95">
+            <a:extLst>
+              <a:ext uri="{FF2B5EF4-FFF2-40B4-BE49-F238E27FC236}">
+                <a16:creationId xmlns:a16="http://schemas.microsoft.com/office/drawing/2014/main" id="{9967AE1F-FD2F-52DD-F468-BC783C724A2B}"/>
+              </a:ext>
+            </a:extLst>
+          </p:cNvPr>
+          <p:cNvCxnSpPr>
+            <a:cxnSpLocks/>
+          </p:cNvCxnSpPr>
+          <p:nvPr/>
+        </p:nvCxnSpPr>
+        <p:spPr>
+          <a:xfrm>
+            <a:off x="18006147" y="2846433"/>
+            <a:ext cx="0" cy="5334690"/>
+          </a:xfrm>
+          <a:prstGeom prst="straightConnector1">
+            <a:avLst/>
+          </a:prstGeom>
+          <a:ln w="28575">
+            <a:solidFill>
+              <a:schemeClr val="tx1"/>
+            </a:solidFill>
+            <a:tailEnd type="triangle"/>
+          </a:ln>
+        </p:spPr>
+        <p:style>
+          <a:lnRef idx="1">
+            <a:schemeClr val="dk1"/>
+          </a:lnRef>
+          <a:fillRef idx="0">
+            <a:schemeClr val="dk1"/>
+          </a:fillRef>
+          <a:effectRef idx="0">
+            <a:schemeClr val="dk1"/>
+          </a:effectRef>
+          <a:fontRef idx="minor">
+            <a:schemeClr val="tx1"/>
+          </a:fontRef>
+        </p:style>
+      </p:cxnSp>
+      <p:cxnSp>
+        <p:nvCxnSpPr>
+          <p:cNvPr id="106" name="Curved Connector 105">
+            <a:extLst>
+              <a:ext uri="{FF2B5EF4-FFF2-40B4-BE49-F238E27FC236}">
+                <a16:creationId xmlns:a16="http://schemas.microsoft.com/office/drawing/2014/main" id="{7441832C-FB76-8EA9-94D8-B2BAE9A2ADBC}"/>
+              </a:ext>
+            </a:extLst>
+          </p:cNvPr>
+          <p:cNvCxnSpPr>
+            <a:cxnSpLocks/>
+          </p:cNvCxnSpPr>
+          <p:nvPr/>
+        </p:nvCxnSpPr>
+        <p:spPr>
+          <a:xfrm rot="16200000" flipH="1">
+            <a:off x="15703914" y="5594655"/>
+            <a:ext cx="207440" cy="87916"/>
+          </a:xfrm>
+          <a:prstGeom prst="curvedConnector4">
+            <a:avLst>
+              <a:gd name="adj1" fmla="val -55382"/>
+              <a:gd name="adj2" fmla="val 360021"/>
+            </a:avLst>
+          </a:prstGeom>
+          <a:ln w="28575">
+            <a:solidFill>
+              <a:schemeClr val="tx1"/>
+            </a:solidFill>
+            <a:tailEnd type="triangle"/>
+          </a:ln>
+        </p:spPr>
+        <p:style>
+          <a:lnRef idx="1">
+            <a:schemeClr val="accent1"/>
+          </a:lnRef>
+          <a:fillRef idx="0">
+            <a:schemeClr val="accent1"/>
+          </a:fillRef>
+          <a:effectRef idx="0">
+            <a:schemeClr val="accent1"/>
+          </a:effectRef>
+          <a:fontRef idx="minor">
+            <a:schemeClr val="tx1"/>
+          </a:fontRef>
+        </p:style>
+      </p:cxnSp>
+      <p:sp>
+        <p:nvSpPr>
+          <p:cNvPr id="108" name="Rectangle 107">
+            <a:extLst>
+              <a:ext uri="{FF2B5EF4-FFF2-40B4-BE49-F238E27FC236}">
+                <a16:creationId xmlns:a16="http://schemas.microsoft.com/office/drawing/2014/main" id="{C3B2AD8B-52F5-27D1-4603-A66505B8DA41}"/>
+              </a:ext>
+            </a:extLst>
+          </p:cNvPr>
+          <p:cNvSpPr/>
+          <p:nvPr/>
+        </p:nvSpPr>
+        <p:spPr>
+          <a:xfrm>
+            <a:off x="16015076" y="5213817"/>
+            <a:ext cx="1363959" cy="520197"/>
+          </a:xfrm>
+          <a:prstGeom prst="rect">
+            <a:avLst/>
+          </a:prstGeom>
+          <a:noFill/>
+          <a:ln w="28575">
+            <a:noFill/>
+          </a:ln>
+        </p:spPr>
+        <p:style>
+          <a:lnRef idx="2">
+            <a:schemeClr val="accent1">
+              <a:shade val="50000"/>
+            </a:schemeClr>
+          </a:lnRef>
+          <a:fillRef idx="1">
+            <a:schemeClr val="accent1"/>
+          </a:fillRef>
+          <a:effectRef idx="0">
+            <a:schemeClr val="accent1"/>
+          </a:effectRef>
+          <a:fontRef idx="minor">
+            <a:schemeClr val="lt1"/>
+          </a:fontRef>
+        </p:style>
+        <p:txBody>
+          <a:bodyPr rtlCol="0" anchor="ctr"/>
+          <a:lstStyle/>
+          <a:p>
+            <a:pPr algn="ctr"/>
+            <a:r>
+              <a:rPr lang="en-US" i="1" dirty="0">
+                <a:solidFill>
                   <a:schemeClr val="tx1"/>
-                </a:fontRef>
-              </p:style>
-            </p:cxnSp>
-            <p:cxnSp>
-              <p:nvCxnSpPr>
-                <p:cNvPr id="26" name="Straight Connector 25">
-                  <a:extLst>
-                    <a:ext uri="{FF2B5EF4-FFF2-40B4-BE49-F238E27FC236}">
-                      <a16:creationId xmlns:a16="http://schemas.microsoft.com/office/drawing/2014/main" id="{E34EA87E-7184-7A30-0C6B-6901DC5E6EE2}"/>
-                    </a:ext>
-                  </a:extLst>
-                </p:cNvPr>
-                <p:cNvCxnSpPr/>
-                <p:nvPr/>
-              </p:nvCxnSpPr>
-              <p:spPr>
-                <a:xfrm flipH="1">
-                  <a:off x="2497873" y="5566413"/>
-                  <a:ext cx="1" cy="338447"/>
-                </a:xfrm>
-                <a:prstGeom prst="line">
-                  <a:avLst/>
-                </a:prstGeom>
-                <a:ln w="28575">
-                  <a:solidFill>
-                    <a:schemeClr val="tx1"/>
-                  </a:solidFill>
-                </a:ln>
-              </p:spPr>
-              <p:style>
-                <a:lnRef idx="1">
-                  <a:schemeClr val="accent1"/>
-                </a:lnRef>
-                <a:fillRef idx="0">
-                  <a:schemeClr val="accent1"/>
-                </a:fillRef>
-                <a:effectRef idx="0">
-                  <a:schemeClr val="accent1"/>
-                </a:effectRef>
-                <a:fontRef idx="minor">
+                </a:solidFill>
+              </a:rPr>
+              <a:t>h </a:t>
+            </a:r>
+            <a:r>
+              <a:rPr lang="en-US" sz="1800" dirty="0">
+                <a:solidFill>
                   <a:schemeClr val="tx1"/>
-                </a:fontRef>
-              </p:style>
-            </p:cxnSp>
-            <p:cxnSp>
-              <p:nvCxnSpPr>
-                <p:cNvPr id="28" name="Straight Connector 27">
-                  <a:extLst>
-                    <a:ext uri="{FF2B5EF4-FFF2-40B4-BE49-F238E27FC236}">
-                      <a16:creationId xmlns:a16="http://schemas.microsoft.com/office/drawing/2014/main" id="{8B403D45-52E6-37FB-75C7-EA9809F3FA5E}"/>
-                    </a:ext>
-                  </a:extLst>
-                </p:cNvPr>
-                <p:cNvCxnSpPr/>
-                <p:nvPr/>
-              </p:nvCxnSpPr>
-              <p:spPr>
-                <a:xfrm flipH="1">
-                  <a:off x="5806067" y="5577564"/>
-                  <a:ext cx="1" cy="338447"/>
-                </a:xfrm>
-                <a:prstGeom prst="line">
-                  <a:avLst/>
-                </a:prstGeom>
-                <a:ln w="28575">
-                  <a:solidFill>
-                    <a:schemeClr val="tx1"/>
-                  </a:solidFill>
-                </a:ln>
-              </p:spPr>
-              <p:style>
-                <a:lnRef idx="1">
-                  <a:schemeClr val="accent1"/>
-                </a:lnRef>
-                <a:fillRef idx="0">
-                  <a:schemeClr val="accent1"/>
-                </a:fillRef>
-                <a:effectRef idx="0">
-                  <a:schemeClr val="accent1"/>
-                </a:effectRef>
-                <a:fontRef idx="minor">
+                </a:solidFill>
+              </a:rPr>
+              <a:t>⊕ mems</a:t>
+            </a:r>
+            <a:r>
+              <a:rPr lang="en-US" i="1" dirty="0">
+                <a:solidFill>
                   <a:schemeClr val="tx1"/>
-                </a:fontRef>
-              </p:style>
-            </p:cxnSp>
-            <p:cxnSp>
-              <p:nvCxnSpPr>
-                <p:cNvPr id="29" name="Straight Connector 28">
-                  <a:extLst>
-                    <a:ext uri="{FF2B5EF4-FFF2-40B4-BE49-F238E27FC236}">
-                      <a16:creationId xmlns:a16="http://schemas.microsoft.com/office/drawing/2014/main" id="{539DF3BB-E2D5-9DDB-9226-72ED0A168770}"/>
-                    </a:ext>
-                  </a:extLst>
-                </p:cNvPr>
-                <p:cNvCxnSpPr/>
-                <p:nvPr/>
-              </p:nvCxnSpPr>
-              <p:spPr>
-                <a:xfrm flipH="1">
-                  <a:off x="7460164" y="5566412"/>
-                  <a:ext cx="1" cy="338447"/>
-                </a:xfrm>
-                <a:prstGeom prst="line">
-                  <a:avLst/>
-                </a:prstGeom>
-                <a:ln w="28575">
-                  <a:solidFill>
-                    <a:schemeClr val="tx1"/>
-                  </a:solidFill>
-                </a:ln>
-              </p:spPr>
-              <p:style>
-                <a:lnRef idx="1">
-                  <a:schemeClr val="accent1"/>
-                </a:lnRef>
-                <a:fillRef idx="0">
-                  <a:schemeClr val="accent1"/>
-                </a:fillRef>
-                <a:effectRef idx="0">
-                  <a:schemeClr val="accent1"/>
-                </a:effectRef>
-                <a:fontRef idx="minor">
-                  <a:schemeClr val="tx1"/>
-                </a:fontRef>
-              </p:style>
-            </p:cxnSp>
-            <p:sp>
-              <p:nvSpPr>
-                <p:cNvPr id="30" name="Rectangle 29">
-                  <a:extLst>
-                    <a:ext uri="{FF2B5EF4-FFF2-40B4-BE49-F238E27FC236}">
-                      <a16:creationId xmlns:a16="http://schemas.microsoft.com/office/drawing/2014/main" id="{324EC009-D32C-5C87-E81B-43CB61D93A15}"/>
-                    </a:ext>
-                  </a:extLst>
-                </p:cNvPr>
-                <p:cNvSpPr/>
-                <p:nvPr/>
-              </p:nvSpPr>
-              <p:spPr>
-                <a:xfrm>
-                  <a:off x="1828477" y="5904859"/>
-                  <a:ext cx="1360449" cy="520197"/>
-                </a:xfrm>
-                <a:prstGeom prst="rect">
-                  <a:avLst/>
-                </a:prstGeom>
-                <a:solidFill>
-                  <a:schemeClr val="accent3">
-                    <a:lumMod val="20000"/>
-                    <a:lumOff val="80000"/>
-                  </a:schemeClr>
                 </a:solidFill>
-                <a:ln w="28575">
-                  <a:solidFill>
-                    <a:schemeClr val="tx1"/>
-                  </a:solidFill>
-                </a:ln>
-              </p:spPr>
-              <p:style>
-                <a:lnRef idx="2">
-                  <a:schemeClr val="accent1">
-                    <a:shade val="50000"/>
-                  </a:schemeClr>
-                </a:lnRef>
-                <a:fillRef idx="1">
-                  <a:schemeClr val="accent1"/>
-                </a:fillRef>
-                <a:effectRef idx="0">
-                  <a:schemeClr val="accent1"/>
-                </a:effectRef>
-                <a:fontRef idx="minor">
-                  <a:schemeClr val="lt1"/>
-                </a:fontRef>
-              </p:style>
-              <p:txBody>
-                <a:bodyPr rtlCol="0" anchor="ctr"/>
-                <a:lstStyle/>
-                <a:p>
-                  <a:pPr algn="ctr"/>
-                  <a:r>
-                    <a:rPr lang="en-US" dirty="0">
-                      <a:solidFill>
-                        <a:schemeClr val="tx1"/>
-                      </a:solidFill>
-                    </a:rPr>
-                    <a:t>bar</a:t>
-                  </a:r>
-                </a:p>
-              </p:txBody>
-            </p:sp>
-            <p:sp>
-              <p:nvSpPr>
-                <p:cNvPr id="31" name="Rectangle 30">
-                  <a:extLst>
-                    <a:ext uri="{FF2B5EF4-FFF2-40B4-BE49-F238E27FC236}">
-                      <a16:creationId xmlns:a16="http://schemas.microsoft.com/office/drawing/2014/main" id="{E235BDD3-023A-04C3-4082-843B92DEFACC}"/>
-                    </a:ext>
-                  </a:extLst>
-                </p:cNvPr>
-                <p:cNvSpPr/>
-                <p:nvPr/>
-              </p:nvSpPr>
-              <p:spPr>
-                <a:xfrm>
-                  <a:off x="3482575" y="5904859"/>
-                  <a:ext cx="1360449" cy="520197"/>
-                </a:xfrm>
-                <a:prstGeom prst="rect">
-                  <a:avLst/>
-                </a:prstGeom>
-                <a:solidFill>
-                  <a:schemeClr val="accent3">
-                    <a:lumMod val="20000"/>
-                    <a:lumOff val="80000"/>
-                  </a:schemeClr>
-                </a:solidFill>
-                <a:ln w="28575">
-                  <a:solidFill>
-                    <a:schemeClr val="tx1"/>
-                  </a:solidFill>
-                </a:ln>
-              </p:spPr>
-              <p:style>
-                <a:lnRef idx="2">
-                  <a:schemeClr val="accent1">
-                    <a:shade val="50000"/>
-                  </a:schemeClr>
-                </a:lnRef>
-                <a:fillRef idx="1">
-                  <a:schemeClr val="accent1"/>
-                </a:fillRef>
-                <a:effectRef idx="0">
-                  <a:schemeClr val="accent1"/>
-                </a:effectRef>
-                <a:fontRef idx="minor">
-                  <a:schemeClr val="lt1"/>
-                </a:fontRef>
-              </p:style>
-              <p:txBody>
-                <a:bodyPr rtlCol="0" anchor="ctr"/>
-                <a:lstStyle/>
-                <a:p>
-                  <a:pPr algn="ctr"/>
-                  <a:r>
-                    <a:rPr lang="en-US" dirty="0" err="1">
-                      <a:solidFill>
-                        <a:schemeClr val="tx1"/>
-                      </a:solidFill>
-                    </a:rPr>
-                    <a:t>start_pos</a:t>
-                  </a:r>
-                  <a:endParaRPr lang="en-US" dirty="0">
-                    <a:solidFill>
-                      <a:schemeClr val="tx1"/>
-                    </a:solidFill>
-                  </a:endParaRPr>
-                </a:p>
-              </p:txBody>
-            </p:sp>
-            <p:sp>
-              <p:nvSpPr>
-                <p:cNvPr id="32" name="Rectangle 31">
-                  <a:extLst>
-                    <a:ext uri="{FF2B5EF4-FFF2-40B4-BE49-F238E27FC236}">
-                      <a16:creationId xmlns:a16="http://schemas.microsoft.com/office/drawing/2014/main" id="{99CF9AAA-26A8-025B-B40F-2F1041EAABB5}"/>
-                    </a:ext>
-                  </a:extLst>
-                </p:cNvPr>
-                <p:cNvSpPr/>
-                <p:nvPr/>
-              </p:nvSpPr>
-              <p:spPr>
-                <a:xfrm>
-                  <a:off x="5136673" y="5904859"/>
-                  <a:ext cx="1360449" cy="520197"/>
-                </a:xfrm>
-                <a:prstGeom prst="rect">
-                  <a:avLst/>
-                </a:prstGeom>
-                <a:solidFill>
-                  <a:schemeClr val="accent3">
-                    <a:lumMod val="20000"/>
-                    <a:lumOff val="80000"/>
-                  </a:schemeClr>
-                </a:solidFill>
-                <a:ln w="28575">
-                  <a:solidFill>
-                    <a:schemeClr val="tx1"/>
-                  </a:solidFill>
-                </a:ln>
-              </p:spPr>
-              <p:style>
-                <a:lnRef idx="2">
-                  <a:schemeClr val="accent1">
-                    <a:shade val="50000"/>
-                  </a:schemeClr>
-                </a:lnRef>
-                <a:fillRef idx="1">
-                  <a:schemeClr val="accent1"/>
-                </a:fillRef>
-                <a:effectRef idx="0">
-                  <a:schemeClr val="accent1"/>
-                </a:effectRef>
-                <a:fontRef idx="minor">
-                  <a:schemeClr val="lt1"/>
-                </a:fontRef>
-              </p:style>
-              <p:txBody>
-                <a:bodyPr rtlCol="0" anchor="ctr"/>
-                <a:lstStyle/>
-                <a:p>
-                  <a:pPr algn="ctr"/>
-                  <a:r>
-                    <a:rPr lang="en-US" dirty="0" err="1">
-                      <a:solidFill>
-                        <a:schemeClr val="tx1"/>
-                      </a:solidFill>
-                    </a:rPr>
-                    <a:t>note_dur</a:t>
-                  </a:r>
-                  <a:endParaRPr lang="en-US" dirty="0">
-                    <a:solidFill>
-                      <a:schemeClr val="tx1"/>
-                    </a:solidFill>
-                  </a:endParaRPr>
-                </a:p>
-              </p:txBody>
-            </p:sp>
-            <p:sp>
-              <p:nvSpPr>
-                <p:cNvPr id="33" name="Rectangle 32">
-                  <a:extLst>
-                    <a:ext uri="{FF2B5EF4-FFF2-40B4-BE49-F238E27FC236}">
-                      <a16:creationId xmlns:a16="http://schemas.microsoft.com/office/drawing/2014/main" id="{A10FFF06-731B-5B85-B9C1-7C4525D02595}"/>
-                    </a:ext>
-                  </a:extLst>
-                </p:cNvPr>
-                <p:cNvSpPr/>
-                <p:nvPr/>
-              </p:nvSpPr>
-              <p:spPr>
-                <a:xfrm>
-                  <a:off x="6790771" y="5904858"/>
-                  <a:ext cx="1360449" cy="520197"/>
-                </a:xfrm>
-                <a:prstGeom prst="rect">
-                  <a:avLst/>
-                </a:prstGeom>
-                <a:solidFill>
-                  <a:schemeClr val="accent3">
-                    <a:lumMod val="20000"/>
-                    <a:lumOff val="80000"/>
-                  </a:schemeClr>
-                </a:solidFill>
-                <a:ln w="28575">
-                  <a:solidFill>
-                    <a:schemeClr val="tx1"/>
-                  </a:solidFill>
-                </a:ln>
-              </p:spPr>
-              <p:style>
-                <a:lnRef idx="2">
-                  <a:schemeClr val="accent1">
-                    <a:shade val="50000"/>
-                  </a:schemeClr>
-                </a:lnRef>
-                <a:fillRef idx="1">
-                  <a:schemeClr val="accent1"/>
-                </a:fillRef>
-                <a:effectRef idx="0">
-                  <a:schemeClr val="accent1"/>
-                </a:effectRef>
-                <a:fontRef idx="minor">
-                  <a:schemeClr val="lt1"/>
-                </a:fontRef>
-              </p:style>
-              <p:txBody>
-                <a:bodyPr rtlCol="0" anchor="ctr"/>
-                <a:lstStyle/>
-                <a:p>
-                  <a:pPr algn="ctr"/>
-                  <a:r>
-                    <a:rPr lang="en-US" dirty="0" err="1">
-                      <a:solidFill>
-                        <a:schemeClr val="tx1"/>
-                      </a:solidFill>
-                    </a:rPr>
-                    <a:t>pitch_ins</a:t>
-                  </a:r>
-                  <a:endParaRPr lang="en-US" dirty="0">
-                    <a:solidFill>
-                      <a:schemeClr val="tx1"/>
-                    </a:solidFill>
-                  </a:endParaRPr>
-                </a:p>
-              </p:txBody>
-            </p:sp>
-            <p:sp>
-              <p:nvSpPr>
-                <p:cNvPr id="35" name="Rectangle 34">
-                  <a:extLst>
-                    <a:ext uri="{FF2B5EF4-FFF2-40B4-BE49-F238E27FC236}">
-                      <a16:creationId xmlns:a16="http://schemas.microsoft.com/office/drawing/2014/main" id="{D42C887E-EC76-F121-5777-A87A6843FFBD}"/>
-                    </a:ext>
-                  </a:extLst>
-                </p:cNvPr>
-                <p:cNvSpPr/>
-                <p:nvPr/>
-              </p:nvSpPr>
-              <p:spPr>
-                <a:xfrm>
-                  <a:off x="1828476" y="5046215"/>
-                  <a:ext cx="1360449" cy="520197"/>
-                </a:xfrm>
-                <a:prstGeom prst="rect">
-                  <a:avLst/>
-                </a:prstGeom>
-                <a:solidFill>
-                  <a:schemeClr val="accent2">
-                    <a:lumMod val="20000"/>
-                    <a:lumOff val="80000"/>
-                  </a:schemeClr>
-                </a:solidFill>
-                <a:ln w="28575">
-                  <a:solidFill>
-                    <a:schemeClr val="tx1"/>
-                  </a:solidFill>
-                </a:ln>
-              </p:spPr>
-              <p:style>
-                <a:lnRef idx="2">
-                  <a:schemeClr val="accent1">
-                    <a:shade val="50000"/>
-                  </a:schemeClr>
-                </a:lnRef>
-                <a:fillRef idx="1">
-                  <a:schemeClr val="accent1"/>
-                </a:fillRef>
-                <a:effectRef idx="0">
-                  <a:schemeClr val="accent1"/>
-                </a:effectRef>
-                <a:fontRef idx="minor">
-                  <a:schemeClr val="lt1"/>
-                </a:fontRef>
-              </p:style>
-              <p:txBody>
-                <a:bodyPr rtlCol="0" anchor="ctr"/>
-                <a:lstStyle/>
-                <a:p>
-                  <a:pPr algn="ctr"/>
-                  <a:r>
-                    <a:rPr lang="en-US" dirty="0">
-                      <a:solidFill>
-                        <a:schemeClr val="tx1"/>
-                      </a:solidFill>
-                    </a:rPr>
-                    <a:t>linear</a:t>
-                  </a:r>
-                </a:p>
-              </p:txBody>
-            </p:sp>
-            <p:sp>
-              <p:nvSpPr>
-                <p:cNvPr id="36" name="Rectangle 35">
-                  <a:extLst>
-                    <a:ext uri="{FF2B5EF4-FFF2-40B4-BE49-F238E27FC236}">
-                      <a16:creationId xmlns:a16="http://schemas.microsoft.com/office/drawing/2014/main" id="{854AD013-0217-702D-E4A6-17F27275EB90}"/>
-                    </a:ext>
-                  </a:extLst>
-                </p:cNvPr>
-                <p:cNvSpPr/>
-                <p:nvPr/>
-              </p:nvSpPr>
-              <p:spPr>
-                <a:xfrm>
-                  <a:off x="3482572" y="5057367"/>
-                  <a:ext cx="1360449" cy="520197"/>
-                </a:xfrm>
-                <a:prstGeom prst="rect">
-                  <a:avLst/>
-                </a:prstGeom>
-                <a:solidFill>
-                  <a:schemeClr val="accent2">
-                    <a:lumMod val="20000"/>
-                    <a:lumOff val="80000"/>
-                  </a:schemeClr>
-                </a:solidFill>
-                <a:ln w="28575">
-                  <a:solidFill>
-                    <a:schemeClr val="tx1"/>
-                  </a:solidFill>
-                </a:ln>
-              </p:spPr>
-              <p:style>
-                <a:lnRef idx="2">
-                  <a:schemeClr val="accent1">
-                    <a:shade val="50000"/>
-                  </a:schemeClr>
-                </a:lnRef>
-                <a:fillRef idx="1">
-                  <a:schemeClr val="accent1"/>
-                </a:fillRef>
-                <a:effectRef idx="0">
-                  <a:schemeClr val="accent1"/>
-                </a:effectRef>
-                <a:fontRef idx="minor">
-                  <a:schemeClr val="lt1"/>
-                </a:fontRef>
-              </p:style>
-              <p:txBody>
-                <a:bodyPr rtlCol="0" anchor="ctr"/>
-                <a:lstStyle/>
-                <a:p>
-                  <a:pPr algn="ctr"/>
-                  <a:r>
-                    <a:rPr lang="en-US" dirty="0">
-                      <a:solidFill>
-                        <a:schemeClr val="tx1"/>
-                      </a:solidFill>
-                    </a:rPr>
-                    <a:t>linear</a:t>
-                  </a:r>
-                </a:p>
-              </p:txBody>
-            </p:sp>
-            <p:sp>
-              <p:nvSpPr>
-                <p:cNvPr id="38" name="Rectangle 37">
-                  <a:extLst>
-                    <a:ext uri="{FF2B5EF4-FFF2-40B4-BE49-F238E27FC236}">
-                      <a16:creationId xmlns:a16="http://schemas.microsoft.com/office/drawing/2014/main" id="{26E8153D-807B-09EF-7FC3-F3254A541A55}"/>
-                    </a:ext>
-                  </a:extLst>
-                </p:cNvPr>
-                <p:cNvSpPr/>
-                <p:nvPr/>
-              </p:nvSpPr>
-              <p:spPr>
-                <a:xfrm>
-                  <a:off x="5136668" y="5050561"/>
-                  <a:ext cx="1360449" cy="520197"/>
-                </a:xfrm>
-                <a:prstGeom prst="rect">
-                  <a:avLst/>
-                </a:prstGeom>
-                <a:solidFill>
-                  <a:schemeClr val="accent2">
-                    <a:lumMod val="20000"/>
-                    <a:lumOff val="80000"/>
-                  </a:schemeClr>
-                </a:solidFill>
-                <a:ln w="28575">
-                  <a:solidFill>
-                    <a:schemeClr val="tx1"/>
-                  </a:solidFill>
-                </a:ln>
-              </p:spPr>
-              <p:style>
-                <a:lnRef idx="2">
-                  <a:schemeClr val="accent1">
-                    <a:shade val="50000"/>
-                  </a:schemeClr>
-                </a:lnRef>
-                <a:fillRef idx="1">
-                  <a:schemeClr val="accent1"/>
-                </a:fillRef>
-                <a:effectRef idx="0">
-                  <a:schemeClr val="accent1"/>
-                </a:effectRef>
-                <a:fontRef idx="minor">
-                  <a:schemeClr val="lt1"/>
-                </a:fontRef>
-              </p:style>
-              <p:txBody>
-                <a:bodyPr rtlCol="0" anchor="ctr"/>
-                <a:lstStyle/>
-                <a:p>
-                  <a:pPr algn="ctr"/>
-                  <a:r>
-                    <a:rPr lang="en-US" dirty="0">
-                      <a:solidFill>
-                        <a:schemeClr val="tx1"/>
-                      </a:solidFill>
-                    </a:rPr>
-                    <a:t>linear</a:t>
-                  </a:r>
-                </a:p>
-              </p:txBody>
-            </p:sp>
-            <p:sp>
-              <p:nvSpPr>
-                <p:cNvPr id="39" name="Rectangle 38">
-                  <a:extLst>
-                    <a:ext uri="{FF2B5EF4-FFF2-40B4-BE49-F238E27FC236}">
-                      <a16:creationId xmlns:a16="http://schemas.microsoft.com/office/drawing/2014/main" id="{FEF60AF5-F1DF-7CFD-2680-360709E7E979}"/>
-                    </a:ext>
-                  </a:extLst>
-                </p:cNvPr>
-                <p:cNvSpPr/>
-                <p:nvPr/>
-              </p:nvSpPr>
-              <p:spPr>
-                <a:xfrm>
-                  <a:off x="6790764" y="5061713"/>
-                  <a:ext cx="1360449" cy="520197"/>
-                </a:xfrm>
-                <a:prstGeom prst="rect">
-                  <a:avLst/>
-                </a:prstGeom>
-                <a:solidFill>
-                  <a:schemeClr val="accent2">
-                    <a:lumMod val="20000"/>
-                    <a:lumOff val="80000"/>
-                  </a:schemeClr>
-                </a:solidFill>
-                <a:ln w="28575">
-                  <a:solidFill>
-                    <a:schemeClr val="tx1"/>
-                  </a:solidFill>
-                </a:ln>
-              </p:spPr>
-              <p:style>
-                <a:lnRef idx="2">
-                  <a:schemeClr val="accent1">
-                    <a:shade val="50000"/>
-                  </a:schemeClr>
-                </a:lnRef>
-                <a:fillRef idx="1">
-                  <a:schemeClr val="accent1"/>
-                </a:fillRef>
-                <a:effectRef idx="0">
-                  <a:schemeClr val="accent1"/>
-                </a:effectRef>
-                <a:fontRef idx="minor">
-                  <a:schemeClr val="lt1"/>
-                </a:fontRef>
-              </p:style>
-              <p:txBody>
-                <a:bodyPr rtlCol="0" anchor="ctr"/>
-                <a:lstStyle/>
-                <a:p>
-                  <a:pPr algn="ctr"/>
-                  <a:r>
-                    <a:rPr lang="en-US" dirty="0">
-                      <a:solidFill>
-                        <a:schemeClr val="tx1"/>
-                      </a:solidFill>
-                    </a:rPr>
-                    <a:t>linear</a:t>
-                  </a:r>
-                </a:p>
-              </p:txBody>
-            </p:sp>
-            <p:cxnSp>
-              <p:nvCxnSpPr>
-                <p:cNvPr id="40" name="Straight Connector 39">
-                  <a:extLst>
-                    <a:ext uri="{FF2B5EF4-FFF2-40B4-BE49-F238E27FC236}">
-                      <a16:creationId xmlns:a16="http://schemas.microsoft.com/office/drawing/2014/main" id="{BAD7DBF3-7089-EA46-8B2A-B041D026C0FA}"/>
-                    </a:ext>
-                  </a:extLst>
-                </p:cNvPr>
-                <p:cNvCxnSpPr/>
-                <p:nvPr/>
-              </p:nvCxnSpPr>
-              <p:spPr>
-                <a:xfrm flipH="1">
-                  <a:off x="2497873" y="4698790"/>
-                  <a:ext cx="1" cy="338447"/>
-                </a:xfrm>
-                <a:prstGeom prst="line">
-                  <a:avLst/>
-                </a:prstGeom>
-                <a:ln w="28575">
-                  <a:solidFill>
-                    <a:schemeClr val="tx1"/>
-                  </a:solidFill>
-                </a:ln>
-              </p:spPr>
-              <p:style>
-                <a:lnRef idx="1">
-                  <a:schemeClr val="accent1"/>
-                </a:lnRef>
-                <a:fillRef idx="0">
-                  <a:schemeClr val="accent1"/>
-                </a:fillRef>
-                <a:effectRef idx="0">
-                  <a:schemeClr val="accent1"/>
-                </a:effectRef>
-                <a:fontRef idx="minor">
-                  <a:schemeClr val="tx1"/>
-                </a:fontRef>
-              </p:style>
-            </p:cxnSp>
-            <p:cxnSp>
-              <p:nvCxnSpPr>
-                <p:cNvPr id="41" name="Straight Connector 40">
-                  <a:extLst>
-                    <a:ext uri="{FF2B5EF4-FFF2-40B4-BE49-F238E27FC236}">
-                      <a16:creationId xmlns:a16="http://schemas.microsoft.com/office/drawing/2014/main" id="{D963D467-2FB6-BD99-DE46-06E3CD764DB8}"/>
-                    </a:ext>
-                  </a:extLst>
-                </p:cNvPr>
-                <p:cNvCxnSpPr/>
-                <p:nvPr/>
-              </p:nvCxnSpPr>
-              <p:spPr>
-                <a:xfrm flipH="1">
-                  <a:off x="4151970" y="4714142"/>
-                  <a:ext cx="1" cy="338447"/>
-                </a:xfrm>
-                <a:prstGeom prst="line">
-                  <a:avLst/>
-                </a:prstGeom>
-                <a:ln w="28575">
-                  <a:solidFill>
-                    <a:schemeClr val="tx1"/>
-                  </a:solidFill>
-                </a:ln>
-              </p:spPr>
-              <p:style>
-                <a:lnRef idx="1">
-                  <a:schemeClr val="accent1"/>
-                </a:lnRef>
-                <a:fillRef idx="0">
-                  <a:schemeClr val="accent1"/>
-                </a:fillRef>
-                <a:effectRef idx="0">
-                  <a:schemeClr val="accent1"/>
-                </a:effectRef>
-                <a:fontRef idx="minor">
-                  <a:schemeClr val="tx1"/>
-                </a:fontRef>
-              </p:style>
-            </p:cxnSp>
-            <p:cxnSp>
-              <p:nvCxnSpPr>
-                <p:cNvPr id="42" name="Straight Connector 41">
-                  <a:extLst>
-                    <a:ext uri="{FF2B5EF4-FFF2-40B4-BE49-F238E27FC236}">
-                      <a16:creationId xmlns:a16="http://schemas.microsoft.com/office/drawing/2014/main" id="{E175FDA9-BC2E-0E6F-EBB8-AB8CC4F747E1}"/>
-                    </a:ext>
-                  </a:extLst>
-                </p:cNvPr>
-                <p:cNvCxnSpPr/>
-                <p:nvPr/>
-              </p:nvCxnSpPr>
-              <p:spPr>
-                <a:xfrm flipH="1">
-                  <a:off x="5806067" y="4709941"/>
-                  <a:ext cx="1" cy="338447"/>
-                </a:xfrm>
-                <a:prstGeom prst="line">
-                  <a:avLst/>
-                </a:prstGeom>
-                <a:ln w="28575">
-                  <a:solidFill>
-                    <a:schemeClr val="tx1"/>
-                  </a:solidFill>
-                </a:ln>
-              </p:spPr>
-              <p:style>
-                <a:lnRef idx="1">
-                  <a:schemeClr val="accent1"/>
-                </a:lnRef>
-                <a:fillRef idx="0">
-                  <a:schemeClr val="accent1"/>
-                </a:fillRef>
-                <a:effectRef idx="0">
-                  <a:schemeClr val="accent1"/>
-                </a:effectRef>
-                <a:fontRef idx="minor">
-                  <a:schemeClr val="tx1"/>
-                </a:fontRef>
-              </p:style>
-            </p:cxnSp>
-            <p:cxnSp>
-              <p:nvCxnSpPr>
-                <p:cNvPr id="43" name="Straight Connector 42">
-                  <a:extLst>
-                    <a:ext uri="{FF2B5EF4-FFF2-40B4-BE49-F238E27FC236}">
-                      <a16:creationId xmlns:a16="http://schemas.microsoft.com/office/drawing/2014/main" id="{EE257390-DF71-E6D3-C021-1FAC34F882F8}"/>
-                    </a:ext>
-                  </a:extLst>
-                </p:cNvPr>
-                <p:cNvCxnSpPr/>
-                <p:nvPr/>
-              </p:nvCxnSpPr>
-              <p:spPr>
-                <a:xfrm flipH="1">
-                  <a:off x="7460164" y="4712041"/>
-                  <a:ext cx="1" cy="338447"/>
-                </a:xfrm>
-                <a:prstGeom prst="line">
-                  <a:avLst/>
-                </a:prstGeom>
-                <a:ln w="28575">
-                  <a:solidFill>
-                    <a:schemeClr val="tx1"/>
-                  </a:solidFill>
-                </a:ln>
-              </p:spPr>
-              <p:style>
-                <a:lnRef idx="1">
-                  <a:schemeClr val="accent1"/>
-                </a:lnRef>
-                <a:fillRef idx="0">
-                  <a:schemeClr val="accent1"/>
-                </a:fillRef>
-                <a:effectRef idx="0">
-                  <a:schemeClr val="accent1"/>
-                </a:effectRef>
-                <a:fontRef idx="minor">
-                  <a:schemeClr val="tx1"/>
-                </a:fontRef>
-              </p:style>
-            </p:cxnSp>
-          </p:grpSp>
-        </p:grpSp>
-        <p:cxnSp>
-          <p:nvCxnSpPr>
-            <p:cNvPr id="48" name="Straight Connector 47">
-              <a:extLst>
-                <a:ext uri="{FF2B5EF4-FFF2-40B4-BE49-F238E27FC236}">
-                  <a16:creationId xmlns:a16="http://schemas.microsoft.com/office/drawing/2014/main" id="{293681BD-F995-CD29-A170-B05002F2EE96}"/>
-                </a:ext>
-              </a:extLst>
-            </p:cNvPr>
-            <p:cNvCxnSpPr/>
-            <p:nvPr/>
-          </p:nvCxnSpPr>
-          <p:spPr>
-            <a:xfrm flipH="1">
-              <a:off x="4982816" y="4980213"/>
-              <a:ext cx="1" cy="338447"/>
-            </a:xfrm>
-            <a:prstGeom prst="line">
-              <a:avLst/>
-            </a:prstGeom>
-            <a:ln w="28575">
-              <a:solidFill>
-                <a:schemeClr val="tx1"/>
-              </a:solidFill>
-            </a:ln>
-          </p:spPr>
-          <p:style>
-            <a:lnRef idx="1">
-              <a:schemeClr val="accent1"/>
-            </a:lnRef>
-            <a:fillRef idx="0">
-              <a:schemeClr val="accent1"/>
-            </a:fillRef>
-            <a:effectRef idx="0">
-              <a:schemeClr val="accent1"/>
-            </a:effectRef>
-            <a:fontRef idx="minor">
-              <a:schemeClr val="tx1"/>
-            </a:fontRef>
-          </p:style>
-        </p:cxnSp>
-        <p:cxnSp>
-          <p:nvCxnSpPr>
-            <p:cNvPr id="49" name="Straight Connector 48">
-              <a:extLst>
-                <a:ext uri="{FF2B5EF4-FFF2-40B4-BE49-F238E27FC236}">
-                  <a16:creationId xmlns:a16="http://schemas.microsoft.com/office/drawing/2014/main" id="{A216BF17-171D-250F-9B03-042F0F426996}"/>
-                </a:ext>
-              </a:extLst>
-            </p:cNvPr>
-            <p:cNvCxnSpPr>
-              <a:cxnSpLocks/>
-            </p:cNvCxnSpPr>
-            <p:nvPr/>
-          </p:nvCxnSpPr>
-          <p:spPr>
-            <a:xfrm flipH="1">
-              <a:off x="2487046" y="5315336"/>
-              <a:ext cx="4975543" cy="0"/>
-            </a:xfrm>
-            <a:prstGeom prst="line">
-              <a:avLst/>
-            </a:prstGeom>
-            <a:ln w="28575">
-              <a:solidFill>
-                <a:schemeClr val="tx1"/>
-              </a:solidFill>
-            </a:ln>
-          </p:spPr>
-          <p:style>
-            <a:lnRef idx="1">
-              <a:schemeClr val="accent1"/>
-            </a:lnRef>
-            <a:fillRef idx="0">
-              <a:schemeClr val="accent1"/>
-            </a:fillRef>
-            <a:effectRef idx="0">
-              <a:schemeClr val="accent1"/>
-            </a:effectRef>
-            <a:fontRef idx="minor">
-              <a:schemeClr val="tx1"/>
-            </a:fontRef>
-          </p:style>
-        </p:cxnSp>
-      </p:grpSp>
+              </a:rPr>
+              <a:t> </a:t>
+            </a:r>
+          </a:p>
+        </p:txBody>
+      </p:sp>
+      <p:sp>
+        <p:nvSpPr>
+          <p:cNvPr id="109" name="TextBox 108">
+            <a:extLst>
+              <a:ext uri="{FF2B5EF4-FFF2-40B4-BE49-F238E27FC236}">
+                <a16:creationId xmlns:a16="http://schemas.microsoft.com/office/drawing/2014/main" id="{CC77092C-645C-F8F1-BB96-09B5086040B7}"/>
+              </a:ext>
+            </a:extLst>
+          </p:cNvPr>
+          <p:cNvSpPr txBox="1"/>
+          <p:nvPr/>
+        </p:nvSpPr>
+        <p:spPr>
+          <a:xfrm>
+            <a:off x="3576651" y="1372256"/>
+            <a:ext cx="3162095" cy="369332"/>
+          </a:xfrm>
+          <a:prstGeom prst="rect">
+            <a:avLst/>
+          </a:prstGeom>
+          <a:noFill/>
+        </p:spPr>
+        <p:txBody>
+          <a:bodyPr wrap="square" rtlCol="0">
+            <a:spAutoFit/>
+          </a:bodyPr>
+          <a:lstStyle/>
+          <a:p>
+            <a:pPr algn="ctr"/>
+            <a:r>
+              <a:rPr lang="en-US" b="1" dirty="0"/>
+              <a:t>MusicTransformer3</a:t>
+            </a:r>
+          </a:p>
+        </p:txBody>
+      </p:sp>
+      <p:sp>
+        <p:nvSpPr>
+          <p:cNvPr id="110" name="TextBox 109">
+            <a:extLst>
+              <a:ext uri="{FF2B5EF4-FFF2-40B4-BE49-F238E27FC236}">
+                <a16:creationId xmlns:a16="http://schemas.microsoft.com/office/drawing/2014/main" id="{11BCED4D-E276-1C95-E0FD-33EC0D39EBF1}"/>
+              </a:ext>
+            </a:extLst>
+          </p:cNvPr>
+          <p:cNvSpPr txBox="1"/>
+          <p:nvPr/>
+        </p:nvSpPr>
+        <p:spPr>
+          <a:xfrm>
+            <a:off x="12879959" y="1372256"/>
+            <a:ext cx="3162095" cy="369332"/>
+          </a:xfrm>
+          <a:prstGeom prst="rect">
+            <a:avLst/>
+          </a:prstGeom>
+          <a:noFill/>
+        </p:spPr>
+        <p:txBody>
+          <a:bodyPr wrap="square" rtlCol="0">
+            <a:spAutoFit/>
+          </a:bodyPr>
+          <a:lstStyle/>
+          <a:p>
+            <a:pPr algn="ctr"/>
+            <a:r>
+              <a:rPr lang="en-US" b="1" dirty="0" err="1"/>
+              <a:t>MusicTransformerXL</a:t>
+            </a:r>
+            <a:endParaRPr lang="en-US" b="1" dirty="0"/>
+          </a:p>
+        </p:txBody>
+      </p:sp>
     </p:spTree>
     <p:extLst>
       <p:ext uri="{BB962C8B-B14F-4D97-AF65-F5344CB8AC3E}">
